--- a/Broadleaf.pptx
+++ b/Broadleaf.pptx
@@ -2,7 +2,7 @@
 <file path=ppt/presentation.xml><?xml version="1.0" encoding="utf-8"?>
 <p:presentation xmlns:a="http://schemas.openxmlformats.org/drawingml/2006/main" xmlns:r="http://schemas.openxmlformats.org/officeDocument/2006/relationships" xmlns:p="http://schemas.openxmlformats.org/presentationml/2006/main" saveSubsetFonts="1">
   <p:sldMasterIdLst>
-    <p:sldMasterId id="2147483660" r:id="rId1"/>
+    <p:sldMasterId id="2147483677" r:id="rId1"/>
   </p:sldMasterIdLst>
   <p:sldIdLst>
     <p:sldId id="256" r:id="rId2"/>
@@ -10,11 +10,11 @@
     <p:sldId id="258" r:id="rId4"/>
     <p:sldId id="259" r:id="rId5"/>
     <p:sldId id="260" r:id="rId6"/>
-    <p:sldId id="263" r:id="rId7"/>
-    <p:sldId id="262" r:id="rId8"/>
+    <p:sldId id="262" r:id="rId7"/>
+    <p:sldId id="263" r:id="rId8"/>
     <p:sldId id="261" r:id="rId9"/>
   </p:sldIdLst>
-  <p:sldSz cx="12192000" cy="6858000"/>
+  <p:sldSz cx="9144000" cy="6858000" type="screen4x3"/>
   <p:notesSz cx="6858000" cy="9144000"/>
   <p:defaultTextStyle>
     <a:defPPr>
@@ -121,8 +121,8 @@
             <p14:sldId id="258"/>
             <p14:sldId id="259"/>
             <p14:sldId id="260"/>
+            <p14:sldId id="262"/>
             <p14:sldId id="263"/>
-            <p14:sldId id="262"/>
             <p14:sldId id="261"/>
           </p14:sldIdLst>
         </p14:section>
@@ -164,8 +164,8 @@
         </p:nvSpPr>
         <p:spPr>
           <a:xfrm>
-            <a:off x="2589213" y="2514600"/>
-            <a:ext cx="8915399" cy="2262781"/>
+            <a:off x="1942416" y="2514601"/>
+            <a:ext cx="6600451" cy="2262781"/>
           </a:xfrm>
         </p:spPr>
         <p:txBody>
@@ -198,8 +198,8 @@
         </p:nvSpPr>
         <p:spPr>
           <a:xfrm>
-            <a:off x="2589213" y="4777379"/>
-            <a:ext cx="8915399" cy="1126283"/>
+            <a:off x="1942416" y="4777380"/>
+            <a:ext cx="6600451" cy="1126283"/>
           </a:xfrm>
         </p:spPr>
         <p:txBody>
@@ -350,73 +350,67 @@
       </p:sp>
       <p:sp>
         <p:nvSpPr>
-          <p:cNvPr id="7" name="Freeform 6"/>
+          <p:cNvPr id="9" name="Freeform 8"/>
           <p:cNvSpPr/>
           <p:nvPr/>
         </p:nvSpPr>
         <p:spPr bwMode="auto">
           <a:xfrm>
-            <a:off x="0" y="4323810"/>
-            <a:ext cx="1744652" cy="778589"/>
+            <a:off x="-31719" y="4321158"/>
+            <a:ext cx="1395473" cy="781781"/>
           </a:xfrm>
           <a:custGeom>
             <a:avLst/>
             <a:gdLst/>
             <a:ahLst/>
             <a:cxnLst/>
-            <a:rect l="0" t="0" r="r" b="b"/>
+            <a:rect l="l" t="t" r="r" b="b"/>
             <a:pathLst>
-              <a:path w="372" h="166">
+              <a:path w="8042" h="10000">
                 <a:moveTo>
-                  <a:pt x="287" y="166"/>
+                  <a:pt x="5799" y="10000"/>
                 </a:moveTo>
                 <a:cubicBezTo>
-                  <a:pt x="290" y="166"/>
-                  <a:pt x="292" y="165"/>
-                  <a:pt x="293" y="164"/>
+                  <a:pt x="5880" y="10000"/>
+                  <a:pt x="5934" y="9940"/>
+                  <a:pt x="5961" y="9880"/>
                 </a:cubicBezTo>
                 <a:cubicBezTo>
-                  <a:pt x="293" y="163"/>
-                  <a:pt x="294" y="163"/>
-                  <a:pt x="294" y="163"/>
+                  <a:pt x="5961" y="9820"/>
+                  <a:pt x="5988" y="9820"/>
+                  <a:pt x="5988" y="9820"/>
+                </a:cubicBezTo>
+                <a:lnTo>
+                  <a:pt x="8042" y="5260"/>
+                </a:lnTo>
+                <a:cubicBezTo>
+                  <a:pt x="8096" y="5140"/>
+                  <a:pt x="8096" y="4901"/>
+                  <a:pt x="8042" y="4721"/>
+                </a:cubicBezTo>
+                <a:lnTo>
+                  <a:pt x="5988" y="221"/>
+                </a:lnTo>
+                <a:cubicBezTo>
+                  <a:pt x="5988" y="160"/>
+                  <a:pt x="5961" y="160"/>
+                  <a:pt x="5961" y="160"/>
                 </a:cubicBezTo>
                 <a:cubicBezTo>
-                  <a:pt x="370" y="87"/>
-                  <a:pt x="370" y="87"/>
-                  <a:pt x="370" y="87"/>
+                  <a:pt x="5934" y="101"/>
+                  <a:pt x="5880" y="41"/>
+                  <a:pt x="5799" y="41"/>
                 </a:cubicBezTo>
+                <a:lnTo>
+                  <a:pt x="18" y="0"/>
+                </a:lnTo>
                 <a:cubicBezTo>
-                  <a:pt x="372" y="85"/>
-                  <a:pt x="372" y="81"/>
-                  <a:pt x="370" y="78"/>
+                  <a:pt x="12" y="3330"/>
+                  <a:pt x="6" y="6661"/>
+                  <a:pt x="0" y="9991"/>
                 </a:cubicBezTo>
-                <a:cubicBezTo>
-                  <a:pt x="294" y="3"/>
-                  <a:pt x="294" y="3"/>
-                  <a:pt x="294" y="3"/>
-                </a:cubicBezTo>
-                <a:cubicBezTo>
-                  <a:pt x="294" y="2"/>
-                  <a:pt x="293" y="2"/>
-                  <a:pt x="293" y="2"/>
-                </a:cubicBezTo>
-                <a:cubicBezTo>
-                  <a:pt x="292" y="1"/>
-                  <a:pt x="290" y="0"/>
-                  <a:pt x="287" y="0"/>
-                </a:cubicBezTo>
-                <a:cubicBezTo>
-                  <a:pt x="0" y="0"/>
-                  <a:pt x="0" y="0"/>
-                  <a:pt x="0" y="0"/>
-                </a:cubicBezTo>
-                <a:cubicBezTo>
-                  <a:pt x="0" y="166"/>
-                  <a:pt x="0" y="166"/>
-                  <a:pt x="0" y="166"/>
-                </a:cubicBezTo>
-                <a:lnTo>
-                  <a:pt x="287" y="166"/>
+                <a:lnTo>
+                  <a:pt x="5799" y="10000"/>
                 </a:lnTo>
                 <a:close/>
               </a:path>
@@ -442,8 +436,8 @@
         </p:nvSpPr>
         <p:spPr>
           <a:xfrm>
-            <a:off x="531812" y="4529540"/>
-            <a:ext cx="779767" cy="365125"/>
+            <a:off x="423334" y="4529541"/>
+            <a:ext cx="584978" cy="365125"/>
           </a:xfrm>
         </p:spPr>
         <p:txBody>
@@ -461,7 +455,7 @@
     </p:spTree>
     <p:extLst>
       <p:ext uri="{BB962C8B-B14F-4D97-AF65-F5344CB8AC3E}">
-        <p14:creationId xmlns:p14="http://schemas.microsoft.com/office/powerpoint/2010/main" val="790302523"/>
+        <p14:creationId xmlns:p14="http://schemas.microsoft.com/office/powerpoint/2010/main" val="3143756577"/>
       </p:ext>
     </p:extLst>
   </p:cSld>
@@ -500,8 +494,8 @@
         </p:nvSpPr>
         <p:spPr>
           <a:xfrm>
-            <a:off x="2589212" y="609600"/>
-            <a:ext cx="8915399" cy="3117040"/>
+            <a:off x="1942415" y="609600"/>
+            <a:ext cx="6591985" cy="3117040"/>
           </a:xfrm>
         </p:spPr>
         <p:txBody>
@@ -534,8 +528,8 @@
         </p:nvSpPr>
         <p:spPr>
           <a:xfrm>
-            <a:off x="2589212" y="4354046"/>
-            <a:ext cx="8915399" cy="1555864"/>
+            <a:off x="1942415" y="4354046"/>
+            <a:ext cx="6591985" cy="1555864"/>
           </a:xfrm>
         </p:spPr>
         <p:txBody>
@@ -688,14 +682,14 @@
       </p:sp>
       <p:sp>
         <p:nvSpPr>
-          <p:cNvPr id="9" name="Freeform 11"/>
+          <p:cNvPr id="10" name="Freeform 11"/>
           <p:cNvSpPr/>
           <p:nvPr/>
         </p:nvSpPr>
         <p:spPr bwMode="auto">
           <a:xfrm flipV="1">
-            <a:off x="-4189" y="3178175"/>
-            <a:ext cx="1588527" cy="507297"/>
+            <a:off x="58" y="3166527"/>
+            <a:ext cx="1358356" cy="508005"/>
           </a:xfrm>
           <a:custGeom>
             <a:avLst/>
@@ -704,57 +698,55 @@
             <a:cxnLst/>
             <a:rect l="l" t="t" r="r" b="b"/>
             <a:pathLst>
-              <a:path w="9248" h="10000">
+              <a:path w="7908" h="10000">
                 <a:moveTo>
-                  <a:pt x="9248" y="4701"/>
+                  <a:pt x="7908" y="4694"/>
                 </a:moveTo>
                 <a:lnTo>
-                  <a:pt x="7915" y="188"/>
+                  <a:pt x="6575" y="188"/>
                 </a:lnTo>
                 <a:cubicBezTo>
-                  <a:pt x="7906" y="156"/>
-                  <a:pt x="7895" y="126"/>
-                  <a:pt x="7886" y="94"/>
+                  <a:pt x="6566" y="157"/>
+                  <a:pt x="6555" y="125"/>
+                  <a:pt x="6546" y="94"/>
                 </a:cubicBezTo>
                 <a:cubicBezTo>
-                  <a:pt x="7859" y="0"/>
-                  <a:pt x="7831" y="0"/>
-                  <a:pt x="7803" y="0"/>
+                  <a:pt x="6519" y="0"/>
+                  <a:pt x="6491" y="0"/>
+                  <a:pt x="6463" y="0"/>
                 </a:cubicBezTo>
                 <a:lnTo>
-                  <a:pt x="7275" y="0"/>
-                </a:lnTo>
-                <a:lnTo>
-                  <a:pt x="0" y="70"/>
+                  <a:pt x="5935" y="0"/>
+                </a:lnTo>
+                <a:lnTo>
+                  <a:pt x="0" y="62"/>
+                </a:lnTo>
+                <a:lnTo>
+                  <a:pt x="0" y="10000"/>
+                </a:lnTo>
+                <a:lnTo>
+                  <a:pt x="5935" y="9952"/>
+                </a:lnTo>
+                <a:lnTo>
+                  <a:pt x="6463" y="9952"/>
                 </a:lnTo>
                 <a:cubicBezTo>
-                  <a:pt x="8" y="3380"/>
-                  <a:pt x="17" y="6690"/>
-                  <a:pt x="25" y="10000"/>
-                </a:cubicBezTo>
-                <a:lnTo>
-                  <a:pt x="7275" y="9966"/>
-                </a:lnTo>
-                <a:lnTo>
-                  <a:pt x="7803" y="9966"/>
-                </a:lnTo>
-                <a:cubicBezTo>
-                  <a:pt x="7831" y="9966"/>
-                  <a:pt x="7859" y="9872"/>
-                  <a:pt x="7886" y="9872"/>
+                  <a:pt x="6491" y="9952"/>
+                  <a:pt x="6519" y="9859"/>
+                  <a:pt x="6546" y="9859"/>
                 </a:cubicBezTo>
                 <a:cubicBezTo>
-                  <a:pt x="7886" y="9778"/>
-                  <a:pt x="7915" y="9778"/>
-                  <a:pt x="7915" y="9778"/>
+                  <a:pt x="6546" y="9764"/>
+                  <a:pt x="6575" y="9764"/>
+                  <a:pt x="6575" y="9764"/>
                 </a:cubicBezTo>
                 <a:lnTo>
-                  <a:pt x="9248" y="5265"/>
+                  <a:pt x="7908" y="5258"/>
                 </a:lnTo>
                 <a:cubicBezTo>
-                  <a:pt x="9303" y="5077"/>
-                  <a:pt x="9303" y="4889"/>
-                  <a:pt x="9248" y="4701"/>
+                  <a:pt x="7963" y="5070"/>
+                  <a:pt x="7963" y="4883"/>
+                  <a:pt x="7908" y="4694"/>
                 </a:cubicBezTo>
                 <a:close/>
               </a:path>
@@ -780,8 +772,8 @@
         </p:nvSpPr>
         <p:spPr>
           <a:xfrm>
-            <a:off x="531812" y="3244139"/>
-            <a:ext cx="779767" cy="365125"/>
+            <a:off x="511228" y="3244140"/>
+            <a:ext cx="584978" cy="365125"/>
           </a:xfrm>
         </p:spPr>
         <p:txBody>
@@ -799,7 +791,7 @@
     </p:spTree>
     <p:extLst>
       <p:ext uri="{BB962C8B-B14F-4D97-AF65-F5344CB8AC3E}">
-        <p14:creationId xmlns:p14="http://schemas.microsoft.com/office/powerpoint/2010/main" val="2361119314"/>
+        <p14:creationId xmlns:p14="http://schemas.microsoft.com/office/powerpoint/2010/main" val="4030005922"/>
       </p:ext>
     </p:extLst>
   </p:cSld>
@@ -838,8 +830,8 @@
         </p:nvSpPr>
         <p:spPr>
           <a:xfrm>
-            <a:off x="2849949" y="609600"/>
-            <a:ext cx="8393926" cy="2895600"/>
+            <a:off x="2188123" y="609600"/>
+            <a:ext cx="6109587" cy="2895600"/>
           </a:xfrm>
         </p:spPr>
         <p:txBody>
@@ -872,8 +864,8 @@
         </p:nvSpPr>
         <p:spPr>
           <a:xfrm>
-            <a:off x="3275012" y="3505200"/>
-            <a:ext cx="7536554" cy="381000"/>
+            <a:off x="2415972" y="3505200"/>
+            <a:ext cx="5653888" cy="381000"/>
           </a:xfrm>
         </p:spPr>
         <p:txBody>
@@ -935,8 +927,8 @@
         </p:nvSpPr>
         <p:spPr>
           <a:xfrm>
-            <a:off x="2589212" y="4354046"/>
-            <a:ext cx="8915399" cy="1555864"/>
+            <a:off x="1942415" y="4354046"/>
+            <a:ext cx="6591985" cy="1555864"/>
           </a:xfrm>
         </p:spPr>
         <p:txBody>
@@ -1089,14 +1081,14 @@
       </p:sp>
       <p:sp>
         <p:nvSpPr>
-          <p:cNvPr id="11" name="Freeform 11"/>
+          <p:cNvPr id="19" name="Freeform 11"/>
           <p:cNvSpPr/>
           <p:nvPr/>
         </p:nvSpPr>
         <p:spPr bwMode="auto">
           <a:xfrm flipV="1">
-            <a:off x="-4189" y="3178175"/>
-            <a:ext cx="1588527" cy="507297"/>
+            <a:off x="58" y="3166527"/>
+            <a:ext cx="1358356" cy="508005"/>
           </a:xfrm>
           <a:custGeom>
             <a:avLst/>
@@ -1105,57 +1097,55 @@
             <a:cxnLst/>
             <a:rect l="l" t="t" r="r" b="b"/>
             <a:pathLst>
-              <a:path w="9248" h="10000">
+              <a:path w="7908" h="10000">
                 <a:moveTo>
-                  <a:pt x="9248" y="4701"/>
+                  <a:pt x="7908" y="4694"/>
                 </a:moveTo>
                 <a:lnTo>
-                  <a:pt x="7915" y="188"/>
+                  <a:pt x="6575" y="188"/>
                 </a:lnTo>
                 <a:cubicBezTo>
-                  <a:pt x="7906" y="156"/>
-                  <a:pt x="7895" y="126"/>
-                  <a:pt x="7886" y="94"/>
+                  <a:pt x="6566" y="157"/>
+                  <a:pt x="6555" y="125"/>
+                  <a:pt x="6546" y="94"/>
                 </a:cubicBezTo>
                 <a:cubicBezTo>
-                  <a:pt x="7859" y="0"/>
-                  <a:pt x="7831" y="0"/>
-                  <a:pt x="7803" y="0"/>
+                  <a:pt x="6519" y="0"/>
+                  <a:pt x="6491" y="0"/>
+                  <a:pt x="6463" y="0"/>
                 </a:cubicBezTo>
                 <a:lnTo>
-                  <a:pt x="7275" y="0"/>
-                </a:lnTo>
-                <a:lnTo>
-                  <a:pt x="0" y="70"/>
+                  <a:pt x="5935" y="0"/>
+                </a:lnTo>
+                <a:lnTo>
+                  <a:pt x="0" y="62"/>
+                </a:lnTo>
+                <a:lnTo>
+                  <a:pt x="0" y="10000"/>
+                </a:lnTo>
+                <a:lnTo>
+                  <a:pt x="5935" y="9952"/>
+                </a:lnTo>
+                <a:lnTo>
+                  <a:pt x="6463" y="9952"/>
                 </a:lnTo>
                 <a:cubicBezTo>
-                  <a:pt x="8" y="3380"/>
-                  <a:pt x="17" y="6690"/>
-                  <a:pt x="25" y="10000"/>
-                </a:cubicBezTo>
-                <a:lnTo>
-                  <a:pt x="7275" y="9966"/>
-                </a:lnTo>
-                <a:lnTo>
-                  <a:pt x="7803" y="9966"/>
-                </a:lnTo>
-                <a:cubicBezTo>
-                  <a:pt x="7831" y="9966"/>
-                  <a:pt x="7859" y="9872"/>
-                  <a:pt x="7886" y="9872"/>
+                  <a:pt x="6491" y="9952"/>
+                  <a:pt x="6519" y="9859"/>
+                  <a:pt x="6546" y="9859"/>
                 </a:cubicBezTo>
                 <a:cubicBezTo>
-                  <a:pt x="7886" y="9778"/>
-                  <a:pt x="7915" y="9778"/>
-                  <a:pt x="7915" y="9778"/>
+                  <a:pt x="6546" y="9764"/>
+                  <a:pt x="6575" y="9764"/>
+                  <a:pt x="6575" y="9764"/>
                 </a:cubicBezTo>
                 <a:lnTo>
-                  <a:pt x="9248" y="5265"/>
+                  <a:pt x="7908" y="5258"/>
                 </a:lnTo>
                 <a:cubicBezTo>
-                  <a:pt x="9303" y="5077"/>
-                  <a:pt x="9303" y="4889"/>
-                  <a:pt x="9248" y="4701"/>
+                  <a:pt x="7963" y="5070"/>
+                  <a:pt x="7963" y="4883"/>
+                  <a:pt x="7908" y="4694"/>
                 </a:cubicBezTo>
                 <a:close/>
               </a:path>
@@ -1181,8 +1171,8 @@
         </p:nvSpPr>
         <p:spPr>
           <a:xfrm>
-            <a:off x="531812" y="3244139"/>
-            <a:ext cx="779767" cy="365125"/>
+            <a:off x="511228" y="3244140"/>
+            <a:ext cx="584978" cy="365125"/>
           </a:xfrm>
         </p:spPr>
         <p:txBody>
@@ -1205,8 +1195,8 @@
         </p:nvSpPr>
         <p:spPr>
           <a:xfrm>
-            <a:off x="2467652" y="648005"/>
-            <a:ext cx="609600" cy="584776"/>
+            <a:off x="1808316" y="648005"/>
+            <a:ext cx="457319" cy="584776"/>
           </a:xfrm>
           <a:prstGeom prst="rect">
             <a:avLst/>
@@ -1243,8 +1233,8 @@
         </p:nvSpPr>
         <p:spPr>
           <a:xfrm>
-            <a:off x="11114852" y="2905306"/>
-            <a:ext cx="609600" cy="584776"/>
+            <a:off x="8169533" y="2905306"/>
+            <a:ext cx="457319" cy="584776"/>
           </a:xfrm>
           <a:prstGeom prst="rect">
             <a:avLst/>
@@ -1276,7 +1266,7 @@
     </p:spTree>
     <p:extLst>
       <p:ext uri="{BB962C8B-B14F-4D97-AF65-F5344CB8AC3E}">
-        <p14:creationId xmlns:p14="http://schemas.microsoft.com/office/powerpoint/2010/main" val="2367594897"/>
+        <p14:creationId xmlns:p14="http://schemas.microsoft.com/office/powerpoint/2010/main" val="2113466798"/>
       </p:ext>
     </p:extLst>
   </p:cSld>
@@ -1315,8 +1305,8 @@
         </p:nvSpPr>
         <p:spPr>
           <a:xfrm>
-            <a:off x="2589213" y="2438400"/>
-            <a:ext cx="8915400" cy="2724845"/>
+            <a:off x="1942415" y="2438401"/>
+            <a:ext cx="6591985" cy="2724845"/>
           </a:xfrm>
         </p:spPr>
         <p:txBody>
@@ -1349,8 +1339,8 @@
         </p:nvSpPr>
         <p:spPr>
           <a:xfrm>
-            <a:off x="2589213" y="5181600"/>
-            <a:ext cx="8915400" cy="729622"/>
+            <a:off x="1942415" y="5181600"/>
+            <a:ext cx="6591985" cy="729622"/>
           </a:xfrm>
         </p:spPr>
         <p:txBody>
@@ -1425,14 +1415,14 @@
       </p:sp>
       <p:sp>
         <p:nvSpPr>
-          <p:cNvPr id="9" name="Freeform 11"/>
+          <p:cNvPr id="11" name="Freeform 11"/>
           <p:cNvSpPr/>
           <p:nvPr/>
         </p:nvSpPr>
         <p:spPr bwMode="auto">
           <a:xfrm flipV="1">
-            <a:off x="-4189" y="4911725"/>
-            <a:ext cx="1588527" cy="507297"/>
+            <a:off x="58" y="4910660"/>
+            <a:ext cx="1358356" cy="508005"/>
           </a:xfrm>
           <a:custGeom>
             <a:avLst/>
@@ -1441,57 +1431,55 @@
             <a:cxnLst/>
             <a:rect l="l" t="t" r="r" b="b"/>
             <a:pathLst>
-              <a:path w="9248" h="10000">
+              <a:path w="7908" h="10000">
                 <a:moveTo>
-                  <a:pt x="9248" y="4701"/>
+                  <a:pt x="7908" y="4694"/>
                 </a:moveTo>
                 <a:lnTo>
-                  <a:pt x="7915" y="188"/>
+                  <a:pt x="6575" y="188"/>
                 </a:lnTo>
                 <a:cubicBezTo>
-                  <a:pt x="7906" y="156"/>
-                  <a:pt x="7895" y="126"/>
-                  <a:pt x="7886" y="94"/>
+                  <a:pt x="6566" y="157"/>
+                  <a:pt x="6555" y="125"/>
+                  <a:pt x="6546" y="94"/>
                 </a:cubicBezTo>
                 <a:cubicBezTo>
-                  <a:pt x="7859" y="0"/>
-                  <a:pt x="7831" y="0"/>
-                  <a:pt x="7803" y="0"/>
+                  <a:pt x="6519" y="0"/>
+                  <a:pt x="6491" y="0"/>
+                  <a:pt x="6463" y="0"/>
                 </a:cubicBezTo>
                 <a:lnTo>
-                  <a:pt x="7275" y="0"/>
-                </a:lnTo>
-                <a:lnTo>
-                  <a:pt x="0" y="70"/>
+                  <a:pt x="5935" y="0"/>
+                </a:lnTo>
+                <a:lnTo>
+                  <a:pt x="0" y="62"/>
+                </a:lnTo>
+                <a:lnTo>
+                  <a:pt x="0" y="10000"/>
+                </a:lnTo>
+                <a:lnTo>
+                  <a:pt x="5935" y="9952"/>
+                </a:lnTo>
+                <a:lnTo>
+                  <a:pt x="6463" y="9952"/>
                 </a:lnTo>
                 <a:cubicBezTo>
-                  <a:pt x="8" y="3380"/>
-                  <a:pt x="17" y="6690"/>
-                  <a:pt x="25" y="10000"/>
-                </a:cubicBezTo>
-                <a:lnTo>
-                  <a:pt x="7275" y="9966"/>
-                </a:lnTo>
-                <a:lnTo>
-                  <a:pt x="7803" y="9966"/>
-                </a:lnTo>
-                <a:cubicBezTo>
-                  <a:pt x="7831" y="9966"/>
-                  <a:pt x="7859" y="9872"/>
-                  <a:pt x="7886" y="9872"/>
+                  <a:pt x="6491" y="9952"/>
+                  <a:pt x="6519" y="9859"/>
+                  <a:pt x="6546" y="9859"/>
                 </a:cubicBezTo>
                 <a:cubicBezTo>
-                  <a:pt x="7886" y="9778"/>
-                  <a:pt x="7915" y="9778"/>
-                  <a:pt x="7915" y="9778"/>
+                  <a:pt x="6546" y="9764"/>
+                  <a:pt x="6575" y="9764"/>
+                  <a:pt x="6575" y="9764"/>
                 </a:cubicBezTo>
                 <a:lnTo>
-                  <a:pt x="9248" y="5265"/>
+                  <a:pt x="7908" y="5258"/>
                 </a:lnTo>
                 <a:cubicBezTo>
-                  <a:pt x="9303" y="5077"/>
-                  <a:pt x="9303" y="4889"/>
-                  <a:pt x="9248" y="4701"/>
+                  <a:pt x="7963" y="5070"/>
+                  <a:pt x="7963" y="4883"/>
+                  <a:pt x="7908" y="4694"/>
                 </a:cubicBezTo>
                 <a:close/>
               </a:path>
@@ -1517,8 +1505,8 @@
         </p:nvSpPr>
         <p:spPr>
           <a:xfrm>
-            <a:off x="531812" y="4983087"/>
-            <a:ext cx="779767" cy="365125"/>
+            <a:off x="511228" y="4983088"/>
+            <a:ext cx="584978" cy="365125"/>
           </a:xfrm>
         </p:spPr>
         <p:txBody>
@@ -1536,7 +1524,7 @@
     </p:spTree>
     <p:extLst>
       <p:ext uri="{BB962C8B-B14F-4D97-AF65-F5344CB8AC3E}">
-        <p14:creationId xmlns:p14="http://schemas.microsoft.com/office/powerpoint/2010/main" val="1785675201"/>
+        <p14:creationId xmlns:p14="http://schemas.microsoft.com/office/powerpoint/2010/main" val="805909306"/>
       </p:ext>
     </p:extLst>
   </p:cSld>
@@ -1565,7 +1553,7 @@
       </p:grpSpPr>
       <p:sp>
         <p:nvSpPr>
-          <p:cNvPr id="12" name="Title 1"/>
+          <p:cNvPr id="13" name="Title 1"/>
           <p:cNvSpPr>
             <a:spLocks noGrp="1"/>
           </p:cNvSpPr>
@@ -1575,8 +1563,8 @@
         </p:nvSpPr>
         <p:spPr>
           <a:xfrm>
-            <a:off x="2849949" y="609600"/>
-            <a:ext cx="8393926" cy="2895600"/>
+            <a:off x="2188123" y="609600"/>
+            <a:ext cx="6109587" cy="2895600"/>
           </a:xfrm>
         </p:spPr>
         <p:txBody>
@@ -1609,8 +1597,8 @@
         </p:nvSpPr>
         <p:spPr>
           <a:xfrm>
-            <a:off x="2589212" y="4343400"/>
-            <a:ext cx="8915400" cy="838200"/>
+            <a:off x="1942415" y="4343400"/>
+            <a:ext cx="6688292" cy="838200"/>
           </a:xfrm>
         </p:spPr>
         <p:txBody>
@@ -1669,8 +1657,8 @@
         </p:nvSpPr>
         <p:spPr>
           <a:xfrm>
-            <a:off x="2589213" y="5181600"/>
-            <a:ext cx="8915400" cy="729622"/>
+            <a:off x="1942415" y="5181600"/>
+            <a:ext cx="6688292" cy="729622"/>
           </a:xfrm>
         </p:spPr>
         <p:txBody>
@@ -1745,14 +1733,14 @@
       </p:sp>
       <p:sp>
         <p:nvSpPr>
-          <p:cNvPr id="11" name="Freeform 11"/>
+          <p:cNvPr id="20" name="Freeform 11"/>
           <p:cNvSpPr/>
           <p:nvPr/>
         </p:nvSpPr>
         <p:spPr bwMode="auto">
           <a:xfrm flipV="1">
-            <a:off x="-4189" y="4911725"/>
-            <a:ext cx="1588527" cy="507297"/>
+            <a:off x="58" y="4910660"/>
+            <a:ext cx="1358356" cy="508005"/>
           </a:xfrm>
           <a:custGeom>
             <a:avLst/>
@@ -1761,57 +1749,55 @@
             <a:cxnLst/>
             <a:rect l="l" t="t" r="r" b="b"/>
             <a:pathLst>
-              <a:path w="9248" h="10000">
+              <a:path w="7908" h="10000">
                 <a:moveTo>
-                  <a:pt x="9248" y="4701"/>
+                  <a:pt x="7908" y="4694"/>
                 </a:moveTo>
                 <a:lnTo>
-                  <a:pt x="7915" y="188"/>
+                  <a:pt x="6575" y="188"/>
                 </a:lnTo>
                 <a:cubicBezTo>
-                  <a:pt x="7906" y="156"/>
-                  <a:pt x="7895" y="126"/>
-                  <a:pt x="7886" y="94"/>
+                  <a:pt x="6566" y="157"/>
+                  <a:pt x="6555" y="125"/>
+                  <a:pt x="6546" y="94"/>
                 </a:cubicBezTo>
                 <a:cubicBezTo>
-                  <a:pt x="7859" y="0"/>
-                  <a:pt x="7831" y="0"/>
-                  <a:pt x="7803" y="0"/>
+                  <a:pt x="6519" y="0"/>
+                  <a:pt x="6491" y="0"/>
+                  <a:pt x="6463" y="0"/>
                 </a:cubicBezTo>
                 <a:lnTo>
-                  <a:pt x="7275" y="0"/>
-                </a:lnTo>
-                <a:lnTo>
-                  <a:pt x="0" y="70"/>
+                  <a:pt x="5935" y="0"/>
+                </a:lnTo>
+                <a:lnTo>
+                  <a:pt x="0" y="62"/>
+                </a:lnTo>
+                <a:lnTo>
+                  <a:pt x="0" y="10000"/>
+                </a:lnTo>
+                <a:lnTo>
+                  <a:pt x="5935" y="9952"/>
+                </a:lnTo>
+                <a:lnTo>
+                  <a:pt x="6463" y="9952"/>
                 </a:lnTo>
                 <a:cubicBezTo>
-                  <a:pt x="8" y="3380"/>
-                  <a:pt x="17" y="6690"/>
-                  <a:pt x="25" y="10000"/>
-                </a:cubicBezTo>
-                <a:lnTo>
-                  <a:pt x="7275" y="9966"/>
-                </a:lnTo>
-                <a:lnTo>
-                  <a:pt x="7803" y="9966"/>
-                </a:lnTo>
-                <a:cubicBezTo>
-                  <a:pt x="7831" y="9966"/>
-                  <a:pt x="7859" y="9872"/>
-                  <a:pt x="7886" y="9872"/>
+                  <a:pt x="6491" y="9952"/>
+                  <a:pt x="6519" y="9859"/>
+                  <a:pt x="6546" y="9859"/>
                 </a:cubicBezTo>
                 <a:cubicBezTo>
-                  <a:pt x="7886" y="9778"/>
-                  <a:pt x="7915" y="9778"/>
-                  <a:pt x="7915" y="9778"/>
+                  <a:pt x="6546" y="9764"/>
+                  <a:pt x="6575" y="9764"/>
+                  <a:pt x="6575" y="9764"/>
                 </a:cubicBezTo>
                 <a:lnTo>
-                  <a:pt x="9248" y="5265"/>
+                  <a:pt x="7908" y="5258"/>
                 </a:lnTo>
                 <a:cubicBezTo>
-                  <a:pt x="9303" y="5077"/>
-                  <a:pt x="9303" y="4889"/>
-                  <a:pt x="9248" y="4701"/>
+                  <a:pt x="7963" y="5070"/>
+                  <a:pt x="7963" y="4883"/>
+                  <a:pt x="7908" y="4694"/>
                 </a:cubicBezTo>
                 <a:close/>
               </a:path>
@@ -1837,8 +1823,8 @@
         </p:nvSpPr>
         <p:spPr>
           <a:xfrm>
-            <a:off x="531812" y="4983087"/>
-            <a:ext cx="779767" cy="365125"/>
+            <a:off x="511228" y="4983088"/>
+            <a:ext cx="584978" cy="365125"/>
           </a:xfrm>
         </p:spPr>
         <p:txBody>
@@ -1855,14 +1841,14 @@
       </p:sp>
       <p:sp>
         <p:nvSpPr>
-          <p:cNvPr id="17" name="TextBox 16"/>
+          <p:cNvPr id="11" name="TextBox 10"/>
           <p:cNvSpPr txBox="1"/>
           <p:nvPr/>
         </p:nvSpPr>
         <p:spPr>
           <a:xfrm>
-            <a:off x="2467652" y="648005"/>
-            <a:ext cx="609600" cy="584776"/>
+            <a:off x="1808316" y="648005"/>
+            <a:ext cx="457319" cy="584776"/>
           </a:xfrm>
           <a:prstGeom prst="rect">
             <a:avLst/>
@@ -1893,14 +1879,14 @@
       </p:sp>
       <p:sp>
         <p:nvSpPr>
-          <p:cNvPr id="18" name="TextBox 17"/>
+          <p:cNvPr id="12" name="TextBox 11"/>
           <p:cNvSpPr txBox="1"/>
           <p:nvPr/>
         </p:nvSpPr>
         <p:spPr>
           <a:xfrm>
-            <a:off x="11114852" y="2905306"/>
-            <a:ext cx="609600" cy="584776"/>
+            <a:off x="8169533" y="2905306"/>
+            <a:ext cx="457319" cy="584776"/>
           </a:xfrm>
           <a:prstGeom prst="rect">
             <a:avLst/>
@@ -1932,7 +1918,7 @@
     </p:spTree>
     <p:extLst>
       <p:ext uri="{BB962C8B-B14F-4D97-AF65-F5344CB8AC3E}">
-        <p14:creationId xmlns:p14="http://schemas.microsoft.com/office/powerpoint/2010/main" val="1505145262"/>
+        <p14:creationId xmlns:p14="http://schemas.microsoft.com/office/powerpoint/2010/main" val="452281975"/>
       </p:ext>
     </p:extLst>
   </p:cSld>
@@ -1971,8 +1957,8 @@
         </p:nvSpPr>
         <p:spPr>
           <a:xfrm>
-            <a:off x="2589212" y="627407"/>
-            <a:ext cx="8915399" cy="2880020"/>
+            <a:off x="1942416" y="627407"/>
+            <a:ext cx="6591984" cy="2880020"/>
           </a:xfrm>
         </p:spPr>
         <p:txBody>
@@ -2005,8 +1991,8 @@
         </p:nvSpPr>
         <p:spPr>
           <a:xfrm>
-            <a:off x="2589212" y="4343400"/>
-            <a:ext cx="8915400" cy="838200"/>
+            <a:off x="1942415" y="4343400"/>
+            <a:ext cx="6591985" cy="838200"/>
           </a:xfrm>
         </p:spPr>
         <p:txBody>
@@ -2065,8 +2051,8 @@
         </p:nvSpPr>
         <p:spPr>
           <a:xfrm>
-            <a:off x="2589213" y="5181600"/>
-            <a:ext cx="8915400" cy="729622"/>
+            <a:off x="1942415" y="5181600"/>
+            <a:ext cx="6591985" cy="729622"/>
           </a:xfrm>
         </p:spPr>
         <p:txBody>
@@ -2141,14 +2127,14 @@
       </p:sp>
       <p:sp>
         <p:nvSpPr>
-          <p:cNvPr id="9" name="Freeform 11"/>
+          <p:cNvPr id="10" name="Freeform 11"/>
           <p:cNvSpPr/>
           <p:nvPr/>
         </p:nvSpPr>
         <p:spPr bwMode="auto">
           <a:xfrm flipV="1">
-            <a:off x="-4189" y="4911725"/>
-            <a:ext cx="1588527" cy="507297"/>
+            <a:off x="58" y="4910660"/>
+            <a:ext cx="1358356" cy="508005"/>
           </a:xfrm>
           <a:custGeom>
             <a:avLst/>
@@ -2157,57 +2143,55 @@
             <a:cxnLst/>
             <a:rect l="l" t="t" r="r" b="b"/>
             <a:pathLst>
-              <a:path w="9248" h="10000">
+              <a:path w="7908" h="10000">
                 <a:moveTo>
-                  <a:pt x="9248" y="4701"/>
+                  <a:pt x="7908" y="4694"/>
                 </a:moveTo>
                 <a:lnTo>
-                  <a:pt x="7915" y="188"/>
+                  <a:pt x="6575" y="188"/>
                 </a:lnTo>
                 <a:cubicBezTo>
-                  <a:pt x="7906" y="156"/>
-                  <a:pt x="7895" y="126"/>
-                  <a:pt x="7886" y="94"/>
+                  <a:pt x="6566" y="157"/>
+                  <a:pt x="6555" y="125"/>
+                  <a:pt x="6546" y="94"/>
                 </a:cubicBezTo>
                 <a:cubicBezTo>
-                  <a:pt x="7859" y="0"/>
-                  <a:pt x="7831" y="0"/>
-                  <a:pt x="7803" y="0"/>
+                  <a:pt x="6519" y="0"/>
+                  <a:pt x="6491" y="0"/>
+                  <a:pt x="6463" y="0"/>
                 </a:cubicBezTo>
                 <a:lnTo>
-                  <a:pt x="7275" y="0"/>
-                </a:lnTo>
-                <a:lnTo>
-                  <a:pt x="0" y="70"/>
+                  <a:pt x="5935" y="0"/>
+                </a:lnTo>
+                <a:lnTo>
+                  <a:pt x="0" y="62"/>
+                </a:lnTo>
+                <a:lnTo>
+                  <a:pt x="0" y="10000"/>
+                </a:lnTo>
+                <a:lnTo>
+                  <a:pt x="5935" y="9952"/>
+                </a:lnTo>
+                <a:lnTo>
+                  <a:pt x="6463" y="9952"/>
                 </a:lnTo>
                 <a:cubicBezTo>
-                  <a:pt x="8" y="3380"/>
-                  <a:pt x="17" y="6690"/>
-                  <a:pt x="25" y="10000"/>
-                </a:cubicBezTo>
-                <a:lnTo>
-                  <a:pt x="7275" y="9966"/>
-                </a:lnTo>
-                <a:lnTo>
-                  <a:pt x="7803" y="9966"/>
-                </a:lnTo>
-                <a:cubicBezTo>
-                  <a:pt x="7831" y="9966"/>
-                  <a:pt x="7859" y="9872"/>
-                  <a:pt x="7886" y="9872"/>
+                  <a:pt x="6491" y="9952"/>
+                  <a:pt x="6519" y="9859"/>
+                  <a:pt x="6546" y="9859"/>
                 </a:cubicBezTo>
                 <a:cubicBezTo>
-                  <a:pt x="7886" y="9778"/>
-                  <a:pt x="7915" y="9778"/>
-                  <a:pt x="7915" y="9778"/>
+                  <a:pt x="6546" y="9764"/>
+                  <a:pt x="6575" y="9764"/>
+                  <a:pt x="6575" y="9764"/>
                 </a:cubicBezTo>
                 <a:lnTo>
-                  <a:pt x="9248" y="5265"/>
+                  <a:pt x="7908" y="5258"/>
                 </a:lnTo>
                 <a:cubicBezTo>
-                  <a:pt x="9303" y="5077"/>
-                  <a:pt x="9303" y="4889"/>
-                  <a:pt x="9248" y="4701"/>
+                  <a:pt x="7963" y="5070"/>
+                  <a:pt x="7963" y="4883"/>
+                  <a:pt x="7908" y="4694"/>
                 </a:cubicBezTo>
                 <a:close/>
               </a:path>
@@ -2233,8 +2217,8 @@
         </p:nvSpPr>
         <p:spPr>
           <a:xfrm>
-            <a:off x="531812" y="4983087"/>
-            <a:ext cx="779767" cy="365125"/>
+            <a:off x="511228" y="4983088"/>
+            <a:ext cx="584978" cy="365125"/>
           </a:xfrm>
         </p:spPr>
         <p:txBody>
@@ -2252,7 +2236,7 @@
     </p:spTree>
     <p:extLst>
       <p:ext uri="{BB962C8B-B14F-4D97-AF65-F5344CB8AC3E}">
-        <p14:creationId xmlns:p14="http://schemas.microsoft.com/office/powerpoint/2010/main" val="1139141468"/>
+        <p14:creationId xmlns:p14="http://schemas.microsoft.com/office/powerpoint/2010/main" val="302603213"/>
       </p:ext>
     </p:extLst>
   </p:cSld>
@@ -2398,14 +2382,14 @@
       </p:sp>
       <p:sp>
         <p:nvSpPr>
-          <p:cNvPr id="8" name="Freeform 11"/>
+          <p:cNvPr id="10" name="Freeform 11"/>
           <p:cNvSpPr/>
           <p:nvPr/>
         </p:nvSpPr>
         <p:spPr bwMode="auto">
           <a:xfrm flipV="1">
-            <a:off x="-4189" y="714375"/>
-            <a:ext cx="1588527" cy="507297"/>
+            <a:off x="58" y="711194"/>
+            <a:ext cx="1358356" cy="508005"/>
           </a:xfrm>
           <a:custGeom>
             <a:avLst/>
@@ -2414,57 +2398,55 @@
             <a:cxnLst/>
             <a:rect l="l" t="t" r="r" b="b"/>
             <a:pathLst>
-              <a:path w="9248" h="10000">
+              <a:path w="7908" h="10000">
                 <a:moveTo>
-                  <a:pt x="9248" y="4701"/>
+                  <a:pt x="7908" y="4694"/>
                 </a:moveTo>
                 <a:lnTo>
-                  <a:pt x="7915" y="188"/>
+                  <a:pt x="6575" y="188"/>
                 </a:lnTo>
                 <a:cubicBezTo>
-                  <a:pt x="7906" y="156"/>
-                  <a:pt x="7895" y="126"/>
-                  <a:pt x="7886" y="94"/>
+                  <a:pt x="6566" y="157"/>
+                  <a:pt x="6555" y="125"/>
+                  <a:pt x="6546" y="94"/>
                 </a:cubicBezTo>
                 <a:cubicBezTo>
-                  <a:pt x="7859" y="0"/>
-                  <a:pt x="7831" y="0"/>
-                  <a:pt x="7803" y="0"/>
+                  <a:pt x="6519" y="0"/>
+                  <a:pt x="6491" y="0"/>
+                  <a:pt x="6463" y="0"/>
                 </a:cubicBezTo>
                 <a:lnTo>
-                  <a:pt x="7275" y="0"/>
-                </a:lnTo>
-                <a:lnTo>
-                  <a:pt x="0" y="70"/>
+                  <a:pt x="5935" y="0"/>
+                </a:lnTo>
+                <a:lnTo>
+                  <a:pt x="0" y="62"/>
+                </a:lnTo>
+                <a:lnTo>
+                  <a:pt x="0" y="10000"/>
+                </a:lnTo>
+                <a:lnTo>
+                  <a:pt x="5935" y="9952"/>
+                </a:lnTo>
+                <a:lnTo>
+                  <a:pt x="6463" y="9952"/>
                 </a:lnTo>
                 <a:cubicBezTo>
-                  <a:pt x="8" y="3380"/>
-                  <a:pt x="17" y="6690"/>
-                  <a:pt x="25" y="10000"/>
-                </a:cubicBezTo>
-                <a:lnTo>
-                  <a:pt x="7275" y="9966"/>
-                </a:lnTo>
-                <a:lnTo>
-                  <a:pt x="7803" y="9966"/>
-                </a:lnTo>
-                <a:cubicBezTo>
-                  <a:pt x="7831" y="9966"/>
-                  <a:pt x="7859" y="9872"/>
-                  <a:pt x="7886" y="9872"/>
+                  <a:pt x="6491" y="9952"/>
+                  <a:pt x="6519" y="9859"/>
+                  <a:pt x="6546" y="9859"/>
                 </a:cubicBezTo>
                 <a:cubicBezTo>
-                  <a:pt x="7886" y="9778"/>
-                  <a:pt x="7915" y="9778"/>
-                  <a:pt x="7915" y="9778"/>
+                  <a:pt x="6546" y="9764"/>
+                  <a:pt x="6575" y="9764"/>
+                  <a:pt x="6575" y="9764"/>
                 </a:cubicBezTo>
                 <a:lnTo>
-                  <a:pt x="9248" y="5265"/>
+                  <a:pt x="7908" y="5258"/>
                 </a:lnTo>
                 <a:cubicBezTo>
-                  <a:pt x="9303" y="5077"/>
-                  <a:pt x="9303" y="4889"/>
-                  <a:pt x="9248" y="4701"/>
+                  <a:pt x="7963" y="5070"/>
+                  <a:pt x="7963" y="4883"/>
+                  <a:pt x="7908" y="4694"/>
                 </a:cubicBezTo>
                 <a:close/>
               </a:path>
@@ -2504,7 +2486,7 @@
     </p:spTree>
     <p:extLst>
       <p:ext uri="{BB962C8B-B14F-4D97-AF65-F5344CB8AC3E}">
-        <p14:creationId xmlns:p14="http://schemas.microsoft.com/office/powerpoint/2010/main" val="3573737030"/>
+        <p14:creationId xmlns:p14="http://schemas.microsoft.com/office/powerpoint/2010/main" val="186268264"/>
       </p:ext>
     </p:extLst>
   </p:cSld>
@@ -2543,8 +2525,8 @@
         </p:nvSpPr>
         <p:spPr>
           <a:xfrm>
-            <a:off x="9294812" y="627405"/>
-            <a:ext cx="2207601" cy="5283817"/>
+            <a:off x="6878535" y="627406"/>
+            <a:ext cx="1656132" cy="5283817"/>
           </a:xfrm>
         </p:spPr>
         <p:txBody>
@@ -2571,8 +2553,8 @@
         </p:nvSpPr>
         <p:spPr>
           <a:xfrm>
-            <a:off x="2589212" y="627405"/>
-            <a:ext cx="6477000" cy="5283817"/>
+            <a:off x="1942416" y="627406"/>
+            <a:ext cx="4716348" cy="5283817"/>
           </a:xfrm>
         </p:spPr>
         <p:txBody>
@@ -2660,14 +2642,14 @@
       </p:sp>
       <p:sp>
         <p:nvSpPr>
-          <p:cNvPr id="8" name="Freeform 11"/>
+          <p:cNvPr id="10" name="Freeform 11"/>
           <p:cNvSpPr/>
           <p:nvPr/>
         </p:nvSpPr>
         <p:spPr bwMode="auto">
           <a:xfrm flipV="1">
-            <a:off x="-4189" y="714375"/>
-            <a:ext cx="1588527" cy="507297"/>
+            <a:off x="58" y="711194"/>
+            <a:ext cx="1358356" cy="508005"/>
           </a:xfrm>
           <a:custGeom>
             <a:avLst/>
@@ -2676,57 +2658,55 @@
             <a:cxnLst/>
             <a:rect l="l" t="t" r="r" b="b"/>
             <a:pathLst>
-              <a:path w="9248" h="10000">
+              <a:path w="7908" h="10000">
                 <a:moveTo>
-                  <a:pt x="9248" y="4701"/>
+                  <a:pt x="7908" y="4694"/>
                 </a:moveTo>
                 <a:lnTo>
-                  <a:pt x="7915" y="188"/>
+                  <a:pt x="6575" y="188"/>
                 </a:lnTo>
                 <a:cubicBezTo>
-                  <a:pt x="7906" y="156"/>
-                  <a:pt x="7895" y="126"/>
-                  <a:pt x="7886" y="94"/>
+                  <a:pt x="6566" y="157"/>
+                  <a:pt x="6555" y="125"/>
+                  <a:pt x="6546" y="94"/>
                 </a:cubicBezTo>
                 <a:cubicBezTo>
-                  <a:pt x="7859" y="0"/>
-                  <a:pt x="7831" y="0"/>
-                  <a:pt x="7803" y="0"/>
+                  <a:pt x="6519" y="0"/>
+                  <a:pt x="6491" y="0"/>
+                  <a:pt x="6463" y="0"/>
                 </a:cubicBezTo>
                 <a:lnTo>
-                  <a:pt x="7275" y="0"/>
-                </a:lnTo>
-                <a:lnTo>
-                  <a:pt x="0" y="70"/>
+                  <a:pt x="5935" y="0"/>
+                </a:lnTo>
+                <a:lnTo>
+                  <a:pt x="0" y="62"/>
+                </a:lnTo>
+                <a:lnTo>
+                  <a:pt x="0" y="10000"/>
+                </a:lnTo>
+                <a:lnTo>
+                  <a:pt x="5935" y="9952"/>
+                </a:lnTo>
+                <a:lnTo>
+                  <a:pt x="6463" y="9952"/>
                 </a:lnTo>
                 <a:cubicBezTo>
-                  <a:pt x="8" y="3380"/>
-                  <a:pt x="17" y="6690"/>
-                  <a:pt x="25" y="10000"/>
-                </a:cubicBezTo>
-                <a:lnTo>
-                  <a:pt x="7275" y="9966"/>
-                </a:lnTo>
-                <a:lnTo>
-                  <a:pt x="7803" y="9966"/>
-                </a:lnTo>
-                <a:cubicBezTo>
-                  <a:pt x="7831" y="9966"/>
-                  <a:pt x="7859" y="9872"/>
-                  <a:pt x="7886" y="9872"/>
+                  <a:pt x="6491" y="9952"/>
+                  <a:pt x="6519" y="9859"/>
+                  <a:pt x="6546" y="9859"/>
                 </a:cubicBezTo>
                 <a:cubicBezTo>
-                  <a:pt x="7886" y="9778"/>
-                  <a:pt x="7915" y="9778"/>
-                  <a:pt x="7915" y="9778"/>
+                  <a:pt x="6546" y="9764"/>
+                  <a:pt x="6575" y="9764"/>
+                  <a:pt x="6575" y="9764"/>
                 </a:cubicBezTo>
                 <a:lnTo>
-                  <a:pt x="9248" y="5265"/>
+                  <a:pt x="7908" y="5258"/>
                 </a:lnTo>
                 <a:cubicBezTo>
-                  <a:pt x="9303" y="5077"/>
-                  <a:pt x="9303" y="4889"/>
-                  <a:pt x="9248" y="4701"/>
+                  <a:pt x="7963" y="5070"/>
+                  <a:pt x="7963" y="4883"/>
+                  <a:pt x="7908" y="4694"/>
                 </a:cubicBezTo>
                 <a:close/>
               </a:path>
@@ -2766,7 +2746,7 @@
     </p:spTree>
     <p:extLst>
       <p:ext uri="{BB962C8B-B14F-4D97-AF65-F5344CB8AC3E}">
-        <p14:creationId xmlns:p14="http://schemas.microsoft.com/office/powerpoint/2010/main" val="3513250727"/>
+        <p14:creationId xmlns:p14="http://schemas.microsoft.com/office/powerpoint/2010/main" val="2386943260"/>
       </p:ext>
     </p:extLst>
   </p:cSld>
@@ -2805,8 +2785,8 @@
         </p:nvSpPr>
         <p:spPr>
           <a:xfrm>
-            <a:off x="2592925" y="624110"/>
-            <a:ext cx="8911687" cy="1280890"/>
+            <a:off x="1945201" y="624110"/>
+            <a:ext cx="6589199" cy="1280890"/>
           </a:xfrm>
         </p:spPr>
         <p:txBody>
@@ -2833,8 +2813,8 @@
         </p:nvSpPr>
         <p:spPr>
           <a:xfrm>
-            <a:off x="2589212" y="2133600"/>
-            <a:ext cx="8915400" cy="3777622"/>
+            <a:off x="1942415" y="2133600"/>
+            <a:ext cx="6591985" cy="3777622"/>
           </a:xfrm>
         </p:spPr>
         <p:txBody>
@@ -2922,14 +2902,14 @@
       </p:sp>
       <p:sp>
         <p:nvSpPr>
-          <p:cNvPr id="8" name="Freeform 11"/>
+          <p:cNvPr id="10" name="Freeform 11"/>
           <p:cNvSpPr/>
           <p:nvPr/>
         </p:nvSpPr>
         <p:spPr bwMode="auto">
           <a:xfrm flipV="1">
-            <a:off x="-4189" y="714375"/>
-            <a:ext cx="1588527" cy="507297"/>
+            <a:off x="58" y="711194"/>
+            <a:ext cx="1358356" cy="508005"/>
           </a:xfrm>
           <a:custGeom>
             <a:avLst/>
@@ -2938,57 +2918,55 @@
             <a:cxnLst/>
             <a:rect l="l" t="t" r="r" b="b"/>
             <a:pathLst>
-              <a:path w="9248" h="10000">
+              <a:path w="7908" h="10000">
                 <a:moveTo>
-                  <a:pt x="9248" y="4701"/>
+                  <a:pt x="7908" y="4694"/>
                 </a:moveTo>
                 <a:lnTo>
-                  <a:pt x="7915" y="188"/>
+                  <a:pt x="6575" y="188"/>
                 </a:lnTo>
                 <a:cubicBezTo>
-                  <a:pt x="7906" y="156"/>
-                  <a:pt x="7895" y="126"/>
-                  <a:pt x="7886" y="94"/>
+                  <a:pt x="6566" y="157"/>
+                  <a:pt x="6555" y="125"/>
+                  <a:pt x="6546" y="94"/>
                 </a:cubicBezTo>
                 <a:cubicBezTo>
-                  <a:pt x="7859" y="0"/>
-                  <a:pt x="7831" y="0"/>
-                  <a:pt x="7803" y="0"/>
+                  <a:pt x="6519" y="0"/>
+                  <a:pt x="6491" y="0"/>
+                  <a:pt x="6463" y="0"/>
                 </a:cubicBezTo>
                 <a:lnTo>
-                  <a:pt x="7275" y="0"/>
-                </a:lnTo>
-                <a:lnTo>
-                  <a:pt x="0" y="70"/>
+                  <a:pt x="5935" y="0"/>
+                </a:lnTo>
+                <a:lnTo>
+                  <a:pt x="0" y="62"/>
+                </a:lnTo>
+                <a:lnTo>
+                  <a:pt x="0" y="10000"/>
+                </a:lnTo>
+                <a:lnTo>
+                  <a:pt x="5935" y="9952"/>
+                </a:lnTo>
+                <a:lnTo>
+                  <a:pt x="6463" y="9952"/>
                 </a:lnTo>
                 <a:cubicBezTo>
-                  <a:pt x="8" y="3380"/>
-                  <a:pt x="17" y="6690"/>
-                  <a:pt x="25" y="10000"/>
-                </a:cubicBezTo>
-                <a:lnTo>
-                  <a:pt x="7275" y="9966"/>
-                </a:lnTo>
-                <a:lnTo>
-                  <a:pt x="7803" y="9966"/>
-                </a:lnTo>
-                <a:cubicBezTo>
-                  <a:pt x="7831" y="9966"/>
-                  <a:pt x="7859" y="9872"/>
-                  <a:pt x="7886" y="9872"/>
+                  <a:pt x="6491" y="9952"/>
+                  <a:pt x="6519" y="9859"/>
+                  <a:pt x="6546" y="9859"/>
                 </a:cubicBezTo>
                 <a:cubicBezTo>
-                  <a:pt x="7886" y="9778"/>
-                  <a:pt x="7915" y="9778"/>
-                  <a:pt x="7915" y="9778"/>
+                  <a:pt x="6546" y="9764"/>
+                  <a:pt x="6575" y="9764"/>
+                  <a:pt x="6575" y="9764"/>
                 </a:cubicBezTo>
                 <a:lnTo>
-                  <a:pt x="9248" y="5265"/>
+                  <a:pt x="7908" y="5258"/>
                 </a:lnTo>
                 <a:cubicBezTo>
-                  <a:pt x="9303" y="5077"/>
-                  <a:pt x="9303" y="4889"/>
-                  <a:pt x="9248" y="4701"/>
+                  <a:pt x="7963" y="5070"/>
+                  <a:pt x="7963" y="4883"/>
+                  <a:pt x="7908" y="4694"/>
                 </a:cubicBezTo>
                 <a:close/>
               </a:path>
@@ -3028,7 +3006,7 @@
     </p:spTree>
     <p:extLst>
       <p:ext uri="{BB962C8B-B14F-4D97-AF65-F5344CB8AC3E}">
-        <p14:creationId xmlns:p14="http://schemas.microsoft.com/office/powerpoint/2010/main" val="3682635110"/>
+        <p14:creationId xmlns:p14="http://schemas.microsoft.com/office/powerpoint/2010/main" val="1205818642"/>
       </p:ext>
     </p:extLst>
   </p:cSld>
@@ -3067,8 +3045,8 @@
         </p:nvSpPr>
         <p:spPr>
           <a:xfrm>
-            <a:off x="2589212" y="2058750"/>
-            <a:ext cx="8915399" cy="1468800"/>
+            <a:off x="1942415" y="2074562"/>
+            <a:ext cx="6591985" cy="1468800"/>
           </a:xfrm>
         </p:spPr>
         <p:txBody>
@@ -3099,8 +3077,8 @@
         </p:nvSpPr>
         <p:spPr>
           <a:xfrm>
-            <a:off x="2589212" y="3530129"/>
-            <a:ext cx="8915399" cy="860400"/>
+            <a:off x="1942415" y="3581400"/>
+            <a:ext cx="6591985" cy="860400"/>
           </a:xfrm>
         </p:spPr>
         <p:txBody>
@@ -3251,14 +3229,14 @@
       </p:sp>
       <p:sp>
         <p:nvSpPr>
-          <p:cNvPr id="9" name="Freeform 11"/>
+          <p:cNvPr id="11" name="Freeform 11"/>
           <p:cNvSpPr/>
           <p:nvPr/>
         </p:nvSpPr>
         <p:spPr bwMode="auto">
           <a:xfrm flipV="1">
-            <a:off x="-4189" y="3178175"/>
-            <a:ext cx="1588527" cy="507297"/>
+            <a:off x="58" y="3166527"/>
+            <a:ext cx="1358356" cy="508005"/>
           </a:xfrm>
           <a:custGeom>
             <a:avLst/>
@@ -3267,57 +3245,55 @@
             <a:cxnLst/>
             <a:rect l="l" t="t" r="r" b="b"/>
             <a:pathLst>
-              <a:path w="9248" h="10000">
+              <a:path w="7908" h="10000">
                 <a:moveTo>
-                  <a:pt x="9248" y="4701"/>
+                  <a:pt x="7908" y="4694"/>
                 </a:moveTo>
                 <a:lnTo>
-                  <a:pt x="7915" y="188"/>
+                  <a:pt x="6575" y="188"/>
                 </a:lnTo>
                 <a:cubicBezTo>
-                  <a:pt x="7906" y="156"/>
-                  <a:pt x="7895" y="126"/>
-                  <a:pt x="7886" y="94"/>
+                  <a:pt x="6566" y="157"/>
+                  <a:pt x="6555" y="125"/>
+                  <a:pt x="6546" y="94"/>
                 </a:cubicBezTo>
                 <a:cubicBezTo>
-                  <a:pt x="7859" y="0"/>
-                  <a:pt x="7831" y="0"/>
-                  <a:pt x="7803" y="0"/>
+                  <a:pt x="6519" y="0"/>
+                  <a:pt x="6491" y="0"/>
+                  <a:pt x="6463" y="0"/>
                 </a:cubicBezTo>
                 <a:lnTo>
-                  <a:pt x="7275" y="0"/>
-                </a:lnTo>
-                <a:lnTo>
-                  <a:pt x="0" y="70"/>
+                  <a:pt x="5935" y="0"/>
+                </a:lnTo>
+                <a:lnTo>
+                  <a:pt x="0" y="62"/>
+                </a:lnTo>
+                <a:lnTo>
+                  <a:pt x="0" y="10000"/>
+                </a:lnTo>
+                <a:lnTo>
+                  <a:pt x="5935" y="9952"/>
+                </a:lnTo>
+                <a:lnTo>
+                  <a:pt x="6463" y="9952"/>
                 </a:lnTo>
                 <a:cubicBezTo>
-                  <a:pt x="8" y="3380"/>
-                  <a:pt x="17" y="6690"/>
-                  <a:pt x="25" y="10000"/>
-                </a:cubicBezTo>
-                <a:lnTo>
-                  <a:pt x="7275" y="9966"/>
-                </a:lnTo>
-                <a:lnTo>
-                  <a:pt x="7803" y="9966"/>
-                </a:lnTo>
-                <a:cubicBezTo>
-                  <a:pt x="7831" y="9966"/>
-                  <a:pt x="7859" y="9872"/>
-                  <a:pt x="7886" y="9872"/>
+                  <a:pt x="6491" y="9952"/>
+                  <a:pt x="6519" y="9859"/>
+                  <a:pt x="6546" y="9859"/>
                 </a:cubicBezTo>
                 <a:cubicBezTo>
-                  <a:pt x="7886" y="9778"/>
-                  <a:pt x="7915" y="9778"/>
-                  <a:pt x="7915" y="9778"/>
+                  <a:pt x="6546" y="9764"/>
+                  <a:pt x="6575" y="9764"/>
+                  <a:pt x="6575" y="9764"/>
                 </a:cubicBezTo>
                 <a:lnTo>
-                  <a:pt x="9248" y="5265"/>
+                  <a:pt x="7908" y="5258"/>
                 </a:lnTo>
                 <a:cubicBezTo>
-                  <a:pt x="9303" y="5077"/>
-                  <a:pt x="9303" y="4889"/>
-                  <a:pt x="9248" y="4701"/>
+                  <a:pt x="7963" y="5070"/>
+                  <a:pt x="7963" y="4883"/>
+                  <a:pt x="7908" y="4694"/>
                 </a:cubicBezTo>
                 <a:close/>
               </a:path>
@@ -3343,8 +3319,8 @@
         </p:nvSpPr>
         <p:spPr>
           <a:xfrm>
-            <a:off x="531812" y="3244139"/>
-            <a:ext cx="779767" cy="365125"/>
+            <a:off x="511228" y="3244140"/>
+            <a:ext cx="584978" cy="365125"/>
           </a:xfrm>
         </p:spPr>
         <p:txBody>
@@ -3362,7 +3338,7 @@
     </p:spTree>
     <p:extLst>
       <p:ext uri="{BB962C8B-B14F-4D97-AF65-F5344CB8AC3E}">
-        <p14:creationId xmlns:p14="http://schemas.microsoft.com/office/powerpoint/2010/main" val="2022757543"/>
+        <p14:creationId xmlns:p14="http://schemas.microsoft.com/office/powerpoint/2010/main" val="3420314655"/>
       </p:ext>
     </p:extLst>
   </p:cSld>
@@ -3424,8 +3400,8 @@
         </p:nvSpPr>
         <p:spPr>
           <a:xfrm>
-            <a:off x="2589212" y="2133600"/>
-            <a:ext cx="4313864" cy="3777622"/>
+            <a:off x="1942416" y="2136706"/>
+            <a:ext cx="3197531" cy="3767397"/>
           </a:xfrm>
         </p:spPr>
         <p:txBody>
@@ -3483,8 +3459,8 @@
         </p:nvSpPr>
         <p:spPr>
           <a:xfrm>
-            <a:off x="7190747" y="2126222"/>
-            <a:ext cx="4313864" cy="3777622"/>
+            <a:off x="5337307" y="2136706"/>
+            <a:ext cx="3197093" cy="3767397"/>
           </a:xfrm>
         </p:spPr>
         <p:txBody>
@@ -3574,14 +3550,14 @@
       </p:sp>
       <p:sp>
         <p:nvSpPr>
-          <p:cNvPr id="10" name="Freeform 11"/>
+          <p:cNvPr id="9" name="Freeform 11"/>
           <p:cNvSpPr/>
           <p:nvPr/>
         </p:nvSpPr>
         <p:spPr bwMode="auto">
           <a:xfrm flipV="1">
-            <a:off x="-4189" y="714375"/>
-            <a:ext cx="1588527" cy="507297"/>
+            <a:off x="58" y="711194"/>
+            <a:ext cx="1358356" cy="508005"/>
           </a:xfrm>
           <a:custGeom>
             <a:avLst/>
@@ -3590,57 +3566,55 @@
             <a:cxnLst/>
             <a:rect l="l" t="t" r="r" b="b"/>
             <a:pathLst>
-              <a:path w="9248" h="10000">
+              <a:path w="7908" h="10000">
                 <a:moveTo>
-                  <a:pt x="9248" y="4701"/>
+                  <a:pt x="7908" y="4694"/>
                 </a:moveTo>
                 <a:lnTo>
-                  <a:pt x="7915" y="188"/>
+                  <a:pt x="6575" y="188"/>
                 </a:lnTo>
                 <a:cubicBezTo>
-                  <a:pt x="7906" y="156"/>
-                  <a:pt x="7895" y="126"/>
-                  <a:pt x="7886" y="94"/>
+                  <a:pt x="6566" y="157"/>
+                  <a:pt x="6555" y="125"/>
+                  <a:pt x="6546" y="94"/>
                 </a:cubicBezTo>
                 <a:cubicBezTo>
-                  <a:pt x="7859" y="0"/>
-                  <a:pt x="7831" y="0"/>
-                  <a:pt x="7803" y="0"/>
+                  <a:pt x="6519" y="0"/>
+                  <a:pt x="6491" y="0"/>
+                  <a:pt x="6463" y="0"/>
                 </a:cubicBezTo>
                 <a:lnTo>
-                  <a:pt x="7275" y="0"/>
-                </a:lnTo>
-                <a:lnTo>
-                  <a:pt x="0" y="70"/>
+                  <a:pt x="5935" y="0"/>
+                </a:lnTo>
+                <a:lnTo>
+                  <a:pt x="0" y="62"/>
+                </a:lnTo>
+                <a:lnTo>
+                  <a:pt x="0" y="10000"/>
+                </a:lnTo>
+                <a:lnTo>
+                  <a:pt x="5935" y="9952"/>
+                </a:lnTo>
+                <a:lnTo>
+                  <a:pt x="6463" y="9952"/>
                 </a:lnTo>
                 <a:cubicBezTo>
-                  <a:pt x="8" y="3380"/>
-                  <a:pt x="17" y="6690"/>
-                  <a:pt x="25" y="10000"/>
-                </a:cubicBezTo>
-                <a:lnTo>
-                  <a:pt x="7275" y="9966"/>
-                </a:lnTo>
-                <a:lnTo>
-                  <a:pt x="7803" y="9966"/>
-                </a:lnTo>
-                <a:cubicBezTo>
-                  <a:pt x="7831" y="9966"/>
-                  <a:pt x="7859" y="9872"/>
-                  <a:pt x="7886" y="9872"/>
+                  <a:pt x="6491" y="9952"/>
+                  <a:pt x="6519" y="9859"/>
+                  <a:pt x="6546" y="9859"/>
                 </a:cubicBezTo>
                 <a:cubicBezTo>
-                  <a:pt x="7886" y="9778"/>
-                  <a:pt x="7915" y="9778"/>
-                  <a:pt x="7915" y="9778"/>
+                  <a:pt x="6546" y="9764"/>
+                  <a:pt x="6575" y="9764"/>
+                  <a:pt x="6575" y="9764"/>
                 </a:cubicBezTo>
                 <a:lnTo>
-                  <a:pt x="9248" y="5265"/>
+                  <a:pt x="7908" y="5258"/>
                 </a:lnTo>
                 <a:cubicBezTo>
-                  <a:pt x="9303" y="5077"/>
-                  <a:pt x="9303" y="4889"/>
-                  <a:pt x="9248" y="4701"/>
+                  <a:pt x="7963" y="5070"/>
+                  <a:pt x="7963" y="4883"/>
+                  <a:pt x="7908" y="4694"/>
                 </a:cubicBezTo>
                 <a:close/>
               </a:path>
@@ -3656,7 +3630,7 @@
       </p:sp>
       <p:sp>
         <p:nvSpPr>
-          <p:cNvPr id="11" name="Slide Number Placeholder 5"/>
+          <p:cNvPr id="10" name="Slide Number Placeholder 5"/>
           <p:cNvSpPr>
             <a:spLocks noGrp="1"/>
           </p:cNvSpPr>
@@ -3666,8 +3640,8 @@
         </p:nvSpPr>
         <p:spPr>
           <a:xfrm>
-            <a:off x="531812" y="787782"/>
-            <a:ext cx="779767" cy="365125"/>
+            <a:off x="511228" y="787783"/>
+            <a:ext cx="584978" cy="365125"/>
           </a:xfrm>
         </p:spPr>
         <p:txBody>
@@ -3685,7 +3659,7 @@
     </p:spTree>
     <p:extLst>
       <p:ext uri="{BB962C8B-B14F-4D97-AF65-F5344CB8AC3E}">
-        <p14:creationId xmlns:p14="http://schemas.microsoft.com/office/powerpoint/2010/main" val="535308139"/>
+        <p14:creationId xmlns:p14="http://schemas.microsoft.com/office/powerpoint/2010/main" val="3222808245"/>
       </p:ext>
     </p:extLst>
   </p:cSld>
@@ -3747,8 +3721,8 @@
         </p:nvSpPr>
         <p:spPr>
           <a:xfrm>
-            <a:off x="2939373" y="1972703"/>
-            <a:ext cx="3992732" cy="576262"/>
+            <a:off x="2265352" y="2226626"/>
+            <a:ext cx="2874596" cy="576262"/>
           </a:xfrm>
         </p:spPr>
         <p:txBody>
@@ -3814,8 +3788,8 @@
         </p:nvSpPr>
         <p:spPr>
           <a:xfrm>
-            <a:off x="2589212" y="2548966"/>
-            <a:ext cx="4342893" cy="3354060"/>
+            <a:off x="1942415" y="2802888"/>
+            <a:ext cx="3197532" cy="3105703"/>
           </a:xfrm>
         </p:spPr>
         <p:txBody>
@@ -3873,8 +3847,8 @@
         </p:nvSpPr>
         <p:spPr>
           <a:xfrm>
-            <a:off x="7506629" y="1969475"/>
-            <a:ext cx="3999001" cy="576262"/>
+            <a:off x="5656154" y="2223398"/>
+            <a:ext cx="2873239" cy="576262"/>
           </a:xfrm>
         </p:spPr>
         <p:txBody>
@@ -3940,8 +3914,8 @@
         </p:nvSpPr>
         <p:spPr>
           <a:xfrm>
-            <a:off x="7166957" y="2545738"/>
-            <a:ext cx="4338674" cy="3354060"/>
+            <a:off x="5333715" y="2799660"/>
+            <a:ext cx="3195680" cy="3105703"/>
           </a:xfrm>
         </p:spPr>
         <p:txBody>
@@ -4031,14 +4005,14 @@
       </p:sp>
       <p:sp>
         <p:nvSpPr>
-          <p:cNvPr id="12" name="Freeform 11"/>
+          <p:cNvPr id="11" name="Freeform 11"/>
           <p:cNvSpPr/>
           <p:nvPr/>
         </p:nvSpPr>
         <p:spPr bwMode="auto">
           <a:xfrm flipV="1">
-            <a:off x="-4189" y="714375"/>
-            <a:ext cx="1588527" cy="507297"/>
+            <a:off x="58" y="711194"/>
+            <a:ext cx="1358356" cy="508005"/>
           </a:xfrm>
           <a:custGeom>
             <a:avLst/>
@@ -4047,57 +4021,55 @@
             <a:cxnLst/>
             <a:rect l="l" t="t" r="r" b="b"/>
             <a:pathLst>
-              <a:path w="9248" h="10000">
+              <a:path w="7908" h="10000">
                 <a:moveTo>
-                  <a:pt x="9248" y="4701"/>
+                  <a:pt x="7908" y="4694"/>
                 </a:moveTo>
                 <a:lnTo>
-                  <a:pt x="7915" y="188"/>
+                  <a:pt x="6575" y="188"/>
                 </a:lnTo>
                 <a:cubicBezTo>
-                  <a:pt x="7906" y="156"/>
-                  <a:pt x="7895" y="126"/>
-                  <a:pt x="7886" y="94"/>
+                  <a:pt x="6566" y="157"/>
+                  <a:pt x="6555" y="125"/>
+                  <a:pt x="6546" y="94"/>
                 </a:cubicBezTo>
                 <a:cubicBezTo>
-                  <a:pt x="7859" y="0"/>
-                  <a:pt x="7831" y="0"/>
-                  <a:pt x="7803" y="0"/>
+                  <a:pt x="6519" y="0"/>
+                  <a:pt x="6491" y="0"/>
+                  <a:pt x="6463" y="0"/>
                 </a:cubicBezTo>
                 <a:lnTo>
-                  <a:pt x="7275" y="0"/>
-                </a:lnTo>
-                <a:lnTo>
-                  <a:pt x="0" y="70"/>
+                  <a:pt x="5935" y="0"/>
+                </a:lnTo>
+                <a:lnTo>
+                  <a:pt x="0" y="62"/>
+                </a:lnTo>
+                <a:lnTo>
+                  <a:pt x="0" y="10000"/>
+                </a:lnTo>
+                <a:lnTo>
+                  <a:pt x="5935" y="9952"/>
+                </a:lnTo>
+                <a:lnTo>
+                  <a:pt x="6463" y="9952"/>
                 </a:lnTo>
                 <a:cubicBezTo>
-                  <a:pt x="8" y="3380"/>
-                  <a:pt x="17" y="6690"/>
-                  <a:pt x="25" y="10000"/>
-                </a:cubicBezTo>
-                <a:lnTo>
-                  <a:pt x="7275" y="9966"/>
-                </a:lnTo>
-                <a:lnTo>
-                  <a:pt x="7803" y="9966"/>
-                </a:lnTo>
-                <a:cubicBezTo>
-                  <a:pt x="7831" y="9966"/>
-                  <a:pt x="7859" y="9872"/>
-                  <a:pt x="7886" y="9872"/>
+                  <a:pt x="6491" y="9952"/>
+                  <a:pt x="6519" y="9859"/>
+                  <a:pt x="6546" y="9859"/>
                 </a:cubicBezTo>
                 <a:cubicBezTo>
-                  <a:pt x="7886" y="9778"/>
-                  <a:pt x="7915" y="9778"/>
-                  <a:pt x="7915" y="9778"/>
+                  <a:pt x="6546" y="9764"/>
+                  <a:pt x="6575" y="9764"/>
+                  <a:pt x="6575" y="9764"/>
                 </a:cubicBezTo>
                 <a:lnTo>
-                  <a:pt x="9248" y="5265"/>
+                  <a:pt x="7908" y="5258"/>
                 </a:lnTo>
                 <a:cubicBezTo>
-                  <a:pt x="9303" y="5077"/>
-                  <a:pt x="9303" y="4889"/>
-                  <a:pt x="9248" y="4701"/>
+                  <a:pt x="7963" y="5070"/>
+                  <a:pt x="7963" y="4883"/>
+                  <a:pt x="7908" y="4694"/>
                 </a:cubicBezTo>
                 <a:close/>
               </a:path>
@@ -4113,7 +4085,7 @@
       </p:sp>
       <p:sp>
         <p:nvSpPr>
-          <p:cNvPr id="13" name="Slide Number Placeholder 5"/>
+          <p:cNvPr id="12" name="Slide Number Placeholder 5"/>
           <p:cNvSpPr>
             <a:spLocks noGrp="1"/>
           </p:cNvSpPr>
@@ -4123,8 +4095,8 @@
         </p:nvSpPr>
         <p:spPr>
           <a:xfrm>
-            <a:off x="531812" y="787782"/>
-            <a:ext cx="779767" cy="365125"/>
+            <a:off x="511228" y="787783"/>
+            <a:ext cx="584978" cy="365125"/>
           </a:xfrm>
         </p:spPr>
         <p:txBody>
@@ -4142,7 +4114,7 @@
     </p:spTree>
     <p:extLst>
       <p:ext uri="{BB962C8B-B14F-4D97-AF65-F5344CB8AC3E}">
-        <p14:creationId xmlns:p14="http://schemas.microsoft.com/office/powerpoint/2010/main" val="139080267"/>
+        <p14:creationId xmlns:p14="http://schemas.microsoft.com/office/powerpoint/2010/main" val="3212970532"/>
       </p:ext>
     </p:extLst>
   </p:cSld>
@@ -4179,7 +4151,12 @@
             <p:ph type="title"/>
           </p:nvPr>
         </p:nvSpPr>
-        <p:spPr/>
+        <p:spPr>
+          <a:xfrm>
+            <a:off x="1945200" y="624110"/>
+            <a:ext cx="6589200" cy="1280890"/>
+          </a:xfrm>
+        </p:spPr>
         <p:txBody>
           <a:bodyPr/>
           <a:lstStyle/>
@@ -4236,14 +4213,14 @@
       </p:sp>
       <p:sp>
         <p:nvSpPr>
-          <p:cNvPr id="7" name="Freeform 11"/>
+          <p:cNvPr id="8" name="Freeform 11"/>
           <p:cNvSpPr/>
           <p:nvPr/>
         </p:nvSpPr>
         <p:spPr bwMode="auto">
           <a:xfrm flipV="1">
-            <a:off x="-4189" y="714375"/>
-            <a:ext cx="1588527" cy="507297"/>
+            <a:off x="58" y="711194"/>
+            <a:ext cx="1358356" cy="508005"/>
           </a:xfrm>
           <a:custGeom>
             <a:avLst/>
@@ -4252,57 +4229,55 @@
             <a:cxnLst/>
             <a:rect l="l" t="t" r="r" b="b"/>
             <a:pathLst>
-              <a:path w="9248" h="10000">
+              <a:path w="7908" h="10000">
                 <a:moveTo>
-                  <a:pt x="9248" y="4701"/>
+                  <a:pt x="7908" y="4694"/>
                 </a:moveTo>
                 <a:lnTo>
-                  <a:pt x="7915" y="188"/>
+                  <a:pt x="6575" y="188"/>
                 </a:lnTo>
                 <a:cubicBezTo>
-                  <a:pt x="7906" y="156"/>
-                  <a:pt x="7895" y="126"/>
-                  <a:pt x="7886" y="94"/>
+                  <a:pt x="6566" y="157"/>
+                  <a:pt x="6555" y="125"/>
+                  <a:pt x="6546" y="94"/>
                 </a:cubicBezTo>
                 <a:cubicBezTo>
-                  <a:pt x="7859" y="0"/>
-                  <a:pt x="7831" y="0"/>
-                  <a:pt x="7803" y="0"/>
+                  <a:pt x="6519" y="0"/>
+                  <a:pt x="6491" y="0"/>
+                  <a:pt x="6463" y="0"/>
                 </a:cubicBezTo>
                 <a:lnTo>
-                  <a:pt x="7275" y="0"/>
-                </a:lnTo>
-                <a:lnTo>
-                  <a:pt x="0" y="70"/>
+                  <a:pt x="5935" y="0"/>
+                </a:lnTo>
+                <a:lnTo>
+                  <a:pt x="0" y="62"/>
+                </a:lnTo>
+                <a:lnTo>
+                  <a:pt x="0" y="10000"/>
+                </a:lnTo>
+                <a:lnTo>
+                  <a:pt x="5935" y="9952"/>
+                </a:lnTo>
+                <a:lnTo>
+                  <a:pt x="6463" y="9952"/>
                 </a:lnTo>
                 <a:cubicBezTo>
-                  <a:pt x="8" y="3380"/>
-                  <a:pt x="17" y="6690"/>
-                  <a:pt x="25" y="10000"/>
-                </a:cubicBezTo>
-                <a:lnTo>
-                  <a:pt x="7275" y="9966"/>
-                </a:lnTo>
-                <a:lnTo>
-                  <a:pt x="7803" y="9966"/>
-                </a:lnTo>
-                <a:cubicBezTo>
-                  <a:pt x="7831" y="9966"/>
-                  <a:pt x="7859" y="9872"/>
-                  <a:pt x="7886" y="9872"/>
+                  <a:pt x="6491" y="9952"/>
+                  <a:pt x="6519" y="9859"/>
+                  <a:pt x="6546" y="9859"/>
                 </a:cubicBezTo>
                 <a:cubicBezTo>
-                  <a:pt x="7886" y="9778"/>
-                  <a:pt x="7915" y="9778"/>
-                  <a:pt x="7915" y="9778"/>
+                  <a:pt x="6546" y="9764"/>
+                  <a:pt x="6575" y="9764"/>
+                  <a:pt x="6575" y="9764"/>
                 </a:cubicBezTo>
                 <a:lnTo>
-                  <a:pt x="9248" y="5265"/>
+                  <a:pt x="7908" y="5258"/>
                 </a:lnTo>
                 <a:cubicBezTo>
-                  <a:pt x="9303" y="5077"/>
-                  <a:pt x="9303" y="4889"/>
-                  <a:pt x="9248" y="4701"/>
+                  <a:pt x="7963" y="5070"/>
+                  <a:pt x="7963" y="4883"/>
+                  <a:pt x="7908" y="4694"/>
                 </a:cubicBezTo>
                 <a:close/>
               </a:path>
@@ -4342,7 +4317,7 @@
     </p:spTree>
     <p:extLst>
       <p:ext uri="{BB962C8B-B14F-4D97-AF65-F5344CB8AC3E}">
-        <p14:creationId xmlns:p14="http://schemas.microsoft.com/office/powerpoint/2010/main" val="4196065421"/>
+        <p14:creationId xmlns:p14="http://schemas.microsoft.com/office/powerpoint/2010/main" val="1303175661"/>
       </p:ext>
     </p:extLst>
   </p:cSld>
@@ -4419,8 +4394,8 @@
         </p:nvSpPr>
         <p:spPr bwMode="auto">
           <a:xfrm flipV="1">
-            <a:off x="-4189" y="714375"/>
-            <a:ext cx="1588527" cy="507297"/>
+            <a:off x="58" y="711194"/>
+            <a:ext cx="1358356" cy="508005"/>
           </a:xfrm>
           <a:custGeom>
             <a:avLst/>
@@ -4429,57 +4404,55 @@
             <a:cxnLst/>
             <a:rect l="l" t="t" r="r" b="b"/>
             <a:pathLst>
-              <a:path w="9248" h="10000">
+              <a:path w="7908" h="10000">
                 <a:moveTo>
-                  <a:pt x="9248" y="4701"/>
+                  <a:pt x="7908" y="4694"/>
                 </a:moveTo>
                 <a:lnTo>
-                  <a:pt x="7915" y="188"/>
+                  <a:pt x="6575" y="188"/>
                 </a:lnTo>
                 <a:cubicBezTo>
-                  <a:pt x="7906" y="156"/>
-                  <a:pt x="7895" y="126"/>
-                  <a:pt x="7886" y="94"/>
+                  <a:pt x="6566" y="157"/>
+                  <a:pt x="6555" y="125"/>
+                  <a:pt x="6546" y="94"/>
                 </a:cubicBezTo>
                 <a:cubicBezTo>
-                  <a:pt x="7859" y="0"/>
-                  <a:pt x="7831" y="0"/>
-                  <a:pt x="7803" y="0"/>
+                  <a:pt x="6519" y="0"/>
+                  <a:pt x="6491" y="0"/>
+                  <a:pt x="6463" y="0"/>
                 </a:cubicBezTo>
                 <a:lnTo>
-                  <a:pt x="7275" y="0"/>
-                </a:lnTo>
-                <a:lnTo>
-                  <a:pt x="0" y="70"/>
+                  <a:pt x="5935" y="0"/>
+                </a:lnTo>
+                <a:lnTo>
+                  <a:pt x="0" y="62"/>
+                </a:lnTo>
+                <a:lnTo>
+                  <a:pt x="0" y="10000"/>
+                </a:lnTo>
+                <a:lnTo>
+                  <a:pt x="5935" y="9952"/>
+                </a:lnTo>
+                <a:lnTo>
+                  <a:pt x="6463" y="9952"/>
                 </a:lnTo>
                 <a:cubicBezTo>
-                  <a:pt x="8" y="3380"/>
-                  <a:pt x="17" y="6690"/>
-                  <a:pt x="25" y="10000"/>
-                </a:cubicBezTo>
-                <a:lnTo>
-                  <a:pt x="7275" y="9966"/>
-                </a:lnTo>
-                <a:lnTo>
-                  <a:pt x="7803" y="9966"/>
-                </a:lnTo>
-                <a:cubicBezTo>
-                  <a:pt x="7831" y="9966"/>
-                  <a:pt x="7859" y="9872"/>
-                  <a:pt x="7886" y="9872"/>
+                  <a:pt x="6491" y="9952"/>
+                  <a:pt x="6519" y="9859"/>
+                  <a:pt x="6546" y="9859"/>
                 </a:cubicBezTo>
                 <a:cubicBezTo>
-                  <a:pt x="7886" y="9778"/>
-                  <a:pt x="7915" y="9778"/>
-                  <a:pt x="7915" y="9778"/>
+                  <a:pt x="6546" y="9764"/>
+                  <a:pt x="6575" y="9764"/>
+                  <a:pt x="6575" y="9764"/>
                 </a:cubicBezTo>
                 <a:lnTo>
-                  <a:pt x="9248" y="5265"/>
+                  <a:pt x="7908" y="5258"/>
                 </a:lnTo>
                 <a:cubicBezTo>
-                  <a:pt x="9303" y="5077"/>
-                  <a:pt x="9303" y="4889"/>
-                  <a:pt x="9248" y="4701"/>
+                  <a:pt x="7963" y="5070"/>
+                  <a:pt x="7963" y="4883"/>
+                  <a:pt x="7908" y="4694"/>
                 </a:cubicBezTo>
                 <a:close/>
               </a:path>
@@ -4519,7 +4492,7 @@
     </p:spTree>
     <p:extLst>
       <p:ext uri="{BB962C8B-B14F-4D97-AF65-F5344CB8AC3E}">
-        <p14:creationId xmlns:p14="http://schemas.microsoft.com/office/powerpoint/2010/main" val="3910459214"/>
+        <p14:creationId xmlns:p14="http://schemas.microsoft.com/office/powerpoint/2010/main" val="2348061687"/>
       </p:ext>
     </p:extLst>
   </p:cSld>
@@ -4558,8 +4531,8 @@
         </p:nvSpPr>
         <p:spPr>
           <a:xfrm>
-            <a:off x="2589212" y="446088"/>
-            <a:ext cx="3505199" cy="976312"/>
+            <a:off x="1942415" y="446088"/>
+            <a:ext cx="2629584" cy="976312"/>
           </a:xfrm>
         </p:spPr>
         <p:txBody>
@@ -4590,8 +4563,8 @@
         </p:nvSpPr>
         <p:spPr>
           <a:xfrm>
-            <a:off x="6323012" y="446088"/>
-            <a:ext cx="5181600" cy="5414963"/>
+            <a:off x="4743494" y="446089"/>
+            <a:ext cx="3790906" cy="5414963"/>
           </a:xfrm>
         </p:spPr>
         <p:txBody>
@@ -4649,8 +4622,8 @@
         </p:nvSpPr>
         <p:spPr>
           <a:xfrm>
-            <a:off x="2589212" y="1598613"/>
-            <a:ext cx="3505199" cy="4262436"/>
+            <a:off x="1942415" y="1598613"/>
+            <a:ext cx="2629584" cy="4262436"/>
           </a:xfrm>
         </p:spPr>
         <p:txBody>
@@ -4746,14 +4719,14 @@
       </p:sp>
       <p:sp>
         <p:nvSpPr>
-          <p:cNvPr id="9" name="Freeform 11"/>
+          <p:cNvPr id="10" name="Freeform 11"/>
           <p:cNvSpPr/>
           <p:nvPr/>
         </p:nvSpPr>
         <p:spPr bwMode="auto">
           <a:xfrm flipV="1">
-            <a:off x="-4189" y="714375"/>
-            <a:ext cx="1588527" cy="507297"/>
+            <a:off x="58" y="711194"/>
+            <a:ext cx="1358356" cy="508005"/>
           </a:xfrm>
           <a:custGeom>
             <a:avLst/>
@@ -4762,57 +4735,55 @@
             <a:cxnLst/>
             <a:rect l="l" t="t" r="r" b="b"/>
             <a:pathLst>
-              <a:path w="9248" h="10000">
+              <a:path w="7908" h="10000">
                 <a:moveTo>
-                  <a:pt x="9248" y="4701"/>
+                  <a:pt x="7908" y="4694"/>
                 </a:moveTo>
                 <a:lnTo>
-                  <a:pt x="7915" y="188"/>
+                  <a:pt x="6575" y="188"/>
                 </a:lnTo>
                 <a:cubicBezTo>
-                  <a:pt x="7906" y="156"/>
-                  <a:pt x="7895" y="126"/>
-                  <a:pt x="7886" y="94"/>
+                  <a:pt x="6566" y="157"/>
+                  <a:pt x="6555" y="125"/>
+                  <a:pt x="6546" y="94"/>
                 </a:cubicBezTo>
                 <a:cubicBezTo>
-                  <a:pt x="7859" y="0"/>
-                  <a:pt x="7831" y="0"/>
-                  <a:pt x="7803" y="0"/>
+                  <a:pt x="6519" y="0"/>
+                  <a:pt x="6491" y="0"/>
+                  <a:pt x="6463" y="0"/>
                 </a:cubicBezTo>
                 <a:lnTo>
-                  <a:pt x="7275" y="0"/>
-                </a:lnTo>
-                <a:lnTo>
-                  <a:pt x="0" y="70"/>
+                  <a:pt x="5935" y="0"/>
+                </a:lnTo>
+                <a:lnTo>
+                  <a:pt x="0" y="62"/>
+                </a:lnTo>
+                <a:lnTo>
+                  <a:pt x="0" y="10000"/>
+                </a:lnTo>
+                <a:lnTo>
+                  <a:pt x="5935" y="9952"/>
+                </a:lnTo>
+                <a:lnTo>
+                  <a:pt x="6463" y="9952"/>
                 </a:lnTo>
                 <a:cubicBezTo>
-                  <a:pt x="8" y="3380"/>
-                  <a:pt x="17" y="6690"/>
-                  <a:pt x="25" y="10000"/>
-                </a:cubicBezTo>
-                <a:lnTo>
-                  <a:pt x="7275" y="9966"/>
-                </a:lnTo>
-                <a:lnTo>
-                  <a:pt x="7803" y="9966"/>
-                </a:lnTo>
-                <a:cubicBezTo>
-                  <a:pt x="7831" y="9966"/>
-                  <a:pt x="7859" y="9872"/>
-                  <a:pt x="7886" y="9872"/>
+                  <a:pt x="6491" y="9952"/>
+                  <a:pt x="6519" y="9859"/>
+                  <a:pt x="6546" y="9859"/>
                 </a:cubicBezTo>
                 <a:cubicBezTo>
-                  <a:pt x="7886" y="9778"/>
-                  <a:pt x="7915" y="9778"/>
-                  <a:pt x="7915" y="9778"/>
+                  <a:pt x="6546" y="9764"/>
+                  <a:pt x="6575" y="9764"/>
+                  <a:pt x="6575" y="9764"/>
                 </a:cubicBezTo>
                 <a:lnTo>
-                  <a:pt x="9248" y="5265"/>
+                  <a:pt x="7908" y="5258"/>
                 </a:lnTo>
                 <a:cubicBezTo>
-                  <a:pt x="9303" y="5077"/>
-                  <a:pt x="9303" y="4889"/>
-                  <a:pt x="9248" y="4701"/>
+                  <a:pt x="7963" y="5070"/>
+                  <a:pt x="7963" y="4883"/>
+                  <a:pt x="7908" y="4694"/>
                 </a:cubicBezTo>
                 <a:close/>
               </a:path>
@@ -4852,7 +4823,7 @@
     </p:spTree>
     <p:extLst>
       <p:ext uri="{BB962C8B-B14F-4D97-AF65-F5344CB8AC3E}">
-        <p14:creationId xmlns:p14="http://schemas.microsoft.com/office/powerpoint/2010/main" val="1179648977"/>
+        <p14:creationId xmlns:p14="http://schemas.microsoft.com/office/powerpoint/2010/main" val="2388398531"/>
       </p:ext>
     </p:extLst>
   </p:cSld>
@@ -4891,8 +4862,8 @@
         </p:nvSpPr>
         <p:spPr>
           <a:xfrm>
-            <a:off x="2589213" y="4800600"/>
-            <a:ext cx="8915400" cy="566738"/>
+            <a:off x="1942415" y="4800600"/>
+            <a:ext cx="6591985" cy="566738"/>
           </a:xfrm>
         </p:spPr>
         <p:txBody>
@@ -4925,8 +4896,8 @@
         </p:nvSpPr>
         <p:spPr>
           <a:xfrm>
-            <a:off x="2589212" y="634965"/>
-            <a:ext cx="8915400" cy="3854970"/>
+            <a:off x="1942415" y="634965"/>
+            <a:ext cx="6591985" cy="3854970"/>
           </a:xfrm>
         </p:spPr>
         <p:txBody>
@@ -4992,8 +4963,8 @@
         </p:nvSpPr>
         <p:spPr>
           <a:xfrm>
-            <a:off x="2589213" y="5367338"/>
-            <a:ext cx="8915400" cy="493712"/>
+            <a:off x="1942415" y="5367338"/>
+            <a:ext cx="6591985" cy="493712"/>
           </a:xfrm>
         </p:spPr>
         <p:txBody>
@@ -5091,14 +5062,14 @@
       </p:sp>
       <p:sp>
         <p:nvSpPr>
-          <p:cNvPr id="9" name="Freeform 11"/>
+          <p:cNvPr id="10" name="Freeform 11"/>
           <p:cNvSpPr/>
           <p:nvPr/>
         </p:nvSpPr>
         <p:spPr bwMode="auto">
           <a:xfrm flipV="1">
-            <a:off x="-4189" y="4911725"/>
-            <a:ext cx="1588527" cy="507297"/>
+            <a:off x="58" y="4910660"/>
+            <a:ext cx="1358356" cy="508005"/>
           </a:xfrm>
           <a:custGeom>
             <a:avLst/>
@@ -5107,57 +5078,55 @@
             <a:cxnLst/>
             <a:rect l="l" t="t" r="r" b="b"/>
             <a:pathLst>
-              <a:path w="9248" h="10000">
+              <a:path w="7908" h="10000">
                 <a:moveTo>
-                  <a:pt x="9248" y="4701"/>
+                  <a:pt x="7908" y="4694"/>
                 </a:moveTo>
                 <a:lnTo>
-                  <a:pt x="7915" y="188"/>
+                  <a:pt x="6575" y="188"/>
                 </a:lnTo>
                 <a:cubicBezTo>
-                  <a:pt x="7906" y="156"/>
-                  <a:pt x="7895" y="126"/>
-                  <a:pt x="7886" y="94"/>
+                  <a:pt x="6566" y="157"/>
+                  <a:pt x="6555" y="125"/>
+                  <a:pt x="6546" y="94"/>
                 </a:cubicBezTo>
                 <a:cubicBezTo>
-                  <a:pt x="7859" y="0"/>
-                  <a:pt x="7831" y="0"/>
-                  <a:pt x="7803" y="0"/>
+                  <a:pt x="6519" y="0"/>
+                  <a:pt x="6491" y="0"/>
+                  <a:pt x="6463" y="0"/>
                 </a:cubicBezTo>
                 <a:lnTo>
-                  <a:pt x="7275" y="0"/>
-                </a:lnTo>
-                <a:lnTo>
-                  <a:pt x="0" y="70"/>
+                  <a:pt x="5935" y="0"/>
+                </a:lnTo>
+                <a:lnTo>
+                  <a:pt x="0" y="62"/>
+                </a:lnTo>
+                <a:lnTo>
+                  <a:pt x="0" y="10000"/>
+                </a:lnTo>
+                <a:lnTo>
+                  <a:pt x="5935" y="9952"/>
+                </a:lnTo>
+                <a:lnTo>
+                  <a:pt x="6463" y="9952"/>
                 </a:lnTo>
                 <a:cubicBezTo>
-                  <a:pt x="8" y="3380"/>
-                  <a:pt x="17" y="6690"/>
-                  <a:pt x="25" y="10000"/>
-                </a:cubicBezTo>
-                <a:lnTo>
-                  <a:pt x="7275" y="9966"/>
-                </a:lnTo>
-                <a:lnTo>
-                  <a:pt x="7803" y="9966"/>
-                </a:lnTo>
-                <a:cubicBezTo>
-                  <a:pt x="7831" y="9966"/>
-                  <a:pt x="7859" y="9872"/>
-                  <a:pt x="7886" y="9872"/>
+                  <a:pt x="6491" y="9952"/>
+                  <a:pt x="6519" y="9859"/>
+                  <a:pt x="6546" y="9859"/>
                 </a:cubicBezTo>
                 <a:cubicBezTo>
-                  <a:pt x="7886" y="9778"/>
-                  <a:pt x="7915" y="9778"/>
-                  <a:pt x="7915" y="9778"/>
+                  <a:pt x="6546" y="9764"/>
+                  <a:pt x="6575" y="9764"/>
+                  <a:pt x="6575" y="9764"/>
                 </a:cubicBezTo>
                 <a:lnTo>
-                  <a:pt x="9248" y="5265"/>
+                  <a:pt x="7908" y="5258"/>
                 </a:lnTo>
                 <a:cubicBezTo>
-                  <a:pt x="9303" y="5077"/>
-                  <a:pt x="9303" y="4889"/>
-                  <a:pt x="9248" y="4701"/>
+                  <a:pt x="7963" y="5070"/>
+                  <a:pt x="7963" y="4883"/>
+                  <a:pt x="7908" y="4694"/>
                 </a:cubicBezTo>
                 <a:close/>
               </a:path>
@@ -5183,8 +5152,8 @@
         </p:nvSpPr>
         <p:spPr>
           <a:xfrm>
-            <a:off x="531812" y="4983087"/>
-            <a:ext cx="779767" cy="365125"/>
+            <a:off x="511228" y="4983088"/>
+            <a:ext cx="584978" cy="365125"/>
           </a:xfrm>
         </p:spPr>
         <p:txBody>
@@ -5202,7 +5171,7 @@
     </p:spTree>
     <p:extLst>
       <p:ext uri="{BB962C8B-B14F-4D97-AF65-F5344CB8AC3E}">
-        <p14:creationId xmlns:p14="http://schemas.microsoft.com/office/powerpoint/2010/main" val="3499986852"/>
+        <p14:creationId xmlns:p14="http://schemas.microsoft.com/office/powerpoint/2010/main" val="4107847472"/>
       </p:ext>
     </p:extLst>
   </p:cSld>
@@ -5236,21 +5205,21 @@
       </p:grpSpPr>
       <p:grpSp>
         <p:nvGrpSpPr>
-          <p:cNvPr id="23" name="Group 22"/>
+          <p:cNvPr id="36" name="Group 35"/>
           <p:cNvGrpSpPr/>
           <p:nvPr/>
         </p:nvGrpSpPr>
         <p:grpSpPr>
           <a:xfrm>
             <a:off x="1" y="228600"/>
-            <a:ext cx="2851516" cy="6638628"/>
+            <a:ext cx="1981200" cy="6638628"/>
             <a:chOff x="2487613" y="285750"/>
             <a:chExt cx="2428875" cy="5654676"/>
           </a:xfrm>
         </p:grpSpPr>
         <p:sp>
           <p:nvSpPr>
-            <p:cNvPr id="24" name="Freeform 11"/>
+            <p:cNvPr id="37" name="Freeform 11"/>
             <p:cNvSpPr/>
             <p:nvPr/>
           </p:nvSpPr>
@@ -5311,7 +5280,7 @@
         </p:sp>
         <p:sp>
           <p:nvSpPr>
-            <p:cNvPr id="25" name="Freeform 12"/>
+            <p:cNvPr id="38" name="Freeform 12"/>
             <p:cNvSpPr/>
             <p:nvPr/>
           </p:nvSpPr>
@@ -5377,7 +5346,7 @@
         </p:sp>
         <p:sp>
           <p:nvSpPr>
-            <p:cNvPr id="26" name="Freeform 13"/>
+            <p:cNvPr id="39" name="Freeform 13"/>
             <p:cNvSpPr/>
             <p:nvPr/>
           </p:nvSpPr>
@@ -5448,7 +5417,7 @@
         </p:sp>
         <p:sp>
           <p:nvSpPr>
-            <p:cNvPr id="27" name="Freeform 14"/>
+            <p:cNvPr id="40" name="Freeform 14"/>
             <p:cNvSpPr/>
             <p:nvPr/>
           </p:nvSpPr>
@@ -5499,7 +5468,7 @@
         </p:sp>
         <p:sp>
           <p:nvSpPr>
-            <p:cNvPr id="28" name="Freeform 15"/>
+            <p:cNvPr id="41" name="Freeform 15"/>
             <p:cNvSpPr/>
             <p:nvPr/>
           </p:nvSpPr>
@@ -5585,7 +5554,7 @@
         </p:sp>
         <p:sp>
           <p:nvSpPr>
-            <p:cNvPr id="29" name="Freeform 16"/>
+            <p:cNvPr id="42" name="Freeform 16"/>
             <p:cNvSpPr/>
             <p:nvPr/>
           </p:nvSpPr>
@@ -5666,7 +5635,7 @@
         </p:sp>
         <p:sp>
           <p:nvSpPr>
-            <p:cNvPr id="30" name="Freeform 17"/>
+            <p:cNvPr id="43" name="Freeform 17"/>
             <p:cNvSpPr/>
             <p:nvPr/>
           </p:nvSpPr>
@@ -5727,7 +5696,7 @@
         </p:sp>
         <p:sp>
           <p:nvSpPr>
-            <p:cNvPr id="31" name="Freeform 18"/>
+            <p:cNvPr id="44" name="Freeform 18"/>
             <p:cNvSpPr/>
             <p:nvPr/>
           </p:nvSpPr>
@@ -5808,7 +5777,7 @@
         </p:sp>
         <p:sp>
           <p:nvSpPr>
-            <p:cNvPr id="32" name="Freeform 19"/>
+            <p:cNvPr id="45" name="Freeform 19"/>
             <p:cNvSpPr/>
             <p:nvPr/>
           </p:nvSpPr>
@@ -5924,7 +5893,7 @@
         </p:sp>
         <p:sp>
           <p:nvSpPr>
-            <p:cNvPr id="33" name="Freeform 20"/>
+            <p:cNvPr id="46" name="Freeform 20"/>
             <p:cNvSpPr/>
             <p:nvPr/>
           </p:nvSpPr>
@@ -5975,7 +5944,7 @@
         </p:sp>
         <p:sp>
           <p:nvSpPr>
-            <p:cNvPr id="34" name="Freeform 21"/>
+            <p:cNvPr id="47" name="Freeform 21"/>
             <p:cNvSpPr/>
             <p:nvPr/>
           </p:nvSpPr>
@@ -6036,7 +6005,7 @@
         </p:sp>
         <p:sp>
           <p:nvSpPr>
-            <p:cNvPr id="35" name="Freeform 22"/>
+            <p:cNvPr id="48" name="Freeform 22"/>
             <p:cNvSpPr/>
             <p:nvPr/>
           </p:nvSpPr>
@@ -6108,27 +6077,27 @@
       </p:grpSp>
       <p:grpSp>
         <p:nvGrpSpPr>
-          <p:cNvPr id="10" name="Group 9"/>
+          <p:cNvPr id="49" name="Group 48"/>
           <p:cNvGrpSpPr/>
           <p:nvPr/>
         </p:nvGrpSpPr>
         <p:grpSpPr>
           <a:xfrm>
-            <a:off x="27221" y="-786"/>
-            <a:ext cx="2356674" cy="6854039"/>
-            <a:chOff x="6627813" y="194833"/>
-            <a:chExt cx="1952625" cy="5678918"/>
+            <a:off x="20421" y="285"/>
+            <a:ext cx="1952272" cy="6852968"/>
+            <a:chOff x="6627813" y="195717"/>
+            <a:chExt cx="1952625" cy="5678034"/>
           </a:xfrm>
         </p:grpSpPr>
         <p:sp>
           <p:nvSpPr>
-            <p:cNvPr id="11" name="Freeform 27"/>
+            <p:cNvPr id="50" name="Freeform 27"/>
             <p:cNvSpPr/>
             <p:nvPr/>
           </p:nvSpPr>
           <p:spPr bwMode="auto">
             <a:xfrm>
-              <a:off x="6627813" y="194833"/>
+              <a:off x="6627813" y="195717"/>
               <a:ext cx="409575" cy="3646488"/>
             </a:xfrm>
             <a:custGeom>
@@ -6226,7 +6195,7 @@
         </p:sp>
         <p:sp>
           <p:nvSpPr>
-            <p:cNvPr id="12" name="Freeform 28"/>
+            <p:cNvPr id="51" name="Freeform 28"/>
             <p:cNvSpPr/>
             <p:nvPr/>
           </p:nvSpPr>
@@ -6295,7 +6264,7 @@
         </p:sp>
         <p:sp>
           <p:nvSpPr>
-            <p:cNvPr id="13" name="Freeform 29"/>
+            <p:cNvPr id="52" name="Freeform 29"/>
             <p:cNvSpPr/>
             <p:nvPr/>
           </p:nvSpPr>
@@ -6364,7 +6333,7 @@
         </p:sp>
         <p:sp>
           <p:nvSpPr>
-            <p:cNvPr id="14" name="Freeform 30"/>
+            <p:cNvPr id="53" name="Freeform 30"/>
             <p:cNvSpPr/>
             <p:nvPr/>
           </p:nvSpPr>
@@ -6448,7 +6417,7 @@
         </p:sp>
         <p:sp>
           <p:nvSpPr>
-            <p:cNvPr id="15" name="Freeform 31"/>
+            <p:cNvPr id="54" name="Freeform 31"/>
             <p:cNvSpPr/>
             <p:nvPr/>
           </p:nvSpPr>
@@ -6542,7 +6511,7 @@
         </p:sp>
         <p:sp>
           <p:nvSpPr>
-            <p:cNvPr id="16" name="Freeform 32"/>
+            <p:cNvPr id="55" name="Freeform 32"/>
             <p:cNvSpPr/>
             <p:nvPr/>
           </p:nvSpPr>
@@ -6591,7 +6560,7 @@
         </p:sp>
         <p:sp>
           <p:nvSpPr>
-            <p:cNvPr id="17" name="Freeform 33"/>
+            <p:cNvPr id="56" name="Freeform 33"/>
             <p:cNvSpPr/>
             <p:nvPr/>
           </p:nvSpPr>
@@ -6655,7 +6624,7 @@
         </p:sp>
         <p:sp>
           <p:nvSpPr>
-            <p:cNvPr id="18" name="Freeform 34"/>
+            <p:cNvPr id="57" name="Freeform 34"/>
             <p:cNvSpPr/>
             <p:nvPr/>
           </p:nvSpPr>
@@ -6764,7 +6733,7 @@
         </p:sp>
         <p:sp>
           <p:nvSpPr>
-            <p:cNvPr id="19" name="Freeform 35"/>
+            <p:cNvPr id="58" name="Freeform 35"/>
             <p:cNvSpPr/>
             <p:nvPr/>
           </p:nvSpPr>
@@ -6813,7 +6782,7 @@
         </p:sp>
         <p:sp>
           <p:nvSpPr>
-            <p:cNvPr id="20" name="Freeform 36"/>
+            <p:cNvPr id="59" name="Freeform 36"/>
             <p:cNvSpPr/>
             <p:nvPr/>
           </p:nvSpPr>
@@ -6882,7 +6851,7 @@
         </p:sp>
         <p:sp>
           <p:nvSpPr>
-            <p:cNvPr id="21" name="Freeform 37"/>
+            <p:cNvPr id="60" name="Freeform 37"/>
             <p:cNvSpPr/>
             <p:nvPr/>
           </p:nvSpPr>
@@ -6946,7 +6915,7 @@
         </p:sp>
         <p:sp>
           <p:nvSpPr>
-            <p:cNvPr id="22" name="Freeform 38"/>
+            <p:cNvPr id="61" name="Freeform 38"/>
             <p:cNvSpPr/>
             <p:nvPr/>
           </p:nvSpPr>
@@ -7016,7 +6985,7 @@
       </p:grpSp>
       <p:sp>
         <p:nvSpPr>
-          <p:cNvPr id="7" name="Rectangle 6"/>
+          <p:cNvPr id="62" name="Rectangle 61"/>
           <p:cNvSpPr/>
           <p:nvPr/>
         </p:nvSpPr>
@@ -7063,8 +7032,8 @@
         </p:nvSpPr>
         <p:spPr>
           <a:xfrm>
-            <a:off x="2592924" y="624110"/>
-            <a:ext cx="8911687" cy="1280890"/>
+            <a:off x="1945200" y="624110"/>
+            <a:ext cx="6589200" cy="1280890"/>
           </a:xfrm>
           <a:prstGeom prst="rect">
             <a:avLst/>
@@ -7096,8 +7065,8 @@
         </p:nvSpPr>
         <p:spPr>
           <a:xfrm>
-            <a:off x="2589212" y="2133600"/>
-            <a:ext cx="8915400" cy="3886200"/>
+            <a:off x="1942415" y="2133600"/>
+            <a:ext cx="6591985" cy="3886200"/>
           </a:xfrm>
           <a:prstGeom prst="rect">
             <a:avLst/>
@@ -7158,8 +7127,8 @@
         </p:nvSpPr>
         <p:spPr>
           <a:xfrm>
-            <a:off x="10361612" y="6130437"/>
-            <a:ext cx="1146283" cy="370396"/>
+            <a:off x="7772400" y="6135089"/>
+            <a:ext cx="766380" cy="370171"/>
           </a:xfrm>
           <a:prstGeom prst="rect">
             <a:avLst/>
@@ -7199,8 +7168,8 @@
         </p:nvSpPr>
         <p:spPr>
           <a:xfrm>
-            <a:off x="2589212" y="6135808"/>
-            <a:ext cx="7619999" cy="365125"/>
+            <a:off x="1942415" y="6135809"/>
+            <a:ext cx="5716488" cy="365125"/>
           </a:xfrm>
           <a:prstGeom prst="rect">
             <a:avLst/>
@@ -7236,8 +7205,8 @@
         </p:nvSpPr>
         <p:spPr bwMode="gray">
           <a:xfrm>
-            <a:off x="531812" y="787782"/>
-            <a:ext cx="779767" cy="365125"/>
+            <a:off x="511228" y="787783"/>
+            <a:ext cx="584978" cy="365125"/>
           </a:xfrm>
           <a:prstGeom prst="rect">
             <a:avLst/>
@@ -7266,28 +7235,28 @@
     </p:spTree>
     <p:extLst>
       <p:ext uri="{BB962C8B-B14F-4D97-AF65-F5344CB8AC3E}">
-        <p14:creationId xmlns:p14="http://schemas.microsoft.com/office/powerpoint/2010/main" val="2595582677"/>
+        <p14:creationId xmlns:p14="http://schemas.microsoft.com/office/powerpoint/2010/main" val="714724463"/>
       </p:ext>
     </p:extLst>
   </p:cSld>
   <p:clrMap bg1="lt1" tx1="dk1" bg2="lt2" tx2="dk2" accent1="accent1" accent2="accent2" accent3="accent3" accent4="accent4" accent5="accent5" accent6="accent6" hlink="hlink" folHlink="folHlink"/>
   <p:sldLayoutIdLst>
-    <p:sldLayoutId id="2147483661" r:id="rId1"/>
-    <p:sldLayoutId id="2147483662" r:id="rId2"/>
-    <p:sldLayoutId id="2147483663" r:id="rId3"/>
-    <p:sldLayoutId id="2147483664" r:id="rId4"/>
-    <p:sldLayoutId id="2147483665" r:id="rId5"/>
-    <p:sldLayoutId id="2147483666" r:id="rId6"/>
-    <p:sldLayoutId id="2147483667" r:id="rId7"/>
-    <p:sldLayoutId id="2147483668" r:id="rId8"/>
-    <p:sldLayoutId id="2147483669" r:id="rId9"/>
-    <p:sldLayoutId id="2147483670" r:id="rId10"/>
-    <p:sldLayoutId id="2147483671" r:id="rId11"/>
-    <p:sldLayoutId id="2147483672" r:id="rId12"/>
-    <p:sldLayoutId id="2147483673" r:id="rId13"/>
-    <p:sldLayoutId id="2147483674" r:id="rId14"/>
-    <p:sldLayoutId id="2147483675" r:id="rId15"/>
-    <p:sldLayoutId id="2147483676" r:id="rId16"/>
+    <p:sldLayoutId id="2147483678" r:id="rId1"/>
+    <p:sldLayoutId id="2147483679" r:id="rId2"/>
+    <p:sldLayoutId id="2147483680" r:id="rId3"/>
+    <p:sldLayoutId id="2147483681" r:id="rId4"/>
+    <p:sldLayoutId id="2147483682" r:id="rId5"/>
+    <p:sldLayoutId id="2147483683" r:id="rId6"/>
+    <p:sldLayoutId id="2147483684" r:id="rId7"/>
+    <p:sldLayoutId id="2147483685" r:id="rId8"/>
+    <p:sldLayoutId id="2147483686" r:id="rId9"/>
+    <p:sldLayoutId id="2147483687" r:id="rId10"/>
+    <p:sldLayoutId id="2147483688" r:id="rId11"/>
+    <p:sldLayoutId id="2147483689" r:id="rId12"/>
+    <p:sldLayoutId id="2147483690" r:id="rId13"/>
+    <p:sldLayoutId id="2147483691" r:id="rId14"/>
+    <p:sldLayoutId id="2147483692" r:id="rId15"/>
+    <p:sldLayoutId id="2147483693" r:id="rId16"/>
   </p:sldLayoutIdLst>
   <p:txStyles>
     <p:titleStyle>
@@ -7711,12 +7680,14 @@
         </p:nvSpPr>
         <p:spPr>
           <a:xfrm>
-            <a:off x="2589212" y="2064224"/>
-            <a:ext cx="8915399" cy="2262781"/>
+            <a:off x="1941909" y="669702"/>
+            <a:ext cx="6686549" cy="2531281"/>
           </a:xfrm>
         </p:spPr>
         <p:txBody>
-          <a:bodyPr/>
+          <a:bodyPr>
+            <a:normAutofit fontScale="90000"/>
+          </a:bodyPr>
           <a:lstStyle/>
           <a:p>
             <a:r>
@@ -7739,17 +7710,17 @@
         </p:nvSpPr>
         <p:spPr>
           <a:xfrm>
-            <a:off x="2589213" y="4327005"/>
-            <a:ext cx="8915399" cy="1576657"/>
+            <a:off x="1941910" y="4102504"/>
+            <a:ext cx="6686549" cy="1182493"/>
           </a:xfrm>
         </p:spPr>
         <p:txBody>
           <a:bodyPr>
-            <a:normAutofit/>
+            <a:normAutofit fontScale="77500" lnSpcReduction="20000"/>
           </a:bodyPr>
           <a:lstStyle/>
           <a:p>
-            <a:pPr marL="285750" indent="-285750">
+            <a:pPr marL="214313" indent="-214313">
               <a:buFont typeface="Arial" panose="020B0604020202020204" pitchFamily="34" charset="0"/>
               <a:buChar char="•"/>
             </a:pPr>
@@ -7760,7 +7731,7 @@
             <a:endParaRPr lang="en-IN" dirty="0" smtClean="0"/>
           </a:p>
           <a:p>
-            <a:pPr marL="285750" indent="-285750">
+            <a:pPr marL="214313" indent="-214313">
               <a:buFont typeface="Arial" panose="020B0604020202020204" pitchFamily="34" charset="0"/>
               <a:buChar char="•"/>
             </a:pPr>
@@ -7770,7 +7741,7 @@
             </a:r>
           </a:p>
           <a:p>
-            <a:pPr marL="285750" indent="-285750">
+            <a:pPr marL="214313" indent="-214313">
               <a:buFont typeface="Arial" panose="020B0604020202020204" pitchFamily="34" charset="0"/>
               <a:buChar char="•"/>
             </a:pPr>
@@ -7784,7 +7755,7 @@
             </a:r>
           </a:p>
           <a:p>
-            <a:pPr marL="285750" indent="-285750">
+            <a:pPr marL="214313" indent="-214313">
               <a:buFont typeface="Arial" panose="020B0604020202020204" pitchFamily="34" charset="0"/>
               <a:buChar char="•"/>
             </a:pPr>
@@ -7844,18 +7815,18 @@
         </p:nvSpPr>
         <p:spPr>
           <a:xfrm>
-            <a:off x="2316256" y="3366357"/>
-            <a:ext cx="8915399" cy="1574134"/>
+            <a:off x="1737193" y="3382018"/>
+            <a:ext cx="6686549" cy="1180601"/>
           </a:xfrm>
         </p:spPr>
         <p:txBody>
           <a:bodyPr>
-            <a:normAutofit/>
+            <a:normAutofit fontScale="92500" lnSpcReduction="20000"/>
           </a:bodyPr>
           <a:lstStyle/>
           <a:p>
             <a:r>
-              <a:rPr lang="en-IN" sz="2400" b="1" dirty="0" smtClean="0"/>
+              <a:rPr lang="en-IN" sz="1800" b="1" dirty="0"/>
               <a:t>Goal</a:t>
             </a:r>
           </a:p>
@@ -7894,8 +7865,8 @@
         </p:blipFill>
         <p:spPr>
           <a:xfrm>
-            <a:off x="2878446" y="122830"/>
-            <a:ext cx="6251906" cy="2117725"/>
+            <a:off x="2735729" y="717505"/>
+            <a:ext cx="4689475" cy="1589088"/>
           </a:xfrm>
         </p:spPr>
       </p:pic>
@@ -7912,7 +7883,326 @@
   <p:timing>
     <p:tnLst>
       <p:par>
-        <p:cTn id="1" dur="indefinite" restart="never" nodeType="tmRoot"/>
+        <p:cTn id="1" dur="indefinite" restart="never" nodeType="tmRoot">
+          <p:childTnLst>
+            <p:seq concurrent="1" nextAc="seek">
+              <p:cTn id="2" dur="indefinite" nodeType="mainSeq">
+                <p:childTnLst>
+                  <p:par>
+                    <p:cTn id="3" fill="hold">
+                      <p:stCondLst>
+                        <p:cond delay="indefinite"/>
+                      </p:stCondLst>
+                      <p:childTnLst>
+                        <p:par>
+                          <p:cTn id="4" fill="hold">
+                            <p:stCondLst>
+                              <p:cond delay="0"/>
+                            </p:stCondLst>
+                            <p:childTnLst>
+                              <p:par>
+                                <p:cTn id="5" presetID="26" presetClass="entr" presetSubtype="0" fill="hold" nodeType="clickEffect">
+                                  <p:stCondLst>
+                                    <p:cond delay="0"/>
+                                  </p:stCondLst>
+                                  <p:childTnLst>
+                                    <p:set>
+                                      <p:cBhvr>
+                                        <p:cTn id="6" dur="1" fill="hold">
+                                          <p:stCondLst>
+                                            <p:cond delay="0"/>
+                                          </p:stCondLst>
+                                        </p:cTn>
+                                        <p:tgtEl>
+                                          <p:spTgt spid="12"/>
+                                        </p:tgtEl>
+                                        <p:attrNameLst>
+                                          <p:attrName>style.visibility</p:attrName>
+                                        </p:attrNameLst>
+                                      </p:cBhvr>
+                                      <p:to>
+                                        <p:strVal val="visible"/>
+                                      </p:to>
+                                    </p:set>
+                                    <p:animEffect transition="in" filter="wipe(down)">
+                                      <p:cBhvr>
+                                        <p:cTn id="7" dur="580">
+                                          <p:stCondLst>
+                                            <p:cond delay="0"/>
+                                          </p:stCondLst>
+                                        </p:cTn>
+                                        <p:tgtEl>
+                                          <p:spTgt spid="12"/>
+                                        </p:tgtEl>
+                                      </p:cBhvr>
+                                    </p:animEffect>
+                                    <p:anim calcmode="lin" valueType="num">
+                                      <p:cBhvr>
+                                        <p:cTn id="8" dur="1822" tmFilter="0,0; 0.14,0.36; 0.43,0.73; 0.71,0.91; 1.0,1.0">
+                                          <p:stCondLst>
+                                            <p:cond delay="0"/>
+                                          </p:stCondLst>
+                                        </p:cTn>
+                                        <p:tgtEl>
+                                          <p:spTgt spid="12"/>
+                                        </p:tgtEl>
+                                        <p:attrNameLst>
+                                          <p:attrName>ppt_x</p:attrName>
+                                        </p:attrNameLst>
+                                      </p:cBhvr>
+                                      <p:tavLst>
+                                        <p:tav tm="0">
+                                          <p:val>
+                                            <p:strVal val="#ppt_x-0.25"/>
+                                          </p:val>
+                                        </p:tav>
+                                        <p:tav tm="100000">
+                                          <p:val>
+                                            <p:strVal val="#ppt_x"/>
+                                          </p:val>
+                                        </p:tav>
+                                      </p:tavLst>
+                                    </p:anim>
+                                    <p:anim calcmode="lin" valueType="num">
+                                      <p:cBhvr>
+                                        <p:cTn id="9" dur="664" tmFilter="0.0,0.0; 0.25,0.07; 0.50,0.2; 0.75,0.467; 1.0,1.0">
+                                          <p:stCondLst>
+                                            <p:cond delay="0"/>
+                                          </p:stCondLst>
+                                        </p:cTn>
+                                        <p:tgtEl>
+                                          <p:spTgt spid="12"/>
+                                        </p:tgtEl>
+                                        <p:attrNameLst>
+                                          <p:attrName>ppt_y</p:attrName>
+                                        </p:attrNameLst>
+                                      </p:cBhvr>
+                                      <p:tavLst>
+                                        <p:tav tm="0" fmla="#ppt_y-sin(pi*$)/3">
+                                          <p:val>
+                                            <p:fltVal val="0.5"/>
+                                          </p:val>
+                                        </p:tav>
+                                        <p:tav tm="100000">
+                                          <p:val>
+                                            <p:fltVal val="1"/>
+                                          </p:val>
+                                        </p:tav>
+                                      </p:tavLst>
+                                    </p:anim>
+                                    <p:anim calcmode="lin" valueType="num">
+                                      <p:cBhvr>
+                                        <p:cTn id="10" dur="664" tmFilter="0, 0; 0.125,0.2665; 0.25,0.4; 0.375,0.465; 0.5,0.5;  0.625,0.535; 0.75,0.6; 0.875,0.7335; 1,1">
+                                          <p:stCondLst>
+                                            <p:cond delay="664"/>
+                                          </p:stCondLst>
+                                        </p:cTn>
+                                        <p:tgtEl>
+                                          <p:spTgt spid="12"/>
+                                        </p:tgtEl>
+                                        <p:attrNameLst>
+                                          <p:attrName>ppt_y</p:attrName>
+                                        </p:attrNameLst>
+                                      </p:cBhvr>
+                                      <p:tavLst>
+                                        <p:tav tm="0" fmla="#ppt_y-sin(pi*$)/9">
+                                          <p:val>
+                                            <p:fltVal val="0"/>
+                                          </p:val>
+                                        </p:tav>
+                                        <p:tav tm="100000">
+                                          <p:val>
+                                            <p:fltVal val="1"/>
+                                          </p:val>
+                                        </p:tav>
+                                      </p:tavLst>
+                                    </p:anim>
+                                    <p:anim calcmode="lin" valueType="num">
+                                      <p:cBhvr>
+                                        <p:cTn id="11" dur="332" tmFilter="0, 0; 0.125,0.2665; 0.25,0.4; 0.375,0.465; 0.5,0.5;  0.625,0.535; 0.75,0.6; 0.875,0.7335; 1,1">
+                                          <p:stCondLst>
+                                            <p:cond delay="1324"/>
+                                          </p:stCondLst>
+                                        </p:cTn>
+                                        <p:tgtEl>
+                                          <p:spTgt spid="12"/>
+                                        </p:tgtEl>
+                                        <p:attrNameLst>
+                                          <p:attrName>ppt_y</p:attrName>
+                                        </p:attrNameLst>
+                                      </p:cBhvr>
+                                      <p:tavLst>
+                                        <p:tav tm="0" fmla="#ppt_y-sin(pi*$)/27">
+                                          <p:val>
+                                            <p:fltVal val="0"/>
+                                          </p:val>
+                                        </p:tav>
+                                        <p:tav tm="100000">
+                                          <p:val>
+                                            <p:fltVal val="1"/>
+                                          </p:val>
+                                        </p:tav>
+                                      </p:tavLst>
+                                    </p:anim>
+                                    <p:anim calcmode="lin" valueType="num">
+                                      <p:cBhvr>
+                                        <p:cTn id="12" dur="164" tmFilter="0, 0; 0.125,0.2665; 0.25,0.4; 0.375,0.465; 0.5,0.5;  0.625,0.535; 0.75,0.6; 0.875,0.7335; 1,1">
+                                          <p:stCondLst>
+                                            <p:cond delay="1656"/>
+                                          </p:stCondLst>
+                                        </p:cTn>
+                                        <p:tgtEl>
+                                          <p:spTgt spid="12"/>
+                                        </p:tgtEl>
+                                        <p:attrNameLst>
+                                          <p:attrName>ppt_y</p:attrName>
+                                        </p:attrNameLst>
+                                      </p:cBhvr>
+                                      <p:tavLst>
+                                        <p:tav tm="0" fmla="#ppt_y-sin(pi*$)/81">
+                                          <p:val>
+                                            <p:fltVal val="0"/>
+                                          </p:val>
+                                        </p:tav>
+                                        <p:tav tm="100000">
+                                          <p:val>
+                                            <p:fltVal val="1"/>
+                                          </p:val>
+                                        </p:tav>
+                                      </p:tavLst>
+                                    </p:anim>
+                                    <p:animScale>
+                                      <p:cBhvr>
+                                        <p:cTn id="13" dur="26">
+                                          <p:stCondLst>
+                                            <p:cond delay="650"/>
+                                          </p:stCondLst>
+                                        </p:cTn>
+                                        <p:tgtEl>
+                                          <p:spTgt spid="12"/>
+                                        </p:tgtEl>
+                                      </p:cBhvr>
+                                      <p:to x="100000" y="60000"/>
+                                    </p:animScale>
+                                    <p:animScale>
+                                      <p:cBhvr>
+                                        <p:cTn id="14" dur="166" decel="50000">
+                                          <p:stCondLst>
+                                            <p:cond delay="676"/>
+                                          </p:stCondLst>
+                                        </p:cTn>
+                                        <p:tgtEl>
+                                          <p:spTgt spid="12"/>
+                                        </p:tgtEl>
+                                      </p:cBhvr>
+                                      <p:to x="100000" y="100000"/>
+                                    </p:animScale>
+                                    <p:animScale>
+                                      <p:cBhvr>
+                                        <p:cTn id="15" dur="26">
+                                          <p:stCondLst>
+                                            <p:cond delay="1312"/>
+                                          </p:stCondLst>
+                                        </p:cTn>
+                                        <p:tgtEl>
+                                          <p:spTgt spid="12"/>
+                                        </p:tgtEl>
+                                      </p:cBhvr>
+                                      <p:to x="100000" y="80000"/>
+                                    </p:animScale>
+                                    <p:animScale>
+                                      <p:cBhvr>
+                                        <p:cTn id="16" dur="166" decel="50000">
+                                          <p:stCondLst>
+                                            <p:cond delay="1338"/>
+                                          </p:stCondLst>
+                                        </p:cTn>
+                                        <p:tgtEl>
+                                          <p:spTgt spid="12"/>
+                                        </p:tgtEl>
+                                      </p:cBhvr>
+                                      <p:to x="100000" y="100000"/>
+                                    </p:animScale>
+                                    <p:animScale>
+                                      <p:cBhvr>
+                                        <p:cTn id="17" dur="26">
+                                          <p:stCondLst>
+                                            <p:cond delay="1642"/>
+                                          </p:stCondLst>
+                                        </p:cTn>
+                                        <p:tgtEl>
+                                          <p:spTgt spid="12"/>
+                                        </p:tgtEl>
+                                      </p:cBhvr>
+                                      <p:to x="100000" y="90000"/>
+                                    </p:animScale>
+                                    <p:animScale>
+                                      <p:cBhvr>
+                                        <p:cTn id="18" dur="166" decel="50000">
+                                          <p:stCondLst>
+                                            <p:cond delay="1668"/>
+                                          </p:stCondLst>
+                                        </p:cTn>
+                                        <p:tgtEl>
+                                          <p:spTgt spid="12"/>
+                                        </p:tgtEl>
+                                      </p:cBhvr>
+                                      <p:to x="100000" y="100000"/>
+                                    </p:animScale>
+                                    <p:animScale>
+                                      <p:cBhvr>
+                                        <p:cTn id="19" dur="26">
+                                          <p:stCondLst>
+                                            <p:cond delay="1808"/>
+                                          </p:stCondLst>
+                                        </p:cTn>
+                                        <p:tgtEl>
+                                          <p:spTgt spid="12"/>
+                                        </p:tgtEl>
+                                      </p:cBhvr>
+                                      <p:to x="100000" y="95000"/>
+                                    </p:animScale>
+                                    <p:animScale>
+                                      <p:cBhvr>
+                                        <p:cTn id="20" dur="166" decel="50000">
+                                          <p:stCondLst>
+                                            <p:cond delay="1834"/>
+                                          </p:stCondLst>
+                                        </p:cTn>
+                                        <p:tgtEl>
+                                          <p:spTgt spid="12"/>
+                                        </p:tgtEl>
+                                      </p:cBhvr>
+                                      <p:to x="100000" y="100000"/>
+                                    </p:animScale>
+                                  </p:childTnLst>
+                                </p:cTn>
+                              </p:par>
+                            </p:childTnLst>
+                          </p:cTn>
+                        </p:par>
+                      </p:childTnLst>
+                    </p:cTn>
+                  </p:par>
+                </p:childTnLst>
+              </p:cTn>
+              <p:prevCondLst>
+                <p:cond evt="onPrev" delay="0">
+                  <p:tgtEl>
+                    <p:sldTgt/>
+                  </p:tgtEl>
+                </p:cond>
+              </p:prevCondLst>
+              <p:nextCondLst>
+                <p:cond evt="onNext" delay="0">
+                  <p:tgtEl>
+                    <p:sldTgt/>
+                  </p:tgtEl>
+                </p:cond>
+              </p:nextCondLst>
+            </p:seq>
+          </p:childTnLst>
+        </p:cTn>
       </p:par>
     </p:tnLst>
   </p:timing>
@@ -7948,81 +8238,81 @@
         </p:nvSpPr>
         <p:spPr>
           <a:xfrm>
-            <a:off x="2589212" y="777922"/>
-            <a:ext cx="8915399" cy="4080681"/>
+            <a:off x="1941910" y="1440692"/>
+            <a:ext cx="6686549" cy="3060511"/>
           </a:xfrm>
         </p:spPr>
         <p:txBody>
           <a:bodyPr>
-            <a:normAutofit fontScale="92500" lnSpcReduction="10000"/>
+            <a:normAutofit fontScale="85000" lnSpcReduction="10000"/>
           </a:bodyPr>
           <a:lstStyle/>
           <a:p>
             <a:r>
-              <a:rPr lang="en-IN" sz="2400" b="1" dirty="0" smtClean="0"/>
+              <a:rPr lang="en-IN" sz="1800" b="1" dirty="0"/>
               <a:t>Product</a:t>
             </a:r>
           </a:p>
           <a:p>
-            <a:pPr marL="342900" indent="-342900">
+            <a:pPr marL="257175" indent="-257175">
               <a:buFont typeface="Arial" panose="020B0604020202020204" pitchFamily="34" charset="0"/>
               <a:buChar char="•"/>
             </a:pPr>
             <a:r>
-              <a:rPr lang="en-IN" sz="2400" dirty="0"/>
+              <a:rPr lang="en-IN" sz="1800" dirty="0"/>
               <a:t>Enterprise level open-source E-Commerce framework written in Java on top of Spring Framework.</a:t>
             </a:r>
           </a:p>
           <a:p>
-            <a:pPr marL="342900" indent="-342900">
+            <a:pPr marL="257175" indent="-257175">
               <a:buFont typeface="Arial" panose="020B0604020202020204" pitchFamily="34" charset="0"/>
               <a:buChar char="•"/>
             </a:pPr>
             <a:r>
-              <a:rPr lang="en-IN" sz="2400" dirty="0"/>
+              <a:rPr lang="en-IN" sz="1800" dirty="0"/>
               <a:t>The Broadleaf framework is designed to allow you to extend any entity, add your own custom entities, and replace or extend any service, DAO, or create custom controllers.</a:t>
             </a:r>
           </a:p>
           <a:p>
-            <a:pPr marL="342900" indent="-342900">
+            <a:pPr marL="257175" indent="-257175">
               <a:buFont typeface="Arial" panose="020B0604020202020204" pitchFamily="34" charset="0"/>
               <a:buChar char="•"/>
             </a:pPr>
             <a:r>
-              <a:rPr lang="en-IN" sz="2400" dirty="0"/>
+              <a:rPr lang="en-IN" sz="1800" dirty="0"/>
               <a:t>Content Management System: Products and </a:t>
             </a:r>
             <a:r>
-              <a:rPr lang="en-IN" sz="2400" dirty="0" err="1"/>
+              <a:rPr lang="en-IN" sz="1800" dirty="0" err="1"/>
               <a:t>catalog</a:t>
             </a:r>
             <a:r>
-              <a:rPr lang="en-IN" sz="2400" dirty="0"/>
+              <a:rPr lang="en-IN" sz="1800" dirty="0"/>
               <a:t> information management.</a:t>
             </a:r>
           </a:p>
           <a:p>
-            <a:pPr marL="342900" indent="-342900">
+            <a:pPr marL="257175" indent="-257175">
               <a:buFont typeface="Arial" panose="020B0604020202020204" pitchFamily="34" charset="0"/>
               <a:buChar char="•"/>
             </a:pPr>
             <a:r>
-              <a:rPr lang="en-IN" sz="2400" dirty="0"/>
+              <a:rPr lang="en-IN" sz="1800" dirty="0"/>
               <a:t>Multi-Everything: Multi-tenant, multi-site, multi-currency and multi-channel.</a:t>
             </a:r>
           </a:p>
           <a:p>
-            <a:pPr marL="342900" indent="-342900">
+            <a:pPr marL="257175" indent="-257175">
               <a:buFont typeface="Arial" panose="020B0604020202020204" pitchFamily="34" charset="0"/>
               <a:buChar char="•"/>
             </a:pPr>
             <a:r>
-              <a:rPr lang="en-IN" sz="2400" dirty="0"/>
+              <a:rPr lang="en-IN" sz="1800" dirty="0"/>
               <a:t>Customer Management</a:t>
             </a:r>
           </a:p>
           <a:p>
-            <a:endParaRPr lang="en-IN" sz="2400" b="1" dirty="0"/>
+            <a:endParaRPr lang="en-IN" sz="1800" b="1" dirty="0"/>
           </a:p>
         </p:txBody>
       </p:sp>
@@ -8036,6 +8326,13 @@
   <p:clrMapOvr>
     <a:masterClrMapping/>
   </p:clrMapOvr>
+  <p:timing>
+    <p:tnLst>
+      <p:par>
+        <p:cTn id="1" dur="indefinite" restart="never" nodeType="tmRoot"/>
+      </p:par>
+    </p:tnLst>
+  </p:timing>
 </p:sld>
 </file>
 
@@ -8091,12 +8388,14 @@
         </p:nvSpPr>
         <p:spPr>
           <a:xfrm>
-            <a:off x="2589212" y="1687132"/>
-            <a:ext cx="8915400" cy="4224090"/>
+            <a:off x="1945201" y="1612608"/>
+            <a:ext cx="6686550" cy="3168068"/>
           </a:xfrm>
         </p:spPr>
         <p:txBody>
-          <a:bodyPr/>
+          <a:bodyPr>
+            <a:normAutofit fontScale="92500" lnSpcReduction="20000"/>
+          </a:bodyPr>
           <a:lstStyle/>
           <a:p>
             <a:r>
@@ -8165,8 +8464,8 @@
         </p:blipFill>
         <p:spPr bwMode="auto">
           <a:xfrm>
-            <a:off x="3317383" y="2178549"/>
-            <a:ext cx="5943600" cy="2971800"/>
+            <a:off x="2391446" y="1612608"/>
+            <a:ext cx="4457700" cy="2228850"/>
           </a:xfrm>
           <a:prstGeom prst="rect">
             <a:avLst/>
@@ -8198,8 +8497,8 @@
         </p:blipFill>
         <p:spPr bwMode="auto">
           <a:xfrm>
-            <a:off x="3188594" y="5312119"/>
-            <a:ext cx="5943600" cy="647700"/>
+            <a:off x="2391446" y="4841339"/>
+            <a:ext cx="4457700" cy="485775"/>
           </a:xfrm>
           <a:prstGeom prst="rect">
             <a:avLst/>
@@ -8220,6 +8519,13 @@
   <p:clrMapOvr>
     <a:masterClrMapping/>
   </p:clrMapOvr>
+  <p:timing>
+    <p:tnLst>
+      <p:par>
+        <p:cTn id="1" dur="indefinite" restart="never" nodeType="tmRoot"/>
+      </p:par>
+    </p:tnLst>
+  </p:timing>
 </p:sld>
 </file>
 
@@ -8275,22 +8581,24 @@
         </p:nvSpPr>
         <p:spPr>
           <a:xfrm>
-            <a:off x="2592924" y="2147688"/>
-            <a:ext cx="4313864" cy="3777622"/>
+            <a:off x="1944693" y="2468016"/>
+            <a:ext cx="3235398" cy="2833217"/>
           </a:xfrm>
         </p:spPr>
         <p:txBody>
-          <a:bodyPr/>
+          <a:bodyPr>
+            <a:normAutofit lnSpcReduction="10000"/>
+          </a:bodyPr>
           <a:lstStyle/>
           <a:p>
             <a:r>
-              <a:rPr lang="en-IN" sz="2400" b="1" dirty="0" smtClean="0"/>
+              <a:rPr lang="en-IN" sz="1800" b="1" dirty="0"/>
               <a:t>Releases</a:t>
             </a:r>
           </a:p>
           <a:p>
             <a:r>
-              <a:rPr lang="en-US" sz="1600" dirty="0">
+              <a:rPr lang="en-US" sz="1200" dirty="0">
                 <a:solidFill>
                   <a:srgbClr val="4F4F4F"/>
                 </a:solidFill>
@@ -8299,7 +8607,7 @@
               <a:t>The </a:t>
             </a:r>
             <a:r>
-              <a:rPr lang="en-US" sz="1600" dirty="0">
+              <a:rPr lang="en-US" sz="1200" dirty="0">
                 <a:solidFill>
                   <a:srgbClr val="C7254E"/>
                 </a:solidFill>
@@ -8308,7 +8616,7 @@
               <a:t>master</a:t>
             </a:r>
             <a:r>
-              <a:rPr lang="en-US" sz="1600" dirty="0">
+              <a:rPr lang="en-US" sz="1200" dirty="0">
                 <a:solidFill>
                   <a:srgbClr val="4F4F4F"/>
                 </a:solidFill>
@@ -8317,7 +8625,7 @@
               <a:t> </a:t>
             </a:r>
             <a:r>
-              <a:rPr lang="en-US" sz="1600" dirty="0" smtClean="0">
+              <a:rPr lang="en-US" sz="1200" dirty="0">
                 <a:solidFill>
                   <a:srgbClr val="4F4F4F"/>
                 </a:solidFill>
@@ -8326,7 +8634,7 @@
               <a:t>branch will </a:t>
             </a:r>
             <a:r>
-              <a:rPr lang="en-US" sz="1600" dirty="0">
+              <a:rPr lang="en-US" sz="1200" dirty="0">
                 <a:solidFill>
                   <a:srgbClr val="4F4F4F"/>
                 </a:solidFill>
@@ -8335,7 +8643,7 @@
               <a:t>always represent </a:t>
             </a:r>
             <a:r>
-              <a:rPr lang="en-US" sz="1600" dirty="0" smtClean="0">
+              <a:rPr lang="en-US" sz="1200" dirty="0">
                 <a:solidFill>
                   <a:srgbClr val="4F4F4F"/>
                 </a:solidFill>
@@ -8344,7 +8652,7 @@
               <a:t>the </a:t>
             </a:r>
             <a:r>
-              <a:rPr lang="en-US" sz="1600" dirty="0">
+              <a:rPr lang="en-US" sz="1200" dirty="0">
                 <a:solidFill>
                   <a:srgbClr val="4F4F4F"/>
                 </a:solidFill>
@@ -8353,7 +8661,7 @@
               <a:t>latest GA </a:t>
             </a:r>
             <a:r>
-              <a:rPr lang="en-US" sz="1600" dirty="0" smtClean="0">
+              <a:rPr lang="en-US" sz="1200" dirty="0">
                 <a:solidFill>
                   <a:srgbClr val="4F4F4F"/>
                 </a:solidFill>
@@ -8365,7 +8673,7 @@
           <a:p>
             <a:pPr lvl="0"/>
             <a:r>
-              <a:rPr lang="en-US" sz="1600" dirty="0">
+              <a:rPr lang="en-US" sz="1200" dirty="0">
                 <a:solidFill>
                   <a:srgbClr val="4F4F4F"/>
                 </a:solidFill>
@@ -8374,7 +8682,7 @@
               <a:t>The </a:t>
             </a:r>
             <a:r>
-              <a:rPr lang="en-US" sz="1600" dirty="0">
+              <a:rPr lang="en-US" sz="1200" dirty="0">
                 <a:solidFill>
                   <a:srgbClr val="C7254E"/>
                 </a:solidFill>
@@ -8383,7 +8691,7 @@
               <a:t>develop</a:t>
             </a:r>
             <a:r>
-              <a:rPr lang="en-US" sz="1600" dirty="0">
+              <a:rPr lang="en-US" sz="1200" dirty="0">
                 <a:solidFill>
                   <a:srgbClr val="4F4F4F"/>
                 </a:solidFill>
@@ -8392,7 +8700,7 @@
               <a:t> branch is what we generally work on day to day and holds the latest </a:t>
             </a:r>
             <a:r>
-              <a:rPr lang="en-US" sz="1600" dirty="0" smtClean="0">
+              <a:rPr lang="en-US" sz="1200" dirty="0">
                 <a:solidFill>
                   <a:srgbClr val="4F4F4F"/>
                 </a:solidFill>
@@ -8400,7 +8708,7 @@
               </a:rPr>
               <a:t>code</a:t>
             </a:r>
-            <a:endParaRPr lang="en-US" sz="1600" dirty="0">
+            <a:endParaRPr lang="en-US" sz="1200" dirty="0">
               <a:solidFill>
                 <a:srgbClr val="4F4F4F"/>
               </a:solidFill>
@@ -8409,7 +8717,7 @@
           </a:p>
           <a:p>
             <a:r>
-              <a:rPr lang="en-US" sz="1600" dirty="0" smtClean="0">
+              <a:rPr lang="en-US" sz="1200" dirty="0">
                 <a:solidFill>
                   <a:srgbClr val="4F4F4F"/>
                 </a:solidFill>
@@ -8418,7 +8726,7 @@
               <a:t>They also </a:t>
             </a:r>
             <a:r>
-              <a:rPr lang="en-US" sz="1600" dirty="0">
+              <a:rPr lang="en-US" sz="1200" dirty="0">
                 <a:solidFill>
                   <a:srgbClr val="4F4F4F"/>
                 </a:solidFill>
@@ -8427,7 +8735,7 @@
               <a:t>have support branches, which generally take </a:t>
             </a:r>
             <a:r>
-              <a:rPr lang="en-US" sz="1600" dirty="0" smtClean="0">
+              <a:rPr lang="en-US" sz="1200" dirty="0">
                 <a:solidFill>
                   <a:srgbClr val="4F4F4F"/>
                 </a:solidFill>
@@ -8436,7 +8744,7 @@
               <a:t>the form </a:t>
             </a:r>
             <a:r>
-              <a:rPr lang="en-US" sz="1400" dirty="0" smtClean="0">
+              <a:rPr lang="en-US" sz="1050" dirty="0">
                 <a:solidFill>
                   <a:srgbClr val="C7254E"/>
                 </a:solidFill>
@@ -8444,7 +8752,7 @@
               </a:rPr>
               <a:t>BroadleafCommerce-2.0.0-M1-x</a:t>
             </a:r>
-            <a:endParaRPr lang="en-US" sz="1400" dirty="0">
+            <a:endParaRPr lang="en-US" sz="1050" dirty="0">
               <a:solidFill>
                 <a:schemeClr val="tx1"/>
               </a:solidFill>
@@ -8454,22 +8762,22 @@
           <a:p>
             <a:pPr lvl="0"/>
             <a:r>
-              <a:rPr lang="en-US" sz="1600" dirty="0"/>
+              <a:rPr lang="en-US" sz="1200" dirty="0"/>
               <a:t>F</a:t>
             </a:r>
             <a:r>
-              <a:rPr lang="en-US" sz="1600" dirty="0" smtClean="0"/>
+              <a:rPr lang="en-US" sz="1200" dirty="0"/>
               <a:t>eature branches do </a:t>
             </a:r>
             <a:r>
-              <a:rPr lang="en-US" sz="1600" dirty="0"/>
+              <a:rPr lang="en-US" sz="1200" dirty="0"/>
               <a:t>not necessarily adhere to any specific naming </a:t>
             </a:r>
             <a:r>
-              <a:rPr lang="en-US" sz="1600" dirty="0" smtClean="0"/>
+              <a:rPr lang="en-US" sz="1200" dirty="0"/>
               <a:t>strategy</a:t>
             </a:r>
-            <a:endParaRPr lang="en-US" sz="1600" dirty="0">
+            <a:endParaRPr lang="en-US" sz="1200" dirty="0">
               <a:solidFill>
                 <a:schemeClr val="tx1"/>
               </a:solidFill>
@@ -8477,7 +8785,7 @@
             </a:endParaRPr>
           </a:p>
           <a:p>
-            <a:endParaRPr lang="en-IN" sz="2000" b="1" dirty="0"/>
+            <a:endParaRPr lang="en-IN" sz="1500" b="1" dirty="0"/>
           </a:p>
         </p:txBody>
       </p:sp>
@@ -8505,8 +8813,8 @@
         </p:blipFill>
         <p:spPr>
           <a:xfrm>
-            <a:off x="7191375" y="2147688"/>
-            <a:ext cx="4313238" cy="3734200"/>
+            <a:off x="5393531" y="2468016"/>
+            <a:ext cx="3234929" cy="2800650"/>
           </a:xfrm>
         </p:spPr>
       </p:pic>
@@ -8520,6 +8828,13 @@
   <p:clrMapOvr>
     <a:masterClrMapping/>
   </p:clrMapOvr>
+  <p:timing>
+    <p:tnLst>
+      <p:par>
+        <p:cTn id="1" dur="indefinite" restart="never" nodeType="tmRoot"/>
+      </p:par>
+    </p:tnLst>
+  </p:timing>
 </p:sld>
 </file>
 
@@ -8542,7 +8857,7 @@
       </p:grpSpPr>
       <p:sp>
         <p:nvSpPr>
-          <p:cNvPr id="2" name="Title 1"/>
+          <p:cNvPr id="5" name="Title 4"/>
           <p:cNvSpPr>
             <a:spLocks noGrp="1"/>
           </p:cNvSpPr>
@@ -8557,60 +8872,55 @@
           <a:p>
             <a:r>
               <a:rPr lang="en-IN" dirty="0" smtClean="0"/>
-              <a:t>Adoption</a:t>
+              <a:t>Branching Strategy</a:t>
             </a:r>
             <a:endParaRPr lang="en-IN" dirty="0"/>
           </a:p>
         </p:txBody>
       </p:sp>
-      <p:sp>
-        <p:nvSpPr>
-          <p:cNvPr id="3" name="Content Placeholder 2"/>
-          <p:cNvSpPr>
-            <a:spLocks noGrp="1"/>
-          </p:cNvSpPr>
-          <p:nvPr>
-            <p:ph sz="half" idx="1"/>
-          </p:nvPr>
-        </p:nvSpPr>
-        <p:spPr/>
-        <p:txBody>
-          <a:bodyPr/>
-          <a:lstStyle/>
-          <a:p>
-            <a:endParaRPr lang="en-IN"/>
-          </a:p>
-        </p:txBody>
-      </p:sp>
-      <p:sp>
-        <p:nvSpPr>
-          <p:cNvPr id="4" name="Content Placeholder 3"/>
-          <p:cNvSpPr>
-            <a:spLocks noGrp="1"/>
-          </p:cNvSpPr>
-          <p:nvPr>
-            <p:ph sz="half" idx="2"/>
-          </p:nvPr>
-        </p:nvSpPr>
-        <p:spPr/>
-        <p:txBody>
-          <a:bodyPr/>
-          <a:lstStyle/>
-          <a:p>
-            <a:endParaRPr lang="en-IN"/>
-          </a:p>
-        </p:txBody>
-      </p:sp>
+      <p:pic>
+        <p:nvPicPr>
+          <p:cNvPr id="7" name="Content Placeholder 6"/>
+          <p:cNvPicPr>
+            <a:picLocks noGrp="1" noChangeAspect="1"/>
+          </p:cNvPicPr>
+          <p:nvPr>
+            <p:ph idx="1"/>
+          </p:nvPr>
+        </p:nvPicPr>
+        <p:blipFill>
+          <a:blip r:embed="rId2"/>
+          <a:stretch>
+            <a:fillRect/>
+          </a:stretch>
+        </p:blipFill>
+        <p:spPr>
+          <a:xfrm>
+            <a:off x="3419341" y="1939075"/>
+            <a:ext cx="3470480" cy="3791822"/>
+          </a:xfrm>
+          <a:prstGeom prst="rect">
+            <a:avLst/>
+          </a:prstGeom>
+        </p:spPr>
+      </p:pic>
     </p:spTree>
     <p:extLst>
       <p:ext uri="{BB962C8B-B14F-4D97-AF65-F5344CB8AC3E}">
-        <p14:creationId xmlns:p14="http://schemas.microsoft.com/office/powerpoint/2010/main" val="1940259975"/>
+        <p14:creationId xmlns:p14="http://schemas.microsoft.com/office/powerpoint/2010/main" val="2473199827"/>
       </p:ext>
     </p:extLst>
   </p:cSld>
   <p:clrMapOvr>
     <a:masterClrMapping/>
   </p:clrMapOvr>
+  <p:timing>
+    <p:tnLst>
+      <p:par>
+        <p:cTn id="1" dur="indefinite" restart="never" nodeType="tmRoot"/>
+      </p:par>
+    </p:tnLst>
+  </p:timing>
 </p:sld>
 </file>
 
@@ -8633,7 +8943,7 @@
       </p:grpSpPr>
       <p:sp>
         <p:nvSpPr>
-          <p:cNvPr id="5" name="Title 4"/>
+          <p:cNvPr id="2" name="Title 1"/>
           <p:cNvSpPr>
             <a:spLocks noGrp="1"/>
           </p:cNvSpPr>
@@ -8648,7 +8958,64 @@
           <a:p>
             <a:r>
               <a:rPr lang="en-IN" dirty="0" smtClean="0"/>
-              <a:t>Branching Strategy</a:t>
+              <a:t>Adoption</a:t>
+            </a:r>
+            <a:endParaRPr lang="en-IN" dirty="0"/>
+          </a:p>
+        </p:txBody>
+      </p:sp>
+      <p:sp>
+        <p:nvSpPr>
+          <p:cNvPr id="3" name="Content Placeholder 2"/>
+          <p:cNvSpPr>
+            <a:spLocks noGrp="1"/>
+          </p:cNvSpPr>
+          <p:nvPr>
+            <p:ph sz="half" idx="1"/>
+          </p:nvPr>
+        </p:nvSpPr>
+        <p:spPr/>
+        <p:txBody>
+          <a:bodyPr/>
+          <a:lstStyle/>
+          <a:p>
+            <a:r>
+              <a:rPr lang="en-IN" dirty="0" smtClean="0"/>
+              <a:t>The Container Store : Home/Office supplies</a:t>
+            </a:r>
+          </a:p>
+          <a:p>
+            <a:r>
+              <a:rPr lang="en-IN" dirty="0" err="1" smtClean="0"/>
+              <a:t>Vology</a:t>
+            </a:r>
+            <a:r>
+              <a:rPr lang="en-IN" dirty="0" smtClean="0"/>
+              <a:t> : Network Hardware store</a:t>
+            </a:r>
+          </a:p>
+          <a:p>
+            <a:r>
+              <a:rPr lang="en-IN" dirty="0" smtClean="0"/>
+              <a:t>Pep Boys : Auto parts store</a:t>
+            </a:r>
+          </a:p>
+          <a:p>
+            <a:r>
+              <a:rPr lang="en-IN" dirty="0" err="1" smtClean="0"/>
+              <a:t>Ganz</a:t>
+            </a:r>
+            <a:r>
+              <a:rPr lang="en-IN" dirty="0" smtClean="0"/>
+              <a:t> </a:t>
+            </a:r>
+            <a:r>
+              <a:rPr lang="en-IN" dirty="0" err="1" smtClean="0"/>
+              <a:t>eStore</a:t>
+            </a:r>
+            <a:r>
+              <a:rPr lang="en-IN" dirty="0" smtClean="0"/>
+              <a:t> : Buy virtual pets used for Webkinz.com</a:t>
             </a:r>
             <a:endParaRPr lang="en-IN" dirty="0"/>
           </a:p>
@@ -8656,12 +9023,12 @@
       </p:sp>
       <p:pic>
         <p:nvPicPr>
-          <p:cNvPr id="7" name="Content Placeholder 6"/>
+          <p:cNvPr id="5" name="Content Placeholder 4"/>
           <p:cNvPicPr>
             <a:picLocks noGrp="1" noChangeAspect="1"/>
           </p:cNvPicPr>
           <p:nvPr>
-            <p:ph idx="1"/>
+            <p:ph sz="half" idx="2"/>
           </p:nvPr>
         </p:nvPicPr>
         <p:blipFill>
@@ -8672,8 +9039,8 @@
         </p:blipFill>
         <p:spPr>
           <a:xfrm>
-            <a:off x="4572001" y="2133600"/>
-            <a:ext cx="4203942" cy="4593196"/>
+            <a:off x="5393531" y="2798049"/>
+            <a:ext cx="3234929" cy="2140584"/>
           </a:xfrm>
           <a:prstGeom prst="rect">
             <a:avLst/>
@@ -8683,13 +9050,20 @@
     </p:spTree>
     <p:extLst>
       <p:ext uri="{BB962C8B-B14F-4D97-AF65-F5344CB8AC3E}">
-        <p14:creationId xmlns:p14="http://schemas.microsoft.com/office/powerpoint/2010/main" val="2473199827"/>
+        <p14:creationId xmlns:p14="http://schemas.microsoft.com/office/powerpoint/2010/main" val="1940259975"/>
       </p:ext>
     </p:extLst>
   </p:cSld>
   <p:clrMapOvr>
     <a:masterClrMapping/>
   </p:clrMapOvr>
+  <p:timing>
+    <p:tnLst>
+      <p:par>
+        <p:cTn id="1" dur="indefinite" restart="never" nodeType="tmRoot"/>
+      </p:par>
+    </p:tnLst>
+  </p:timing>
 </p:sld>
 </file>
 
@@ -8722,8 +9096,8 @@
         </p:nvSpPr>
         <p:spPr>
           <a:xfrm>
-            <a:off x="2318756" y="68927"/>
-            <a:ext cx="8915399" cy="1468800"/>
+            <a:off x="1739068" y="908945"/>
+            <a:ext cx="6686549" cy="1101600"/>
           </a:xfrm>
         </p:spPr>
         <p:txBody>
@@ -8750,12 +9124,14 @@
         </p:nvSpPr>
         <p:spPr>
           <a:xfrm>
-            <a:off x="2318756" y="5018646"/>
-            <a:ext cx="8915399" cy="860400"/>
+            <a:off x="1739068" y="4621235"/>
+            <a:ext cx="6686549" cy="645300"/>
           </a:xfrm>
         </p:spPr>
         <p:txBody>
-          <a:bodyPr/>
+          <a:bodyPr>
+            <a:normAutofit lnSpcReduction="10000"/>
+          </a:bodyPr>
           <a:lstStyle/>
           <a:p>
             <a:r>
@@ -8788,8 +9164,8 @@
         </p:blipFill>
         <p:spPr>
           <a:xfrm>
-            <a:off x="2318756" y="2225675"/>
-            <a:ext cx="4822825" cy="2105025"/>
+            <a:off x="1739068" y="2525713"/>
+            <a:ext cx="3617913" cy="1577975"/>
           </a:xfrm>
           <a:prstGeom prst="rect">
             <a:avLst/>
@@ -8814,8 +9190,8 @@
         </p:blipFill>
         <p:spPr>
           <a:xfrm>
-            <a:off x="7302320" y="2225674"/>
-            <a:ext cx="4606343" cy="2105025"/>
+            <a:off x="5522174" y="2524126"/>
+            <a:ext cx="3454400" cy="1579562"/>
           </a:xfrm>
           <a:prstGeom prst="rect">
             <a:avLst/>
@@ -8832,6 +9208,13 @@
   <p:clrMapOvr>
     <a:masterClrMapping/>
   </p:clrMapOvr>
+  <p:timing>
+    <p:tnLst>
+      <p:par>
+        <p:cTn id="1" dur="indefinite" restart="never" nodeType="tmRoot"/>
+      </p:par>
+    </p:tnLst>
+  </p:timing>
 </p:sld>
 </file>
 
@@ -8948,71 +9331,53 @@
         <a:font script="Geor" typeface="Sylfaen"/>
       </a:minorFont>
     </a:fontScheme>
-    <a:fmtScheme name="Smokey Glass">
+    <a:fmtScheme name="Wisp">
       <a:fillStyleLst>
         <a:solidFill>
           <a:schemeClr val="phClr"/>
+        </a:solidFill>
+        <a:solidFill>
+          <a:schemeClr val="phClr">
+            <a:tint val="70000"/>
+            <a:lumMod val="104000"/>
+          </a:schemeClr>
         </a:solidFill>
         <a:gradFill rotWithShape="1">
           <a:gsLst>
             <a:gs pos="0">
               <a:schemeClr val="phClr">
-                <a:tint val="83000"/>
-                <a:shade val="100000"/>
-                <a:satMod val="100000"/>
+                <a:tint val="96000"/>
+                <a:lumMod val="104000"/>
               </a:schemeClr>
             </a:gs>
             <a:gs pos="100000">
               <a:schemeClr val="phClr">
-                <a:tint val="61000"/>
-                <a:alpha val="100000"/>
-                <a:satMod val="180000"/>
+                <a:shade val="98000"/>
+                <a:lumMod val="94000"/>
               </a:schemeClr>
             </a:gs>
           </a:gsLst>
-          <a:path path="circle">
-            <a:fillToRect l="100000" t="100000" r="100000" b="100000"/>
-          </a:path>
-        </a:gradFill>
-        <a:gradFill rotWithShape="1">
-          <a:gsLst>
-            <a:gs pos="0">
-              <a:schemeClr val="phClr">
-                <a:shade val="85000"/>
-              </a:schemeClr>
-            </a:gs>
-            <a:gs pos="100000">
-              <a:schemeClr val="phClr">
-                <a:tint val="90000"/>
-                <a:alpha val="100000"/>
-                <a:satMod val="180000"/>
-              </a:schemeClr>
-            </a:gs>
-          </a:gsLst>
-          <a:path path="circle">
-            <a:fillToRect l="100000" t="100000" r="100000" b="100000"/>
-          </a:path>
+          <a:lin ang="5400000" scaled="0"/>
         </a:gradFill>
       </a:fillStyleLst>
       <a:lnStyleLst>
-        <a:ln w="9525" cap="flat" cmpd="sng" algn="ctr">
+        <a:ln w="9525" cap="rnd" cmpd="sng" algn="ctr">
+          <a:solidFill>
+            <a:schemeClr val="phClr">
+              <a:shade val="90000"/>
+            </a:schemeClr>
+          </a:solidFill>
+          <a:prstDash val="solid"/>
+        </a:ln>
+        <a:ln w="15875" cap="rnd" cmpd="sng" algn="ctr">
           <a:solidFill>
             <a:schemeClr val="phClr"/>
           </a:solidFill>
           <a:prstDash val="solid"/>
         </a:ln>
-        <a:ln w="10795" cap="flat" cmpd="sng" algn="ctr">
+        <a:ln w="22225" cap="rnd" cmpd="sng" algn="ctr">
           <a:solidFill>
             <a:schemeClr val="phClr"/>
-          </a:solidFill>
-          <a:prstDash val="solid"/>
-        </a:ln>
-        <a:ln w="15240" cap="flat" cmpd="sng" algn="ctr">
-          <a:solidFill>
-            <a:schemeClr val="phClr">
-              <a:tint val="25000"/>
-              <a:alpha val="25000"/>
-            </a:schemeClr>
           </a:solidFill>
           <a:prstDash val="solid"/>
         </a:ln>
@@ -9022,27 +9387,22 @@
           <a:effectLst/>
         </a:effectStyle>
         <a:effectStyle>
-          <a:effectLst/>
+          <a:effectLst>
+            <a:outerShdw blurRad="38100" dist="25400" dir="5400000" rotWithShape="0">
+              <a:srgbClr val="000000">
+                <a:alpha val="25000"/>
+              </a:srgbClr>
+            </a:outerShdw>
+          </a:effectLst>
         </a:effectStyle>
         <a:effectStyle>
           <a:effectLst>
-            <a:outerShdw blurRad="44450" dist="21590" dir="5400000" rotWithShape="0">
+            <a:outerShdw blurRad="50800" dist="38100" dir="5400000" rotWithShape="0">
               <a:srgbClr val="000000">
-                <a:alpha val="40000"/>
+                <a:alpha val="60000"/>
               </a:srgbClr>
             </a:outerShdw>
           </a:effectLst>
-          <a:scene3d>
-            <a:camera prst="orthographicFront">
-              <a:rot lat="0" lon="0" rev="0"/>
-            </a:camera>
-            <a:lightRig rig="flat" dir="t">
-              <a:rot lat="0" lon="0" rev="3600000"/>
-            </a:lightRig>
-          </a:scene3d>
-          <a:sp3d prstMaterial="flat">
-            <a:bevelT w="28575" h="41275" prst="coolSlant"/>
-          </a:sp3d>
         </a:effectStyle>
       </a:effectStyleLst>
       <a:bgFillStyleLst>

--- a/Broadleaf.pptx
+++ b/Broadleaf.pptx
@@ -4,15 +4,24 @@
   <p:sldMasterIdLst>
     <p:sldMasterId id="2147483677" r:id="rId1"/>
   </p:sldMasterIdLst>
+  <p:notesMasterIdLst>
+    <p:notesMasterId r:id="rId16"/>
+  </p:notesMasterIdLst>
   <p:sldIdLst>
     <p:sldId id="256" r:id="rId2"/>
-    <p:sldId id="257" r:id="rId3"/>
-    <p:sldId id="258" r:id="rId4"/>
-    <p:sldId id="259" r:id="rId5"/>
-    <p:sldId id="260" r:id="rId6"/>
-    <p:sldId id="262" r:id="rId7"/>
-    <p:sldId id="263" r:id="rId8"/>
-    <p:sldId id="261" r:id="rId9"/>
+    <p:sldId id="270" r:id="rId3"/>
+    <p:sldId id="257" r:id="rId4"/>
+    <p:sldId id="258" r:id="rId5"/>
+    <p:sldId id="259" r:id="rId6"/>
+    <p:sldId id="260" r:id="rId7"/>
+    <p:sldId id="262" r:id="rId8"/>
+    <p:sldId id="263" r:id="rId9"/>
+    <p:sldId id="265" r:id="rId10"/>
+    <p:sldId id="266" r:id="rId11"/>
+    <p:sldId id="267" r:id="rId12"/>
+    <p:sldId id="268" r:id="rId13"/>
+    <p:sldId id="269" r:id="rId14"/>
+    <p:sldId id="261" r:id="rId15"/>
   </p:sldIdLst>
   <p:sldSz cx="9144000" cy="6858000" type="screen4x3"/>
   <p:notesSz cx="6858000" cy="9144000"/>
@@ -117,12 +126,18 @@
         <p14:section name="Default Section" id="{8E3A0D59-F820-4159-803E-482E82C691F8}">
           <p14:sldIdLst>
             <p14:sldId id="256"/>
+            <p14:sldId id="270"/>
             <p14:sldId id="257"/>
             <p14:sldId id="258"/>
             <p14:sldId id="259"/>
             <p14:sldId id="260"/>
             <p14:sldId id="262"/>
             <p14:sldId id="263"/>
+            <p14:sldId id="265"/>
+            <p14:sldId id="266"/>
+            <p14:sldId id="267"/>
+            <p14:sldId id="268"/>
+            <p14:sldId id="269"/>
             <p14:sldId id="261"/>
           </p14:sldIdLst>
         </p14:section>
@@ -133,6 +148,1707 @@
     </p:ext>
   </p:extLst>
 </p:presentation>
+</file>
+
+<file path=ppt/notesMasters/notesMaster1.xml><?xml version="1.0" encoding="utf-8"?>
+<p:notesMaster xmlns:a="http://schemas.openxmlformats.org/drawingml/2006/main" xmlns:r="http://schemas.openxmlformats.org/officeDocument/2006/relationships" xmlns:p="http://schemas.openxmlformats.org/presentationml/2006/main">
+  <p:cSld>
+    <p:bg>
+      <p:bgRef idx="1001">
+        <a:schemeClr val="bg1"/>
+      </p:bgRef>
+    </p:bg>
+    <p:spTree>
+      <p:nvGrpSpPr>
+        <p:cNvPr id="1" name=""/>
+        <p:cNvGrpSpPr/>
+        <p:nvPr/>
+      </p:nvGrpSpPr>
+      <p:grpSpPr>
+        <a:xfrm>
+          <a:off x="0" y="0"/>
+          <a:ext cx="0" cy="0"/>
+          <a:chOff x="0" y="0"/>
+          <a:chExt cx="0" cy="0"/>
+        </a:xfrm>
+      </p:grpSpPr>
+      <p:sp>
+        <p:nvSpPr>
+          <p:cNvPr id="2" name="Header Placeholder 1"/>
+          <p:cNvSpPr>
+            <a:spLocks noGrp="1"/>
+          </p:cNvSpPr>
+          <p:nvPr>
+            <p:ph type="hdr" sz="quarter"/>
+          </p:nvPr>
+        </p:nvSpPr>
+        <p:spPr>
+          <a:xfrm>
+            <a:off x="0" y="0"/>
+            <a:ext cx="2971800" cy="458788"/>
+          </a:xfrm>
+          <a:prstGeom prst="rect">
+            <a:avLst/>
+          </a:prstGeom>
+        </p:spPr>
+        <p:txBody>
+          <a:bodyPr vert="horz" lIns="91440" tIns="45720" rIns="91440" bIns="45720" rtlCol="0"/>
+          <a:lstStyle>
+            <a:lvl1pPr algn="l">
+              <a:defRPr sz="1200"/>
+            </a:lvl1pPr>
+          </a:lstStyle>
+          <a:p>
+            <a:endParaRPr lang="en-IN"/>
+          </a:p>
+        </p:txBody>
+      </p:sp>
+      <p:sp>
+        <p:nvSpPr>
+          <p:cNvPr id="3" name="Date Placeholder 2"/>
+          <p:cNvSpPr>
+            <a:spLocks noGrp="1"/>
+          </p:cNvSpPr>
+          <p:nvPr>
+            <p:ph type="dt" idx="1"/>
+          </p:nvPr>
+        </p:nvSpPr>
+        <p:spPr>
+          <a:xfrm>
+            <a:off x="3884613" y="0"/>
+            <a:ext cx="2971800" cy="458788"/>
+          </a:xfrm>
+          <a:prstGeom prst="rect">
+            <a:avLst/>
+          </a:prstGeom>
+        </p:spPr>
+        <p:txBody>
+          <a:bodyPr vert="horz" lIns="91440" tIns="45720" rIns="91440" bIns="45720" rtlCol="0"/>
+          <a:lstStyle>
+            <a:lvl1pPr algn="r">
+              <a:defRPr sz="1200"/>
+            </a:lvl1pPr>
+          </a:lstStyle>
+          <a:p>
+            <a:fld id="{182F3392-9318-431C-93AA-0E1F3A9C9154}" type="datetimeFigureOut">
+              <a:rPr lang="en-IN" smtClean="0"/>
+              <a:t>31-10-2015</a:t>
+            </a:fld>
+            <a:endParaRPr lang="en-IN"/>
+          </a:p>
+        </p:txBody>
+      </p:sp>
+      <p:sp>
+        <p:nvSpPr>
+          <p:cNvPr id="4" name="Slide Image Placeholder 3"/>
+          <p:cNvSpPr>
+            <a:spLocks noGrp="1" noRot="1" noChangeAspect="1"/>
+          </p:cNvSpPr>
+          <p:nvPr>
+            <p:ph type="sldImg" idx="2"/>
+          </p:nvPr>
+        </p:nvSpPr>
+        <p:spPr>
+          <a:xfrm>
+            <a:off x="1371600" y="1143000"/>
+            <a:ext cx="4114800" cy="3086100"/>
+          </a:xfrm>
+          <a:prstGeom prst="rect">
+            <a:avLst/>
+          </a:prstGeom>
+          <a:noFill/>
+          <a:ln w="12700">
+            <a:solidFill>
+              <a:prstClr val="black"/>
+            </a:solidFill>
+          </a:ln>
+        </p:spPr>
+        <p:txBody>
+          <a:bodyPr vert="horz" lIns="91440" tIns="45720" rIns="91440" bIns="45720" rtlCol="0" anchor="ctr"/>
+          <a:lstStyle/>
+          <a:p>
+            <a:endParaRPr lang="en-IN"/>
+          </a:p>
+        </p:txBody>
+      </p:sp>
+      <p:sp>
+        <p:nvSpPr>
+          <p:cNvPr id="5" name="Notes Placeholder 4"/>
+          <p:cNvSpPr>
+            <a:spLocks noGrp="1"/>
+          </p:cNvSpPr>
+          <p:nvPr>
+            <p:ph type="body" sz="quarter" idx="3"/>
+          </p:nvPr>
+        </p:nvSpPr>
+        <p:spPr>
+          <a:xfrm>
+            <a:off x="685800" y="4400550"/>
+            <a:ext cx="5486400" cy="3600450"/>
+          </a:xfrm>
+          <a:prstGeom prst="rect">
+            <a:avLst/>
+          </a:prstGeom>
+        </p:spPr>
+        <p:txBody>
+          <a:bodyPr vert="horz" lIns="91440" tIns="45720" rIns="91440" bIns="45720" rtlCol="0"/>
+          <a:lstStyle/>
+          <a:p>
+            <a:pPr lvl="0"/>
+            <a:r>
+              <a:rPr lang="en-US" smtClean="0"/>
+              <a:t>Click to edit Master text styles</a:t>
+            </a:r>
+          </a:p>
+          <a:p>
+            <a:pPr lvl="1"/>
+            <a:r>
+              <a:rPr lang="en-US" smtClean="0"/>
+              <a:t>Second level</a:t>
+            </a:r>
+          </a:p>
+          <a:p>
+            <a:pPr lvl="2"/>
+            <a:r>
+              <a:rPr lang="en-US" smtClean="0"/>
+              <a:t>Third level</a:t>
+            </a:r>
+          </a:p>
+          <a:p>
+            <a:pPr lvl="3"/>
+            <a:r>
+              <a:rPr lang="en-US" smtClean="0"/>
+              <a:t>Fourth level</a:t>
+            </a:r>
+          </a:p>
+          <a:p>
+            <a:pPr lvl="4"/>
+            <a:r>
+              <a:rPr lang="en-US" smtClean="0"/>
+              <a:t>Fifth level</a:t>
+            </a:r>
+            <a:endParaRPr lang="en-IN"/>
+          </a:p>
+        </p:txBody>
+      </p:sp>
+      <p:sp>
+        <p:nvSpPr>
+          <p:cNvPr id="6" name="Footer Placeholder 5"/>
+          <p:cNvSpPr>
+            <a:spLocks noGrp="1"/>
+          </p:cNvSpPr>
+          <p:nvPr>
+            <p:ph type="ftr" sz="quarter" idx="4"/>
+          </p:nvPr>
+        </p:nvSpPr>
+        <p:spPr>
+          <a:xfrm>
+            <a:off x="0" y="8685213"/>
+            <a:ext cx="2971800" cy="458787"/>
+          </a:xfrm>
+          <a:prstGeom prst="rect">
+            <a:avLst/>
+          </a:prstGeom>
+        </p:spPr>
+        <p:txBody>
+          <a:bodyPr vert="horz" lIns="91440" tIns="45720" rIns="91440" bIns="45720" rtlCol="0" anchor="b"/>
+          <a:lstStyle>
+            <a:lvl1pPr algn="l">
+              <a:defRPr sz="1200"/>
+            </a:lvl1pPr>
+          </a:lstStyle>
+          <a:p>
+            <a:endParaRPr lang="en-IN"/>
+          </a:p>
+        </p:txBody>
+      </p:sp>
+      <p:sp>
+        <p:nvSpPr>
+          <p:cNvPr id="7" name="Slide Number Placeholder 6"/>
+          <p:cNvSpPr>
+            <a:spLocks noGrp="1"/>
+          </p:cNvSpPr>
+          <p:nvPr>
+            <p:ph type="sldNum" sz="quarter" idx="5"/>
+          </p:nvPr>
+        </p:nvSpPr>
+        <p:spPr>
+          <a:xfrm>
+            <a:off x="3884613" y="8685213"/>
+            <a:ext cx="2971800" cy="458787"/>
+          </a:xfrm>
+          <a:prstGeom prst="rect">
+            <a:avLst/>
+          </a:prstGeom>
+        </p:spPr>
+        <p:txBody>
+          <a:bodyPr vert="horz" lIns="91440" tIns="45720" rIns="91440" bIns="45720" rtlCol="0" anchor="b"/>
+          <a:lstStyle>
+            <a:lvl1pPr algn="r">
+              <a:defRPr sz="1200"/>
+            </a:lvl1pPr>
+          </a:lstStyle>
+          <a:p>
+            <a:fld id="{ECA1D8CA-B60E-4274-AA77-6D2292DAEE9B}" type="slidenum">
+              <a:rPr lang="en-IN" smtClean="0"/>
+              <a:t>‹#›</a:t>
+            </a:fld>
+            <a:endParaRPr lang="en-IN"/>
+          </a:p>
+        </p:txBody>
+      </p:sp>
+    </p:spTree>
+    <p:extLst>
+      <p:ext uri="{BB962C8B-B14F-4D97-AF65-F5344CB8AC3E}">
+        <p14:creationId xmlns:p14="http://schemas.microsoft.com/office/powerpoint/2010/main" val="428794541"/>
+      </p:ext>
+    </p:extLst>
+  </p:cSld>
+  <p:clrMap bg1="lt1" tx1="dk1" bg2="lt2" tx2="dk2" accent1="accent1" accent2="accent2" accent3="accent3" accent4="accent4" accent5="accent5" accent6="accent6" hlink="hlink" folHlink="folHlink"/>
+  <p:notesStyle>
+    <a:lvl1pPr marL="0" algn="l" defTabSz="914400" rtl="0" eaLnBrk="1" latinLnBrk="0" hangingPunct="1">
+      <a:defRPr sz="1200" kern="1200">
+        <a:solidFill>
+          <a:schemeClr val="tx1"/>
+        </a:solidFill>
+        <a:latin typeface="+mn-lt"/>
+        <a:ea typeface="+mn-ea"/>
+        <a:cs typeface="+mn-cs"/>
+      </a:defRPr>
+    </a:lvl1pPr>
+    <a:lvl2pPr marL="457200" algn="l" defTabSz="914400" rtl="0" eaLnBrk="1" latinLnBrk="0" hangingPunct="1">
+      <a:defRPr sz="1200" kern="1200">
+        <a:solidFill>
+          <a:schemeClr val="tx1"/>
+        </a:solidFill>
+        <a:latin typeface="+mn-lt"/>
+        <a:ea typeface="+mn-ea"/>
+        <a:cs typeface="+mn-cs"/>
+      </a:defRPr>
+    </a:lvl2pPr>
+    <a:lvl3pPr marL="914400" algn="l" defTabSz="914400" rtl="0" eaLnBrk="1" latinLnBrk="0" hangingPunct="1">
+      <a:defRPr sz="1200" kern="1200">
+        <a:solidFill>
+          <a:schemeClr val="tx1"/>
+        </a:solidFill>
+        <a:latin typeface="+mn-lt"/>
+        <a:ea typeface="+mn-ea"/>
+        <a:cs typeface="+mn-cs"/>
+      </a:defRPr>
+    </a:lvl3pPr>
+    <a:lvl4pPr marL="1371600" algn="l" defTabSz="914400" rtl="0" eaLnBrk="1" latinLnBrk="0" hangingPunct="1">
+      <a:defRPr sz="1200" kern="1200">
+        <a:solidFill>
+          <a:schemeClr val="tx1"/>
+        </a:solidFill>
+        <a:latin typeface="+mn-lt"/>
+        <a:ea typeface="+mn-ea"/>
+        <a:cs typeface="+mn-cs"/>
+      </a:defRPr>
+    </a:lvl4pPr>
+    <a:lvl5pPr marL="1828800" algn="l" defTabSz="914400" rtl="0" eaLnBrk="1" latinLnBrk="0" hangingPunct="1">
+      <a:defRPr sz="1200" kern="1200">
+        <a:solidFill>
+          <a:schemeClr val="tx1"/>
+        </a:solidFill>
+        <a:latin typeface="+mn-lt"/>
+        <a:ea typeface="+mn-ea"/>
+        <a:cs typeface="+mn-cs"/>
+      </a:defRPr>
+    </a:lvl5pPr>
+    <a:lvl6pPr marL="2286000" algn="l" defTabSz="914400" rtl="0" eaLnBrk="1" latinLnBrk="0" hangingPunct="1">
+      <a:defRPr sz="1200" kern="1200">
+        <a:solidFill>
+          <a:schemeClr val="tx1"/>
+        </a:solidFill>
+        <a:latin typeface="+mn-lt"/>
+        <a:ea typeface="+mn-ea"/>
+        <a:cs typeface="+mn-cs"/>
+      </a:defRPr>
+    </a:lvl6pPr>
+    <a:lvl7pPr marL="2743200" algn="l" defTabSz="914400" rtl="0" eaLnBrk="1" latinLnBrk="0" hangingPunct="1">
+      <a:defRPr sz="1200" kern="1200">
+        <a:solidFill>
+          <a:schemeClr val="tx1"/>
+        </a:solidFill>
+        <a:latin typeface="+mn-lt"/>
+        <a:ea typeface="+mn-ea"/>
+        <a:cs typeface="+mn-cs"/>
+      </a:defRPr>
+    </a:lvl7pPr>
+    <a:lvl8pPr marL="3200400" algn="l" defTabSz="914400" rtl="0" eaLnBrk="1" latinLnBrk="0" hangingPunct="1">
+      <a:defRPr sz="1200" kern="1200">
+        <a:solidFill>
+          <a:schemeClr val="tx1"/>
+        </a:solidFill>
+        <a:latin typeface="+mn-lt"/>
+        <a:ea typeface="+mn-ea"/>
+        <a:cs typeface="+mn-cs"/>
+      </a:defRPr>
+    </a:lvl8pPr>
+    <a:lvl9pPr marL="3657600" algn="l" defTabSz="914400" rtl="0" eaLnBrk="1" latinLnBrk="0" hangingPunct="1">
+      <a:defRPr sz="1200" kern="1200">
+        <a:solidFill>
+          <a:schemeClr val="tx1"/>
+        </a:solidFill>
+        <a:latin typeface="+mn-lt"/>
+        <a:ea typeface="+mn-ea"/>
+        <a:cs typeface="+mn-cs"/>
+      </a:defRPr>
+    </a:lvl9pPr>
+  </p:notesStyle>
+</p:notesMaster>
+</file>
+
+<file path=ppt/notesSlides/notesSlide1.xml><?xml version="1.0" encoding="utf-8"?>
+<p:notes xmlns:a="http://schemas.openxmlformats.org/drawingml/2006/main" xmlns:r="http://schemas.openxmlformats.org/officeDocument/2006/relationships" xmlns:p="http://schemas.openxmlformats.org/presentationml/2006/main">
+  <p:cSld>
+    <p:spTree>
+      <p:nvGrpSpPr>
+        <p:cNvPr id="1" name=""/>
+        <p:cNvGrpSpPr/>
+        <p:nvPr/>
+      </p:nvGrpSpPr>
+      <p:grpSpPr>
+        <a:xfrm>
+          <a:off x="0" y="0"/>
+          <a:ext cx="0" cy="0"/>
+          <a:chOff x="0" y="0"/>
+          <a:chExt cx="0" cy="0"/>
+        </a:xfrm>
+      </p:grpSpPr>
+      <p:sp>
+        <p:nvSpPr>
+          <p:cNvPr id="2" name="Slide Image Placeholder 1"/>
+          <p:cNvSpPr>
+            <a:spLocks noGrp="1" noRot="1" noChangeAspect="1"/>
+          </p:cNvSpPr>
+          <p:nvPr>
+            <p:ph type="sldImg"/>
+          </p:nvPr>
+        </p:nvSpPr>
+        <p:spPr/>
+      </p:sp>
+      <p:sp>
+        <p:nvSpPr>
+          <p:cNvPr id="3" name="Notes Placeholder 2"/>
+          <p:cNvSpPr>
+            <a:spLocks noGrp="1"/>
+          </p:cNvSpPr>
+          <p:nvPr>
+            <p:ph type="body" idx="1"/>
+          </p:nvPr>
+        </p:nvSpPr>
+        <p:spPr/>
+        <p:txBody>
+          <a:bodyPr/>
+          <a:lstStyle/>
+          <a:p>
+            <a:r>
+              <a:rPr lang="en-US" sz="1200" kern="1200" dirty="0" smtClean="0">
+                <a:solidFill>
+                  <a:schemeClr val="tx1"/>
+                </a:solidFill>
+                <a:effectLst/>
+                <a:latin typeface="+mn-lt"/>
+                <a:ea typeface="+mn-ea"/>
+                <a:cs typeface="+mn-cs"/>
+              </a:rPr>
+              <a:t>Jersey</a:t>
+            </a:r>
+          </a:p>
+          <a:p>
+            <a:r>
+              <a:rPr lang="en-US" sz="1200" u="sng" kern="1200" dirty="0" smtClean="0">
+                <a:solidFill>
+                  <a:schemeClr val="tx1"/>
+                </a:solidFill>
+                <a:effectLst/>
+                <a:latin typeface="+mn-lt"/>
+                <a:ea typeface="+mn-ea"/>
+                <a:cs typeface="+mn-cs"/>
+                <a:hlinkClick r:id="rId3"/>
+              </a:rPr>
+              <a:t>http://www.broadleafcommerce.com/technology-stack</a:t>
+            </a:r>
+            <a:endParaRPr lang="en-US" sz="1200" kern="1200" dirty="0" smtClean="0">
+              <a:solidFill>
+                <a:schemeClr val="tx1"/>
+              </a:solidFill>
+              <a:effectLst/>
+              <a:latin typeface="+mn-lt"/>
+              <a:ea typeface="+mn-ea"/>
+              <a:cs typeface="+mn-cs"/>
+            </a:endParaRPr>
+          </a:p>
+          <a:p>
+            <a:endParaRPr lang="en-US" dirty="0"/>
+          </a:p>
+        </p:txBody>
+      </p:sp>
+      <p:sp>
+        <p:nvSpPr>
+          <p:cNvPr id="4" name="Slide Number Placeholder 3"/>
+          <p:cNvSpPr>
+            <a:spLocks noGrp="1"/>
+          </p:cNvSpPr>
+          <p:nvPr>
+            <p:ph type="sldNum" sz="quarter" idx="10"/>
+          </p:nvPr>
+        </p:nvSpPr>
+        <p:spPr/>
+        <p:txBody>
+          <a:bodyPr/>
+          <a:lstStyle/>
+          <a:p>
+            <a:fld id="{5F024B6D-3EBB-FB41-8535-18BD3BAD5859}" type="slidenum">
+              <a:rPr lang="en-US" smtClean="0"/>
+              <a:t>9</a:t>
+            </a:fld>
+            <a:endParaRPr lang="en-US"/>
+          </a:p>
+        </p:txBody>
+      </p:sp>
+    </p:spTree>
+    <p:extLst>
+      <p:ext uri="{BB962C8B-B14F-4D97-AF65-F5344CB8AC3E}">
+        <p14:creationId xmlns:p14="http://schemas.microsoft.com/office/powerpoint/2010/main" val="2862139164"/>
+      </p:ext>
+    </p:extLst>
+  </p:cSld>
+  <p:clrMapOvr>
+    <a:masterClrMapping/>
+  </p:clrMapOvr>
+</p:notes>
+</file>
+
+<file path=ppt/notesSlides/notesSlide2.xml><?xml version="1.0" encoding="utf-8"?>
+<p:notes xmlns:a="http://schemas.openxmlformats.org/drawingml/2006/main" xmlns:r="http://schemas.openxmlformats.org/officeDocument/2006/relationships" xmlns:p="http://schemas.openxmlformats.org/presentationml/2006/main">
+  <p:cSld>
+    <p:spTree>
+      <p:nvGrpSpPr>
+        <p:cNvPr id="1" name=""/>
+        <p:cNvGrpSpPr/>
+        <p:nvPr/>
+      </p:nvGrpSpPr>
+      <p:grpSpPr>
+        <a:xfrm>
+          <a:off x="0" y="0"/>
+          <a:ext cx="0" cy="0"/>
+          <a:chOff x="0" y="0"/>
+          <a:chExt cx="0" cy="0"/>
+        </a:xfrm>
+      </p:grpSpPr>
+      <p:sp>
+        <p:nvSpPr>
+          <p:cNvPr id="2" name="Slide Image Placeholder 1"/>
+          <p:cNvSpPr>
+            <a:spLocks noGrp="1" noRot="1" noChangeAspect="1"/>
+          </p:cNvSpPr>
+          <p:nvPr>
+            <p:ph type="sldImg"/>
+          </p:nvPr>
+        </p:nvSpPr>
+        <p:spPr/>
+      </p:sp>
+      <p:sp>
+        <p:nvSpPr>
+          <p:cNvPr id="3" name="Notes Placeholder 2"/>
+          <p:cNvSpPr>
+            <a:spLocks noGrp="1"/>
+          </p:cNvSpPr>
+          <p:nvPr>
+            <p:ph type="body" idx="1"/>
+          </p:nvPr>
+        </p:nvSpPr>
+        <p:spPr/>
+        <p:txBody>
+          <a:bodyPr/>
+          <a:lstStyle/>
+          <a:p>
+            <a:r>
+              <a:rPr lang="en-US" sz="1200" kern="1200" dirty="0" smtClean="0">
+                <a:solidFill>
+                  <a:schemeClr val="tx1"/>
+                </a:solidFill>
+                <a:latin typeface="+mn-lt"/>
+                <a:ea typeface="+mn-ea"/>
+                <a:cs typeface="+mn-cs"/>
+              </a:rPr>
+              <a:t>Code level </a:t>
+            </a:r>
+          </a:p>
+          <a:p>
+            <a:pPr marL="0" marR="0" indent="0" algn="l" defTabSz="914400" rtl="0" eaLnBrk="1" fontAlgn="auto" latinLnBrk="0" hangingPunct="1">
+              <a:lnSpc>
+                <a:spcPct val="100000"/>
+              </a:lnSpc>
+              <a:spcBef>
+                <a:spcPts val="0"/>
+              </a:spcBef>
+              <a:spcAft>
+                <a:spcPts val="0"/>
+              </a:spcAft>
+              <a:buClrTx/>
+              <a:buSzTx/>
+              <a:buFontTx/>
+              <a:buNone/>
+              <a:tabLst/>
+              <a:defRPr/>
+            </a:pPr>
+            <a:r>
+              <a:rPr lang="en-US" sz="1200" kern="1200" dirty="0" smtClean="0">
+                <a:solidFill>
+                  <a:schemeClr val="tx1"/>
+                </a:solidFill>
+                <a:effectLst/>
+                <a:latin typeface="+mn-lt"/>
+                <a:ea typeface="+mn-ea"/>
+                <a:cs typeface="+mn-cs"/>
+              </a:rPr>
+              <a:t>Example1: </a:t>
+            </a:r>
+            <a:r>
+              <a:rPr lang="en-US" sz="1200" u="sng" kern="1200" dirty="0" smtClean="0">
+                <a:solidFill>
+                  <a:schemeClr val="tx1"/>
+                </a:solidFill>
+                <a:effectLst/>
+                <a:latin typeface="+mn-lt"/>
+                <a:ea typeface="+mn-ea"/>
+                <a:cs typeface="+mn-cs"/>
+                <a:hlinkClick r:id="rId3"/>
+              </a:rPr>
+              <a:t>http://www.broadleafcommerce.com/blog/why-broadleaf-continues-to-choose-spring</a:t>
+            </a:r>
+            <a:r>
+              <a:rPr lang="en-US" sz="1200" kern="1200" dirty="0" smtClean="0">
+                <a:solidFill>
+                  <a:schemeClr val="tx1"/>
+                </a:solidFill>
+                <a:effectLst/>
+                <a:latin typeface="+mn-lt"/>
+                <a:ea typeface="+mn-ea"/>
+                <a:cs typeface="+mn-cs"/>
+              </a:rPr>
+              <a:t> </a:t>
+            </a:r>
+          </a:p>
+          <a:p>
+            <a:endParaRPr lang="en-US" dirty="0" smtClean="0"/>
+          </a:p>
+          <a:p>
+            <a:r>
+              <a:rPr lang="en-US" dirty="0" err="1" smtClean="0"/>
+              <a:t>QoS</a:t>
+            </a:r>
+            <a:endParaRPr lang="en-US" dirty="0" smtClean="0"/>
+          </a:p>
+          <a:p>
+            <a:r>
+              <a:rPr lang="en-US" sz="1200" u="sng" kern="1200" dirty="0" smtClean="0">
+                <a:solidFill>
+                  <a:schemeClr val="tx1"/>
+                </a:solidFill>
+                <a:effectLst/>
+                <a:latin typeface="+mn-lt"/>
+                <a:ea typeface="+mn-ea"/>
+                <a:cs typeface="+mn-cs"/>
+                <a:hlinkClick r:id="rId4"/>
+              </a:rPr>
+              <a:t>http://www.broadleafcommerce.com/docs/core/current/broadleaf-concepts/additional-configuration/qos-configuration</a:t>
+            </a:r>
+            <a:r>
+              <a:rPr lang="en-US" sz="1200" kern="1200" dirty="0" smtClean="0">
+                <a:solidFill>
+                  <a:schemeClr val="tx1"/>
+                </a:solidFill>
+                <a:effectLst/>
+                <a:latin typeface="+mn-lt"/>
+                <a:ea typeface="+mn-ea"/>
+                <a:cs typeface="+mn-cs"/>
+              </a:rPr>
+              <a:t> </a:t>
+            </a:r>
+            <a:endParaRPr lang="en-US" dirty="0"/>
+          </a:p>
+        </p:txBody>
+      </p:sp>
+      <p:sp>
+        <p:nvSpPr>
+          <p:cNvPr id="4" name="Slide Number Placeholder 3"/>
+          <p:cNvSpPr>
+            <a:spLocks noGrp="1"/>
+          </p:cNvSpPr>
+          <p:nvPr>
+            <p:ph type="sldNum" sz="quarter" idx="10"/>
+          </p:nvPr>
+        </p:nvSpPr>
+        <p:spPr/>
+        <p:txBody>
+          <a:bodyPr/>
+          <a:lstStyle/>
+          <a:p>
+            <a:fld id="{5F024B6D-3EBB-FB41-8535-18BD3BAD5859}" type="slidenum">
+              <a:rPr lang="en-US" smtClean="0"/>
+              <a:t>10</a:t>
+            </a:fld>
+            <a:endParaRPr lang="en-US"/>
+          </a:p>
+        </p:txBody>
+      </p:sp>
+    </p:spTree>
+    <p:extLst>
+      <p:ext uri="{BB962C8B-B14F-4D97-AF65-F5344CB8AC3E}">
+        <p14:creationId xmlns:p14="http://schemas.microsoft.com/office/powerpoint/2010/main" val="1541572556"/>
+      </p:ext>
+    </p:extLst>
+  </p:cSld>
+  <p:clrMapOvr>
+    <a:masterClrMapping/>
+  </p:clrMapOvr>
+</p:notes>
+</file>
+
+<file path=ppt/notesSlides/notesSlide3.xml><?xml version="1.0" encoding="utf-8"?>
+<p:notes xmlns:a="http://schemas.openxmlformats.org/drawingml/2006/main" xmlns:r="http://schemas.openxmlformats.org/officeDocument/2006/relationships" xmlns:p="http://schemas.openxmlformats.org/presentationml/2006/main">
+  <p:cSld>
+    <p:spTree>
+      <p:nvGrpSpPr>
+        <p:cNvPr id="1" name=""/>
+        <p:cNvGrpSpPr/>
+        <p:nvPr/>
+      </p:nvGrpSpPr>
+      <p:grpSpPr>
+        <a:xfrm>
+          <a:off x="0" y="0"/>
+          <a:ext cx="0" cy="0"/>
+          <a:chOff x="0" y="0"/>
+          <a:chExt cx="0" cy="0"/>
+        </a:xfrm>
+      </p:grpSpPr>
+      <p:sp>
+        <p:nvSpPr>
+          <p:cNvPr id="2" name="Slide Image Placeholder 1"/>
+          <p:cNvSpPr>
+            <a:spLocks noGrp="1" noRot="1" noChangeAspect="1"/>
+          </p:cNvSpPr>
+          <p:nvPr>
+            <p:ph type="sldImg"/>
+          </p:nvPr>
+        </p:nvSpPr>
+        <p:spPr/>
+      </p:sp>
+      <p:sp>
+        <p:nvSpPr>
+          <p:cNvPr id="3" name="Notes Placeholder 2"/>
+          <p:cNvSpPr>
+            <a:spLocks noGrp="1"/>
+          </p:cNvSpPr>
+          <p:nvPr>
+            <p:ph type="body" idx="1"/>
+          </p:nvPr>
+        </p:nvSpPr>
+        <p:spPr/>
+        <p:txBody>
+          <a:bodyPr/>
+          <a:lstStyle/>
+          <a:p>
+            <a:r>
+              <a:rPr lang="en-US" sz="1200" kern="1200" dirty="0" smtClean="0">
+                <a:solidFill>
+                  <a:schemeClr val="tx1"/>
+                </a:solidFill>
+                <a:effectLst/>
+                <a:latin typeface="+mn-lt"/>
+                <a:ea typeface="+mn-ea"/>
+                <a:cs typeface="+mn-cs"/>
+              </a:rPr>
+              <a:t>Appropriateness </a:t>
+            </a:r>
+            <a:r>
+              <a:rPr lang="en-US" sz="1200" kern="1200" dirty="0" err="1" smtClean="0">
+                <a:solidFill>
+                  <a:schemeClr val="tx1"/>
+                </a:solidFill>
+                <a:effectLst/>
+                <a:latin typeface="+mn-lt"/>
+                <a:ea typeface="+mn-ea"/>
+                <a:cs typeface="+mn-cs"/>
+              </a:rPr>
+              <a:t>recognisability</a:t>
+            </a:r>
+            <a:r>
+              <a:rPr lang="en-US" sz="1200" kern="1200" dirty="0" smtClean="0">
+                <a:solidFill>
+                  <a:schemeClr val="tx1"/>
+                </a:solidFill>
+                <a:effectLst/>
+                <a:latin typeface="+mn-lt"/>
+                <a:ea typeface="+mn-ea"/>
+                <a:cs typeface="+mn-cs"/>
+              </a:rPr>
+              <a:t> </a:t>
+            </a:r>
+            <a:r>
+              <a:rPr lang="en-US" sz="1200" b="1" kern="1200" dirty="0" smtClean="0">
+                <a:solidFill>
+                  <a:schemeClr val="tx1"/>
+                </a:solidFill>
+                <a:effectLst/>
+                <a:latin typeface="+mn-lt"/>
+                <a:ea typeface="+mn-ea"/>
+                <a:cs typeface="+mn-cs"/>
+              </a:rPr>
+              <a:t>(Users can recognize whether a product is appropriate for their needs)</a:t>
+            </a:r>
+          </a:p>
+          <a:p>
+            <a:pPr lvl="0"/>
+            <a:r>
+              <a:rPr lang="en-US" sz="1200" kern="1200" dirty="0" smtClean="0">
+                <a:solidFill>
+                  <a:schemeClr val="tx1"/>
+                </a:solidFill>
+                <a:effectLst/>
+                <a:latin typeface="+mn-lt"/>
+                <a:ea typeface="+mn-ea"/>
+                <a:cs typeface="+mn-cs"/>
+              </a:rPr>
+              <a:t>	Features List</a:t>
+            </a:r>
+            <a:r>
+              <a:rPr lang="en-US" sz="1200" kern="1200" baseline="0" dirty="0" smtClean="0">
+                <a:solidFill>
+                  <a:schemeClr val="tx1"/>
+                </a:solidFill>
+                <a:effectLst/>
+                <a:latin typeface="+mn-lt"/>
+                <a:ea typeface="+mn-ea"/>
+                <a:cs typeface="+mn-cs"/>
+              </a:rPr>
+              <a:t> </a:t>
+            </a:r>
+            <a:r>
+              <a:rPr lang="en-US" sz="1200" u="sng" kern="1200" dirty="0" smtClean="0">
+                <a:solidFill>
+                  <a:schemeClr val="tx1"/>
+                </a:solidFill>
+                <a:effectLst/>
+                <a:latin typeface="+mn-lt"/>
+                <a:ea typeface="+mn-ea"/>
+                <a:cs typeface="+mn-cs"/>
+                <a:hlinkClick r:id="rId3"/>
+              </a:rPr>
+              <a:t>http://www.broadleafcommerce.com/features</a:t>
+            </a:r>
+            <a:endParaRPr lang="en-US" sz="1200" kern="1200" dirty="0" smtClean="0">
+              <a:solidFill>
+                <a:schemeClr val="tx1"/>
+              </a:solidFill>
+              <a:effectLst/>
+              <a:latin typeface="+mn-lt"/>
+              <a:ea typeface="+mn-ea"/>
+              <a:cs typeface="+mn-cs"/>
+            </a:endParaRPr>
+          </a:p>
+          <a:p>
+            <a:pPr lvl="0"/>
+            <a:r>
+              <a:rPr lang="en-US" sz="1200" kern="1200" dirty="0" smtClean="0">
+                <a:solidFill>
+                  <a:schemeClr val="tx1"/>
+                </a:solidFill>
+                <a:effectLst/>
+                <a:latin typeface="+mn-lt"/>
+                <a:ea typeface="+mn-ea"/>
+                <a:cs typeface="+mn-cs"/>
+              </a:rPr>
+              <a:t>	Demo site </a:t>
+            </a:r>
+            <a:r>
+              <a:rPr lang="en-US" sz="1200" u="sng" kern="1200" dirty="0" smtClean="0">
+                <a:solidFill>
+                  <a:schemeClr val="tx1"/>
+                </a:solidFill>
+                <a:effectLst/>
+                <a:latin typeface="+mn-lt"/>
+                <a:ea typeface="+mn-ea"/>
+                <a:cs typeface="+mn-cs"/>
+                <a:hlinkClick r:id="rId4"/>
+              </a:rPr>
+              <a:t>http://demo.broadleafcommerce.org/</a:t>
+            </a:r>
+            <a:r>
+              <a:rPr lang="en-US" sz="1200" kern="1200" dirty="0" smtClean="0">
+                <a:solidFill>
+                  <a:schemeClr val="tx1"/>
+                </a:solidFill>
+                <a:effectLst/>
+                <a:latin typeface="+mn-lt"/>
+                <a:ea typeface="+mn-ea"/>
+                <a:cs typeface="+mn-cs"/>
+              </a:rPr>
+              <a:t> </a:t>
+            </a:r>
+          </a:p>
+          <a:p>
+            <a:r>
+              <a:rPr lang="en-US" sz="1200" kern="1200" dirty="0" smtClean="0">
+                <a:solidFill>
+                  <a:schemeClr val="tx1"/>
+                </a:solidFill>
+                <a:effectLst/>
+                <a:latin typeface="+mn-lt"/>
+                <a:ea typeface="+mn-ea"/>
+                <a:cs typeface="+mn-cs"/>
+              </a:rPr>
+              <a:t>Learnability</a:t>
+            </a:r>
+          </a:p>
+          <a:p>
+            <a:pPr lvl="0"/>
+            <a:r>
+              <a:rPr lang="en-US" sz="1200" kern="1200" dirty="0" smtClean="0">
+                <a:solidFill>
+                  <a:schemeClr val="tx1"/>
+                </a:solidFill>
+                <a:effectLst/>
+                <a:latin typeface="+mn-lt"/>
+                <a:ea typeface="+mn-ea"/>
+                <a:cs typeface="+mn-cs"/>
+              </a:rPr>
+              <a:t>	Tuition documents</a:t>
+            </a:r>
+          </a:p>
+          <a:p>
+            <a:pPr lvl="0"/>
+            <a:r>
+              <a:rPr lang="en-US" sz="1200" kern="1200" dirty="0" smtClean="0">
+                <a:solidFill>
+                  <a:schemeClr val="tx1"/>
+                </a:solidFill>
+                <a:effectLst/>
+                <a:latin typeface="+mn-lt"/>
+                <a:ea typeface="+mn-ea"/>
+                <a:cs typeface="+mn-cs"/>
+              </a:rPr>
+              <a:t>	Demo site</a:t>
+            </a:r>
+          </a:p>
+          <a:p>
+            <a:r>
+              <a:rPr lang="en-US" sz="1200" kern="1200" dirty="0" smtClean="0">
+                <a:solidFill>
+                  <a:schemeClr val="tx1"/>
+                </a:solidFill>
+                <a:effectLst/>
+                <a:latin typeface="+mn-lt"/>
+                <a:ea typeface="+mn-ea"/>
+                <a:cs typeface="+mn-cs"/>
+              </a:rPr>
+              <a:t>Operability</a:t>
+            </a:r>
+          </a:p>
+          <a:p>
+            <a:pPr lvl="0"/>
+            <a:r>
+              <a:rPr lang="en-US" sz="1200" kern="1200" dirty="0" smtClean="0">
+                <a:solidFill>
+                  <a:schemeClr val="tx1"/>
+                </a:solidFill>
+                <a:effectLst/>
+                <a:latin typeface="+mn-lt"/>
+                <a:ea typeface="+mn-ea"/>
+                <a:cs typeface="+mn-cs"/>
+              </a:rPr>
+              <a:t> 	Provide admin console to control and operate all store business</a:t>
+            </a:r>
+          </a:p>
+          <a:p>
+            <a:r>
+              <a:rPr lang="en-US" sz="1200" kern="1200" dirty="0" smtClean="0">
+                <a:solidFill>
+                  <a:schemeClr val="tx1"/>
+                </a:solidFill>
+                <a:effectLst/>
+                <a:latin typeface="+mn-lt"/>
+                <a:ea typeface="+mn-ea"/>
+                <a:cs typeface="+mn-cs"/>
+              </a:rPr>
+              <a:t>	All front-end interface can be customized.(</a:t>
+            </a:r>
+            <a:r>
+              <a:rPr lang="en-US" sz="1200" kern="1200" dirty="0" err="1" smtClean="0">
+                <a:solidFill>
+                  <a:schemeClr val="tx1"/>
+                </a:solidFill>
+                <a:effectLst/>
+                <a:latin typeface="+mn-lt"/>
+                <a:ea typeface="+mn-ea"/>
+                <a:cs typeface="+mn-cs"/>
+              </a:rPr>
+              <a:t>cms</a:t>
+            </a:r>
+            <a:r>
+              <a:rPr lang="en-US" sz="1200" kern="1200" dirty="0" smtClean="0">
+                <a:solidFill>
+                  <a:schemeClr val="tx1"/>
+                </a:solidFill>
+                <a:effectLst/>
+                <a:latin typeface="+mn-lt"/>
+                <a:ea typeface="+mn-ea"/>
+                <a:cs typeface="+mn-cs"/>
+              </a:rPr>
+              <a:t>)</a:t>
+            </a:r>
+          </a:p>
+          <a:p>
+            <a:r>
+              <a:rPr lang="en-US" sz="1200" kern="1200" dirty="0" smtClean="0">
+                <a:solidFill>
+                  <a:schemeClr val="tx1"/>
+                </a:solidFill>
+                <a:effectLst/>
+                <a:latin typeface="+mn-lt"/>
+                <a:ea typeface="+mn-ea"/>
+                <a:cs typeface="+mn-cs"/>
+              </a:rPr>
+              <a:t> (</a:t>
+            </a:r>
+            <a:r>
+              <a:rPr lang="en-US" sz="1200" kern="1200" dirty="0" err="1" smtClean="0">
+                <a:solidFill>
+                  <a:schemeClr val="tx1"/>
+                </a:solidFill>
+                <a:effectLst/>
+                <a:latin typeface="+mn-lt"/>
+                <a:ea typeface="+mn-ea"/>
+                <a:cs typeface="+mn-cs"/>
+              </a:rPr>
+              <a:t>cms</a:t>
+            </a:r>
+            <a:r>
+              <a:rPr lang="en-US" sz="1200" kern="1200" dirty="0" smtClean="0">
+                <a:solidFill>
+                  <a:schemeClr val="tx1"/>
+                </a:solidFill>
+                <a:effectLst/>
+                <a:latin typeface="+mn-lt"/>
+                <a:ea typeface="+mn-ea"/>
+                <a:cs typeface="+mn-cs"/>
+              </a:rPr>
+              <a:t>)</a:t>
+            </a:r>
+          </a:p>
+          <a:p>
+            <a:r>
+              <a:rPr lang="en-US" sz="1200" b="1" u="none" kern="1200" dirty="0" smtClean="0">
+                <a:solidFill>
+                  <a:srgbClr val="FF0000"/>
+                </a:solidFill>
+                <a:effectLst/>
+                <a:latin typeface="+mn-lt"/>
+                <a:ea typeface="+mn-ea"/>
+                <a:cs typeface="+mn-cs"/>
+              </a:rPr>
+              <a:t>Broadleaf has a large suite of default functionality built in, so it's possible that you will only need to customize the UI and some configuration files.</a:t>
+            </a:r>
+          </a:p>
+          <a:p>
+            <a:endParaRPr lang="en-US" sz="1200" b="1" u="none" kern="1200" dirty="0" smtClean="0">
+              <a:solidFill>
+                <a:srgbClr val="FF0000"/>
+              </a:solidFill>
+              <a:effectLst/>
+              <a:latin typeface="+mn-lt"/>
+              <a:ea typeface="+mn-ea"/>
+              <a:cs typeface="+mn-cs"/>
+            </a:endParaRPr>
+          </a:p>
+          <a:p>
+            <a:r>
+              <a:rPr lang="en-US" sz="1200" b="1" u="none" kern="1200" dirty="0" smtClean="0">
+                <a:solidFill>
+                  <a:srgbClr val="FF0000"/>
+                </a:solidFill>
+                <a:effectLst/>
+                <a:latin typeface="+mn-lt"/>
+                <a:ea typeface="+mn-ea"/>
+                <a:cs typeface="+mn-cs"/>
+              </a:rPr>
+              <a:t>Broadleaf provides over 4000 Java classes that represent business services, data access objects, entities, and utilities. And also developer can extend entities and implement business services and data access interfaces to customize behavior. And related tuition documents are provided.</a:t>
+            </a:r>
+          </a:p>
+          <a:p>
+            <a:r>
+              <a:rPr lang="en-US" sz="1200" u="sng" kern="1200" dirty="0" smtClean="0">
+                <a:solidFill>
+                  <a:schemeClr val="tx1"/>
+                </a:solidFill>
+                <a:effectLst/>
+                <a:latin typeface="+mn-lt"/>
+                <a:ea typeface="+mn-ea"/>
+                <a:cs typeface="+mn-cs"/>
+                <a:hlinkClick r:id="rId5"/>
+              </a:rPr>
+              <a:t>http://www.broadleafcommerce.com/docs/core/current/tutorials/core-tutorials/extending-entities-tutorial</a:t>
+            </a:r>
+            <a:endParaRPr lang="en-US" sz="1200" kern="1200" dirty="0" smtClean="0">
+              <a:solidFill>
+                <a:schemeClr val="tx1"/>
+              </a:solidFill>
+              <a:effectLst/>
+              <a:latin typeface="+mn-lt"/>
+              <a:ea typeface="+mn-ea"/>
+              <a:cs typeface="+mn-cs"/>
+            </a:endParaRPr>
+          </a:p>
+          <a:p>
+            <a:r>
+              <a:rPr lang="en-US" sz="1200" u="sng" kern="1200" dirty="0" smtClean="0">
+                <a:solidFill>
+                  <a:schemeClr val="tx1"/>
+                </a:solidFill>
+                <a:effectLst/>
+                <a:latin typeface="+mn-lt"/>
+                <a:ea typeface="+mn-ea"/>
+                <a:cs typeface="+mn-cs"/>
+                <a:hlinkClick r:id="rId6"/>
+              </a:rPr>
+              <a:t>http://www.broadleafcommerce.com/docs/core/current/tutorials/core-tutorials/extending-services-tutorial</a:t>
+            </a:r>
+            <a:endParaRPr lang="en-US" sz="1200" kern="1200" dirty="0" smtClean="0">
+              <a:solidFill>
+                <a:schemeClr val="tx1"/>
+              </a:solidFill>
+              <a:effectLst/>
+              <a:latin typeface="+mn-lt"/>
+              <a:ea typeface="+mn-ea"/>
+              <a:cs typeface="+mn-cs"/>
+            </a:endParaRPr>
+          </a:p>
+          <a:p>
+            <a:endParaRPr lang="en-US" dirty="0"/>
+          </a:p>
+        </p:txBody>
+      </p:sp>
+      <p:sp>
+        <p:nvSpPr>
+          <p:cNvPr id="4" name="Slide Number Placeholder 3"/>
+          <p:cNvSpPr>
+            <a:spLocks noGrp="1"/>
+          </p:cNvSpPr>
+          <p:nvPr>
+            <p:ph type="sldNum" sz="quarter" idx="10"/>
+          </p:nvPr>
+        </p:nvSpPr>
+        <p:spPr/>
+        <p:txBody>
+          <a:bodyPr/>
+          <a:lstStyle/>
+          <a:p>
+            <a:fld id="{5F024B6D-3EBB-FB41-8535-18BD3BAD5859}" type="slidenum">
+              <a:rPr lang="en-US" smtClean="0"/>
+              <a:t>11</a:t>
+            </a:fld>
+            <a:endParaRPr lang="en-US"/>
+          </a:p>
+        </p:txBody>
+      </p:sp>
+    </p:spTree>
+    <p:extLst>
+      <p:ext uri="{BB962C8B-B14F-4D97-AF65-F5344CB8AC3E}">
+        <p14:creationId xmlns:p14="http://schemas.microsoft.com/office/powerpoint/2010/main" val="3702149710"/>
+      </p:ext>
+    </p:extLst>
+  </p:cSld>
+  <p:clrMapOvr>
+    <a:masterClrMapping/>
+  </p:clrMapOvr>
+</p:notes>
+</file>
+
+<file path=ppt/notesSlides/notesSlide4.xml><?xml version="1.0" encoding="utf-8"?>
+<p:notes xmlns:a="http://schemas.openxmlformats.org/drawingml/2006/main" xmlns:r="http://schemas.openxmlformats.org/officeDocument/2006/relationships" xmlns:p="http://schemas.openxmlformats.org/presentationml/2006/main">
+  <p:cSld>
+    <p:spTree>
+      <p:nvGrpSpPr>
+        <p:cNvPr id="1" name=""/>
+        <p:cNvGrpSpPr/>
+        <p:nvPr/>
+      </p:nvGrpSpPr>
+      <p:grpSpPr>
+        <a:xfrm>
+          <a:off x="0" y="0"/>
+          <a:ext cx="0" cy="0"/>
+          <a:chOff x="0" y="0"/>
+          <a:chExt cx="0" cy="0"/>
+        </a:xfrm>
+      </p:grpSpPr>
+      <p:sp>
+        <p:nvSpPr>
+          <p:cNvPr id="2" name="Slide Image Placeholder 1"/>
+          <p:cNvSpPr>
+            <a:spLocks noGrp="1" noRot="1" noChangeAspect="1"/>
+          </p:cNvSpPr>
+          <p:nvPr>
+            <p:ph type="sldImg"/>
+          </p:nvPr>
+        </p:nvSpPr>
+        <p:spPr/>
+      </p:sp>
+      <p:sp>
+        <p:nvSpPr>
+          <p:cNvPr id="3" name="Notes Placeholder 2"/>
+          <p:cNvSpPr>
+            <a:spLocks noGrp="1"/>
+          </p:cNvSpPr>
+          <p:nvPr>
+            <p:ph type="body" idx="1"/>
+          </p:nvPr>
+        </p:nvSpPr>
+        <p:spPr/>
+        <p:txBody>
+          <a:bodyPr/>
+          <a:lstStyle/>
+          <a:p>
+            <a:endParaRPr lang="en-US" sz="1200" kern="1200" dirty="0" smtClean="0">
+              <a:solidFill>
+                <a:schemeClr val="tx1"/>
+              </a:solidFill>
+              <a:effectLst/>
+              <a:latin typeface="+mn-lt"/>
+              <a:ea typeface="+mn-ea"/>
+              <a:cs typeface="+mn-cs"/>
+            </a:endParaRPr>
+          </a:p>
+          <a:p>
+            <a:r>
+              <a:rPr lang="en-US" sz="1200" u="sng" kern="1200" dirty="0" smtClean="0">
+                <a:solidFill>
+                  <a:schemeClr val="tx1"/>
+                </a:solidFill>
+                <a:effectLst/>
+                <a:latin typeface="+mn-lt"/>
+                <a:ea typeface="+mn-ea"/>
+                <a:cs typeface="+mn-cs"/>
+                <a:hlinkClick r:id="rId3"/>
+              </a:rPr>
+              <a:t>http://www.broadleafcommerce.com/technology-stack</a:t>
+            </a:r>
+            <a:r>
+              <a:rPr lang="en-US" dirty="0" smtClean="0">
+                <a:effectLst/>
+              </a:rPr>
+              <a:t> </a:t>
+            </a:r>
+            <a:endParaRPr lang="en-US" dirty="0" smtClean="0"/>
+          </a:p>
+          <a:p>
+            <a:endParaRPr lang="en-US" dirty="0" smtClean="0"/>
+          </a:p>
+          <a:p>
+            <a:pPr marL="0" marR="0" indent="0" algn="l" defTabSz="914400" rtl="0" eaLnBrk="1" fontAlgn="auto" latinLnBrk="0" hangingPunct="1">
+              <a:lnSpc>
+                <a:spcPct val="100000"/>
+              </a:lnSpc>
+              <a:spcBef>
+                <a:spcPts val="0"/>
+              </a:spcBef>
+              <a:spcAft>
+                <a:spcPts val="0"/>
+              </a:spcAft>
+              <a:buClrTx/>
+              <a:buSzTx/>
+              <a:buFontTx/>
+              <a:buNone/>
+              <a:tabLst/>
+              <a:defRPr/>
+            </a:pPr>
+            <a:r>
+              <a:rPr lang="en-US" sz="1200" u="sng" kern="1200" dirty="0" smtClean="0">
+                <a:solidFill>
+                  <a:schemeClr val="tx1"/>
+                </a:solidFill>
+                <a:effectLst/>
+                <a:latin typeface="+mn-lt"/>
+                <a:ea typeface="+mn-ea"/>
+                <a:cs typeface="+mn-cs"/>
+                <a:hlinkClick r:id="rId4"/>
+              </a:rPr>
+              <a:t>http://www.broadleafcommerce.com/faq?recaptchaPublicKey=6Lct6_ESAAAAAA1rzWdQDmWx1WC8804UaOaBEj2t#q9</a:t>
+            </a:r>
+            <a:r>
+              <a:rPr lang="en-US" sz="1200" kern="1200" dirty="0" smtClean="0">
+                <a:solidFill>
+                  <a:schemeClr val="tx1"/>
+                </a:solidFill>
+                <a:effectLst/>
+                <a:latin typeface="+mn-lt"/>
+                <a:ea typeface="+mn-ea"/>
+                <a:cs typeface="+mn-cs"/>
+              </a:rPr>
+              <a:t> </a:t>
+            </a:r>
+          </a:p>
+          <a:p>
+            <a:endParaRPr lang="en-US" dirty="0"/>
+          </a:p>
+        </p:txBody>
+      </p:sp>
+      <p:sp>
+        <p:nvSpPr>
+          <p:cNvPr id="4" name="Slide Number Placeholder 3"/>
+          <p:cNvSpPr>
+            <a:spLocks noGrp="1"/>
+          </p:cNvSpPr>
+          <p:nvPr>
+            <p:ph type="sldNum" sz="quarter" idx="10"/>
+          </p:nvPr>
+        </p:nvSpPr>
+        <p:spPr/>
+        <p:txBody>
+          <a:bodyPr/>
+          <a:lstStyle/>
+          <a:p>
+            <a:fld id="{5F024B6D-3EBB-FB41-8535-18BD3BAD5859}" type="slidenum">
+              <a:rPr lang="en-US" smtClean="0"/>
+              <a:t>12</a:t>
+            </a:fld>
+            <a:endParaRPr lang="en-US"/>
+          </a:p>
+        </p:txBody>
+      </p:sp>
+    </p:spTree>
+    <p:extLst>
+      <p:ext uri="{BB962C8B-B14F-4D97-AF65-F5344CB8AC3E}">
+        <p14:creationId xmlns:p14="http://schemas.microsoft.com/office/powerpoint/2010/main" val="2697456696"/>
+      </p:ext>
+    </p:extLst>
+  </p:cSld>
+  <p:clrMapOvr>
+    <a:masterClrMapping/>
+  </p:clrMapOvr>
+</p:notes>
+</file>
+
+<file path=ppt/notesSlides/notesSlide5.xml><?xml version="1.0" encoding="utf-8"?>
+<p:notes xmlns:a="http://schemas.openxmlformats.org/drawingml/2006/main" xmlns:r="http://schemas.openxmlformats.org/officeDocument/2006/relationships" xmlns:p="http://schemas.openxmlformats.org/presentationml/2006/main">
+  <p:cSld>
+    <p:spTree>
+      <p:nvGrpSpPr>
+        <p:cNvPr id="1" name=""/>
+        <p:cNvGrpSpPr/>
+        <p:nvPr/>
+      </p:nvGrpSpPr>
+      <p:grpSpPr>
+        <a:xfrm>
+          <a:off x="0" y="0"/>
+          <a:ext cx="0" cy="0"/>
+          <a:chOff x="0" y="0"/>
+          <a:chExt cx="0" cy="0"/>
+        </a:xfrm>
+      </p:grpSpPr>
+      <p:sp>
+        <p:nvSpPr>
+          <p:cNvPr id="2" name="Slide Image Placeholder 1"/>
+          <p:cNvSpPr>
+            <a:spLocks noGrp="1" noRot="1" noChangeAspect="1"/>
+          </p:cNvSpPr>
+          <p:nvPr>
+            <p:ph type="sldImg"/>
+          </p:nvPr>
+        </p:nvSpPr>
+        <p:spPr/>
+      </p:sp>
+      <p:sp>
+        <p:nvSpPr>
+          <p:cNvPr id="3" name="Notes Placeholder 2"/>
+          <p:cNvSpPr>
+            <a:spLocks noGrp="1"/>
+          </p:cNvSpPr>
+          <p:nvPr>
+            <p:ph type="body" idx="1"/>
+          </p:nvPr>
+        </p:nvSpPr>
+        <p:spPr/>
+        <p:txBody>
+          <a:bodyPr/>
+          <a:lstStyle/>
+          <a:p>
+            <a:endParaRPr lang="en-US" sz="1200" kern="1200" dirty="0" smtClean="0">
+              <a:solidFill>
+                <a:schemeClr val="tx1"/>
+              </a:solidFill>
+              <a:effectLst/>
+              <a:latin typeface="+mn-lt"/>
+              <a:ea typeface="+mn-ea"/>
+              <a:cs typeface="+mn-cs"/>
+            </a:endParaRPr>
+          </a:p>
+          <a:p>
+            <a:r>
+              <a:rPr lang="en-US" sz="1200" kern="1200" dirty="0" smtClean="0">
+                <a:solidFill>
+                  <a:schemeClr val="tx1"/>
+                </a:solidFill>
+                <a:effectLst/>
+                <a:latin typeface="+mn-lt"/>
+                <a:ea typeface="+mn-ea"/>
+                <a:cs typeface="+mn-cs"/>
+              </a:rPr>
+              <a:t>Broadleaf requires a servlet container such as Apache Tomcat. Broadleaf has also been tested with Jetty, </a:t>
+            </a:r>
+            <a:r>
+              <a:rPr lang="en-US" sz="1200" kern="1200" dirty="0" err="1" smtClean="0">
+                <a:solidFill>
+                  <a:schemeClr val="tx1"/>
+                </a:solidFill>
+                <a:effectLst/>
+                <a:latin typeface="+mn-lt"/>
+                <a:ea typeface="+mn-ea"/>
+                <a:cs typeface="+mn-cs"/>
+              </a:rPr>
+              <a:t>JBoss</a:t>
+            </a:r>
+            <a:r>
+              <a:rPr lang="en-US" sz="1200" kern="1200" dirty="0" smtClean="0">
+                <a:solidFill>
+                  <a:schemeClr val="tx1"/>
+                </a:solidFill>
+                <a:effectLst/>
+                <a:latin typeface="+mn-lt"/>
+                <a:ea typeface="+mn-ea"/>
+                <a:cs typeface="+mn-cs"/>
+              </a:rPr>
+              <a:t> Application Server, Oracle WebLogic Application Server, and IBM WebSphere Application Server.</a:t>
+            </a:r>
+            <a:r>
+              <a:rPr lang="en-US" sz="1200" kern="1200" baseline="0" dirty="0" smtClean="0">
+                <a:solidFill>
+                  <a:schemeClr val="tx1"/>
+                </a:solidFill>
+                <a:effectLst/>
+                <a:latin typeface="+mn-lt"/>
+                <a:ea typeface="+mn-ea"/>
+                <a:cs typeface="+mn-cs"/>
+              </a:rPr>
+              <a:t> </a:t>
+            </a:r>
+            <a:r>
+              <a:rPr lang="en-US" sz="1200" u="sng" kern="1200" dirty="0" smtClean="0">
+                <a:solidFill>
+                  <a:schemeClr val="tx1"/>
+                </a:solidFill>
+                <a:effectLst/>
+                <a:latin typeface="+mn-lt"/>
+                <a:ea typeface="+mn-ea"/>
+                <a:cs typeface="+mn-cs"/>
+                <a:hlinkClick r:id="rId3"/>
+              </a:rPr>
+              <a:t>http://www.broadleafcommerce.com/faq?recaptchaPublicKey=6Lct6_ESAAAAAA1rzWdQDmWx1WC8804UaOaBEj2t#q2</a:t>
+            </a:r>
+            <a:r>
+              <a:rPr lang="en-US" sz="1200" kern="1200" dirty="0" smtClean="0">
+                <a:solidFill>
+                  <a:schemeClr val="tx1"/>
+                </a:solidFill>
+                <a:effectLst/>
+                <a:latin typeface="+mn-lt"/>
+                <a:ea typeface="+mn-ea"/>
+                <a:cs typeface="+mn-cs"/>
+              </a:rPr>
+              <a:t> </a:t>
+            </a:r>
+          </a:p>
+          <a:p>
+            <a:endParaRPr lang="en-US" sz="1200" kern="1200" dirty="0" smtClean="0">
+              <a:solidFill>
+                <a:schemeClr val="tx1"/>
+              </a:solidFill>
+              <a:effectLst/>
+              <a:latin typeface="+mn-lt"/>
+              <a:ea typeface="+mn-ea"/>
+              <a:cs typeface="+mn-cs"/>
+            </a:endParaRPr>
+          </a:p>
+          <a:p>
+            <a:r>
+              <a:rPr lang="en-US" sz="1200" kern="1200" dirty="0" smtClean="0">
+                <a:solidFill>
+                  <a:schemeClr val="tx1"/>
+                </a:solidFill>
+                <a:effectLst/>
+                <a:latin typeface="+mn-lt"/>
+                <a:ea typeface="+mn-ea"/>
+                <a:cs typeface="+mn-cs"/>
+              </a:rPr>
+              <a:t>You can use any relational database that Hibernate </a:t>
+            </a:r>
+            <a:r>
+              <a:rPr lang="en-US" sz="1200" u="sng" kern="1200" dirty="0" smtClean="0">
+                <a:solidFill>
+                  <a:schemeClr val="tx1"/>
+                </a:solidFill>
+                <a:effectLst/>
+                <a:latin typeface="+mn-lt"/>
+                <a:ea typeface="+mn-ea"/>
+                <a:cs typeface="+mn-cs"/>
+                <a:hlinkClick r:id="rId4"/>
+              </a:rPr>
+              <a:t>supports</a:t>
+            </a:r>
+            <a:r>
+              <a:rPr lang="en-US" sz="1200" kern="1200" dirty="0" smtClean="0">
+                <a:solidFill>
+                  <a:schemeClr val="tx1"/>
+                </a:solidFill>
+                <a:effectLst/>
+                <a:latin typeface="+mn-lt"/>
+                <a:ea typeface="+mn-ea"/>
+                <a:cs typeface="+mn-cs"/>
+              </a:rPr>
+              <a:t>. But no </a:t>
+            </a:r>
+            <a:r>
+              <a:rPr lang="en-US" sz="1200" kern="1200" dirty="0" err="1" smtClean="0">
+                <a:solidFill>
+                  <a:schemeClr val="tx1"/>
+                </a:solidFill>
+                <a:effectLst/>
+                <a:latin typeface="+mn-lt"/>
+                <a:ea typeface="+mn-ea"/>
+                <a:cs typeface="+mn-cs"/>
+              </a:rPr>
+              <a:t>noSQL</a:t>
+            </a:r>
+            <a:r>
+              <a:rPr lang="en-US" sz="1200" kern="1200" dirty="0" smtClean="0">
+                <a:solidFill>
+                  <a:schemeClr val="tx1"/>
+                </a:solidFill>
+                <a:effectLst/>
+                <a:latin typeface="+mn-lt"/>
+                <a:ea typeface="+mn-ea"/>
+                <a:cs typeface="+mn-cs"/>
+              </a:rPr>
+              <a:t> data storage. We have done the majority of our testing with MySQL 5.1, Oracle 9i and 10g, and HSQLDB. </a:t>
+            </a:r>
+          </a:p>
+          <a:p>
+            <a:r>
+              <a:rPr lang="en-US" sz="1200" u="sng" kern="1200" dirty="0" smtClean="0">
+                <a:solidFill>
+                  <a:schemeClr val="tx1"/>
+                </a:solidFill>
+                <a:effectLst/>
+                <a:latin typeface="+mn-lt"/>
+                <a:ea typeface="+mn-ea"/>
+                <a:cs typeface="+mn-cs"/>
+                <a:hlinkClick r:id="rId5"/>
+              </a:rPr>
+              <a:t>http://www.broadleafcommerce.com/faq?recaptchaPublicKey=6Lct6_ESAAAAAA1rzWdQDmWx1WC8804UaOaBEj2t#q4</a:t>
+            </a:r>
+            <a:r>
+              <a:rPr lang="en-US" sz="1200" kern="1200" dirty="0" smtClean="0">
+                <a:solidFill>
+                  <a:schemeClr val="tx1"/>
+                </a:solidFill>
+                <a:effectLst/>
+                <a:latin typeface="+mn-lt"/>
+                <a:ea typeface="+mn-ea"/>
+                <a:cs typeface="+mn-cs"/>
+              </a:rPr>
+              <a:t> </a:t>
+            </a:r>
+          </a:p>
+          <a:p>
+            <a:endParaRPr lang="en-US" sz="1200" kern="1200" smtClean="0">
+              <a:solidFill>
+                <a:schemeClr val="tx1"/>
+              </a:solidFill>
+              <a:effectLst/>
+              <a:latin typeface="+mn-lt"/>
+              <a:ea typeface="+mn-ea"/>
+              <a:cs typeface="+mn-cs"/>
+            </a:endParaRPr>
+          </a:p>
+          <a:p>
+            <a:r>
+              <a:rPr lang="en-US" sz="1200" kern="1200" smtClean="0">
+                <a:solidFill>
+                  <a:schemeClr val="tx1"/>
+                </a:solidFill>
+                <a:effectLst/>
+                <a:latin typeface="+mn-lt"/>
+                <a:ea typeface="+mn-ea"/>
+                <a:cs typeface="+mn-cs"/>
+              </a:rPr>
+              <a:t>We </a:t>
+            </a:r>
+            <a:r>
+              <a:rPr lang="en-US" sz="1200" kern="1200" dirty="0" smtClean="0">
+                <a:solidFill>
+                  <a:schemeClr val="tx1"/>
+                </a:solidFill>
+                <a:effectLst/>
+                <a:latin typeface="+mn-lt"/>
+                <a:ea typeface="+mn-ea"/>
+                <a:cs typeface="+mn-cs"/>
+              </a:rPr>
+              <a:t>have deployed Broadleaf Commerce to Amazon EC2, Rackspace Cloud, </a:t>
+            </a:r>
+            <a:r>
+              <a:rPr lang="en-US" sz="1200" kern="1200" dirty="0" err="1" smtClean="0">
+                <a:solidFill>
+                  <a:schemeClr val="tx1"/>
+                </a:solidFill>
+                <a:effectLst/>
+                <a:latin typeface="+mn-lt"/>
+                <a:ea typeface="+mn-ea"/>
+                <a:cs typeface="+mn-cs"/>
+              </a:rPr>
+              <a:t>CloudBees</a:t>
+            </a:r>
+            <a:r>
+              <a:rPr lang="en-US" sz="1200" kern="1200" dirty="0" smtClean="0">
+                <a:solidFill>
+                  <a:schemeClr val="tx1"/>
+                </a:solidFill>
+                <a:effectLst/>
+                <a:latin typeface="+mn-lt"/>
+                <a:ea typeface="+mn-ea"/>
+                <a:cs typeface="+mn-cs"/>
+              </a:rPr>
+              <a:t>, </a:t>
+            </a:r>
+            <a:r>
+              <a:rPr lang="en-US" sz="1200" kern="1200" dirty="0" err="1" smtClean="0">
+                <a:solidFill>
+                  <a:schemeClr val="tx1"/>
+                </a:solidFill>
+                <a:effectLst/>
+                <a:latin typeface="+mn-lt"/>
+                <a:ea typeface="+mn-ea"/>
+                <a:cs typeface="+mn-cs"/>
+              </a:rPr>
+              <a:t>CloudFoundry</a:t>
+            </a:r>
+            <a:r>
+              <a:rPr lang="en-US" sz="1200" kern="1200" dirty="0" smtClean="0">
+                <a:solidFill>
+                  <a:schemeClr val="tx1"/>
+                </a:solidFill>
+                <a:effectLst/>
+                <a:latin typeface="+mn-lt"/>
+                <a:ea typeface="+mn-ea"/>
+                <a:cs typeface="+mn-cs"/>
+              </a:rPr>
+              <a:t>, </a:t>
+            </a:r>
+            <a:r>
+              <a:rPr lang="en-US" sz="1200" kern="1200" dirty="0" err="1" smtClean="0">
+                <a:solidFill>
+                  <a:schemeClr val="tx1"/>
+                </a:solidFill>
+                <a:effectLst/>
+                <a:latin typeface="+mn-lt"/>
+                <a:ea typeface="+mn-ea"/>
+                <a:cs typeface="+mn-cs"/>
+              </a:rPr>
+              <a:t>Hiroku</a:t>
+            </a:r>
+            <a:r>
+              <a:rPr lang="en-US" sz="1200" kern="1200" dirty="0" smtClean="0">
+                <a:solidFill>
+                  <a:schemeClr val="tx1"/>
+                </a:solidFill>
+                <a:effectLst/>
+                <a:latin typeface="+mn-lt"/>
+                <a:ea typeface="+mn-ea"/>
+                <a:cs typeface="+mn-cs"/>
+              </a:rPr>
+              <a:t>, and Amazon Elastic Beanstalk. </a:t>
+            </a:r>
+          </a:p>
+          <a:p>
+            <a:r>
+              <a:rPr lang="en-US" sz="1200" u="sng" kern="1200" dirty="0" smtClean="0">
+                <a:solidFill>
+                  <a:schemeClr val="tx1"/>
+                </a:solidFill>
+                <a:effectLst/>
+                <a:latin typeface="+mn-lt"/>
+                <a:ea typeface="+mn-ea"/>
+                <a:cs typeface="+mn-cs"/>
+                <a:hlinkClick r:id="rId6"/>
+              </a:rPr>
+              <a:t>http://www.broadleafcommerce.com/faq?recaptchaPublicKey=6Lct6_ESAAAAAA1rzWdQDmWx1WC8804UaOaBEj2t#q5</a:t>
+            </a:r>
+            <a:r>
+              <a:rPr lang="en-US" dirty="0" smtClean="0">
+                <a:effectLst/>
+              </a:rPr>
+              <a:t> </a:t>
+            </a:r>
+          </a:p>
+          <a:p>
+            <a:endParaRPr lang="en-US" dirty="0" smtClean="0">
+              <a:effectLst/>
+            </a:endParaRPr>
+          </a:p>
+          <a:p>
+            <a:r>
+              <a:rPr lang="en-US" sz="1200" kern="1200" dirty="0" smtClean="0">
+                <a:solidFill>
+                  <a:schemeClr val="tx1"/>
+                </a:solidFill>
+                <a:effectLst/>
+                <a:latin typeface="+mn-lt"/>
+                <a:ea typeface="+mn-ea"/>
+                <a:cs typeface="+mn-cs"/>
+              </a:rPr>
+              <a:t>Integrate many frameworks which may cause risk to port application</a:t>
+            </a:r>
+            <a:endParaRPr lang="en-US" dirty="0"/>
+          </a:p>
+        </p:txBody>
+      </p:sp>
+      <p:sp>
+        <p:nvSpPr>
+          <p:cNvPr id="4" name="Slide Number Placeholder 3"/>
+          <p:cNvSpPr>
+            <a:spLocks noGrp="1"/>
+          </p:cNvSpPr>
+          <p:nvPr>
+            <p:ph type="sldNum" sz="quarter" idx="10"/>
+          </p:nvPr>
+        </p:nvSpPr>
+        <p:spPr/>
+        <p:txBody>
+          <a:bodyPr/>
+          <a:lstStyle/>
+          <a:p>
+            <a:fld id="{5F024B6D-3EBB-FB41-8535-18BD3BAD5859}" type="slidenum">
+              <a:rPr lang="en-US" smtClean="0"/>
+              <a:t>13</a:t>
+            </a:fld>
+            <a:endParaRPr lang="en-US"/>
+          </a:p>
+        </p:txBody>
+      </p:sp>
+    </p:spTree>
+    <p:extLst>
+      <p:ext uri="{BB962C8B-B14F-4D97-AF65-F5344CB8AC3E}">
+        <p14:creationId xmlns:p14="http://schemas.microsoft.com/office/powerpoint/2010/main" val="229304035"/>
+      </p:ext>
+    </p:extLst>
+  </p:cSld>
+  <p:clrMapOvr>
+    <a:masterClrMapping/>
+  </p:clrMapOvr>
+</p:notes>
 </file>
 
 <file path=ppt/slideLayouts/slideLayout1.xml><?xml version="1.0" encoding="utf-8"?>
@@ -321,7 +2037,7 @@
           <a:bodyPr/>
           <a:lstStyle/>
           <a:p>
-            <a:fld id="{03EBD6BB-0528-47E8-9591-04D02ADADED3}" type="datetimeFigureOut">
+            <a:fld id="{CF6586C5-8919-451F-8639-1F650491FE5E}" type="datetime1">
               <a:rPr lang="en-IN" smtClean="0"/>
               <a:t>31-10-2015</a:t>
             </a:fld>
@@ -653,7 +2369,7 @@
           <a:bodyPr/>
           <a:lstStyle/>
           <a:p>
-            <a:fld id="{03EBD6BB-0528-47E8-9591-04D02ADADED3}" type="datetimeFigureOut">
+            <a:fld id="{B0DC8C32-EE13-4CAB-8A2D-A33A6D893C2F}" type="datetime1">
               <a:rPr lang="en-IN" smtClean="0"/>
               <a:t>31-10-2015</a:t>
             </a:fld>
@@ -1052,7 +2768,7 @@
           <a:bodyPr/>
           <a:lstStyle/>
           <a:p>
-            <a:fld id="{03EBD6BB-0528-47E8-9591-04D02ADADED3}" type="datetimeFigureOut">
+            <a:fld id="{96876D5C-3B5C-447F-A4A9-95047CF1CC9F}" type="datetime1">
               <a:rPr lang="en-IN" smtClean="0"/>
               <a:t>31-10-2015</a:t>
             </a:fld>
@@ -1386,7 +3102,7 @@
           <a:bodyPr/>
           <a:lstStyle/>
           <a:p>
-            <a:fld id="{03EBD6BB-0528-47E8-9591-04D02ADADED3}" type="datetimeFigureOut">
+            <a:fld id="{F08FD1CE-3B2D-49D2-B970-835EA8A4B6F3}" type="datetime1">
               <a:rPr lang="en-IN" smtClean="0"/>
               <a:t>31-10-2015</a:t>
             </a:fld>
@@ -1704,7 +3420,7 @@
           <a:bodyPr/>
           <a:lstStyle/>
           <a:p>
-            <a:fld id="{03EBD6BB-0528-47E8-9591-04D02ADADED3}" type="datetimeFigureOut">
+            <a:fld id="{2245D8FB-AD61-4954-B529-6C0116A10316}" type="datetime1">
               <a:rPr lang="en-IN" smtClean="0"/>
               <a:t>31-10-2015</a:t>
             </a:fld>
@@ -2098,7 +3814,7 @@
           <a:bodyPr/>
           <a:lstStyle/>
           <a:p>
-            <a:fld id="{03EBD6BB-0528-47E8-9591-04D02ADADED3}" type="datetimeFigureOut">
+            <a:fld id="{3B5EA7F9-CC3F-45F8-B5DC-21D59D3B577A}" type="datetime1">
               <a:rPr lang="en-IN" smtClean="0"/>
               <a:t>31-10-2015</a:t>
             </a:fld>
@@ -2353,7 +4069,7 @@
           <a:bodyPr/>
           <a:lstStyle/>
           <a:p>
-            <a:fld id="{03EBD6BB-0528-47E8-9591-04D02ADADED3}" type="datetimeFigureOut">
+            <a:fld id="{B8FC0405-0350-4ED9-B278-75B8A55919E9}" type="datetime1">
               <a:rPr lang="en-IN" smtClean="0"/>
               <a:t>31-10-2015</a:t>
             </a:fld>
@@ -2613,7 +4329,7 @@
           <a:bodyPr/>
           <a:lstStyle/>
           <a:p>
-            <a:fld id="{03EBD6BB-0528-47E8-9591-04D02ADADED3}" type="datetimeFigureOut">
+            <a:fld id="{34968703-1406-4597-AFE4-D7C7A8B4958D}" type="datetime1">
               <a:rPr lang="en-IN" smtClean="0"/>
               <a:t>31-10-2015</a:t>
             </a:fld>
@@ -2873,7 +4589,7 @@
           <a:bodyPr/>
           <a:lstStyle/>
           <a:p>
-            <a:fld id="{03EBD6BB-0528-47E8-9591-04D02ADADED3}" type="datetimeFigureOut">
+            <a:fld id="{18ACDB97-8B1C-4CD6-898B-BCA0081FDC7C}" type="datetime1">
               <a:rPr lang="en-IN" smtClean="0"/>
               <a:t>31-10-2015</a:t>
             </a:fld>
@@ -3200,7 +4916,7 @@
           <a:bodyPr/>
           <a:lstStyle/>
           <a:p>
-            <a:fld id="{03EBD6BB-0528-47E8-9591-04D02ADADED3}" type="datetimeFigureOut">
+            <a:fld id="{FD1BD953-8CBE-41E5-AD46-70916702A140}" type="datetime1">
               <a:rPr lang="en-IN" smtClean="0"/>
               <a:t>31-10-2015</a:t>
             </a:fld>
@@ -3521,7 +5237,7 @@
           <a:bodyPr/>
           <a:lstStyle/>
           <a:p>
-            <a:fld id="{03EBD6BB-0528-47E8-9591-04D02ADADED3}" type="datetimeFigureOut">
+            <a:fld id="{C67D87E8-8248-4B03-B769-051DF21FCEAC}" type="datetime1">
               <a:rPr lang="en-IN" smtClean="0"/>
               <a:t>31-10-2015</a:t>
             </a:fld>
@@ -3976,7 +5692,7 @@
           <a:bodyPr/>
           <a:lstStyle/>
           <a:p>
-            <a:fld id="{03EBD6BB-0528-47E8-9591-04D02ADADED3}" type="datetimeFigureOut">
+            <a:fld id="{138D2012-3885-41FD-B7F6-0C139C223D87}" type="datetime1">
               <a:rPr lang="en-IN" smtClean="0"/>
               <a:t>31-10-2015</a:t>
             </a:fld>
@@ -4184,7 +5900,7 @@
           <a:bodyPr/>
           <a:lstStyle/>
           <a:p>
-            <a:fld id="{03EBD6BB-0528-47E8-9591-04D02ADADED3}" type="datetimeFigureOut">
+            <a:fld id="{C3F68B80-0AC9-43D7-A047-8E004717FF0C}" type="datetime1">
               <a:rPr lang="en-IN" smtClean="0"/>
               <a:t>31-10-2015</a:t>
             </a:fld>
@@ -4359,7 +6075,7 @@
           <a:bodyPr/>
           <a:lstStyle/>
           <a:p>
-            <a:fld id="{03EBD6BB-0528-47E8-9591-04D02ADADED3}" type="datetimeFigureOut">
+            <a:fld id="{28E82983-205E-42A1-A550-004F1AD1431F}" type="datetime1">
               <a:rPr lang="en-IN" smtClean="0"/>
               <a:t>31-10-2015</a:t>
             </a:fld>
@@ -4690,7 +6406,7 @@
           <a:bodyPr/>
           <a:lstStyle/>
           <a:p>
-            <a:fld id="{03EBD6BB-0528-47E8-9591-04D02ADADED3}" type="datetimeFigureOut">
+            <a:fld id="{5D2F7692-43F7-4494-8CB6-82A701FDB304}" type="datetime1">
               <a:rPr lang="en-IN" smtClean="0"/>
               <a:t>31-10-2015</a:t>
             </a:fld>
@@ -5033,7 +6749,7 @@
           <a:bodyPr/>
           <a:lstStyle/>
           <a:p>
-            <a:fld id="{03EBD6BB-0528-47E8-9591-04D02ADADED3}" type="datetimeFigureOut">
+            <a:fld id="{2B49B97A-3233-43CF-AE63-79BE03581033}" type="datetime1">
               <a:rPr lang="en-IN" smtClean="0"/>
               <a:t>31-10-2015</a:t>
             </a:fld>
@@ -7148,7 +8864,7 @@
             </a:lvl1pPr>
           </a:lstStyle>
           <a:p>
-            <a:fld id="{03EBD6BB-0528-47E8-9591-04D02ADADED3}" type="datetimeFigureOut">
+            <a:fld id="{DC6AACE3-5F00-413F-96C4-EA50965D1929}" type="datetime1">
               <a:rPr lang="en-IN" smtClean="0"/>
               <a:t>31-10-2015</a:t>
             </a:fld>
@@ -7258,6 +8974,7 @@
     <p:sldLayoutId id="2147483692" r:id="rId15"/>
     <p:sldLayoutId id="2147483693" r:id="rId16"/>
   </p:sldLayoutIdLst>
+  <p:hf hdr="0" ftr="0" dt="0"/>
   <p:txStyles>
     <p:titleStyle>
       <a:lvl1pPr algn="l" defTabSz="457200" rtl="0" eaLnBrk="1" latinLnBrk="0" hangingPunct="1">
@@ -7766,10 +9483,1056 @@
           </a:p>
         </p:txBody>
       </p:sp>
+      <p:sp>
+        <p:nvSpPr>
+          <p:cNvPr id="4" name="Slide Number Placeholder 3"/>
+          <p:cNvSpPr>
+            <a:spLocks noGrp="1"/>
+          </p:cNvSpPr>
+          <p:nvPr>
+            <p:ph type="sldNum" sz="quarter" idx="12"/>
+          </p:nvPr>
+        </p:nvSpPr>
+        <p:spPr/>
+        <p:txBody>
+          <a:bodyPr/>
+          <a:lstStyle/>
+          <a:p>
+            <a:fld id="{24A0F28C-20EE-4B55-A037-6774DF0EE367}" type="slidenum">
+              <a:rPr lang="en-IN" smtClean="0"/>
+              <a:t>1</a:t>
+            </a:fld>
+            <a:endParaRPr lang="en-IN"/>
+          </a:p>
+        </p:txBody>
+      </p:sp>
     </p:spTree>
     <p:extLst>
       <p:ext uri="{BB962C8B-B14F-4D97-AF65-F5344CB8AC3E}">
         <p14:creationId xmlns:p14="http://schemas.microsoft.com/office/powerpoint/2010/main" val="1366915978"/>
+      </p:ext>
+    </p:extLst>
+  </p:cSld>
+  <p:clrMapOvr>
+    <a:masterClrMapping/>
+  </p:clrMapOvr>
+  <p:timing>
+    <p:tnLst>
+      <p:par>
+        <p:cTn id="1" dur="indefinite" restart="never" nodeType="tmRoot"/>
+      </p:par>
+    </p:tnLst>
+  </p:timing>
+</p:sld>
+</file>
+
+<file path=ppt/slides/slide10.xml><?xml version="1.0" encoding="utf-8"?>
+<p:sld xmlns:a="http://schemas.openxmlformats.org/drawingml/2006/main" xmlns:r="http://schemas.openxmlformats.org/officeDocument/2006/relationships" xmlns:p="http://schemas.openxmlformats.org/presentationml/2006/main">
+  <p:cSld>
+    <p:spTree>
+      <p:nvGrpSpPr>
+        <p:cNvPr id="1" name=""/>
+        <p:cNvGrpSpPr/>
+        <p:nvPr/>
+      </p:nvGrpSpPr>
+      <p:grpSpPr>
+        <a:xfrm>
+          <a:off x="0" y="0"/>
+          <a:ext cx="0" cy="0"/>
+          <a:chOff x="0" y="0"/>
+          <a:chExt cx="0" cy="0"/>
+        </a:xfrm>
+      </p:grpSpPr>
+      <p:sp>
+        <p:nvSpPr>
+          <p:cNvPr id="2" name="Title 1"/>
+          <p:cNvSpPr>
+            <a:spLocks noGrp="1"/>
+          </p:cNvSpPr>
+          <p:nvPr>
+            <p:ph type="title"/>
+          </p:nvPr>
+        </p:nvSpPr>
+        <p:spPr/>
+        <p:txBody>
+          <a:bodyPr/>
+          <a:lstStyle/>
+          <a:p>
+            <a:r>
+              <a:rPr lang="en-US" dirty="0" smtClean="0"/>
+              <a:t>Maintainability</a:t>
+            </a:r>
+            <a:endParaRPr lang="en-US" dirty="0"/>
+          </a:p>
+        </p:txBody>
+      </p:sp>
+      <p:sp>
+        <p:nvSpPr>
+          <p:cNvPr id="3" name="Content Placeholder 2"/>
+          <p:cNvSpPr>
+            <a:spLocks noGrp="1"/>
+          </p:cNvSpPr>
+          <p:nvPr>
+            <p:ph idx="1"/>
+          </p:nvPr>
+        </p:nvSpPr>
+        <p:spPr/>
+        <p:txBody>
+          <a:bodyPr>
+            <a:normAutofit/>
+          </a:bodyPr>
+          <a:lstStyle/>
+          <a:p>
+            <a:r>
+              <a:rPr lang="en-US" dirty="0" smtClean="0"/>
+              <a:t>Code Level</a:t>
+            </a:r>
+          </a:p>
+          <a:p>
+            <a:pPr marL="0" indent="0">
+              <a:buNone/>
+            </a:pPr>
+            <a:r>
+              <a:rPr lang="en-US" dirty="0" smtClean="0"/>
+              <a:t>Integration of </a:t>
+            </a:r>
+            <a:r>
+              <a:rPr lang="en-US" dirty="0" smtClean="0"/>
+              <a:t>many frameworks may cause tight coupling between application class and framework class. </a:t>
+            </a:r>
+          </a:p>
+          <a:p>
+            <a:pPr marL="0" indent="0">
+              <a:buNone/>
+            </a:pPr>
+            <a:r>
+              <a:rPr lang="en-US" dirty="0" smtClean="0"/>
+              <a:t>High </a:t>
+            </a:r>
+            <a:r>
+              <a:rPr lang="en-US" dirty="0"/>
+              <a:t>usage of frameworks means it is hard to </a:t>
+            </a:r>
+            <a:r>
+              <a:rPr lang="en-US" dirty="0" smtClean="0"/>
+              <a:t>re-engineer.</a:t>
+            </a:r>
+            <a:endParaRPr lang="en-US" dirty="0" smtClean="0"/>
+          </a:p>
+          <a:p>
+            <a:r>
+              <a:rPr lang="en-US" dirty="0" smtClean="0"/>
+              <a:t>Design Level</a:t>
+            </a:r>
+          </a:p>
+          <a:p>
+            <a:pPr marL="0" indent="0">
+              <a:buNone/>
+            </a:pPr>
+            <a:r>
+              <a:rPr lang="en-US" dirty="0" smtClean="0"/>
+              <a:t>No design documents found</a:t>
+            </a:r>
+            <a:endParaRPr lang="en-US" dirty="0" smtClean="0"/>
+          </a:p>
+          <a:p>
+            <a:r>
+              <a:rPr lang="en-US" dirty="0" smtClean="0"/>
+              <a:t>Traceability</a:t>
+            </a:r>
+          </a:p>
+          <a:p>
+            <a:pPr marL="0" indent="0">
+              <a:buNone/>
+            </a:pPr>
+            <a:r>
+              <a:rPr lang="en-US" dirty="0" smtClean="0"/>
+              <a:t>Server log, </a:t>
+            </a:r>
+            <a:r>
+              <a:rPr lang="en-US" dirty="0" err="1"/>
+              <a:t>QoS</a:t>
+            </a:r>
+            <a:r>
+              <a:rPr lang="en-US" dirty="0"/>
+              <a:t> (Quality Of Service)</a:t>
+            </a:r>
+            <a:endParaRPr lang="en-US" dirty="0" smtClean="0"/>
+          </a:p>
+          <a:p>
+            <a:pPr marL="0" indent="0">
+              <a:buNone/>
+            </a:pPr>
+            <a:endParaRPr lang="en-US" dirty="0"/>
+          </a:p>
+        </p:txBody>
+      </p:sp>
+      <p:sp>
+        <p:nvSpPr>
+          <p:cNvPr id="4" name="Slide Number Placeholder 3"/>
+          <p:cNvSpPr>
+            <a:spLocks noGrp="1"/>
+          </p:cNvSpPr>
+          <p:nvPr>
+            <p:ph type="sldNum" sz="quarter" idx="12"/>
+          </p:nvPr>
+        </p:nvSpPr>
+        <p:spPr/>
+        <p:txBody>
+          <a:bodyPr/>
+          <a:lstStyle/>
+          <a:p>
+            <a:fld id="{24A0F28C-20EE-4B55-A037-6774DF0EE367}" type="slidenum">
+              <a:rPr lang="en-IN" smtClean="0"/>
+              <a:t>10</a:t>
+            </a:fld>
+            <a:endParaRPr lang="en-IN"/>
+          </a:p>
+        </p:txBody>
+      </p:sp>
+    </p:spTree>
+    <p:extLst>
+      <p:ext uri="{BB962C8B-B14F-4D97-AF65-F5344CB8AC3E}">
+        <p14:creationId xmlns:p14="http://schemas.microsoft.com/office/powerpoint/2010/main" val="2314993414"/>
+      </p:ext>
+    </p:extLst>
+  </p:cSld>
+  <p:clrMapOvr>
+    <a:masterClrMapping/>
+  </p:clrMapOvr>
+  <p:timing>
+    <p:tnLst>
+      <p:par>
+        <p:cTn id="1" dur="indefinite" restart="never" nodeType="tmRoot"/>
+      </p:par>
+    </p:tnLst>
+  </p:timing>
+</p:sld>
+</file>
+
+<file path=ppt/slides/slide11.xml><?xml version="1.0" encoding="utf-8"?>
+<p:sld xmlns:a="http://schemas.openxmlformats.org/drawingml/2006/main" xmlns:r="http://schemas.openxmlformats.org/officeDocument/2006/relationships" xmlns:p="http://schemas.openxmlformats.org/presentationml/2006/main">
+  <p:cSld>
+    <p:spTree>
+      <p:nvGrpSpPr>
+        <p:cNvPr id="1" name=""/>
+        <p:cNvGrpSpPr/>
+        <p:nvPr/>
+      </p:nvGrpSpPr>
+      <p:grpSpPr>
+        <a:xfrm>
+          <a:off x="0" y="0"/>
+          <a:ext cx="0" cy="0"/>
+          <a:chOff x="0" y="0"/>
+          <a:chExt cx="0" cy="0"/>
+        </a:xfrm>
+      </p:grpSpPr>
+      <p:sp>
+        <p:nvSpPr>
+          <p:cNvPr id="2" name="Title 1"/>
+          <p:cNvSpPr>
+            <a:spLocks noGrp="1"/>
+          </p:cNvSpPr>
+          <p:nvPr>
+            <p:ph type="title"/>
+          </p:nvPr>
+        </p:nvSpPr>
+        <p:spPr/>
+        <p:txBody>
+          <a:bodyPr/>
+          <a:lstStyle/>
+          <a:p>
+            <a:r>
+              <a:rPr lang="en-US" dirty="0" smtClean="0"/>
+              <a:t>Usability</a:t>
+            </a:r>
+            <a:endParaRPr lang="en-US" dirty="0"/>
+          </a:p>
+        </p:txBody>
+      </p:sp>
+      <p:sp>
+        <p:nvSpPr>
+          <p:cNvPr id="3" name="Content Placeholder 2"/>
+          <p:cNvSpPr>
+            <a:spLocks noGrp="1"/>
+          </p:cNvSpPr>
+          <p:nvPr>
+            <p:ph idx="1"/>
+          </p:nvPr>
+        </p:nvSpPr>
+        <p:spPr/>
+        <p:txBody>
+          <a:bodyPr>
+            <a:normAutofit fontScale="92500" lnSpcReduction="10000"/>
+          </a:bodyPr>
+          <a:lstStyle/>
+          <a:p>
+            <a:r>
+              <a:rPr lang="en-US" dirty="0"/>
+              <a:t>Appropriateness </a:t>
+            </a:r>
+            <a:r>
+              <a:rPr lang="en-US" dirty="0" err="1"/>
+              <a:t>recognisability</a:t>
+            </a:r>
+            <a:r>
+              <a:rPr lang="en-US" dirty="0"/>
+              <a:t> </a:t>
+            </a:r>
+            <a:endParaRPr lang="en-US" dirty="0" smtClean="0"/>
+          </a:p>
+          <a:p>
+            <a:pPr marL="0" lvl="0" indent="0">
+              <a:buNone/>
+            </a:pPr>
+            <a:r>
+              <a:rPr lang="en-US" dirty="0" smtClean="0"/>
+              <a:t>	- Features List</a:t>
+            </a:r>
+          </a:p>
+          <a:p>
+            <a:pPr marL="0" lvl="0" indent="0">
+              <a:buNone/>
+            </a:pPr>
+            <a:r>
+              <a:rPr lang="en-US" dirty="0" smtClean="0"/>
+              <a:t>	- </a:t>
+            </a:r>
+            <a:r>
+              <a:rPr lang="en-US" dirty="0"/>
+              <a:t>Demo site </a:t>
+            </a:r>
+            <a:endParaRPr lang="en-US" dirty="0" smtClean="0"/>
+          </a:p>
+          <a:p>
+            <a:r>
+              <a:rPr lang="en-US" dirty="0" smtClean="0"/>
+              <a:t>Learnability</a:t>
+            </a:r>
+          </a:p>
+          <a:p>
+            <a:pPr marL="0" indent="0">
+              <a:buNone/>
+            </a:pPr>
+            <a:r>
+              <a:rPr lang="en-US" dirty="0"/>
+              <a:t>	</a:t>
+            </a:r>
+            <a:r>
+              <a:rPr lang="en-US" dirty="0" smtClean="0"/>
+              <a:t>- Tuition documents</a:t>
+            </a:r>
+          </a:p>
+          <a:p>
+            <a:r>
+              <a:rPr lang="en-US" dirty="0" smtClean="0"/>
+              <a:t>Operability</a:t>
+            </a:r>
+          </a:p>
+          <a:p>
+            <a:pPr marL="0" indent="0">
+              <a:buNone/>
+            </a:pPr>
+            <a:r>
+              <a:rPr lang="en-US" dirty="0"/>
+              <a:t>	- </a:t>
+            </a:r>
+            <a:r>
+              <a:rPr lang="en-US" dirty="0" smtClean="0"/>
+              <a:t>Provide CMS to customize UI</a:t>
+            </a:r>
+          </a:p>
+          <a:p>
+            <a:pPr marL="0" indent="0">
+              <a:buNone/>
+            </a:pPr>
+            <a:r>
+              <a:rPr lang="en-US" dirty="0" smtClean="0"/>
+              <a:t>	- Provide admin dashboard to control and operate all </a:t>
+            </a:r>
+            <a:r>
+              <a:rPr lang="en-US" dirty="0" smtClean="0"/>
+              <a:t>		   store </a:t>
+            </a:r>
+            <a:r>
+              <a:rPr lang="en-US" dirty="0" smtClean="0"/>
+              <a:t>business</a:t>
+            </a:r>
+          </a:p>
+          <a:p>
+            <a:pPr marL="0" indent="0">
+              <a:buNone/>
+            </a:pPr>
+            <a:r>
+              <a:rPr lang="en-US" dirty="0" smtClean="0"/>
+              <a:t>	- Provides </a:t>
+            </a:r>
+            <a:r>
+              <a:rPr lang="en-US" dirty="0"/>
+              <a:t>over 4000 Java classes </a:t>
+            </a:r>
+            <a:r>
+              <a:rPr lang="en-US" dirty="0" smtClean="0"/>
+              <a:t>and can be extend </a:t>
+            </a:r>
+            <a:r>
+              <a:rPr lang="en-US" dirty="0" smtClean="0"/>
+              <a:t>	</a:t>
+            </a:r>
+            <a:r>
+              <a:rPr lang="en-US" dirty="0"/>
+              <a:t> </a:t>
+            </a:r>
+            <a:r>
+              <a:rPr lang="en-US" dirty="0" smtClean="0"/>
+              <a:t>  	   </a:t>
+            </a:r>
+            <a:r>
+              <a:rPr lang="en-US" dirty="0" smtClean="0"/>
+              <a:t>entities </a:t>
+            </a:r>
+            <a:r>
+              <a:rPr lang="en-US" dirty="0" smtClean="0"/>
+              <a:t>and services</a:t>
+            </a:r>
+          </a:p>
+          <a:p>
+            <a:pPr marL="0" indent="0">
+              <a:buNone/>
+            </a:pPr>
+            <a:endParaRPr lang="en-US" dirty="0" smtClean="0"/>
+          </a:p>
+          <a:p>
+            <a:pPr marL="0" lvl="0" indent="0">
+              <a:buNone/>
+            </a:pPr>
+            <a:endParaRPr lang="en-US" dirty="0" smtClean="0"/>
+          </a:p>
+        </p:txBody>
+      </p:sp>
+      <p:sp>
+        <p:nvSpPr>
+          <p:cNvPr id="4" name="Slide Number Placeholder 3"/>
+          <p:cNvSpPr>
+            <a:spLocks noGrp="1"/>
+          </p:cNvSpPr>
+          <p:nvPr>
+            <p:ph type="sldNum" sz="quarter" idx="12"/>
+          </p:nvPr>
+        </p:nvSpPr>
+        <p:spPr/>
+        <p:txBody>
+          <a:bodyPr/>
+          <a:lstStyle/>
+          <a:p>
+            <a:fld id="{24A0F28C-20EE-4B55-A037-6774DF0EE367}" type="slidenum">
+              <a:rPr lang="en-IN" smtClean="0"/>
+              <a:t>11</a:t>
+            </a:fld>
+            <a:endParaRPr lang="en-IN"/>
+          </a:p>
+        </p:txBody>
+      </p:sp>
+    </p:spTree>
+    <p:extLst>
+      <p:ext uri="{BB962C8B-B14F-4D97-AF65-F5344CB8AC3E}">
+        <p14:creationId xmlns:p14="http://schemas.microsoft.com/office/powerpoint/2010/main" val="3237917867"/>
+      </p:ext>
+    </p:extLst>
+  </p:cSld>
+  <p:clrMapOvr>
+    <a:masterClrMapping/>
+  </p:clrMapOvr>
+  <p:timing>
+    <p:tnLst>
+      <p:par>
+        <p:cTn id="1" dur="indefinite" restart="never" nodeType="tmRoot"/>
+      </p:par>
+    </p:tnLst>
+  </p:timing>
+</p:sld>
+</file>
+
+<file path=ppt/slides/slide12.xml><?xml version="1.0" encoding="utf-8"?>
+<p:sld xmlns:a="http://schemas.openxmlformats.org/drawingml/2006/main" xmlns:r="http://schemas.openxmlformats.org/officeDocument/2006/relationships" xmlns:p="http://schemas.openxmlformats.org/presentationml/2006/main">
+  <p:cSld>
+    <p:spTree>
+      <p:nvGrpSpPr>
+        <p:cNvPr id="1" name=""/>
+        <p:cNvGrpSpPr/>
+        <p:nvPr/>
+      </p:nvGrpSpPr>
+      <p:grpSpPr>
+        <a:xfrm>
+          <a:off x="0" y="0"/>
+          <a:ext cx="0" cy="0"/>
+          <a:chOff x="0" y="0"/>
+          <a:chExt cx="0" cy="0"/>
+        </a:xfrm>
+      </p:grpSpPr>
+      <p:sp>
+        <p:nvSpPr>
+          <p:cNvPr id="2" name="Title 1"/>
+          <p:cNvSpPr>
+            <a:spLocks noGrp="1"/>
+          </p:cNvSpPr>
+          <p:nvPr>
+            <p:ph type="title"/>
+          </p:nvPr>
+        </p:nvSpPr>
+        <p:spPr/>
+        <p:txBody>
+          <a:bodyPr/>
+          <a:lstStyle/>
+          <a:p>
+            <a:r>
+              <a:rPr lang="en-US" dirty="0" smtClean="0"/>
+              <a:t>Extensibility</a:t>
+            </a:r>
+            <a:endParaRPr lang="en-US" dirty="0"/>
+          </a:p>
+        </p:txBody>
+      </p:sp>
+      <p:sp>
+        <p:nvSpPr>
+          <p:cNvPr id="3" name="Content Placeholder 2"/>
+          <p:cNvSpPr>
+            <a:spLocks noGrp="1"/>
+          </p:cNvSpPr>
+          <p:nvPr>
+            <p:ph idx="1"/>
+          </p:nvPr>
+        </p:nvSpPr>
+        <p:spPr/>
+        <p:txBody>
+          <a:bodyPr>
+            <a:normAutofit/>
+          </a:bodyPr>
+          <a:lstStyle/>
+          <a:p>
+            <a:r>
+              <a:rPr lang="en-US" dirty="0"/>
+              <a:t>Spring MVC and </a:t>
+            </a:r>
+            <a:r>
+              <a:rPr lang="en-US" dirty="0" err="1"/>
+              <a:t>Thymeleaf</a:t>
+            </a:r>
+            <a:r>
+              <a:rPr lang="en-US" dirty="0"/>
+              <a:t> provide with dynamic user interface and </a:t>
+            </a:r>
+            <a:r>
+              <a:rPr lang="en-US" dirty="0" err="1"/>
+              <a:t>templating</a:t>
+            </a:r>
+            <a:r>
+              <a:rPr lang="en-US" dirty="0"/>
+              <a:t> engineer so user can choose their favorite UI template and customize. And also they can implement more entities and services for extension.</a:t>
+            </a:r>
+          </a:p>
+          <a:p>
+            <a:r>
+              <a:rPr lang="en-US" dirty="0"/>
+              <a:t>Broadleaf Commerce is an </a:t>
+            </a:r>
+            <a:r>
+              <a:rPr lang="en-US" dirty="0" err="1"/>
+              <a:t>eCommerce</a:t>
+            </a:r>
+            <a:r>
+              <a:rPr lang="en-US" dirty="0"/>
+              <a:t> development framework. </a:t>
+            </a:r>
+            <a:r>
+              <a:rPr lang="en-US" dirty="0" smtClean="0"/>
+              <a:t>As </a:t>
+            </a:r>
+            <a:r>
+              <a:rPr lang="en-US" dirty="0"/>
+              <a:t>a framework, Broadleaf provides a mechanism to extend, override, and customize any part of the core functionality without changing the code</a:t>
+            </a:r>
+            <a:r>
+              <a:rPr lang="en-US" dirty="0" smtClean="0"/>
+              <a:t>.</a:t>
+            </a:r>
+            <a:endParaRPr lang="en-US" dirty="0"/>
+          </a:p>
+        </p:txBody>
+      </p:sp>
+      <p:sp>
+        <p:nvSpPr>
+          <p:cNvPr id="4" name="Slide Number Placeholder 3"/>
+          <p:cNvSpPr>
+            <a:spLocks noGrp="1"/>
+          </p:cNvSpPr>
+          <p:nvPr>
+            <p:ph type="sldNum" sz="quarter" idx="12"/>
+          </p:nvPr>
+        </p:nvSpPr>
+        <p:spPr/>
+        <p:txBody>
+          <a:bodyPr/>
+          <a:lstStyle/>
+          <a:p>
+            <a:fld id="{24A0F28C-20EE-4B55-A037-6774DF0EE367}" type="slidenum">
+              <a:rPr lang="en-IN" smtClean="0"/>
+              <a:t>12</a:t>
+            </a:fld>
+            <a:endParaRPr lang="en-IN"/>
+          </a:p>
+        </p:txBody>
+      </p:sp>
+    </p:spTree>
+    <p:extLst>
+      <p:ext uri="{BB962C8B-B14F-4D97-AF65-F5344CB8AC3E}">
+        <p14:creationId xmlns:p14="http://schemas.microsoft.com/office/powerpoint/2010/main" val="372698506"/>
+      </p:ext>
+    </p:extLst>
+  </p:cSld>
+  <p:clrMapOvr>
+    <a:masterClrMapping/>
+  </p:clrMapOvr>
+  <p:timing>
+    <p:tnLst>
+      <p:par>
+        <p:cTn id="1" dur="indefinite" restart="never" nodeType="tmRoot"/>
+      </p:par>
+    </p:tnLst>
+  </p:timing>
+</p:sld>
+</file>
+
+<file path=ppt/slides/slide13.xml><?xml version="1.0" encoding="utf-8"?>
+<p:sld xmlns:a="http://schemas.openxmlformats.org/drawingml/2006/main" xmlns:r="http://schemas.openxmlformats.org/officeDocument/2006/relationships" xmlns:p="http://schemas.openxmlformats.org/presentationml/2006/main">
+  <p:cSld>
+    <p:spTree>
+      <p:nvGrpSpPr>
+        <p:cNvPr id="1" name=""/>
+        <p:cNvGrpSpPr/>
+        <p:nvPr/>
+      </p:nvGrpSpPr>
+      <p:grpSpPr>
+        <a:xfrm>
+          <a:off x="0" y="0"/>
+          <a:ext cx="0" cy="0"/>
+          <a:chOff x="0" y="0"/>
+          <a:chExt cx="0" cy="0"/>
+        </a:xfrm>
+      </p:grpSpPr>
+      <p:sp>
+        <p:nvSpPr>
+          <p:cNvPr id="2" name="Title 1"/>
+          <p:cNvSpPr>
+            <a:spLocks noGrp="1"/>
+          </p:cNvSpPr>
+          <p:nvPr>
+            <p:ph type="title"/>
+          </p:nvPr>
+        </p:nvSpPr>
+        <p:spPr/>
+        <p:txBody>
+          <a:bodyPr/>
+          <a:lstStyle/>
+          <a:p>
+            <a:r>
+              <a:rPr lang="en-US" dirty="0" smtClean="0"/>
+              <a:t>Portability</a:t>
+            </a:r>
+            <a:endParaRPr lang="en-US" dirty="0"/>
+          </a:p>
+        </p:txBody>
+      </p:sp>
+      <p:sp>
+        <p:nvSpPr>
+          <p:cNvPr id="3" name="Content Placeholder 2"/>
+          <p:cNvSpPr>
+            <a:spLocks noGrp="1"/>
+          </p:cNvSpPr>
+          <p:nvPr>
+            <p:ph idx="1"/>
+          </p:nvPr>
+        </p:nvSpPr>
+        <p:spPr>
+          <a:xfrm>
+            <a:off x="1942415" y="2133600"/>
+            <a:ext cx="6591985" cy="4241442"/>
+          </a:xfrm>
+        </p:spPr>
+        <p:txBody>
+          <a:bodyPr>
+            <a:normAutofit fontScale="55000" lnSpcReduction="20000"/>
+          </a:bodyPr>
+          <a:lstStyle/>
+          <a:p>
+            <a:r>
+              <a:rPr lang="en-US" sz="2900" dirty="0" smtClean="0"/>
+              <a:t>Server</a:t>
+            </a:r>
+          </a:p>
+          <a:p>
+            <a:pPr marL="0" indent="0">
+              <a:buNone/>
+            </a:pPr>
+            <a:r>
+              <a:rPr lang="en-US" sz="2900" dirty="0" smtClean="0"/>
+              <a:t>	- Require servlet container</a:t>
+            </a:r>
+          </a:p>
+          <a:p>
+            <a:pPr marL="0" indent="0">
+              <a:buNone/>
+            </a:pPr>
+            <a:r>
+              <a:rPr lang="en-US" sz="2900" dirty="0"/>
+              <a:t>	</a:t>
+            </a:r>
+            <a:r>
+              <a:rPr lang="en-US" sz="2900" dirty="0" smtClean="0"/>
+              <a:t>- Have tested with Tomcat, Jetty, </a:t>
+            </a:r>
+            <a:r>
+              <a:rPr lang="en-US" sz="2900" dirty="0" err="1" smtClean="0"/>
+              <a:t>JBoss</a:t>
+            </a:r>
+            <a:r>
+              <a:rPr lang="en-US" sz="2900" dirty="0" smtClean="0"/>
+              <a:t>, WebLogic and </a:t>
+            </a:r>
+            <a:r>
+              <a:rPr lang="en-US" sz="2900" dirty="0" smtClean="0"/>
+              <a:t>	  	 	  </a:t>
+            </a:r>
+            <a:r>
+              <a:rPr lang="en-US" sz="2900" dirty="0" err="1" smtClean="0"/>
+              <a:t>WebSphere</a:t>
+            </a:r>
+            <a:r>
+              <a:rPr lang="en-US" sz="2900" dirty="0" smtClean="0"/>
+              <a:t>  </a:t>
+            </a:r>
+            <a:endParaRPr lang="en-US" sz="2900" dirty="0" smtClean="0"/>
+          </a:p>
+          <a:p>
+            <a:r>
+              <a:rPr lang="en-US" sz="2900" dirty="0" smtClean="0"/>
+              <a:t>Database</a:t>
+            </a:r>
+          </a:p>
+          <a:p>
+            <a:pPr marL="0" indent="0">
+              <a:buNone/>
+            </a:pPr>
+            <a:r>
+              <a:rPr lang="en-US" sz="2900" dirty="0" smtClean="0"/>
+              <a:t>	- Require SQL data storage</a:t>
+            </a:r>
+          </a:p>
+          <a:p>
+            <a:pPr marL="0" indent="0">
+              <a:buNone/>
+            </a:pPr>
+            <a:r>
+              <a:rPr lang="en-US" sz="2900" dirty="0"/>
+              <a:t>	</a:t>
+            </a:r>
+            <a:r>
+              <a:rPr lang="en-US" sz="2900" dirty="0" smtClean="0"/>
+              <a:t>- Have tested with </a:t>
+            </a:r>
+            <a:r>
+              <a:rPr lang="en-US" sz="2900" dirty="0"/>
+              <a:t>MySQL 5.1, Oracle 9i and 10g, and </a:t>
+            </a:r>
+            <a:r>
+              <a:rPr lang="en-US" sz="2900" dirty="0" smtClean="0"/>
+              <a:t>	   	 	  HSQLDB</a:t>
+            </a:r>
+            <a:endParaRPr lang="en-US" sz="2900" dirty="0" smtClean="0"/>
+          </a:p>
+          <a:p>
+            <a:r>
+              <a:rPr lang="en-US" sz="2900" dirty="0" smtClean="0"/>
+              <a:t>Cloud</a:t>
+            </a:r>
+          </a:p>
+          <a:p>
+            <a:pPr marL="0" indent="0">
+              <a:buNone/>
+            </a:pPr>
+            <a:r>
+              <a:rPr lang="en-US" sz="2900" dirty="0"/>
+              <a:t>	</a:t>
+            </a:r>
+            <a:r>
+              <a:rPr lang="en-US" sz="2900" dirty="0" smtClean="0"/>
+              <a:t>- Have deployed on </a:t>
+            </a:r>
+            <a:r>
+              <a:rPr lang="en-US" sz="2900" dirty="0"/>
+              <a:t>Amazon EC2, Rackspace Cloud, </a:t>
+            </a:r>
+            <a:r>
+              <a:rPr lang="en-US" sz="2900" dirty="0" smtClean="0"/>
+              <a:t>	</a:t>
+            </a:r>
+            <a:r>
+              <a:rPr lang="en-US" sz="2900" dirty="0" err="1" smtClean="0"/>
+              <a:t>CloudBees</a:t>
+            </a:r>
+            <a:r>
+              <a:rPr lang="en-US" sz="2900" dirty="0"/>
+              <a:t>, </a:t>
+            </a:r>
+            <a:r>
+              <a:rPr lang="en-US" sz="2900" dirty="0" err="1"/>
+              <a:t>CloudFoundry</a:t>
+            </a:r>
+            <a:r>
+              <a:rPr lang="en-US" sz="2900" dirty="0"/>
+              <a:t>, </a:t>
+            </a:r>
+            <a:r>
+              <a:rPr lang="en-US" sz="2900" dirty="0" err="1"/>
+              <a:t>Hiroku</a:t>
+            </a:r>
+            <a:r>
+              <a:rPr lang="en-US" sz="2900" dirty="0"/>
+              <a:t>, and Amazon Elastic </a:t>
+            </a:r>
+            <a:r>
+              <a:rPr lang="en-US" sz="2900" dirty="0" smtClean="0"/>
+              <a:t>	 	Beanstalk</a:t>
+            </a:r>
+            <a:endParaRPr lang="en-US" sz="2900" dirty="0" smtClean="0"/>
+          </a:p>
+          <a:p>
+            <a:pPr marL="0" indent="0">
+              <a:buNone/>
+            </a:pPr>
+            <a:endParaRPr lang="en-US" dirty="0" smtClean="0"/>
+          </a:p>
+          <a:p>
+            <a:pPr marL="0" indent="0">
+              <a:buNone/>
+            </a:pPr>
+            <a:r>
+              <a:rPr lang="en-US" sz="2600" dirty="0" smtClean="0"/>
+              <a:t>* Integrated </a:t>
+            </a:r>
+            <a:r>
+              <a:rPr lang="en-US" sz="2600" dirty="0"/>
+              <a:t>many frameworks which may cause risk to port </a:t>
+            </a:r>
+            <a:r>
+              <a:rPr lang="en-US" sz="2600" dirty="0" smtClean="0"/>
+              <a:t>application.</a:t>
+            </a:r>
+            <a:endParaRPr lang="en-US" sz="2600" dirty="0"/>
+          </a:p>
+        </p:txBody>
+      </p:sp>
+      <p:sp>
+        <p:nvSpPr>
+          <p:cNvPr id="4" name="Slide Number Placeholder 3"/>
+          <p:cNvSpPr>
+            <a:spLocks noGrp="1"/>
+          </p:cNvSpPr>
+          <p:nvPr>
+            <p:ph type="sldNum" sz="quarter" idx="12"/>
+          </p:nvPr>
+        </p:nvSpPr>
+        <p:spPr/>
+        <p:txBody>
+          <a:bodyPr/>
+          <a:lstStyle/>
+          <a:p>
+            <a:fld id="{24A0F28C-20EE-4B55-A037-6774DF0EE367}" type="slidenum">
+              <a:rPr lang="en-IN" smtClean="0"/>
+              <a:t>13</a:t>
+            </a:fld>
+            <a:endParaRPr lang="en-IN"/>
+          </a:p>
+        </p:txBody>
+      </p:sp>
+    </p:spTree>
+    <p:extLst>
+      <p:ext uri="{BB962C8B-B14F-4D97-AF65-F5344CB8AC3E}">
+        <p14:creationId xmlns:p14="http://schemas.microsoft.com/office/powerpoint/2010/main" val="1591336028"/>
+      </p:ext>
+    </p:extLst>
+  </p:cSld>
+  <p:clrMapOvr>
+    <a:masterClrMapping/>
+  </p:clrMapOvr>
+  <p:timing>
+    <p:tnLst>
+      <p:par>
+        <p:cTn id="1" dur="indefinite" restart="never" nodeType="tmRoot"/>
+      </p:par>
+    </p:tnLst>
+  </p:timing>
+</p:sld>
+</file>
+
+<file path=ppt/slides/slide14.xml><?xml version="1.0" encoding="utf-8"?>
+<p:sld xmlns:a="http://schemas.openxmlformats.org/drawingml/2006/main" xmlns:r="http://schemas.openxmlformats.org/officeDocument/2006/relationships" xmlns:p="http://schemas.openxmlformats.org/presentationml/2006/main">
+  <p:cSld>
+    <p:spTree>
+      <p:nvGrpSpPr>
+        <p:cNvPr id="1" name=""/>
+        <p:cNvGrpSpPr/>
+        <p:nvPr/>
+      </p:nvGrpSpPr>
+      <p:grpSpPr>
+        <a:xfrm>
+          <a:off x="0" y="0"/>
+          <a:ext cx="0" cy="0"/>
+          <a:chOff x="0" y="0"/>
+          <a:chExt cx="0" cy="0"/>
+        </a:xfrm>
+      </p:grpSpPr>
+      <p:sp>
+        <p:nvSpPr>
+          <p:cNvPr id="2" name="Title 1"/>
+          <p:cNvSpPr>
+            <a:spLocks noGrp="1"/>
+          </p:cNvSpPr>
+          <p:nvPr>
+            <p:ph type="title"/>
+          </p:nvPr>
+        </p:nvSpPr>
+        <p:spPr>
+          <a:xfrm>
+            <a:off x="1739068" y="908945"/>
+            <a:ext cx="6686549" cy="1101600"/>
+          </a:xfrm>
+        </p:spPr>
+        <p:txBody>
+          <a:bodyPr/>
+          <a:lstStyle/>
+          <a:p>
+            <a:r>
+              <a:rPr lang="en-IN" dirty="0" smtClean="0"/>
+              <a:t>Scalability</a:t>
+            </a:r>
+            <a:endParaRPr lang="en-IN" dirty="0"/>
+          </a:p>
+        </p:txBody>
+      </p:sp>
+      <p:sp>
+        <p:nvSpPr>
+          <p:cNvPr id="7" name="Text Placeholder 6"/>
+          <p:cNvSpPr>
+            <a:spLocks noGrp="1"/>
+          </p:cNvSpPr>
+          <p:nvPr>
+            <p:ph type="body" idx="1"/>
+          </p:nvPr>
+        </p:nvSpPr>
+        <p:spPr>
+          <a:xfrm>
+            <a:off x="1739068" y="4621235"/>
+            <a:ext cx="6686549" cy="645300"/>
+          </a:xfrm>
+        </p:spPr>
+        <p:txBody>
+          <a:bodyPr>
+            <a:normAutofit lnSpcReduction="10000"/>
+          </a:bodyPr>
+          <a:lstStyle/>
+          <a:p>
+            <a:r>
+              <a:rPr lang="en-US" dirty="0"/>
+              <a:t>Broadleaf Commerce scales horizontally by adding additional </a:t>
+            </a:r>
+            <a:r>
+              <a:rPr lang="en-US" dirty="0" smtClean="0"/>
+              <a:t>servers</a:t>
+            </a:r>
+            <a:endParaRPr lang="en-IN" dirty="0"/>
+          </a:p>
+        </p:txBody>
+      </p:sp>
+      <p:pic>
+        <p:nvPicPr>
+          <p:cNvPr id="5" name="Content Placeholder 4"/>
+          <p:cNvPicPr>
+            <a:picLocks noGrp="1" noChangeAspect="1"/>
+          </p:cNvPicPr>
+          <p:nvPr>
+            <p:ph sz="half" idx="4294967295"/>
+          </p:nvPr>
+        </p:nvPicPr>
+        <p:blipFill>
+          <a:blip r:embed="rId2"/>
+          <a:stretch>
+            <a:fillRect/>
+          </a:stretch>
+        </p:blipFill>
+        <p:spPr>
+          <a:xfrm>
+            <a:off x="1739068" y="2525713"/>
+            <a:ext cx="3617913" cy="1577975"/>
+          </a:xfrm>
+          <a:prstGeom prst="rect">
+            <a:avLst/>
+          </a:prstGeom>
+        </p:spPr>
+      </p:pic>
+      <p:pic>
+        <p:nvPicPr>
+          <p:cNvPr id="6" name="Content Placeholder 5"/>
+          <p:cNvPicPr>
+            <a:picLocks noGrp="1" noChangeAspect="1"/>
+          </p:cNvPicPr>
+          <p:nvPr>
+            <p:ph sz="half" idx="4294967295"/>
+          </p:nvPr>
+        </p:nvPicPr>
+        <p:blipFill>
+          <a:blip r:embed="rId3"/>
+          <a:stretch>
+            <a:fillRect/>
+          </a:stretch>
+        </p:blipFill>
+        <p:spPr>
+          <a:xfrm>
+            <a:off x="5522174" y="2524126"/>
+            <a:ext cx="3454400" cy="1579562"/>
+          </a:xfrm>
+          <a:prstGeom prst="rect">
+            <a:avLst/>
+          </a:prstGeom>
+        </p:spPr>
+      </p:pic>
+      <p:sp>
+        <p:nvSpPr>
+          <p:cNvPr id="3" name="Slide Number Placeholder 2"/>
+          <p:cNvSpPr>
+            <a:spLocks noGrp="1"/>
+          </p:cNvSpPr>
+          <p:nvPr>
+            <p:ph type="sldNum" sz="quarter" idx="12"/>
+          </p:nvPr>
+        </p:nvSpPr>
+        <p:spPr/>
+        <p:txBody>
+          <a:bodyPr/>
+          <a:lstStyle/>
+          <a:p>
+            <a:fld id="{24A0F28C-20EE-4B55-A037-6774DF0EE367}" type="slidenum">
+              <a:rPr lang="en-IN" smtClean="0"/>
+              <a:t>14</a:t>
+            </a:fld>
+            <a:endParaRPr lang="en-IN"/>
+          </a:p>
+        </p:txBody>
+      </p:sp>
+    </p:spTree>
+    <p:extLst>
+      <p:ext uri="{BB962C8B-B14F-4D97-AF65-F5344CB8AC3E}">
+        <p14:creationId xmlns:p14="http://schemas.microsoft.com/office/powerpoint/2010/main" val="558784860"/>
       </p:ext>
     </p:extLst>
   </p:cSld>
@@ -7805,6 +10568,129 @@
       </p:grpSpPr>
       <p:sp>
         <p:nvSpPr>
+          <p:cNvPr id="2" name="Title 1"/>
+          <p:cNvSpPr>
+            <a:spLocks noGrp="1"/>
+          </p:cNvSpPr>
+          <p:nvPr>
+            <p:ph type="title"/>
+          </p:nvPr>
+        </p:nvSpPr>
+        <p:spPr/>
+        <p:txBody>
+          <a:bodyPr/>
+          <a:lstStyle/>
+          <a:p>
+            <a:r>
+              <a:rPr lang="en-IN" dirty="0" smtClean="0"/>
+              <a:t>Agenda</a:t>
+            </a:r>
+            <a:endParaRPr lang="en-IN" dirty="0"/>
+          </a:p>
+        </p:txBody>
+      </p:sp>
+      <p:sp>
+        <p:nvSpPr>
+          <p:cNvPr id="3" name="Content Placeholder 2"/>
+          <p:cNvSpPr>
+            <a:spLocks noGrp="1"/>
+          </p:cNvSpPr>
+          <p:nvPr>
+            <p:ph idx="1"/>
+          </p:nvPr>
+        </p:nvSpPr>
+        <p:spPr/>
+        <p:txBody>
+          <a:bodyPr/>
+          <a:lstStyle/>
+          <a:p>
+            <a:r>
+              <a:rPr lang="en-IN" dirty="0" smtClean="0"/>
+              <a:t>Project Description</a:t>
+            </a:r>
+          </a:p>
+          <a:p>
+            <a:r>
+              <a:rPr lang="en-IN" dirty="0" smtClean="0"/>
+              <a:t>Product History</a:t>
+            </a:r>
+          </a:p>
+          <a:p>
+            <a:r>
+              <a:rPr lang="en-IN" dirty="0" smtClean="0"/>
+              <a:t>Product structure</a:t>
+            </a:r>
+          </a:p>
+          <a:p>
+            <a:r>
+              <a:rPr lang="en-IN" dirty="0" smtClean="0"/>
+              <a:t>Defect Management</a:t>
+            </a:r>
+          </a:p>
+          <a:p>
+            <a:r>
+              <a:rPr lang="en-IN" dirty="0" smtClean="0"/>
+              <a:t>Appraisal of the Product and Management</a:t>
+            </a:r>
+            <a:endParaRPr lang="en-IN" dirty="0"/>
+          </a:p>
+        </p:txBody>
+      </p:sp>
+      <p:sp>
+        <p:nvSpPr>
+          <p:cNvPr id="4" name="Slide Number Placeholder 3"/>
+          <p:cNvSpPr>
+            <a:spLocks noGrp="1"/>
+          </p:cNvSpPr>
+          <p:nvPr>
+            <p:ph type="sldNum" sz="quarter" idx="12"/>
+          </p:nvPr>
+        </p:nvSpPr>
+        <p:spPr/>
+        <p:txBody>
+          <a:bodyPr/>
+          <a:lstStyle/>
+          <a:p>
+            <a:fld id="{24A0F28C-20EE-4B55-A037-6774DF0EE367}" type="slidenum">
+              <a:rPr lang="en-IN" smtClean="0"/>
+              <a:t>2</a:t>
+            </a:fld>
+            <a:endParaRPr lang="en-IN"/>
+          </a:p>
+        </p:txBody>
+      </p:sp>
+    </p:spTree>
+    <p:extLst>
+      <p:ext uri="{BB962C8B-B14F-4D97-AF65-F5344CB8AC3E}">
+        <p14:creationId xmlns:p14="http://schemas.microsoft.com/office/powerpoint/2010/main" val="676312445"/>
+      </p:ext>
+    </p:extLst>
+  </p:cSld>
+  <p:clrMapOvr>
+    <a:masterClrMapping/>
+  </p:clrMapOvr>
+</p:sld>
+</file>
+
+<file path=ppt/slides/slide3.xml><?xml version="1.0" encoding="utf-8"?>
+<p:sld xmlns:a="http://schemas.openxmlformats.org/drawingml/2006/main" xmlns:r="http://schemas.openxmlformats.org/officeDocument/2006/relationships" xmlns:p="http://schemas.openxmlformats.org/presentationml/2006/main">
+  <p:cSld>
+    <p:spTree>
+      <p:nvGrpSpPr>
+        <p:cNvPr id="1" name=""/>
+        <p:cNvGrpSpPr/>
+        <p:nvPr/>
+      </p:nvGrpSpPr>
+      <p:grpSpPr>
+        <a:xfrm>
+          <a:off x="0" y="0"/>
+          <a:ext cx="0" cy="0"/>
+          <a:chOff x="0" y="0"/>
+          <a:chExt cx="0" cy="0"/>
+        </a:xfrm>
+      </p:grpSpPr>
+      <p:sp>
+        <p:nvSpPr>
           <p:cNvPr id="14" name="Text Placeholder 13"/>
           <p:cNvSpPr>
             <a:spLocks noGrp="1"/>
@@ -7870,6 +10756,29 @@
           </a:xfrm>
         </p:spPr>
       </p:pic>
+      <p:sp>
+        <p:nvSpPr>
+          <p:cNvPr id="2" name="Slide Number Placeholder 1"/>
+          <p:cNvSpPr>
+            <a:spLocks noGrp="1"/>
+          </p:cNvSpPr>
+          <p:nvPr>
+            <p:ph type="sldNum" sz="quarter" idx="12"/>
+          </p:nvPr>
+        </p:nvSpPr>
+        <p:spPr/>
+        <p:txBody>
+          <a:bodyPr/>
+          <a:lstStyle/>
+          <a:p>
+            <a:fld id="{24A0F28C-20EE-4B55-A037-6774DF0EE367}" type="slidenum">
+              <a:rPr lang="en-IN" smtClean="0"/>
+              <a:t>3</a:t>
+            </a:fld>
+            <a:endParaRPr lang="en-IN"/>
+          </a:p>
+        </p:txBody>
+      </p:sp>
     </p:spTree>
     <p:extLst>
       <p:ext uri="{BB962C8B-B14F-4D97-AF65-F5344CB8AC3E}">
@@ -8209,7 +11118,7 @@
 </p:sld>
 </file>
 
-<file path=ppt/slides/slide3.xml><?xml version="1.0" encoding="utf-8"?>
+<file path=ppt/slides/slide4.xml><?xml version="1.0" encoding="utf-8"?>
 <p:sld xmlns:a="http://schemas.openxmlformats.org/drawingml/2006/main" xmlns:r="http://schemas.openxmlformats.org/officeDocument/2006/relationships" xmlns:p="http://schemas.openxmlformats.org/presentationml/2006/main">
   <p:cSld>
     <p:spTree>
@@ -8239,19 +11148,22 @@
         <p:spPr>
           <a:xfrm>
             <a:off x="1941910" y="1440692"/>
-            <a:ext cx="6686549" cy="3060511"/>
+            <a:ext cx="6686549" cy="3762373"/>
           </a:xfrm>
         </p:spPr>
         <p:txBody>
           <a:bodyPr>
-            <a:normAutofit fontScale="85000" lnSpcReduction="10000"/>
+            <a:normAutofit fontScale="85000" lnSpcReduction="20000"/>
           </a:bodyPr>
           <a:lstStyle/>
           <a:p>
             <a:r>
-              <a:rPr lang="en-IN" sz="1800" b="1" dirty="0"/>
+              <a:rPr lang="en-IN" sz="4200" dirty="0" smtClean="0"/>
               <a:t>Product</a:t>
             </a:r>
+          </a:p>
+          <a:p>
+            <a:endParaRPr lang="en-IN" sz="4200" b="1" dirty="0"/>
           </a:p>
           <a:p>
             <a:pPr marL="257175" indent="-257175">
@@ -8313,6 +11225,29 @@
           </a:p>
           <a:p>
             <a:endParaRPr lang="en-IN" sz="1800" b="1" dirty="0"/>
+          </a:p>
+        </p:txBody>
+      </p:sp>
+      <p:sp>
+        <p:nvSpPr>
+          <p:cNvPr id="2" name="Slide Number Placeholder 1"/>
+          <p:cNvSpPr>
+            <a:spLocks noGrp="1"/>
+          </p:cNvSpPr>
+          <p:nvPr>
+            <p:ph type="sldNum" sz="quarter" idx="12"/>
+          </p:nvPr>
+        </p:nvSpPr>
+        <p:spPr/>
+        <p:txBody>
+          <a:bodyPr/>
+          <a:lstStyle/>
+          <a:p>
+            <a:fld id="{24A0F28C-20EE-4B55-A037-6774DF0EE367}" type="slidenum">
+              <a:rPr lang="en-IN" smtClean="0"/>
+              <a:t>4</a:t>
+            </a:fld>
+            <a:endParaRPr lang="en-IN"/>
           </a:p>
         </p:txBody>
       </p:sp>
@@ -8336,7 +11271,7 @@
 </p:sld>
 </file>
 
-<file path=ppt/slides/slide4.xml><?xml version="1.0" encoding="utf-8"?>
+<file path=ppt/slides/slide5.xml><?xml version="1.0" encoding="utf-8"?>
 <p:sld xmlns:a="http://schemas.openxmlformats.org/drawingml/2006/main" xmlns:r="http://schemas.openxmlformats.org/officeDocument/2006/relationships" xmlns:p="http://schemas.openxmlformats.org/presentationml/2006/main">
   <p:cSld>
     <p:spTree>
@@ -8369,10 +11304,10 @@
           <a:lstStyle/>
           <a:p>
             <a:r>
-              <a:rPr lang="en-IN" smtClean="0"/>
+              <a:rPr lang="en-IN" dirty="0" smtClean="0"/>
               <a:t>Process</a:t>
             </a:r>
-            <a:endParaRPr lang="en-IN"/>
+            <a:endParaRPr lang="en-IN" dirty="0"/>
           </a:p>
         </p:txBody>
       </p:sp>
@@ -8509,319 +11444,33 @@
           </a:ln>
         </p:spPr>
       </p:pic>
+      <p:sp>
+        <p:nvSpPr>
+          <p:cNvPr id="6" name="Slide Number Placeholder 5"/>
+          <p:cNvSpPr>
+            <a:spLocks noGrp="1"/>
+          </p:cNvSpPr>
+          <p:nvPr>
+            <p:ph type="sldNum" sz="quarter" idx="12"/>
+          </p:nvPr>
+        </p:nvSpPr>
+        <p:spPr/>
+        <p:txBody>
+          <a:bodyPr/>
+          <a:lstStyle/>
+          <a:p>
+            <a:fld id="{24A0F28C-20EE-4B55-A037-6774DF0EE367}" type="slidenum">
+              <a:rPr lang="en-IN" smtClean="0"/>
+              <a:t>5</a:t>
+            </a:fld>
+            <a:endParaRPr lang="en-IN"/>
+          </a:p>
+        </p:txBody>
+      </p:sp>
     </p:spTree>
     <p:extLst>
       <p:ext uri="{BB962C8B-B14F-4D97-AF65-F5344CB8AC3E}">
         <p14:creationId xmlns:p14="http://schemas.microsoft.com/office/powerpoint/2010/main" val="2025289260"/>
-      </p:ext>
-    </p:extLst>
-  </p:cSld>
-  <p:clrMapOvr>
-    <a:masterClrMapping/>
-  </p:clrMapOvr>
-  <p:timing>
-    <p:tnLst>
-      <p:par>
-        <p:cTn id="1" dur="indefinite" restart="never" nodeType="tmRoot"/>
-      </p:par>
-    </p:tnLst>
-  </p:timing>
-</p:sld>
-</file>
-
-<file path=ppt/slides/slide5.xml><?xml version="1.0" encoding="utf-8"?>
-<p:sld xmlns:a="http://schemas.openxmlformats.org/drawingml/2006/main" xmlns:r="http://schemas.openxmlformats.org/officeDocument/2006/relationships" xmlns:p="http://schemas.openxmlformats.org/presentationml/2006/main">
-  <p:cSld>
-    <p:spTree>
-      <p:nvGrpSpPr>
-        <p:cNvPr id="1" name=""/>
-        <p:cNvGrpSpPr/>
-        <p:nvPr/>
-      </p:nvGrpSpPr>
-      <p:grpSpPr>
-        <a:xfrm>
-          <a:off x="0" y="0"/>
-          <a:ext cx="0" cy="0"/>
-          <a:chOff x="0" y="0"/>
-          <a:chExt cx="0" cy="0"/>
-        </a:xfrm>
-      </p:grpSpPr>
-      <p:sp>
-        <p:nvSpPr>
-          <p:cNvPr id="2" name="Title 1"/>
-          <p:cNvSpPr>
-            <a:spLocks noGrp="1"/>
-          </p:cNvSpPr>
-          <p:nvPr>
-            <p:ph type="title"/>
-          </p:nvPr>
-        </p:nvSpPr>
-        <p:spPr/>
-        <p:txBody>
-          <a:bodyPr/>
-          <a:lstStyle/>
-          <a:p>
-            <a:r>
-              <a:rPr lang="en-IN" dirty="0" smtClean="0"/>
-              <a:t>Product History</a:t>
-            </a:r>
-            <a:endParaRPr lang="en-IN" dirty="0"/>
-          </a:p>
-        </p:txBody>
-      </p:sp>
-      <p:sp>
-        <p:nvSpPr>
-          <p:cNvPr id="3" name="Text Placeholder 2"/>
-          <p:cNvSpPr>
-            <a:spLocks noGrp="1"/>
-          </p:cNvSpPr>
-          <p:nvPr>
-            <p:ph sz="half" idx="1"/>
-          </p:nvPr>
-        </p:nvSpPr>
-        <p:spPr>
-          <a:xfrm>
-            <a:off x="1944693" y="2468016"/>
-            <a:ext cx="3235398" cy="2833217"/>
-          </a:xfrm>
-        </p:spPr>
-        <p:txBody>
-          <a:bodyPr>
-            <a:normAutofit lnSpcReduction="10000"/>
-          </a:bodyPr>
-          <a:lstStyle/>
-          <a:p>
-            <a:r>
-              <a:rPr lang="en-IN" sz="1800" b="1" dirty="0"/>
-              <a:t>Releases</a:t>
-            </a:r>
-          </a:p>
-          <a:p>
-            <a:r>
-              <a:rPr lang="en-US" sz="1200" dirty="0">
-                <a:solidFill>
-                  <a:srgbClr val="4F4F4F"/>
-                </a:solidFill>
-                <a:latin typeface="proxima-nova"/>
-              </a:rPr>
-              <a:t>The </a:t>
-            </a:r>
-            <a:r>
-              <a:rPr lang="en-US" sz="1200" dirty="0">
-                <a:solidFill>
-                  <a:srgbClr val="C7254E"/>
-                </a:solidFill>
-                <a:latin typeface="Monaco"/>
-              </a:rPr>
-              <a:t>master</a:t>
-            </a:r>
-            <a:r>
-              <a:rPr lang="en-US" sz="1200" dirty="0">
-                <a:solidFill>
-                  <a:srgbClr val="4F4F4F"/>
-                </a:solidFill>
-                <a:latin typeface="proxima-nova"/>
-              </a:rPr>
-              <a:t> </a:t>
-            </a:r>
-            <a:r>
-              <a:rPr lang="en-US" sz="1200" dirty="0">
-                <a:solidFill>
-                  <a:srgbClr val="4F4F4F"/>
-                </a:solidFill>
-                <a:latin typeface="proxima-nova"/>
-              </a:rPr>
-              <a:t>branch will </a:t>
-            </a:r>
-            <a:r>
-              <a:rPr lang="en-US" sz="1200" dirty="0">
-                <a:solidFill>
-                  <a:srgbClr val="4F4F4F"/>
-                </a:solidFill>
-                <a:latin typeface="proxima-nova"/>
-              </a:rPr>
-              <a:t>always represent </a:t>
-            </a:r>
-            <a:r>
-              <a:rPr lang="en-US" sz="1200" dirty="0">
-                <a:solidFill>
-                  <a:srgbClr val="4F4F4F"/>
-                </a:solidFill>
-                <a:latin typeface="proxima-nova"/>
-              </a:rPr>
-              <a:t>the </a:t>
-            </a:r>
-            <a:r>
-              <a:rPr lang="en-US" sz="1200" dirty="0">
-                <a:solidFill>
-                  <a:srgbClr val="4F4F4F"/>
-                </a:solidFill>
-                <a:latin typeface="proxima-nova"/>
-              </a:rPr>
-              <a:t>latest GA </a:t>
-            </a:r>
-            <a:r>
-              <a:rPr lang="en-US" sz="1200" dirty="0">
-                <a:solidFill>
-                  <a:srgbClr val="4F4F4F"/>
-                </a:solidFill>
-                <a:latin typeface="proxima-nova"/>
-              </a:rPr>
-              <a:t>release</a:t>
-            </a:r>
-          </a:p>
-          <a:p>
-            <a:pPr lvl="0"/>
-            <a:r>
-              <a:rPr lang="en-US" sz="1200" dirty="0">
-                <a:solidFill>
-                  <a:srgbClr val="4F4F4F"/>
-                </a:solidFill>
-                <a:latin typeface="proxima-nova"/>
-              </a:rPr>
-              <a:t>The </a:t>
-            </a:r>
-            <a:r>
-              <a:rPr lang="en-US" sz="1200" dirty="0">
-                <a:solidFill>
-                  <a:srgbClr val="C7254E"/>
-                </a:solidFill>
-                <a:latin typeface="Monaco"/>
-              </a:rPr>
-              <a:t>develop</a:t>
-            </a:r>
-            <a:r>
-              <a:rPr lang="en-US" sz="1200" dirty="0">
-                <a:solidFill>
-                  <a:srgbClr val="4F4F4F"/>
-                </a:solidFill>
-                <a:latin typeface="proxima-nova"/>
-              </a:rPr>
-              <a:t> branch is what we generally work on day to day and holds the latest </a:t>
-            </a:r>
-            <a:r>
-              <a:rPr lang="en-US" sz="1200" dirty="0">
-                <a:solidFill>
-                  <a:srgbClr val="4F4F4F"/>
-                </a:solidFill>
-                <a:latin typeface="proxima-nova"/>
-              </a:rPr>
-              <a:t>code</a:t>
-            </a:r>
-            <a:endParaRPr lang="en-US" sz="1200" dirty="0">
-              <a:solidFill>
-                <a:srgbClr val="4F4F4F"/>
-              </a:solidFill>
-              <a:latin typeface="proxima-nova"/>
-            </a:endParaRPr>
-          </a:p>
-          <a:p>
-            <a:r>
-              <a:rPr lang="en-US" sz="1200" dirty="0">
-                <a:solidFill>
-                  <a:srgbClr val="4F4F4F"/>
-                </a:solidFill>
-                <a:latin typeface="proxima-nova"/>
-              </a:rPr>
-              <a:t>They also </a:t>
-            </a:r>
-            <a:r>
-              <a:rPr lang="en-US" sz="1200" dirty="0">
-                <a:solidFill>
-                  <a:srgbClr val="4F4F4F"/>
-                </a:solidFill>
-                <a:latin typeface="proxima-nova"/>
-              </a:rPr>
-              <a:t>have support branches, which generally take </a:t>
-            </a:r>
-            <a:r>
-              <a:rPr lang="en-US" sz="1200" dirty="0">
-                <a:solidFill>
-                  <a:srgbClr val="4F4F4F"/>
-                </a:solidFill>
-                <a:latin typeface="proxima-nova"/>
-              </a:rPr>
-              <a:t>the form </a:t>
-            </a:r>
-            <a:r>
-              <a:rPr lang="en-US" sz="1050" dirty="0">
-                <a:solidFill>
-                  <a:srgbClr val="C7254E"/>
-                </a:solidFill>
-                <a:latin typeface="Monaco"/>
-              </a:rPr>
-              <a:t>BroadleafCommerce-2.0.0-M1-x</a:t>
-            </a:r>
-            <a:endParaRPr lang="en-US" sz="1050" dirty="0">
-              <a:solidFill>
-                <a:schemeClr val="tx1"/>
-              </a:solidFill>
-              <a:latin typeface="Arial" panose="020B0604020202020204" pitchFamily="34" charset="0"/>
-            </a:endParaRPr>
-          </a:p>
-          <a:p>
-            <a:pPr lvl="0"/>
-            <a:r>
-              <a:rPr lang="en-US" sz="1200" dirty="0"/>
-              <a:t>F</a:t>
-            </a:r>
-            <a:r>
-              <a:rPr lang="en-US" sz="1200" dirty="0"/>
-              <a:t>eature branches do </a:t>
-            </a:r>
-            <a:r>
-              <a:rPr lang="en-US" sz="1200" dirty="0"/>
-              <a:t>not necessarily adhere to any specific naming </a:t>
-            </a:r>
-            <a:r>
-              <a:rPr lang="en-US" sz="1200" dirty="0"/>
-              <a:t>strategy</a:t>
-            </a:r>
-            <a:endParaRPr lang="en-US" sz="1200" dirty="0">
-              <a:solidFill>
-                <a:schemeClr val="tx1"/>
-              </a:solidFill>
-              <a:latin typeface="Arial" panose="020B0604020202020204" pitchFamily="34" charset="0"/>
-            </a:endParaRPr>
-          </a:p>
-          <a:p>
-            <a:endParaRPr lang="en-IN" sz="1500" b="1" dirty="0"/>
-          </a:p>
-        </p:txBody>
-      </p:sp>
-      <p:pic>
-        <p:nvPicPr>
-          <p:cNvPr id="6" name="Content Placeholder 5"/>
-          <p:cNvPicPr>
-            <a:picLocks noGrp="1" noChangeAspect="1"/>
-          </p:cNvPicPr>
-          <p:nvPr>
-            <p:ph sz="half" idx="2"/>
-          </p:nvPr>
-        </p:nvPicPr>
-        <p:blipFill>
-          <a:blip r:embed="rId2">
-            <a:extLst>
-              <a:ext uri="{28A0092B-C50C-407E-A947-70E740481C1C}">
-                <a14:useLocalDpi xmlns:a14="http://schemas.microsoft.com/office/drawing/2010/main" val="0"/>
-              </a:ext>
-            </a:extLst>
-          </a:blip>
-          <a:stretch>
-            <a:fillRect/>
-          </a:stretch>
-        </p:blipFill>
-        <p:spPr>
-          <a:xfrm>
-            <a:off x="5393531" y="2468016"/>
-            <a:ext cx="3234929" cy="2800650"/>
-          </a:xfrm>
-        </p:spPr>
-      </p:pic>
-    </p:spTree>
-    <p:extLst>
-      <p:ext uri="{BB962C8B-B14F-4D97-AF65-F5344CB8AC3E}">
-        <p14:creationId xmlns:p14="http://schemas.microsoft.com/office/powerpoint/2010/main" val="1563760154"/>
       </p:ext>
     </p:extLst>
   </p:cSld>
@@ -8857,7 +11506,7 @@
       </p:grpSpPr>
       <p:sp>
         <p:nvSpPr>
-          <p:cNvPr id="5" name="Title 4"/>
+          <p:cNvPr id="2" name="Title 1"/>
           <p:cNvSpPr>
             <a:spLocks noGrp="1"/>
           </p:cNvSpPr>
@@ -8872,42 +11521,198 @@
           <a:p>
             <a:r>
               <a:rPr lang="en-IN" dirty="0" smtClean="0"/>
-              <a:t>Branching Strategy</a:t>
+              <a:t>Product History</a:t>
             </a:r>
             <a:endParaRPr lang="en-IN" dirty="0"/>
+          </a:p>
+        </p:txBody>
+      </p:sp>
+      <p:sp>
+        <p:nvSpPr>
+          <p:cNvPr id="3" name="Text Placeholder 2"/>
+          <p:cNvSpPr>
+            <a:spLocks noGrp="1"/>
+          </p:cNvSpPr>
+          <p:nvPr>
+            <p:ph sz="half" idx="1"/>
+          </p:nvPr>
+        </p:nvSpPr>
+        <p:spPr>
+          <a:xfrm>
+            <a:off x="1944693" y="2468016"/>
+            <a:ext cx="3235398" cy="2833217"/>
+          </a:xfrm>
+        </p:spPr>
+        <p:txBody>
+          <a:bodyPr>
+            <a:normAutofit lnSpcReduction="10000"/>
+          </a:bodyPr>
+          <a:lstStyle/>
+          <a:p>
+            <a:r>
+              <a:rPr lang="en-IN" sz="1800" b="1" dirty="0"/>
+              <a:t>Releases</a:t>
+            </a:r>
+          </a:p>
+          <a:p>
+            <a:r>
+              <a:rPr lang="en-US" sz="1200" dirty="0">
+                <a:solidFill>
+                  <a:srgbClr val="4F4F4F"/>
+                </a:solidFill>
+                <a:latin typeface="proxima-nova"/>
+              </a:rPr>
+              <a:t>The </a:t>
+            </a:r>
+            <a:r>
+              <a:rPr lang="en-US" sz="1200" dirty="0">
+                <a:solidFill>
+                  <a:srgbClr val="C7254E"/>
+                </a:solidFill>
+                <a:latin typeface="Monaco"/>
+              </a:rPr>
+              <a:t>master</a:t>
+            </a:r>
+            <a:r>
+              <a:rPr lang="en-US" sz="1200" dirty="0">
+                <a:solidFill>
+                  <a:srgbClr val="4F4F4F"/>
+                </a:solidFill>
+                <a:latin typeface="proxima-nova"/>
+              </a:rPr>
+              <a:t> branch will always represent the latest GA release</a:t>
+            </a:r>
+          </a:p>
+          <a:p>
+            <a:pPr lvl="0"/>
+            <a:r>
+              <a:rPr lang="en-US" sz="1200" dirty="0">
+                <a:solidFill>
+                  <a:srgbClr val="4F4F4F"/>
+                </a:solidFill>
+                <a:latin typeface="proxima-nova"/>
+              </a:rPr>
+              <a:t>The </a:t>
+            </a:r>
+            <a:r>
+              <a:rPr lang="en-US" sz="1200" dirty="0">
+                <a:solidFill>
+                  <a:srgbClr val="C7254E"/>
+                </a:solidFill>
+                <a:latin typeface="Monaco"/>
+              </a:rPr>
+              <a:t>develop</a:t>
+            </a:r>
+            <a:r>
+              <a:rPr lang="en-US" sz="1200" dirty="0">
+                <a:solidFill>
+                  <a:srgbClr val="4F4F4F"/>
+                </a:solidFill>
+                <a:latin typeface="proxima-nova"/>
+              </a:rPr>
+              <a:t> branch is what we generally work on day to day and holds the latest code</a:t>
+            </a:r>
+          </a:p>
+          <a:p>
+            <a:r>
+              <a:rPr lang="en-US" sz="1200" dirty="0">
+                <a:solidFill>
+                  <a:srgbClr val="4F4F4F"/>
+                </a:solidFill>
+                <a:latin typeface="proxima-nova"/>
+              </a:rPr>
+              <a:t>They also have support branches, which generally take the form </a:t>
+            </a:r>
+            <a:r>
+              <a:rPr lang="en-US" sz="1050" dirty="0">
+                <a:solidFill>
+                  <a:srgbClr val="C7254E"/>
+                </a:solidFill>
+                <a:latin typeface="Monaco"/>
+              </a:rPr>
+              <a:t>BroadleafCommerce-2.0.0-M1-x</a:t>
+            </a:r>
+            <a:endParaRPr lang="en-US" sz="1050" dirty="0">
+              <a:solidFill>
+                <a:schemeClr val="tx1"/>
+              </a:solidFill>
+              <a:latin typeface="Arial" panose="020B0604020202020204" pitchFamily="34" charset="0"/>
+            </a:endParaRPr>
+          </a:p>
+          <a:p>
+            <a:pPr lvl="0"/>
+            <a:r>
+              <a:rPr lang="en-US" sz="1200" dirty="0"/>
+              <a:t>Feature branches do not necessarily adhere to any specific naming strategy</a:t>
+            </a:r>
+            <a:endParaRPr lang="en-US" sz="1200" dirty="0">
+              <a:solidFill>
+                <a:schemeClr val="tx1"/>
+              </a:solidFill>
+              <a:latin typeface="Arial" panose="020B0604020202020204" pitchFamily="34" charset="0"/>
+            </a:endParaRPr>
+          </a:p>
+          <a:p>
+            <a:endParaRPr lang="en-IN" sz="1500" b="1" dirty="0"/>
           </a:p>
         </p:txBody>
       </p:sp>
       <p:pic>
         <p:nvPicPr>
-          <p:cNvPr id="7" name="Content Placeholder 6"/>
+          <p:cNvPr id="6" name="Content Placeholder 5"/>
           <p:cNvPicPr>
             <a:picLocks noGrp="1" noChangeAspect="1"/>
           </p:cNvPicPr>
           <p:nvPr>
-            <p:ph idx="1"/>
+            <p:ph sz="half" idx="2"/>
           </p:nvPr>
         </p:nvPicPr>
         <p:blipFill>
-          <a:blip r:embed="rId2"/>
+          <a:blip r:embed="rId2">
+            <a:extLst>
+              <a:ext uri="{28A0092B-C50C-407E-A947-70E740481C1C}">
+                <a14:useLocalDpi xmlns:a14="http://schemas.microsoft.com/office/drawing/2010/main" val="0"/>
+              </a:ext>
+            </a:extLst>
+          </a:blip>
           <a:stretch>
             <a:fillRect/>
           </a:stretch>
         </p:blipFill>
         <p:spPr>
           <a:xfrm>
-            <a:off x="3419341" y="1939075"/>
-            <a:ext cx="3470480" cy="3791822"/>
+            <a:off x="5393531" y="2468016"/>
+            <a:ext cx="3234929" cy="2800650"/>
           </a:xfrm>
-          <a:prstGeom prst="rect">
-            <a:avLst/>
-          </a:prstGeom>
         </p:spPr>
       </p:pic>
+      <p:sp>
+        <p:nvSpPr>
+          <p:cNvPr id="4" name="Slide Number Placeholder 3"/>
+          <p:cNvSpPr>
+            <a:spLocks noGrp="1"/>
+          </p:cNvSpPr>
+          <p:nvPr>
+            <p:ph type="sldNum" sz="quarter" idx="12"/>
+          </p:nvPr>
+        </p:nvSpPr>
+        <p:spPr/>
+        <p:txBody>
+          <a:bodyPr/>
+          <a:lstStyle/>
+          <a:p>
+            <a:fld id="{24A0F28C-20EE-4B55-A037-6774DF0EE367}" type="slidenum">
+              <a:rPr lang="en-IN" smtClean="0"/>
+              <a:t>6</a:t>
+            </a:fld>
+            <a:endParaRPr lang="en-IN"/>
+          </a:p>
+        </p:txBody>
+      </p:sp>
     </p:spTree>
     <p:extLst>
       <p:ext uri="{BB962C8B-B14F-4D97-AF65-F5344CB8AC3E}">
-        <p14:creationId xmlns:p14="http://schemas.microsoft.com/office/powerpoint/2010/main" val="2473199827"/>
+        <p14:creationId xmlns:p14="http://schemas.microsoft.com/office/powerpoint/2010/main" val="1563760154"/>
       </p:ext>
     </p:extLst>
   </p:cSld>
@@ -8943,7 +11748,7 @@
       </p:grpSpPr>
       <p:sp>
         <p:nvSpPr>
-          <p:cNvPr id="2" name="Title 1"/>
+          <p:cNvPr id="5" name="Title 4"/>
           <p:cNvSpPr>
             <a:spLocks noGrp="1"/>
           </p:cNvSpPr>
@@ -8958,64 +11763,7 @@
           <a:p>
             <a:r>
               <a:rPr lang="en-IN" dirty="0" smtClean="0"/>
-              <a:t>Adoption</a:t>
-            </a:r>
-            <a:endParaRPr lang="en-IN" dirty="0"/>
-          </a:p>
-        </p:txBody>
-      </p:sp>
-      <p:sp>
-        <p:nvSpPr>
-          <p:cNvPr id="3" name="Content Placeholder 2"/>
-          <p:cNvSpPr>
-            <a:spLocks noGrp="1"/>
-          </p:cNvSpPr>
-          <p:nvPr>
-            <p:ph sz="half" idx="1"/>
-          </p:nvPr>
-        </p:nvSpPr>
-        <p:spPr/>
-        <p:txBody>
-          <a:bodyPr/>
-          <a:lstStyle/>
-          <a:p>
-            <a:r>
-              <a:rPr lang="en-IN" dirty="0" smtClean="0"/>
-              <a:t>The Container Store : Home/Office supplies</a:t>
-            </a:r>
-          </a:p>
-          <a:p>
-            <a:r>
-              <a:rPr lang="en-IN" dirty="0" err="1" smtClean="0"/>
-              <a:t>Vology</a:t>
-            </a:r>
-            <a:r>
-              <a:rPr lang="en-IN" dirty="0" smtClean="0"/>
-              <a:t> : Network Hardware store</a:t>
-            </a:r>
-          </a:p>
-          <a:p>
-            <a:r>
-              <a:rPr lang="en-IN" dirty="0" smtClean="0"/>
-              <a:t>Pep Boys : Auto parts store</a:t>
-            </a:r>
-          </a:p>
-          <a:p>
-            <a:r>
-              <a:rPr lang="en-IN" dirty="0" err="1" smtClean="0"/>
-              <a:t>Ganz</a:t>
-            </a:r>
-            <a:r>
-              <a:rPr lang="en-IN" dirty="0" smtClean="0"/>
-              <a:t> </a:t>
-            </a:r>
-            <a:r>
-              <a:rPr lang="en-IN" dirty="0" err="1" smtClean="0"/>
-              <a:t>eStore</a:t>
-            </a:r>
-            <a:r>
-              <a:rPr lang="en-IN" dirty="0" smtClean="0"/>
-              <a:t> : Buy virtual pets used for Webkinz.com</a:t>
+              <a:t>Branching Strategy</a:t>
             </a:r>
             <a:endParaRPr lang="en-IN" dirty="0"/>
           </a:p>
@@ -9023,12 +11771,12 @@
       </p:sp>
       <p:pic>
         <p:nvPicPr>
-          <p:cNvPr id="5" name="Content Placeholder 4"/>
+          <p:cNvPr id="7" name="Content Placeholder 6"/>
           <p:cNvPicPr>
             <a:picLocks noGrp="1" noChangeAspect="1"/>
           </p:cNvPicPr>
           <p:nvPr>
-            <p:ph sz="half" idx="2"/>
+            <p:ph idx="1"/>
           </p:nvPr>
         </p:nvPicPr>
         <p:blipFill>
@@ -9039,18 +11787,41 @@
         </p:blipFill>
         <p:spPr>
           <a:xfrm>
-            <a:off x="5393531" y="2798049"/>
-            <a:ext cx="3234929" cy="2140584"/>
+            <a:off x="3419341" y="1939075"/>
+            <a:ext cx="3470480" cy="3791822"/>
           </a:xfrm>
           <a:prstGeom prst="rect">
             <a:avLst/>
           </a:prstGeom>
         </p:spPr>
       </p:pic>
+      <p:sp>
+        <p:nvSpPr>
+          <p:cNvPr id="2" name="Slide Number Placeholder 1"/>
+          <p:cNvSpPr>
+            <a:spLocks noGrp="1"/>
+          </p:cNvSpPr>
+          <p:nvPr>
+            <p:ph type="sldNum" sz="quarter" idx="12"/>
+          </p:nvPr>
+        </p:nvSpPr>
+        <p:spPr/>
+        <p:txBody>
+          <a:bodyPr/>
+          <a:lstStyle/>
+          <a:p>
+            <a:fld id="{24A0F28C-20EE-4B55-A037-6774DF0EE367}" type="slidenum">
+              <a:rPr lang="en-IN" smtClean="0"/>
+              <a:t>7</a:t>
+            </a:fld>
+            <a:endParaRPr lang="en-IN"/>
+          </a:p>
+        </p:txBody>
+      </p:sp>
     </p:spTree>
     <p:extLst>
       <p:ext uri="{BB962C8B-B14F-4D97-AF65-F5344CB8AC3E}">
-        <p14:creationId xmlns:p14="http://schemas.microsoft.com/office/powerpoint/2010/main" val="1940259975"/>
+        <p14:creationId xmlns:p14="http://schemas.microsoft.com/office/powerpoint/2010/main" val="2473199827"/>
       </p:ext>
     </p:extLst>
   </p:cSld>
@@ -9094,19 +11865,14 @@
             <p:ph type="title"/>
           </p:nvPr>
         </p:nvSpPr>
-        <p:spPr>
-          <a:xfrm>
-            <a:off x="1739068" y="908945"/>
-            <a:ext cx="6686549" cy="1101600"/>
-          </a:xfrm>
-        </p:spPr>
+        <p:spPr/>
         <p:txBody>
           <a:bodyPr/>
           <a:lstStyle/>
           <a:p>
             <a:r>
               <a:rPr lang="en-IN" dirty="0" smtClean="0"/>
-              <a:t>Scalability</a:t>
+              <a:t>Adoption</a:t>
             </a:r>
             <a:endParaRPr lang="en-IN" dirty="0"/>
           </a:p>
@@ -9114,33 +11880,56 @@
       </p:sp>
       <p:sp>
         <p:nvSpPr>
-          <p:cNvPr id="7" name="Text Placeholder 6"/>
-          <p:cNvSpPr>
-            <a:spLocks noGrp="1"/>
-          </p:cNvSpPr>
-          <p:nvPr>
-            <p:ph type="body" idx="1"/>
-          </p:nvPr>
-        </p:nvSpPr>
-        <p:spPr>
-          <a:xfrm>
-            <a:off x="1739068" y="4621235"/>
-            <a:ext cx="6686549" cy="645300"/>
-          </a:xfrm>
-        </p:spPr>
-        <p:txBody>
-          <a:bodyPr>
-            <a:normAutofit lnSpcReduction="10000"/>
-          </a:bodyPr>
+          <p:cNvPr id="3" name="Content Placeholder 2"/>
+          <p:cNvSpPr>
+            <a:spLocks noGrp="1"/>
+          </p:cNvSpPr>
+          <p:nvPr>
+            <p:ph sz="half" idx="1"/>
+          </p:nvPr>
+        </p:nvSpPr>
+        <p:spPr/>
+        <p:txBody>
+          <a:bodyPr/>
           <a:lstStyle/>
           <a:p>
             <a:r>
-              <a:rPr lang="en-US" dirty="0"/>
-              <a:t>Broadleaf Commerce scales horizontally by adding additional </a:t>
-            </a:r>
-            <a:r>
-              <a:rPr lang="en-US" dirty="0" smtClean="0"/>
-              <a:t>servers</a:t>
+              <a:rPr lang="en-IN" dirty="0" smtClean="0"/>
+              <a:t>The Container Store : Home/Office supplies</a:t>
+            </a:r>
+          </a:p>
+          <a:p>
+            <a:r>
+              <a:rPr lang="en-IN" dirty="0" err="1" smtClean="0"/>
+              <a:t>Vology</a:t>
+            </a:r>
+            <a:r>
+              <a:rPr lang="en-IN" dirty="0" smtClean="0"/>
+              <a:t> : Network Hardware store</a:t>
+            </a:r>
+          </a:p>
+          <a:p>
+            <a:r>
+              <a:rPr lang="en-IN" dirty="0" smtClean="0"/>
+              <a:t>Pep Boys : Auto parts store</a:t>
+            </a:r>
+          </a:p>
+          <a:p>
+            <a:r>
+              <a:rPr lang="en-IN" dirty="0" err="1" smtClean="0"/>
+              <a:t>Ganz</a:t>
+            </a:r>
+            <a:r>
+              <a:rPr lang="en-IN" dirty="0" smtClean="0"/>
+              <a:t> </a:t>
+            </a:r>
+            <a:r>
+              <a:rPr lang="en-IN" dirty="0" err="1" smtClean="0"/>
+              <a:t>eStore</a:t>
+            </a:r>
+            <a:r>
+              <a:rPr lang="en-IN" dirty="0" smtClean="0"/>
+              <a:t> : Buy virtual pets used for Webkinz.com</a:t>
             </a:r>
             <a:endParaRPr lang="en-IN" dirty="0"/>
           </a:p>
@@ -9153,7 +11942,7 @@
             <a:picLocks noGrp="1" noChangeAspect="1"/>
           </p:cNvPicPr>
           <p:nvPr>
-            <p:ph sz="half" idx="4294967295"/>
+            <p:ph sz="half" idx="2"/>
           </p:nvPr>
         </p:nvPicPr>
         <p:blipFill>
@@ -9164,44 +11953,225 @@
         </p:blipFill>
         <p:spPr>
           <a:xfrm>
-            <a:off x="1739068" y="2525713"/>
-            <a:ext cx="3617913" cy="1577975"/>
+            <a:off x="5393531" y="2798049"/>
+            <a:ext cx="3234929" cy="2140584"/>
           </a:xfrm>
           <a:prstGeom prst="rect">
             <a:avLst/>
           </a:prstGeom>
         </p:spPr>
       </p:pic>
-      <p:pic>
-        <p:nvPicPr>
-          <p:cNvPr id="6" name="Content Placeholder 5"/>
-          <p:cNvPicPr>
-            <a:picLocks noGrp="1" noChangeAspect="1"/>
-          </p:cNvPicPr>
-          <p:nvPr>
-            <p:ph sz="half" idx="4294967295"/>
-          </p:nvPr>
-        </p:nvPicPr>
-        <p:blipFill>
-          <a:blip r:embed="rId3"/>
-          <a:stretch>
-            <a:fillRect/>
-          </a:stretch>
-        </p:blipFill>
-        <p:spPr>
-          <a:xfrm>
-            <a:off x="5522174" y="2524126"/>
-            <a:ext cx="3454400" cy="1579562"/>
-          </a:xfrm>
-          <a:prstGeom prst="rect">
-            <a:avLst/>
-          </a:prstGeom>
-        </p:spPr>
-      </p:pic>
+      <p:sp>
+        <p:nvSpPr>
+          <p:cNvPr id="4" name="Slide Number Placeholder 3"/>
+          <p:cNvSpPr>
+            <a:spLocks noGrp="1"/>
+          </p:cNvSpPr>
+          <p:nvPr>
+            <p:ph type="sldNum" sz="quarter" idx="12"/>
+          </p:nvPr>
+        </p:nvSpPr>
+        <p:spPr/>
+        <p:txBody>
+          <a:bodyPr/>
+          <a:lstStyle/>
+          <a:p>
+            <a:fld id="{24A0F28C-20EE-4B55-A037-6774DF0EE367}" type="slidenum">
+              <a:rPr lang="en-IN" smtClean="0"/>
+              <a:t>8</a:t>
+            </a:fld>
+            <a:endParaRPr lang="en-IN"/>
+          </a:p>
+        </p:txBody>
+      </p:sp>
     </p:spTree>
     <p:extLst>
       <p:ext uri="{BB962C8B-B14F-4D97-AF65-F5344CB8AC3E}">
-        <p14:creationId xmlns:p14="http://schemas.microsoft.com/office/powerpoint/2010/main" val="558784860"/>
+        <p14:creationId xmlns:p14="http://schemas.microsoft.com/office/powerpoint/2010/main" val="1940259975"/>
+      </p:ext>
+    </p:extLst>
+  </p:cSld>
+  <p:clrMapOvr>
+    <a:masterClrMapping/>
+  </p:clrMapOvr>
+  <p:timing>
+    <p:tnLst>
+      <p:par>
+        <p:cTn id="1" dur="indefinite" restart="never" nodeType="tmRoot"/>
+      </p:par>
+    </p:tnLst>
+  </p:timing>
+</p:sld>
+</file>
+
+<file path=ppt/slides/slide9.xml><?xml version="1.0" encoding="utf-8"?>
+<p:sld xmlns:a="http://schemas.openxmlformats.org/drawingml/2006/main" xmlns:r="http://schemas.openxmlformats.org/officeDocument/2006/relationships" xmlns:p="http://schemas.openxmlformats.org/presentationml/2006/main">
+  <p:cSld>
+    <p:spTree>
+      <p:nvGrpSpPr>
+        <p:cNvPr id="1" name=""/>
+        <p:cNvGrpSpPr/>
+        <p:nvPr/>
+      </p:nvGrpSpPr>
+      <p:grpSpPr>
+        <a:xfrm>
+          <a:off x="0" y="0"/>
+          <a:ext cx="0" cy="0"/>
+          <a:chOff x="0" y="0"/>
+          <a:chExt cx="0" cy="0"/>
+        </a:xfrm>
+      </p:grpSpPr>
+      <p:sp>
+        <p:nvSpPr>
+          <p:cNvPr id="2" name="Title 1"/>
+          <p:cNvSpPr>
+            <a:spLocks noGrp="1"/>
+          </p:cNvSpPr>
+          <p:nvPr>
+            <p:ph type="title"/>
+          </p:nvPr>
+        </p:nvSpPr>
+        <p:spPr>
+          <a:xfrm>
+            <a:off x="1416676" y="624110"/>
+            <a:ext cx="7366715" cy="1509490"/>
+          </a:xfrm>
+        </p:spPr>
+        <p:txBody>
+          <a:bodyPr>
+            <a:normAutofit fontScale="90000"/>
+          </a:bodyPr>
+          <a:lstStyle/>
+          <a:p>
+            <a:r>
+              <a:rPr lang="en-IN" b="1" dirty="0"/>
+              <a:t>Appraisal of the Product and </a:t>
+            </a:r>
+            <a:r>
+              <a:rPr lang="en-IN" b="1" dirty="0" smtClean="0"/>
+              <a:t>Management</a:t>
+            </a:r>
+            <a:br>
+              <a:rPr lang="en-IN" b="1" dirty="0" smtClean="0"/>
+            </a:br>
+            <a:r>
+              <a:rPr lang="en-US" dirty="0" smtClean="0"/>
+              <a:t/>
+            </a:r>
+            <a:br>
+              <a:rPr lang="en-US" dirty="0" smtClean="0"/>
+            </a:br>
+            <a:r>
+              <a:rPr lang="en-US" dirty="0" smtClean="0"/>
+              <a:t>Standards </a:t>
+            </a:r>
+            <a:r>
+              <a:rPr lang="en-US" dirty="0" smtClean="0"/>
+              <a:t>Compliance</a:t>
+            </a:r>
+            <a:endParaRPr lang="en-US" dirty="0"/>
+          </a:p>
+        </p:txBody>
+      </p:sp>
+      <p:sp>
+        <p:nvSpPr>
+          <p:cNvPr id="3" name="Content Placeholder 2"/>
+          <p:cNvSpPr>
+            <a:spLocks noGrp="1"/>
+          </p:cNvSpPr>
+          <p:nvPr>
+            <p:ph idx="1"/>
+          </p:nvPr>
+        </p:nvSpPr>
+        <p:spPr>
+          <a:xfrm>
+            <a:off x="1981052" y="3080378"/>
+            <a:ext cx="6591985" cy="3777622"/>
+          </a:xfrm>
+        </p:spPr>
+        <p:txBody>
+          <a:bodyPr/>
+          <a:lstStyle/>
+          <a:p>
+            <a:r>
+              <a:rPr lang="en-US" dirty="0" smtClean="0"/>
+              <a:t>W3C</a:t>
+            </a:r>
+          </a:p>
+          <a:p>
+            <a:r>
+              <a:rPr lang="en-US" dirty="0" smtClean="0"/>
+              <a:t>HTTP, SMTP</a:t>
+            </a:r>
+          </a:p>
+          <a:p>
+            <a:r>
+              <a:rPr lang="en-US" dirty="0" smtClean="0"/>
+              <a:t>SOAP, </a:t>
+            </a:r>
+            <a:r>
+              <a:rPr lang="en-US" dirty="0" err="1" smtClean="0"/>
+              <a:t>RESTful</a:t>
+            </a:r>
+            <a:r>
+              <a:rPr lang="en-US" dirty="0" smtClean="0"/>
+              <a:t> (Jersey)</a:t>
+            </a:r>
+          </a:p>
+          <a:p>
+            <a:r>
+              <a:rPr lang="en-US" dirty="0" smtClean="0"/>
+              <a:t>MVC (Spring MVC), ORM (Hibernate)</a:t>
+            </a:r>
+          </a:p>
+          <a:p>
+            <a:r>
+              <a:rPr lang="en-US" dirty="0" smtClean="0"/>
+              <a:t>Issue Tracking Strategy</a:t>
+            </a:r>
+          </a:p>
+          <a:p>
+            <a:r>
+              <a:rPr lang="en-US" dirty="0" smtClean="0"/>
+              <a:t>Pull Request &amp; Branching Strategy</a:t>
+            </a:r>
+          </a:p>
+          <a:p>
+            <a:r>
+              <a:rPr lang="en-US" dirty="0" smtClean="0"/>
+              <a:t>Code Style</a:t>
+            </a:r>
+            <a:endParaRPr lang="en-US" dirty="0"/>
+          </a:p>
+        </p:txBody>
+      </p:sp>
+      <p:sp>
+        <p:nvSpPr>
+          <p:cNvPr id="4" name="Slide Number Placeholder 3"/>
+          <p:cNvSpPr>
+            <a:spLocks noGrp="1"/>
+          </p:cNvSpPr>
+          <p:nvPr>
+            <p:ph type="sldNum" sz="quarter" idx="12"/>
+          </p:nvPr>
+        </p:nvSpPr>
+        <p:spPr/>
+        <p:txBody>
+          <a:bodyPr/>
+          <a:lstStyle/>
+          <a:p>
+            <a:fld id="{24A0F28C-20EE-4B55-A037-6774DF0EE367}" type="slidenum">
+              <a:rPr lang="en-IN" smtClean="0"/>
+              <a:t>9</a:t>
+            </a:fld>
+            <a:endParaRPr lang="en-IN"/>
+          </a:p>
+        </p:txBody>
+      </p:sp>
+    </p:spTree>
+    <p:extLst>
+      <p:ext uri="{BB962C8B-B14F-4D97-AF65-F5344CB8AC3E}">
+        <p14:creationId xmlns:p14="http://schemas.microsoft.com/office/powerpoint/2010/main" val="1049730470"/>
       </p:ext>
     </p:extLst>
   </p:cSld>
@@ -9459,4 +12429,265 @@
     </a:ext>
   </a:extLst>
 </a:theme>
+</file>
+
+<file path=ppt/theme/theme2.xml><?xml version="1.0" encoding="utf-8"?>
+<a:theme xmlns:a="http://schemas.openxmlformats.org/drawingml/2006/main" name="Office Theme">
+  <a:themeElements>
+    <a:clrScheme name="Office">
+      <a:dk1>
+        <a:sysClr val="windowText" lastClr="000000"/>
+      </a:dk1>
+      <a:lt1>
+        <a:sysClr val="window" lastClr="FFFFFF"/>
+      </a:lt1>
+      <a:dk2>
+        <a:srgbClr val="44546A"/>
+      </a:dk2>
+      <a:lt2>
+        <a:srgbClr val="E7E6E6"/>
+      </a:lt2>
+      <a:accent1>
+        <a:srgbClr val="5B9BD5"/>
+      </a:accent1>
+      <a:accent2>
+        <a:srgbClr val="ED7D31"/>
+      </a:accent2>
+      <a:accent3>
+        <a:srgbClr val="A5A5A5"/>
+      </a:accent3>
+      <a:accent4>
+        <a:srgbClr val="FFC000"/>
+      </a:accent4>
+      <a:accent5>
+        <a:srgbClr val="4472C4"/>
+      </a:accent5>
+      <a:accent6>
+        <a:srgbClr val="70AD47"/>
+      </a:accent6>
+      <a:hlink>
+        <a:srgbClr val="0563C1"/>
+      </a:hlink>
+      <a:folHlink>
+        <a:srgbClr val="954F72"/>
+      </a:folHlink>
+    </a:clrScheme>
+    <a:fontScheme name="Office">
+      <a:majorFont>
+        <a:latin typeface="Calibri Light" panose="020F0302020204030204"/>
+        <a:ea typeface=""/>
+        <a:cs typeface=""/>
+        <a:font script="Jpan" typeface="ＭＳ Ｐゴシック"/>
+        <a:font script="Hang" typeface="맑은 고딕"/>
+        <a:font script="Hans" typeface="宋体"/>
+        <a:font script="Hant" typeface="新細明體"/>
+        <a:font script="Arab" typeface="Times New Roman"/>
+        <a:font script="Hebr" typeface="Times New Roman"/>
+        <a:font script="Thai" typeface="Angsana New"/>
+        <a:font script="Ethi" typeface="Nyala"/>
+        <a:font script="Beng" typeface="Vrinda"/>
+        <a:font script="Gujr" typeface="Shruti"/>
+        <a:font script="Khmr" typeface="MoolBoran"/>
+        <a:font script="Knda" typeface="Tunga"/>
+        <a:font script="Guru" typeface="Raavi"/>
+        <a:font script="Cans" typeface="Euphemia"/>
+        <a:font script="Cher" typeface="Plantagenet Cherokee"/>
+        <a:font script="Yiii" typeface="Microsoft Yi Baiti"/>
+        <a:font script="Tibt" typeface="Microsoft Himalaya"/>
+        <a:font script="Thaa" typeface="MV Boli"/>
+        <a:font script="Deva" typeface="Mangal"/>
+        <a:font script="Telu" typeface="Gautami"/>
+        <a:font script="Taml" typeface="Latha"/>
+        <a:font script="Syrc" typeface="Estrangelo Edessa"/>
+        <a:font script="Orya" typeface="Kalinga"/>
+        <a:font script="Mlym" typeface="Kartika"/>
+        <a:font script="Laoo" typeface="DokChampa"/>
+        <a:font script="Sinh" typeface="Iskoola Pota"/>
+        <a:font script="Mong" typeface="Mongolian Baiti"/>
+        <a:font script="Viet" typeface="Times New Roman"/>
+        <a:font script="Uigh" typeface="Microsoft Uighur"/>
+        <a:font script="Geor" typeface="Sylfaen"/>
+      </a:majorFont>
+      <a:minorFont>
+        <a:latin typeface="Calibri" panose="020F0502020204030204"/>
+        <a:ea typeface=""/>
+        <a:cs typeface=""/>
+        <a:font script="Jpan" typeface="ＭＳ Ｐゴシック"/>
+        <a:font script="Hang" typeface="맑은 고딕"/>
+        <a:font script="Hans" typeface="宋体"/>
+        <a:font script="Hant" typeface="新細明體"/>
+        <a:font script="Arab" typeface="Arial"/>
+        <a:font script="Hebr" typeface="Arial"/>
+        <a:font script="Thai" typeface="Cordia New"/>
+        <a:font script="Ethi" typeface="Nyala"/>
+        <a:font script="Beng" typeface="Vrinda"/>
+        <a:font script="Gujr" typeface="Shruti"/>
+        <a:font script="Khmr" typeface="DaunPenh"/>
+        <a:font script="Knda" typeface="Tunga"/>
+        <a:font script="Guru" typeface="Raavi"/>
+        <a:font script="Cans" typeface="Euphemia"/>
+        <a:font script="Cher" typeface="Plantagenet Cherokee"/>
+        <a:font script="Yiii" typeface="Microsoft Yi Baiti"/>
+        <a:font script="Tibt" typeface="Microsoft Himalaya"/>
+        <a:font script="Thaa" typeface="MV Boli"/>
+        <a:font script="Deva" typeface="Mangal"/>
+        <a:font script="Telu" typeface="Gautami"/>
+        <a:font script="Taml" typeface="Latha"/>
+        <a:font script="Syrc" typeface="Estrangelo Edessa"/>
+        <a:font script="Orya" typeface="Kalinga"/>
+        <a:font script="Mlym" typeface="Kartika"/>
+        <a:font script="Laoo" typeface="DokChampa"/>
+        <a:font script="Sinh" typeface="Iskoola Pota"/>
+        <a:font script="Mong" typeface="Mongolian Baiti"/>
+        <a:font script="Viet" typeface="Arial"/>
+        <a:font script="Uigh" typeface="Microsoft Uighur"/>
+        <a:font script="Geor" typeface="Sylfaen"/>
+      </a:minorFont>
+    </a:fontScheme>
+    <a:fmtScheme name="Office">
+      <a:fillStyleLst>
+        <a:solidFill>
+          <a:schemeClr val="phClr"/>
+        </a:solidFill>
+        <a:gradFill rotWithShape="1">
+          <a:gsLst>
+            <a:gs pos="0">
+              <a:schemeClr val="phClr">
+                <a:lumMod val="110000"/>
+                <a:satMod val="105000"/>
+                <a:tint val="67000"/>
+              </a:schemeClr>
+            </a:gs>
+            <a:gs pos="50000">
+              <a:schemeClr val="phClr">
+                <a:lumMod val="105000"/>
+                <a:satMod val="103000"/>
+                <a:tint val="73000"/>
+              </a:schemeClr>
+            </a:gs>
+            <a:gs pos="100000">
+              <a:schemeClr val="phClr">
+                <a:lumMod val="105000"/>
+                <a:satMod val="109000"/>
+                <a:tint val="81000"/>
+              </a:schemeClr>
+            </a:gs>
+          </a:gsLst>
+          <a:lin ang="5400000" scaled="0"/>
+        </a:gradFill>
+        <a:gradFill rotWithShape="1">
+          <a:gsLst>
+            <a:gs pos="0">
+              <a:schemeClr val="phClr">
+                <a:satMod val="103000"/>
+                <a:lumMod val="102000"/>
+                <a:tint val="94000"/>
+              </a:schemeClr>
+            </a:gs>
+            <a:gs pos="50000">
+              <a:schemeClr val="phClr">
+                <a:satMod val="110000"/>
+                <a:lumMod val="100000"/>
+                <a:shade val="100000"/>
+              </a:schemeClr>
+            </a:gs>
+            <a:gs pos="100000">
+              <a:schemeClr val="phClr">
+                <a:lumMod val="99000"/>
+                <a:satMod val="120000"/>
+                <a:shade val="78000"/>
+              </a:schemeClr>
+            </a:gs>
+          </a:gsLst>
+          <a:lin ang="5400000" scaled="0"/>
+        </a:gradFill>
+      </a:fillStyleLst>
+      <a:lnStyleLst>
+        <a:ln w="6350" cap="flat" cmpd="sng" algn="ctr">
+          <a:solidFill>
+            <a:schemeClr val="phClr"/>
+          </a:solidFill>
+          <a:prstDash val="solid"/>
+          <a:miter lim="800000"/>
+        </a:ln>
+        <a:ln w="12700" cap="flat" cmpd="sng" algn="ctr">
+          <a:solidFill>
+            <a:schemeClr val="phClr"/>
+          </a:solidFill>
+          <a:prstDash val="solid"/>
+          <a:miter lim="800000"/>
+        </a:ln>
+        <a:ln w="19050" cap="flat" cmpd="sng" algn="ctr">
+          <a:solidFill>
+            <a:schemeClr val="phClr"/>
+          </a:solidFill>
+          <a:prstDash val="solid"/>
+          <a:miter lim="800000"/>
+        </a:ln>
+      </a:lnStyleLst>
+      <a:effectStyleLst>
+        <a:effectStyle>
+          <a:effectLst/>
+        </a:effectStyle>
+        <a:effectStyle>
+          <a:effectLst/>
+        </a:effectStyle>
+        <a:effectStyle>
+          <a:effectLst>
+            <a:outerShdw blurRad="57150" dist="19050" dir="5400000" algn="ctr" rotWithShape="0">
+              <a:srgbClr val="000000">
+                <a:alpha val="63000"/>
+              </a:srgbClr>
+            </a:outerShdw>
+          </a:effectLst>
+        </a:effectStyle>
+      </a:effectStyleLst>
+      <a:bgFillStyleLst>
+        <a:solidFill>
+          <a:schemeClr val="phClr"/>
+        </a:solidFill>
+        <a:solidFill>
+          <a:schemeClr val="phClr">
+            <a:tint val="95000"/>
+            <a:satMod val="170000"/>
+          </a:schemeClr>
+        </a:solidFill>
+        <a:gradFill rotWithShape="1">
+          <a:gsLst>
+            <a:gs pos="0">
+              <a:schemeClr val="phClr">
+                <a:tint val="93000"/>
+                <a:satMod val="150000"/>
+                <a:shade val="98000"/>
+                <a:lumMod val="102000"/>
+              </a:schemeClr>
+            </a:gs>
+            <a:gs pos="50000">
+              <a:schemeClr val="phClr">
+                <a:tint val="98000"/>
+                <a:satMod val="130000"/>
+                <a:shade val="90000"/>
+                <a:lumMod val="103000"/>
+              </a:schemeClr>
+            </a:gs>
+            <a:gs pos="100000">
+              <a:schemeClr val="phClr">
+                <a:shade val="63000"/>
+                <a:satMod val="120000"/>
+              </a:schemeClr>
+            </a:gs>
+          </a:gsLst>
+          <a:lin ang="5400000" scaled="0"/>
+        </a:gradFill>
+      </a:bgFillStyleLst>
+    </a:fmtScheme>
+  </a:themeElements>
+  <a:objectDefaults/>
+  <a:extraClrSchemeLst/>
+  <a:extLst>
+    <a:ext uri="{05A4C25C-085E-4340-85A3-A5531E510DB2}">
+      <thm15:themeFamily xmlns:thm15="http://schemas.microsoft.com/office/thememl/2012/main" name="Office Theme" id="{62F939B6-93AF-4DB8-9C6B-D6C7DFDC589F}" vid="{4A3C46E8-61CC-4603-A589-7422A47A8E4A}"/>
+    </a:ext>
+  </a:extLst>
+</a:theme>
 </file>
--- a/Broadleaf.pptx
+++ b/Broadleaf.pptx
@@ -5,7 +5,7 @@
     <p:sldMasterId id="2147483677" r:id="rId1"/>
   </p:sldMasterIdLst>
   <p:notesMasterIdLst>
-    <p:notesMasterId r:id="rId16"/>
+    <p:notesMasterId r:id="rId31"/>
   </p:notesMasterIdLst>
   <p:sldIdLst>
     <p:sldId id="256" r:id="rId2"/>
@@ -16,12 +16,27 @@
     <p:sldId id="260" r:id="rId7"/>
     <p:sldId id="262" r:id="rId8"/>
     <p:sldId id="263" r:id="rId9"/>
-    <p:sldId id="265" r:id="rId10"/>
-    <p:sldId id="266" r:id="rId11"/>
-    <p:sldId id="267" r:id="rId12"/>
-    <p:sldId id="268" r:id="rId13"/>
-    <p:sldId id="269" r:id="rId14"/>
-    <p:sldId id="261" r:id="rId15"/>
+    <p:sldId id="271" r:id="rId10"/>
+    <p:sldId id="272" r:id="rId11"/>
+    <p:sldId id="273" r:id="rId12"/>
+    <p:sldId id="274" r:id="rId13"/>
+    <p:sldId id="275" r:id="rId14"/>
+    <p:sldId id="276" r:id="rId15"/>
+    <p:sldId id="277" r:id="rId16"/>
+    <p:sldId id="278" r:id="rId17"/>
+    <p:sldId id="279" r:id="rId18"/>
+    <p:sldId id="280" r:id="rId19"/>
+    <p:sldId id="281" r:id="rId20"/>
+    <p:sldId id="282" r:id="rId21"/>
+    <p:sldId id="283" r:id="rId22"/>
+    <p:sldId id="284" r:id="rId23"/>
+    <p:sldId id="265" r:id="rId24"/>
+    <p:sldId id="266" r:id="rId25"/>
+    <p:sldId id="267" r:id="rId26"/>
+    <p:sldId id="268" r:id="rId27"/>
+    <p:sldId id="269" r:id="rId28"/>
+    <p:sldId id="261" r:id="rId29"/>
+    <p:sldId id="285" r:id="rId30"/>
   </p:sldIdLst>
   <p:sldSz cx="9144000" cy="6858000" type="screen4x3"/>
   <p:notesSz cx="6858000" cy="9144000"/>
@@ -133,12 +148,27 @@
             <p14:sldId id="260"/>
             <p14:sldId id="262"/>
             <p14:sldId id="263"/>
+            <p14:sldId id="271"/>
+            <p14:sldId id="272"/>
+            <p14:sldId id="273"/>
+            <p14:sldId id="274"/>
+            <p14:sldId id="275"/>
+            <p14:sldId id="276"/>
+            <p14:sldId id="277"/>
+            <p14:sldId id="278"/>
+            <p14:sldId id="279"/>
+            <p14:sldId id="280"/>
+            <p14:sldId id="281"/>
+            <p14:sldId id="282"/>
+            <p14:sldId id="283"/>
+            <p14:sldId id="284"/>
             <p14:sldId id="265"/>
             <p14:sldId id="266"/>
             <p14:sldId id="267"/>
             <p14:sldId id="268"/>
             <p14:sldId id="269"/>
             <p14:sldId id="261"/>
+            <p14:sldId id="285"/>
           </p14:sldIdLst>
         </p14:section>
       </p14:sectionLst>
@@ -544,6 +574,101 @@
           <a:bodyPr/>
           <a:lstStyle/>
           <a:p>
+            <a:endParaRPr lang="en-IN"/>
+          </a:p>
+        </p:txBody>
+      </p:sp>
+      <p:sp>
+        <p:nvSpPr>
+          <p:cNvPr id="4" name="Slide Number Placeholder 3"/>
+          <p:cNvSpPr>
+            <a:spLocks noGrp="1"/>
+          </p:cNvSpPr>
+          <p:nvPr>
+            <p:ph type="sldNum" sz="quarter" idx="10"/>
+          </p:nvPr>
+        </p:nvSpPr>
+        <p:spPr/>
+        <p:txBody>
+          <a:bodyPr/>
+          <a:lstStyle/>
+          <a:p>
+            <a:fld id="{ECA1D8CA-B60E-4274-AA77-6D2292DAEE9B}" type="slidenum">
+              <a:rPr lang="en-IN" smtClean="0"/>
+              <a:t>1</a:t>
+            </a:fld>
+            <a:endParaRPr lang="en-IN"/>
+          </a:p>
+        </p:txBody>
+      </p:sp>
+    </p:spTree>
+    <p:extLst>
+      <p:ext uri="{BB962C8B-B14F-4D97-AF65-F5344CB8AC3E}">
+        <p14:creationId xmlns:p14="http://schemas.microsoft.com/office/powerpoint/2010/main" val="4165966397"/>
+      </p:ext>
+    </p:extLst>
+  </p:cSld>
+  <p:clrMapOvr>
+    <a:masterClrMapping/>
+  </p:clrMapOvr>
+</p:notes>
+</file>
+
+<file path=ppt/notesSlides/notesSlide10.xml><?xml version="1.0" encoding="utf-8"?>
+<p:notes xmlns:a="http://schemas.openxmlformats.org/drawingml/2006/main" xmlns:r="http://schemas.openxmlformats.org/officeDocument/2006/relationships" xmlns:p="http://schemas.openxmlformats.org/presentationml/2006/main">
+  <p:cSld>
+    <p:spTree>
+      <p:nvGrpSpPr>
+        <p:cNvPr id="1" name=""/>
+        <p:cNvGrpSpPr/>
+        <p:nvPr/>
+      </p:nvGrpSpPr>
+      <p:grpSpPr>
+        <a:xfrm>
+          <a:off x="0" y="0"/>
+          <a:ext cx="0" cy="0"/>
+          <a:chOff x="0" y="0"/>
+          <a:chExt cx="0" cy="0"/>
+        </a:xfrm>
+      </p:grpSpPr>
+      <p:sp>
+        <p:nvSpPr>
+          <p:cNvPr id="2" name="Slide Image Placeholder 1"/>
+          <p:cNvSpPr>
+            <a:spLocks noGrp="1" noRot="1" noChangeAspect="1"/>
+          </p:cNvSpPr>
+          <p:nvPr>
+            <p:ph type="sldImg"/>
+          </p:nvPr>
+        </p:nvSpPr>
+        <p:spPr/>
+      </p:sp>
+      <p:sp>
+        <p:nvSpPr>
+          <p:cNvPr id="3" name="Notes Placeholder 2"/>
+          <p:cNvSpPr>
+            <a:spLocks noGrp="1"/>
+          </p:cNvSpPr>
+          <p:nvPr>
+            <p:ph type="body" idx="1"/>
+          </p:nvPr>
+        </p:nvSpPr>
+        <p:spPr/>
+        <p:txBody>
+          <a:bodyPr/>
+          <a:lstStyle/>
+          <a:p>
+            <a:endParaRPr lang="en-US" sz="1200" kern="1200" dirty="0" smtClean="0">
+              <a:solidFill>
+                <a:schemeClr val="tx1"/>
+              </a:solidFill>
+              <a:effectLst/>
+              <a:latin typeface="+mn-lt"/>
+              <a:ea typeface="+mn-ea"/>
+              <a:cs typeface="+mn-cs"/>
+            </a:endParaRPr>
+          </a:p>
+          <a:p>
             <a:r>
               <a:rPr lang="en-US" sz="1200" kern="1200" dirty="0" smtClean="0">
                 <a:solidFill>
@@ -554,10 +679,44 @@
                 <a:ea typeface="+mn-ea"/>
                 <a:cs typeface="+mn-cs"/>
               </a:rPr>
-              <a:t>Jersey</a:t>
-            </a:r>
-          </a:p>
-          <a:p>
+              <a:t>Broadleaf requires a servlet container such as Apache Tomcat. Broadleaf has also been tested with Jetty, </a:t>
+            </a:r>
+            <a:r>
+              <a:rPr lang="en-US" sz="1200" kern="1200" dirty="0" err="1" smtClean="0">
+                <a:solidFill>
+                  <a:schemeClr val="tx1"/>
+                </a:solidFill>
+                <a:effectLst/>
+                <a:latin typeface="+mn-lt"/>
+                <a:ea typeface="+mn-ea"/>
+                <a:cs typeface="+mn-cs"/>
+              </a:rPr>
+              <a:t>JBoss</a:t>
+            </a:r>
+            <a:r>
+              <a:rPr lang="en-US" sz="1200" kern="1200" dirty="0" smtClean="0">
+                <a:solidFill>
+                  <a:schemeClr val="tx1"/>
+                </a:solidFill>
+                <a:effectLst/>
+                <a:latin typeface="+mn-lt"/>
+                <a:ea typeface="+mn-ea"/>
+                <a:cs typeface="+mn-cs"/>
+              </a:rPr>
+              <a:t> Application Server, Oracle WebLogic Application Server, and IBM WebSphere Application Server.</a:t>
+            </a:r>
+            <a:r>
+              <a:rPr lang="en-US" sz="1200" kern="1200" baseline="0" dirty="0" smtClean="0">
+                <a:solidFill>
+                  <a:schemeClr val="tx1"/>
+                </a:solidFill>
+                <a:effectLst/>
+                <a:latin typeface="+mn-lt"/>
+                <a:ea typeface="+mn-ea"/>
+                <a:cs typeface="+mn-cs"/>
+              </a:rPr>
+              <a:t> </a:t>
+            </a:r>
             <a:r>
               <a:rPr lang="en-US" sz="1200" u="sng" kern="1200" dirty="0" smtClean="0">
                 <a:solidFill>
@@ -569,8 +728,22 @@
                 <a:cs typeface="+mn-cs"/>
                 <a:hlinkClick r:id="rId3"/>
               </a:rPr>
-              <a:t>http://www.broadleafcommerce.com/technology-stack</a:t>
-            </a:r>
+              <a:t>http://www.broadleafcommerce.com/faq?recaptchaPublicKey=6Lct6_ESAAAAAA1rzWdQDmWx1WC8804UaOaBEj2t#q2</a:t>
+            </a:r>
+            <a:r>
+              <a:rPr lang="en-US" sz="1200" kern="1200" dirty="0" smtClean="0">
+                <a:solidFill>
+                  <a:schemeClr val="tx1"/>
+                </a:solidFill>
+                <a:effectLst/>
+                <a:latin typeface="+mn-lt"/>
+                <a:ea typeface="+mn-ea"/>
+                <a:cs typeface="+mn-cs"/>
+              </a:rPr>
+              <a:t> </a:t>
+            </a:r>
+          </a:p>
+          <a:p>
             <a:endParaRPr lang="en-US" sz="1200" kern="1200" dirty="0" smtClean="0">
               <a:solidFill>
                 <a:schemeClr val="tx1"/>
@@ -582,6 +755,243 @@
             </a:endParaRPr>
           </a:p>
           <a:p>
+            <a:r>
+              <a:rPr lang="en-US" sz="1200" kern="1200" dirty="0" smtClean="0">
+                <a:solidFill>
+                  <a:schemeClr val="tx1"/>
+                </a:solidFill>
+                <a:effectLst/>
+                <a:latin typeface="+mn-lt"/>
+                <a:ea typeface="+mn-ea"/>
+                <a:cs typeface="+mn-cs"/>
+              </a:rPr>
+              <a:t>You can use any relational database that Hibernate </a:t>
+            </a:r>
+            <a:r>
+              <a:rPr lang="en-US" sz="1200" u="sng" kern="1200" dirty="0" smtClean="0">
+                <a:solidFill>
+                  <a:schemeClr val="tx1"/>
+                </a:solidFill>
+                <a:effectLst/>
+                <a:latin typeface="+mn-lt"/>
+                <a:ea typeface="+mn-ea"/>
+                <a:cs typeface="+mn-cs"/>
+                <a:hlinkClick r:id="rId4"/>
+              </a:rPr>
+              <a:t>supports</a:t>
+            </a:r>
+            <a:r>
+              <a:rPr lang="en-US" sz="1200" kern="1200" dirty="0" smtClean="0">
+                <a:solidFill>
+                  <a:schemeClr val="tx1"/>
+                </a:solidFill>
+                <a:effectLst/>
+                <a:latin typeface="+mn-lt"/>
+                <a:ea typeface="+mn-ea"/>
+                <a:cs typeface="+mn-cs"/>
+              </a:rPr>
+              <a:t>. But no </a:t>
+            </a:r>
+            <a:r>
+              <a:rPr lang="en-US" sz="1200" kern="1200" dirty="0" err="1" smtClean="0">
+                <a:solidFill>
+                  <a:schemeClr val="tx1"/>
+                </a:solidFill>
+                <a:effectLst/>
+                <a:latin typeface="+mn-lt"/>
+                <a:ea typeface="+mn-ea"/>
+                <a:cs typeface="+mn-cs"/>
+              </a:rPr>
+              <a:t>noSQL</a:t>
+            </a:r>
+            <a:r>
+              <a:rPr lang="en-US" sz="1200" kern="1200" dirty="0" smtClean="0">
+                <a:solidFill>
+                  <a:schemeClr val="tx1"/>
+                </a:solidFill>
+                <a:effectLst/>
+                <a:latin typeface="+mn-lt"/>
+                <a:ea typeface="+mn-ea"/>
+                <a:cs typeface="+mn-cs"/>
+              </a:rPr>
+              <a:t> data storage. We have done the majority of our testing with MySQL 5.1, Oracle 9i and 10g, and HSQLDB. </a:t>
+            </a:r>
+          </a:p>
+          <a:p>
+            <a:r>
+              <a:rPr lang="en-US" sz="1200" u="sng" kern="1200" dirty="0" smtClean="0">
+                <a:solidFill>
+                  <a:schemeClr val="tx1"/>
+                </a:solidFill>
+                <a:effectLst/>
+                <a:latin typeface="+mn-lt"/>
+                <a:ea typeface="+mn-ea"/>
+                <a:cs typeface="+mn-cs"/>
+                <a:hlinkClick r:id="rId5"/>
+              </a:rPr>
+              <a:t>http://www.broadleafcommerce.com/faq?recaptchaPublicKey=6Lct6_ESAAAAAA1rzWdQDmWx1WC8804UaOaBEj2t#q4</a:t>
+            </a:r>
+            <a:r>
+              <a:rPr lang="en-US" sz="1200" kern="1200" dirty="0" smtClean="0">
+                <a:solidFill>
+                  <a:schemeClr val="tx1"/>
+                </a:solidFill>
+                <a:effectLst/>
+                <a:latin typeface="+mn-lt"/>
+                <a:ea typeface="+mn-ea"/>
+                <a:cs typeface="+mn-cs"/>
+              </a:rPr>
+              <a:t> </a:t>
+            </a:r>
+          </a:p>
+          <a:p>
+            <a:endParaRPr lang="en-US" sz="1200" kern="1200" smtClean="0">
+              <a:solidFill>
+                <a:schemeClr val="tx1"/>
+              </a:solidFill>
+              <a:effectLst/>
+              <a:latin typeface="+mn-lt"/>
+              <a:ea typeface="+mn-ea"/>
+              <a:cs typeface="+mn-cs"/>
+            </a:endParaRPr>
+          </a:p>
+          <a:p>
+            <a:r>
+              <a:rPr lang="en-US" sz="1200" kern="1200" smtClean="0">
+                <a:solidFill>
+                  <a:schemeClr val="tx1"/>
+                </a:solidFill>
+                <a:effectLst/>
+                <a:latin typeface="+mn-lt"/>
+                <a:ea typeface="+mn-ea"/>
+                <a:cs typeface="+mn-cs"/>
+              </a:rPr>
+              <a:t>We </a:t>
+            </a:r>
+            <a:r>
+              <a:rPr lang="en-US" sz="1200" kern="1200" dirty="0" smtClean="0">
+                <a:solidFill>
+                  <a:schemeClr val="tx1"/>
+                </a:solidFill>
+                <a:effectLst/>
+                <a:latin typeface="+mn-lt"/>
+                <a:ea typeface="+mn-ea"/>
+                <a:cs typeface="+mn-cs"/>
+              </a:rPr>
+              <a:t>have deployed Broadleaf Commerce to Amazon EC2, Rackspace Cloud, </a:t>
+            </a:r>
+            <a:r>
+              <a:rPr lang="en-US" sz="1200" kern="1200" dirty="0" err="1" smtClean="0">
+                <a:solidFill>
+                  <a:schemeClr val="tx1"/>
+                </a:solidFill>
+                <a:effectLst/>
+                <a:latin typeface="+mn-lt"/>
+                <a:ea typeface="+mn-ea"/>
+                <a:cs typeface="+mn-cs"/>
+              </a:rPr>
+              <a:t>CloudBees</a:t>
+            </a:r>
+            <a:r>
+              <a:rPr lang="en-US" sz="1200" kern="1200" dirty="0" smtClean="0">
+                <a:solidFill>
+                  <a:schemeClr val="tx1"/>
+                </a:solidFill>
+                <a:effectLst/>
+                <a:latin typeface="+mn-lt"/>
+                <a:ea typeface="+mn-ea"/>
+                <a:cs typeface="+mn-cs"/>
+              </a:rPr>
+              <a:t>, </a:t>
+            </a:r>
+            <a:r>
+              <a:rPr lang="en-US" sz="1200" kern="1200" dirty="0" err="1" smtClean="0">
+                <a:solidFill>
+                  <a:schemeClr val="tx1"/>
+                </a:solidFill>
+                <a:effectLst/>
+                <a:latin typeface="+mn-lt"/>
+                <a:ea typeface="+mn-ea"/>
+                <a:cs typeface="+mn-cs"/>
+              </a:rPr>
+              <a:t>CloudFoundry</a:t>
+            </a:r>
+            <a:r>
+              <a:rPr lang="en-US" sz="1200" kern="1200" dirty="0" smtClean="0">
+                <a:solidFill>
+                  <a:schemeClr val="tx1"/>
+                </a:solidFill>
+                <a:effectLst/>
+                <a:latin typeface="+mn-lt"/>
+                <a:ea typeface="+mn-ea"/>
+                <a:cs typeface="+mn-cs"/>
+              </a:rPr>
+              <a:t>, </a:t>
+            </a:r>
+            <a:r>
+              <a:rPr lang="en-US" sz="1200" kern="1200" dirty="0" err="1" smtClean="0">
+                <a:solidFill>
+                  <a:schemeClr val="tx1"/>
+                </a:solidFill>
+                <a:effectLst/>
+                <a:latin typeface="+mn-lt"/>
+                <a:ea typeface="+mn-ea"/>
+                <a:cs typeface="+mn-cs"/>
+              </a:rPr>
+              <a:t>Hiroku</a:t>
+            </a:r>
+            <a:r>
+              <a:rPr lang="en-US" sz="1200" kern="1200" dirty="0" smtClean="0">
+                <a:solidFill>
+                  <a:schemeClr val="tx1"/>
+                </a:solidFill>
+                <a:effectLst/>
+                <a:latin typeface="+mn-lt"/>
+                <a:ea typeface="+mn-ea"/>
+                <a:cs typeface="+mn-cs"/>
+              </a:rPr>
+              <a:t>, and Amazon Elastic Beanstalk. </a:t>
+            </a:r>
+          </a:p>
+          <a:p>
+            <a:r>
+              <a:rPr lang="en-US" sz="1200" u="sng" kern="1200" dirty="0" smtClean="0">
+                <a:solidFill>
+                  <a:schemeClr val="tx1"/>
+                </a:solidFill>
+                <a:effectLst/>
+                <a:latin typeface="+mn-lt"/>
+                <a:ea typeface="+mn-ea"/>
+                <a:cs typeface="+mn-cs"/>
+                <a:hlinkClick r:id="rId6"/>
+              </a:rPr>
+              <a:t>http://www.broadleafcommerce.com/faq?recaptchaPublicKey=6Lct6_ESAAAAAA1rzWdQDmWx1WC8804UaOaBEj2t#q5</a:t>
+            </a:r>
+            <a:r>
+              <a:rPr lang="en-US" dirty="0" smtClean="0">
+                <a:effectLst/>
+              </a:rPr>
+              <a:t> </a:t>
+            </a:r>
+          </a:p>
+          <a:p>
+            <a:endParaRPr lang="en-US" dirty="0" smtClean="0">
+              <a:effectLst/>
+            </a:endParaRPr>
+          </a:p>
+          <a:p>
+            <a:r>
+              <a:rPr lang="en-US" sz="1200" kern="1200" dirty="0" smtClean="0">
+                <a:solidFill>
+                  <a:schemeClr val="tx1"/>
+                </a:solidFill>
+                <a:effectLst/>
+                <a:latin typeface="+mn-lt"/>
+                <a:ea typeface="+mn-ea"/>
+                <a:cs typeface="+mn-cs"/>
+              </a:rPr>
+              <a:t>Integrate many frameworks which may cause risk to port application</a:t>
+            </a:r>
             <a:endParaRPr lang="en-US" dirty="0"/>
           </a:p>
         </p:txBody>
@@ -603,7 +1013,7 @@
           <a:p>
             <a:fld id="{5F024B6D-3EBB-FB41-8535-18BD3BAD5859}" type="slidenum">
               <a:rPr lang="en-US" smtClean="0"/>
-              <a:t>9</a:t>
+              <a:t>27</a:t>
             </a:fld>
             <a:endParaRPr lang="en-US"/>
           </a:p>
@@ -612,7 +1022,7 @@
     </p:spTree>
     <p:extLst>
       <p:ext uri="{BB962C8B-B14F-4D97-AF65-F5344CB8AC3E}">
-        <p14:creationId xmlns:p14="http://schemas.microsoft.com/office/powerpoint/2010/main" val="2862139164"/>
+        <p14:creationId xmlns:p14="http://schemas.microsoft.com/office/powerpoint/2010/main" val="229304035"/>
       </p:ext>
     </p:extLst>
   </p:cSld>
@@ -641,7 +1051,7 @@
       </p:grpSpPr>
       <p:sp>
         <p:nvSpPr>
-          <p:cNvPr id="2" name="Slide Image Placeholder 1"/>
+          <p:cNvPr id="2" name="幻灯片图像占位符 1"/>
           <p:cNvSpPr>
             <a:spLocks noGrp="1" noRot="1" noChangeAspect="1"/>
           </p:cNvSpPr>
@@ -653,7 +1063,7 @@
       </p:sp>
       <p:sp>
         <p:nvSpPr>
-          <p:cNvPr id="3" name="Notes Placeholder 2"/>
+          <p:cNvPr id="3" name="备注占位符 2"/>
           <p:cNvSpPr>
             <a:spLocks noGrp="1"/>
           </p:cNvSpPr>
@@ -663,21 +1073,10 @@
         </p:nvSpPr>
         <p:spPr/>
         <p:txBody>
-          <a:bodyPr/>
-          <a:lstStyle/>
-          <a:p>
-            <a:r>
-              <a:rPr lang="en-US" sz="1200" kern="1200" dirty="0" smtClean="0">
-                <a:solidFill>
-                  <a:schemeClr val="tx1"/>
-                </a:solidFill>
-                <a:latin typeface="+mn-lt"/>
-                <a:ea typeface="+mn-ea"/>
-                <a:cs typeface="+mn-cs"/>
-              </a:rPr>
-              <a:t>Code level </a:t>
-            </a:r>
-          </a:p>
+          <a:bodyPr>
+            <a:normAutofit/>
+          </a:bodyPr>
+          <a:lstStyle/>
           <a:p>
             <a:pPr marL="0" marR="0" indent="0" algn="l" defTabSz="914400" rtl="0" eaLnBrk="1" fontAlgn="auto" latinLnBrk="0" hangingPunct="1">
               <a:lnSpc>
@@ -701,82 +1100,29 @@
                 <a:solidFill>
                   <a:schemeClr val="tx1"/>
                 </a:solidFill>
-                <a:effectLst/>
                 <a:latin typeface="+mn-lt"/>
                 <a:ea typeface="+mn-ea"/>
                 <a:cs typeface="+mn-cs"/>
               </a:rPr>
-              <a:t>Example1: </a:t>
-            </a:r>
-            <a:r>
-              <a:rPr lang="en-US" sz="1200" u="sng" kern="1200" dirty="0" smtClean="0">
-                <a:solidFill>
-                  <a:schemeClr val="tx1"/>
-                </a:solidFill>
-                <a:effectLst/>
-                <a:latin typeface="+mn-lt"/>
-                <a:ea typeface="+mn-ea"/>
-                <a:cs typeface="+mn-cs"/>
-                <a:hlinkClick r:id="rId3"/>
-              </a:rPr>
               <a:t>http://www.broadleafcommerce.com/blog/why-broadleaf-continues-to-choose-spring</a:t>
             </a:r>
-            <a:r>
-              <a:rPr lang="en-US" sz="1200" kern="1200" dirty="0" smtClean="0">
-                <a:solidFill>
-                  <a:schemeClr val="tx1"/>
-                </a:solidFill>
-                <a:effectLst/>
-                <a:latin typeface="+mn-lt"/>
-                <a:ea typeface="+mn-ea"/>
-                <a:cs typeface="+mn-cs"/>
-              </a:rPr>
-              <a:t> </a:t>
-            </a:r>
-          </a:p>
-          <a:p>
-            <a:endParaRPr lang="en-US" dirty="0" smtClean="0"/>
-          </a:p>
-          <a:p>
-            <a:r>
-              <a:rPr lang="en-US" dirty="0" err="1" smtClean="0"/>
-              <a:t>QoS</a:t>
-            </a:r>
-            <a:endParaRPr lang="en-US" dirty="0" smtClean="0"/>
-          </a:p>
-          <a:p>
-            <a:r>
-              <a:rPr lang="en-US" sz="1200" u="sng" kern="1200" dirty="0" smtClean="0">
-                <a:solidFill>
-                  <a:schemeClr val="tx1"/>
-                </a:solidFill>
-                <a:effectLst/>
-                <a:latin typeface="+mn-lt"/>
-                <a:ea typeface="+mn-ea"/>
-                <a:cs typeface="+mn-cs"/>
-                <a:hlinkClick r:id="rId4"/>
-              </a:rPr>
-              <a:t>http://www.broadleafcommerce.com/docs/core/current/broadleaf-concepts/additional-configuration/qos-configuration</a:t>
-            </a:r>
-            <a:r>
-              <a:rPr lang="en-US" sz="1200" kern="1200" dirty="0" smtClean="0">
-                <a:solidFill>
-                  <a:schemeClr val="tx1"/>
-                </a:solidFill>
-                <a:effectLst/>
-                <a:latin typeface="+mn-lt"/>
-                <a:ea typeface="+mn-ea"/>
-                <a:cs typeface="+mn-cs"/>
-              </a:rPr>
-              <a:t> </a:t>
-            </a:r>
-            <a:endParaRPr lang="en-US" dirty="0"/>
-          </a:p>
-        </p:txBody>
-      </p:sp>
-      <p:sp>
-        <p:nvSpPr>
-          <p:cNvPr id="4" name="Slide Number Placeholder 3"/>
+            <a:endParaRPr lang="zh-CN" altLang="en-US" sz="1200" kern="1200" smtClean="0">
+              <a:solidFill>
+                <a:schemeClr val="tx1"/>
+              </a:solidFill>
+              <a:latin typeface="+mn-lt"/>
+              <a:ea typeface="+mn-ea"/>
+              <a:cs typeface="+mn-cs"/>
+            </a:endParaRPr>
+          </a:p>
+          <a:p>
+            <a:endParaRPr lang="zh-CN" altLang="en-US" dirty="0"/>
+          </a:p>
+        </p:txBody>
+      </p:sp>
+      <p:sp>
+        <p:nvSpPr>
+          <p:cNvPr id="4" name="灯片编号占位符 3"/>
           <p:cNvSpPr>
             <a:spLocks noGrp="1"/>
           </p:cNvSpPr>
@@ -789,18 +1135,18 @@
           <a:bodyPr/>
           <a:lstStyle/>
           <a:p>
-            <a:fld id="{5F024B6D-3EBB-FB41-8535-18BD3BAD5859}" type="slidenum">
-              <a:rPr lang="en-US" smtClean="0"/>
+            <a:fld id="{0EB7D2A6-02EA-4AC9-98AC-3C17B52F5749}" type="slidenum">
+              <a:rPr lang="zh-CN" altLang="en-US" smtClean="0"/>
               <a:t>10</a:t>
             </a:fld>
-            <a:endParaRPr lang="en-US"/>
+            <a:endParaRPr lang="zh-CN" altLang="en-US"/>
           </a:p>
         </p:txBody>
       </p:sp>
     </p:spTree>
     <p:extLst>
       <p:ext uri="{BB962C8B-B14F-4D97-AF65-F5344CB8AC3E}">
-        <p14:creationId xmlns:p14="http://schemas.microsoft.com/office/powerpoint/2010/main" val="1541572556"/>
+        <p14:creationId xmlns:p14="http://schemas.microsoft.com/office/powerpoint/2010/main" val="3600929577"/>
       </p:ext>
     </p:extLst>
   </p:cSld>
@@ -829,7 +1175,7 @@
       </p:grpSpPr>
       <p:sp>
         <p:nvSpPr>
-          <p:cNvPr id="2" name="Slide Image Placeholder 1"/>
+          <p:cNvPr id="2" name="幻灯片图像占位符 1"/>
           <p:cNvSpPr>
             <a:spLocks noGrp="1" noRot="1" noChangeAspect="1"/>
           </p:cNvSpPr>
@@ -841,7 +1187,7 @@
       </p:sp>
       <p:sp>
         <p:nvSpPr>
-          <p:cNvPr id="3" name="Notes Placeholder 2"/>
+          <p:cNvPr id="3" name="备注占位符 2"/>
           <p:cNvSpPr>
             <a:spLocks noGrp="1"/>
           </p:cNvSpPr>
@@ -851,391 +1197,29 @@
         </p:nvSpPr>
         <p:spPr/>
         <p:txBody>
-          <a:bodyPr/>
-          <a:lstStyle/>
-          <a:p>
-            <a:r>
-              <a:rPr lang="en-US" sz="1200" kern="1200" dirty="0" smtClean="0">
+          <a:bodyPr>
+            <a:normAutofit/>
+          </a:bodyPr>
+          <a:lstStyle/>
+          <a:p>
+            <a:r>
+              <a:rPr lang="en-US" altLang="zh-CN" sz="1200" kern="1200" baseline="0" dirty="0" smtClean="0">
                 <a:solidFill>
                   <a:schemeClr val="tx1"/>
                 </a:solidFill>
-                <a:effectLst/>
                 <a:latin typeface="+mn-lt"/>
                 <a:ea typeface="+mn-ea"/>
                 <a:cs typeface="+mn-cs"/>
               </a:rPr>
-              <a:t>Appropriateness </a:t>
-            </a:r>
-            <a:r>
-              <a:rPr lang="en-US" sz="1200" kern="1200" dirty="0" err="1" smtClean="0">
-                <a:solidFill>
-                  <a:schemeClr val="tx1"/>
-                </a:solidFill>
-                <a:effectLst/>
-                <a:latin typeface="+mn-lt"/>
-                <a:ea typeface="+mn-ea"/>
-                <a:cs typeface="+mn-cs"/>
-              </a:rPr>
-              <a:t>recognisability</a:t>
-            </a:r>
-            <a:r>
-              <a:rPr lang="en-US" sz="1200" kern="1200" dirty="0" smtClean="0">
-                <a:solidFill>
-                  <a:schemeClr val="tx1"/>
-                </a:solidFill>
-                <a:effectLst/>
-                <a:latin typeface="+mn-lt"/>
-                <a:ea typeface="+mn-ea"/>
-                <a:cs typeface="+mn-cs"/>
-              </a:rPr>
-              <a:t> </a:t>
-            </a:r>
-            <a:r>
-              <a:rPr lang="en-US" sz="1200" b="1" kern="1200" dirty="0" smtClean="0">
-                <a:solidFill>
-                  <a:schemeClr val="tx1"/>
-                </a:solidFill>
-                <a:effectLst/>
-                <a:latin typeface="+mn-lt"/>
-                <a:ea typeface="+mn-ea"/>
-                <a:cs typeface="+mn-cs"/>
-              </a:rPr>
-              <a:t>(Users can recognize whether a product is appropriate for their needs)</a:t>
-            </a:r>
-          </a:p>
-          <a:p>
-            <a:pPr lvl="0"/>
-            <a:r>
-              <a:rPr lang="en-US" sz="1200" kern="1200" dirty="0" smtClean="0">
-                <a:solidFill>
-                  <a:schemeClr val="tx1"/>
-                </a:solidFill>
-                <a:effectLst/>
-                <a:latin typeface="+mn-lt"/>
-                <a:ea typeface="+mn-ea"/>
-                <a:cs typeface="+mn-cs"/>
-              </a:rPr>
-              <a:t>	Features List</a:t>
-            </a:r>
-            <a:r>
-              <a:rPr lang="en-US" sz="1200" kern="1200" baseline="0" dirty="0" smtClean="0">
-                <a:solidFill>
-                  <a:schemeClr val="tx1"/>
-                </a:solidFill>
-                <a:effectLst/>
-                <a:latin typeface="+mn-lt"/>
-                <a:ea typeface="+mn-ea"/>
-                <a:cs typeface="+mn-cs"/>
-              </a:rPr>
-              <a:t> </a:t>
-            </a:r>
-            <a:r>
-              <a:rPr lang="en-US" sz="1200" u="sng" kern="1200" dirty="0" smtClean="0">
-                <a:solidFill>
-                  <a:schemeClr val="tx1"/>
-                </a:solidFill>
-                <a:effectLst/>
-                <a:latin typeface="+mn-lt"/>
-                <a:ea typeface="+mn-ea"/>
-                <a:cs typeface="+mn-cs"/>
-                <a:hlinkClick r:id="rId3"/>
-              </a:rPr>
-              <a:t>http://www.broadleafcommerce.com/features</a:t>
-            </a:r>
-            <a:endParaRPr lang="en-US" sz="1200" kern="1200" dirty="0" smtClean="0">
-              <a:solidFill>
-                <a:schemeClr val="tx1"/>
-              </a:solidFill>
-              <a:effectLst/>
-              <a:latin typeface="+mn-lt"/>
-              <a:ea typeface="+mn-ea"/>
-              <a:cs typeface="+mn-cs"/>
-            </a:endParaRPr>
-          </a:p>
-          <a:p>
-            <a:pPr lvl="0"/>
-            <a:r>
-              <a:rPr lang="en-US" sz="1200" kern="1200" dirty="0" smtClean="0">
-                <a:solidFill>
-                  <a:schemeClr val="tx1"/>
-                </a:solidFill>
-                <a:effectLst/>
-                <a:latin typeface="+mn-lt"/>
-                <a:ea typeface="+mn-ea"/>
-                <a:cs typeface="+mn-cs"/>
-              </a:rPr>
-              <a:t>	Demo site </a:t>
-            </a:r>
-            <a:r>
-              <a:rPr lang="en-US" sz="1200" u="sng" kern="1200" dirty="0" smtClean="0">
-                <a:solidFill>
-                  <a:schemeClr val="tx1"/>
-                </a:solidFill>
-                <a:effectLst/>
-                <a:latin typeface="+mn-lt"/>
-                <a:ea typeface="+mn-ea"/>
-                <a:cs typeface="+mn-cs"/>
-                <a:hlinkClick r:id="rId4"/>
-              </a:rPr>
-              <a:t>http://demo.broadleafcommerce.org/</a:t>
-            </a:r>
-            <a:r>
-              <a:rPr lang="en-US" sz="1200" kern="1200" dirty="0" smtClean="0">
-                <a:solidFill>
-                  <a:schemeClr val="tx1"/>
-                </a:solidFill>
-                <a:effectLst/>
-                <a:latin typeface="+mn-lt"/>
-                <a:ea typeface="+mn-ea"/>
-                <a:cs typeface="+mn-cs"/>
-              </a:rPr>
-              <a:t> </a:t>
-            </a:r>
-          </a:p>
-          <a:p>
-            <a:r>
-              <a:rPr lang="en-US" sz="1200" kern="1200" dirty="0" smtClean="0">
-                <a:solidFill>
-                  <a:schemeClr val="tx1"/>
-                </a:solidFill>
-                <a:effectLst/>
-                <a:latin typeface="+mn-lt"/>
-                <a:ea typeface="+mn-ea"/>
-                <a:cs typeface="+mn-cs"/>
-              </a:rPr>
-              <a:t>Learnability</a:t>
-            </a:r>
-          </a:p>
-          <a:p>
-            <a:pPr lvl="0"/>
-            <a:r>
-              <a:rPr lang="en-US" sz="1200" kern="1200" dirty="0" smtClean="0">
-                <a:solidFill>
-                  <a:schemeClr val="tx1"/>
-                </a:solidFill>
-                <a:effectLst/>
-                <a:latin typeface="+mn-lt"/>
-                <a:ea typeface="+mn-ea"/>
-                <a:cs typeface="+mn-cs"/>
-              </a:rPr>
-              <a:t>	Tuition documents</a:t>
-            </a:r>
-          </a:p>
-          <a:p>
-            <a:pPr lvl="0"/>
-            <a:r>
-              <a:rPr lang="en-US" sz="1200" kern="1200" dirty="0" smtClean="0">
-                <a:solidFill>
-                  <a:schemeClr val="tx1"/>
-                </a:solidFill>
-                <a:effectLst/>
-                <a:latin typeface="+mn-lt"/>
-                <a:ea typeface="+mn-ea"/>
-                <a:cs typeface="+mn-cs"/>
-              </a:rPr>
-              <a:t>	Demo site</a:t>
-            </a:r>
-          </a:p>
-          <a:p>
-            <a:r>
-              <a:rPr lang="en-US" sz="1200" kern="1200" dirty="0" smtClean="0">
-                <a:solidFill>
-                  <a:schemeClr val="tx1"/>
-                </a:solidFill>
-                <a:effectLst/>
-                <a:latin typeface="+mn-lt"/>
-                <a:ea typeface="+mn-ea"/>
-                <a:cs typeface="+mn-cs"/>
-              </a:rPr>
-              <a:t>Operability</a:t>
-            </a:r>
-          </a:p>
-          <a:p>
-            <a:pPr lvl="0"/>
-            <a:r>
-              <a:rPr lang="en-US" sz="1200" kern="1200" dirty="0" smtClean="0">
-                <a:solidFill>
-                  <a:schemeClr val="tx1"/>
-                </a:solidFill>
-                <a:effectLst/>
-                <a:latin typeface="+mn-lt"/>
-                <a:ea typeface="+mn-ea"/>
-                <a:cs typeface="+mn-cs"/>
-              </a:rPr>
-              <a:t> 	Provide admin console to control and operate all store business</a:t>
-            </a:r>
-          </a:p>
-          <a:p>
-            <a:r>
-              <a:rPr lang="en-US" sz="1200" kern="1200" dirty="0" smtClean="0">
-                <a:solidFill>
-                  <a:schemeClr val="tx1"/>
-                </a:solidFill>
-                <a:effectLst/>
-                <a:latin typeface="+mn-lt"/>
-                <a:ea typeface="+mn-ea"/>
-                <a:cs typeface="+mn-cs"/>
-              </a:rPr>
-              <a:t>	All front-end interface can be customized.(</a:t>
-            </a:r>
-            <a:r>
-              <a:rPr lang="en-US" sz="1200" kern="1200" dirty="0" err="1" smtClean="0">
-                <a:solidFill>
-                  <a:schemeClr val="tx1"/>
-                </a:solidFill>
-                <a:effectLst/>
-                <a:latin typeface="+mn-lt"/>
-                <a:ea typeface="+mn-ea"/>
-                <a:cs typeface="+mn-cs"/>
-              </a:rPr>
-              <a:t>cms</a:t>
-            </a:r>
-            <a:r>
-              <a:rPr lang="en-US" sz="1200" kern="1200" dirty="0" smtClean="0">
-                <a:solidFill>
-                  <a:schemeClr val="tx1"/>
-                </a:solidFill>
-                <a:effectLst/>
-                <a:latin typeface="+mn-lt"/>
-                <a:ea typeface="+mn-ea"/>
-                <a:cs typeface="+mn-cs"/>
-              </a:rPr>
-              <a:t>)</a:t>
-            </a:r>
-          </a:p>
-          <a:p>
-            <a:r>
-              <a:rPr lang="en-US" sz="1200" kern="1200" dirty="0" smtClean="0">
-                <a:solidFill>
-                  <a:schemeClr val="tx1"/>
-                </a:solidFill>
-                <a:effectLst/>
-                <a:latin typeface="+mn-lt"/>
-                <a:ea typeface="+mn-ea"/>
-                <a:cs typeface="+mn-cs"/>
-              </a:rPr>
-              <a:t> (</a:t>
-            </a:r>
-            <a:r>
-              <a:rPr lang="en-US" sz="1200" kern="1200" dirty="0" err="1" smtClean="0">
-                <a:solidFill>
-                  <a:schemeClr val="tx1"/>
-                </a:solidFill>
-                <a:effectLst/>
-                <a:latin typeface="+mn-lt"/>
-                <a:ea typeface="+mn-ea"/>
-                <a:cs typeface="+mn-cs"/>
-              </a:rPr>
-              <a:t>cms</a:t>
-            </a:r>
-            <a:r>
-              <a:rPr lang="en-US" sz="1200" kern="1200" dirty="0" smtClean="0">
-                <a:solidFill>
-                  <a:schemeClr val="tx1"/>
-                </a:solidFill>
-                <a:effectLst/>
-                <a:latin typeface="+mn-lt"/>
-                <a:ea typeface="+mn-ea"/>
-                <a:cs typeface="+mn-cs"/>
-              </a:rPr>
-              <a:t>)</a:t>
-            </a:r>
-          </a:p>
-          <a:p>
-            <a:r>
-              <a:rPr lang="en-US" sz="1200" b="1" u="none" kern="1200" dirty="0" smtClean="0">
-                <a:solidFill>
-                  <a:srgbClr val="FF0000"/>
-                </a:solidFill>
-                <a:effectLst/>
-                <a:latin typeface="+mn-lt"/>
-                <a:ea typeface="+mn-ea"/>
-                <a:cs typeface="+mn-cs"/>
-              </a:rPr>
-              <a:t>Broadleaf has a large suite of default functionality built in, so it's possible that you will only need to customize the UI and some configuration files.</a:t>
-            </a:r>
-          </a:p>
-          <a:p>
-            <a:endParaRPr lang="en-US" sz="1200" b="1" u="none" kern="1200" dirty="0" smtClean="0">
-              <a:solidFill>
-                <a:srgbClr val="FF0000"/>
-              </a:solidFill>
-              <a:effectLst/>
-              <a:latin typeface="+mn-lt"/>
-              <a:ea typeface="+mn-ea"/>
-              <a:cs typeface="+mn-cs"/>
-            </a:endParaRPr>
-          </a:p>
-          <a:p>
-            <a:r>
-              <a:rPr lang="en-US" sz="1200" b="1" u="none" kern="1200" dirty="0" smtClean="0">
-                <a:solidFill>
-                  <a:srgbClr val="FF0000"/>
-                </a:solidFill>
-                <a:effectLst/>
-                <a:latin typeface="+mn-lt"/>
-                <a:ea typeface="+mn-ea"/>
-                <a:cs typeface="+mn-cs"/>
-              </a:rPr>
-              <a:t>Broadleaf provides over 4000 Java classes that represent business services, data access objects, entities, and utilities. And also developer can extend entities and implement business services and data access interfaces to customize behavior. And related tuition documents are provided.</a:t>
-            </a:r>
-          </a:p>
-          <a:p>
-            <a:r>
-              <a:rPr lang="en-US" sz="1200" u="sng" kern="1200" dirty="0" smtClean="0">
-                <a:solidFill>
-                  <a:schemeClr val="tx1"/>
-                </a:solidFill>
-                <a:effectLst/>
-                <a:latin typeface="+mn-lt"/>
-                <a:ea typeface="+mn-ea"/>
-                <a:cs typeface="+mn-cs"/>
-                <a:hlinkClick r:id="rId5"/>
-              </a:rPr>
-              <a:t>http://www.broadleafcommerce.com/docs/core/current/tutorials/core-tutorials/extending-entities-tutorial</a:t>
-            </a:r>
-            <a:endParaRPr lang="en-US" sz="1200" kern="1200" dirty="0" smtClean="0">
-              <a:solidFill>
-                <a:schemeClr val="tx1"/>
-              </a:solidFill>
-              <a:effectLst/>
-              <a:latin typeface="+mn-lt"/>
-              <a:ea typeface="+mn-ea"/>
-              <a:cs typeface="+mn-cs"/>
-            </a:endParaRPr>
-          </a:p>
-          <a:p>
-            <a:r>
-              <a:rPr lang="en-US" sz="1200" u="sng" kern="1200" dirty="0" smtClean="0">
-                <a:solidFill>
-                  <a:schemeClr val="tx1"/>
-                </a:solidFill>
-                <a:effectLst/>
-                <a:latin typeface="+mn-lt"/>
-                <a:ea typeface="+mn-ea"/>
-                <a:cs typeface="+mn-cs"/>
-                <a:hlinkClick r:id="rId6"/>
-              </a:rPr>
-              <a:t>http://www.broadleafcommerce.com/docs/core/current/tutorials/core-tutorials/extending-services-tutorial</a:t>
-            </a:r>
-            <a:endParaRPr lang="en-US" sz="1200" kern="1200" dirty="0" smtClean="0">
-              <a:solidFill>
-                <a:schemeClr val="tx1"/>
-              </a:solidFill>
-              <a:effectLst/>
-              <a:latin typeface="+mn-lt"/>
-              <a:ea typeface="+mn-ea"/>
-              <a:cs typeface="+mn-cs"/>
-            </a:endParaRPr>
-          </a:p>
-          <a:p>
-            <a:endParaRPr lang="en-US" dirty="0"/>
-          </a:p>
-        </p:txBody>
-      </p:sp>
-      <p:sp>
-        <p:nvSpPr>
-          <p:cNvPr id="4" name="Slide Number Placeholder 3"/>
+              <a:t>http://www.broadleafcommerce.com/docs/core/current/broadleaf-concepts/key-aspects-and-configuration/project-modules-and-package-structure</a:t>
+            </a:r>
+            <a:endParaRPr lang="zh-CN" altLang="en-US" dirty="0"/>
+          </a:p>
+        </p:txBody>
+      </p:sp>
+      <p:sp>
+        <p:nvSpPr>
+          <p:cNvPr id="4" name="灯片编号占位符 3"/>
           <p:cNvSpPr>
             <a:spLocks noGrp="1"/>
           </p:cNvSpPr>
@@ -1248,18 +1232,18 @@
           <a:bodyPr/>
           <a:lstStyle/>
           <a:p>
-            <a:fld id="{5F024B6D-3EBB-FB41-8535-18BD3BAD5859}" type="slidenum">
-              <a:rPr lang="en-US" smtClean="0"/>
+            <a:fld id="{0EB7D2A6-02EA-4AC9-98AC-3C17B52F5749}" type="slidenum">
+              <a:rPr lang="zh-CN" altLang="en-US" smtClean="0"/>
               <a:t>11</a:t>
             </a:fld>
-            <a:endParaRPr lang="en-US"/>
+            <a:endParaRPr lang="zh-CN" altLang="en-US"/>
           </a:p>
         </p:txBody>
       </p:sp>
     </p:spTree>
     <p:extLst>
       <p:ext uri="{BB962C8B-B14F-4D97-AF65-F5344CB8AC3E}">
-        <p14:creationId xmlns:p14="http://schemas.microsoft.com/office/powerpoint/2010/main" val="3702149710"/>
+        <p14:creationId xmlns:p14="http://schemas.microsoft.com/office/powerpoint/2010/main" val="472503623"/>
       </p:ext>
     </p:extLst>
   </p:cSld>
@@ -1288,7 +1272,7 @@
       </p:grpSpPr>
       <p:sp>
         <p:nvSpPr>
-          <p:cNvPr id="2" name="Slide Image Placeholder 1"/>
+          <p:cNvPr id="2" name="幻灯片图像占位符 1"/>
           <p:cNvSpPr>
             <a:spLocks noGrp="1" noRot="1" noChangeAspect="1"/>
           </p:cNvSpPr>
@@ -1300,7 +1284,7 @@
       </p:sp>
       <p:sp>
         <p:nvSpPr>
-          <p:cNvPr id="3" name="Notes Placeholder 2"/>
+          <p:cNvPr id="3" name="备注占位符 2"/>
           <p:cNvSpPr>
             <a:spLocks noGrp="1"/>
           </p:cNvSpPr>
@@ -1310,44 +1294,10 @@
         </p:nvSpPr>
         <p:spPr/>
         <p:txBody>
-          <a:bodyPr/>
-          <a:lstStyle/>
-          <a:p>
-            <a:endParaRPr lang="en-US" sz="1200" kern="1200" dirty="0" smtClean="0">
-              <a:solidFill>
-                <a:schemeClr val="tx1"/>
-              </a:solidFill>
-              <a:effectLst/>
-              <a:latin typeface="+mn-lt"/>
-              <a:ea typeface="+mn-ea"/>
-              <a:cs typeface="+mn-cs"/>
-            </a:endParaRPr>
-          </a:p>
-          <a:p>
-            <a:r>
-              <a:rPr lang="en-US" sz="1200" u="sng" kern="1200" dirty="0" smtClean="0">
-                <a:solidFill>
-                  <a:schemeClr val="tx1"/>
-                </a:solidFill>
-                <a:effectLst/>
-                <a:latin typeface="+mn-lt"/>
-                <a:ea typeface="+mn-ea"/>
-                <a:cs typeface="+mn-cs"/>
-                <a:hlinkClick r:id="rId3"/>
-              </a:rPr>
-              <a:t>http://www.broadleafcommerce.com/technology-stack</a:t>
-            </a:r>
-            <a:r>
-              <a:rPr lang="en-US" dirty="0" smtClean="0">
-                <a:effectLst/>
-              </a:rPr>
-              <a:t> </a:t>
-            </a:r>
-            <a:endParaRPr lang="en-US" dirty="0" smtClean="0"/>
-          </a:p>
-          <a:p>
-            <a:endParaRPr lang="en-US" dirty="0" smtClean="0"/>
-          </a:p>
+          <a:bodyPr>
+            <a:normAutofit/>
+          </a:bodyPr>
+          <a:lstStyle/>
           <a:p>
             <a:pPr marL="0" marR="0" indent="0" algn="l" defTabSz="914400" rtl="0" eaLnBrk="1" fontAlgn="auto" latinLnBrk="0" hangingPunct="1">
               <a:lnSpc>
@@ -1367,39 +1317,19 @@
               <a:defRPr/>
             </a:pPr>
             <a:r>
-              <a:rPr lang="en-US" sz="1200" u="sng" kern="1200" dirty="0" smtClean="0">
-                <a:solidFill>
-                  <a:schemeClr val="tx1"/>
-                </a:solidFill>
-                <a:effectLst/>
-                <a:latin typeface="+mn-lt"/>
-                <a:ea typeface="+mn-ea"/>
-                <a:cs typeface="+mn-cs"/>
-                <a:hlinkClick r:id="rId4"/>
-              </a:rPr>
-              <a:t>http://www.broadleafcommerce.com/faq?recaptchaPublicKey=6Lct6_ESAAAAAA1rzWdQDmWx1WC8804UaOaBEj2t#q9</a:t>
-            </a:r>
-            <a:r>
-              <a:rPr lang="en-US" sz="1200" kern="1200" dirty="0" smtClean="0">
-                <a:solidFill>
-                  <a:schemeClr val="tx1"/>
-                </a:solidFill>
-                <a:effectLst/>
-                <a:latin typeface="+mn-lt"/>
-                <a:ea typeface="+mn-ea"/>
-                <a:cs typeface="+mn-cs"/>
-              </a:rPr>
-              <a:t> </a:t>
-            </a:r>
-          </a:p>
-          <a:p>
-            <a:endParaRPr lang="en-US" dirty="0"/>
-          </a:p>
-        </p:txBody>
-      </p:sp>
-      <p:sp>
-        <p:nvSpPr>
-          <p:cNvPr id="4" name="Slide Number Placeholder 3"/>
+              <a:rPr lang="en-US" altLang="zh-CN" dirty="0" smtClean="0"/>
+              <a:t>Refer to http://www.broadleafcommerce.com/docs/core/current/modules</a:t>
+            </a:r>
+            <a:endParaRPr lang="zh-CN" altLang="en-US" dirty="0" smtClean="0"/>
+          </a:p>
+          <a:p>
+            <a:endParaRPr lang="zh-CN" altLang="en-US" dirty="0"/>
+          </a:p>
+        </p:txBody>
+      </p:sp>
+      <p:sp>
+        <p:nvSpPr>
+          <p:cNvPr id="4" name="灯片编号占位符 3"/>
           <p:cNvSpPr>
             <a:spLocks noGrp="1"/>
           </p:cNvSpPr>
@@ -1412,18 +1342,18 @@
           <a:bodyPr/>
           <a:lstStyle/>
           <a:p>
-            <a:fld id="{5F024B6D-3EBB-FB41-8535-18BD3BAD5859}" type="slidenum">
-              <a:rPr lang="en-US" smtClean="0"/>
+            <a:fld id="{0EB7D2A6-02EA-4AC9-98AC-3C17B52F5749}" type="slidenum">
+              <a:rPr lang="zh-CN" altLang="en-US" smtClean="0"/>
               <a:t>12</a:t>
             </a:fld>
-            <a:endParaRPr lang="en-US"/>
+            <a:endParaRPr lang="zh-CN" altLang="en-US"/>
           </a:p>
         </p:txBody>
       </p:sp>
     </p:spTree>
     <p:extLst>
       <p:ext uri="{BB962C8B-B14F-4D97-AF65-F5344CB8AC3E}">
-        <p14:creationId xmlns:p14="http://schemas.microsoft.com/office/powerpoint/2010/main" val="2697456696"/>
+        <p14:creationId xmlns:p14="http://schemas.microsoft.com/office/powerpoint/2010/main" val="1189380084"/>
       </p:ext>
     </p:extLst>
   </p:cSld>
@@ -1452,6 +1382,130 @@
       </p:grpSpPr>
       <p:sp>
         <p:nvSpPr>
+          <p:cNvPr id="2" name="幻灯片图像占位符 1"/>
+          <p:cNvSpPr>
+            <a:spLocks noGrp="1" noRot="1" noChangeAspect="1"/>
+          </p:cNvSpPr>
+          <p:nvPr>
+            <p:ph type="sldImg"/>
+          </p:nvPr>
+        </p:nvSpPr>
+        <p:spPr/>
+      </p:sp>
+      <p:sp>
+        <p:nvSpPr>
+          <p:cNvPr id="3" name="备注占位符 2"/>
+          <p:cNvSpPr>
+            <a:spLocks noGrp="1"/>
+          </p:cNvSpPr>
+          <p:nvPr>
+            <p:ph type="body" idx="1"/>
+          </p:nvPr>
+        </p:nvSpPr>
+        <p:spPr/>
+        <p:txBody>
+          <a:bodyPr>
+            <a:normAutofit/>
+          </a:bodyPr>
+          <a:lstStyle/>
+          <a:p>
+            <a:pPr marL="0" marR="0" indent="0" algn="l" defTabSz="914400" rtl="0" eaLnBrk="1" fontAlgn="auto" latinLnBrk="0" hangingPunct="1">
+              <a:lnSpc>
+                <a:spcPct val="100000"/>
+              </a:lnSpc>
+              <a:spcBef>
+                <a:spcPts val="0"/>
+              </a:spcBef>
+              <a:spcAft>
+                <a:spcPts val="0"/>
+              </a:spcAft>
+              <a:buClrTx/>
+              <a:buSzTx/>
+              <a:buFontTx/>
+              <a:buNone/>
+              <a:tabLst/>
+              <a:defRPr/>
+            </a:pPr>
+            <a:r>
+              <a:rPr lang="en-US" sz="1200" kern="1200" dirty="0" smtClean="0">
+                <a:solidFill>
+                  <a:schemeClr val="tx1"/>
+                </a:solidFill>
+                <a:latin typeface="+mn-lt"/>
+                <a:ea typeface="+mn-ea"/>
+                <a:cs typeface="+mn-cs"/>
+              </a:rPr>
+              <a:t>http://www.broadleafcommerce.com/docs/core/current/tutorials/testing-tutorials/groovy-spock-integration-test</a:t>
+            </a:r>
+            <a:endParaRPr lang="zh-CN" altLang="en-US" sz="1200" kern="1200" dirty="0" smtClean="0">
+              <a:solidFill>
+                <a:schemeClr val="tx1"/>
+              </a:solidFill>
+              <a:latin typeface="+mn-lt"/>
+              <a:ea typeface="+mn-ea"/>
+              <a:cs typeface="+mn-cs"/>
+            </a:endParaRPr>
+          </a:p>
+          <a:p>
+            <a:endParaRPr lang="zh-CN" altLang="en-US" dirty="0"/>
+          </a:p>
+        </p:txBody>
+      </p:sp>
+      <p:sp>
+        <p:nvSpPr>
+          <p:cNvPr id="4" name="灯片编号占位符 3"/>
+          <p:cNvSpPr>
+            <a:spLocks noGrp="1"/>
+          </p:cNvSpPr>
+          <p:nvPr>
+            <p:ph type="sldNum" sz="quarter" idx="10"/>
+          </p:nvPr>
+        </p:nvSpPr>
+        <p:spPr/>
+        <p:txBody>
+          <a:bodyPr/>
+          <a:lstStyle/>
+          <a:p>
+            <a:fld id="{0EB7D2A6-02EA-4AC9-98AC-3C17B52F5749}" type="slidenum">
+              <a:rPr lang="zh-CN" altLang="en-US" smtClean="0"/>
+              <a:t>14</a:t>
+            </a:fld>
+            <a:endParaRPr lang="zh-CN" altLang="en-US"/>
+          </a:p>
+        </p:txBody>
+      </p:sp>
+    </p:spTree>
+    <p:extLst>
+      <p:ext uri="{BB962C8B-B14F-4D97-AF65-F5344CB8AC3E}">
+        <p14:creationId xmlns:p14="http://schemas.microsoft.com/office/powerpoint/2010/main" val="2060309249"/>
+      </p:ext>
+    </p:extLst>
+  </p:cSld>
+  <p:clrMapOvr>
+    <a:masterClrMapping/>
+  </p:clrMapOvr>
+</p:notes>
+</file>
+
+<file path=ppt/notesSlides/notesSlide6.xml><?xml version="1.0" encoding="utf-8"?>
+<p:notes xmlns:a="http://schemas.openxmlformats.org/drawingml/2006/main" xmlns:r="http://schemas.openxmlformats.org/officeDocument/2006/relationships" xmlns:p="http://schemas.openxmlformats.org/presentationml/2006/main">
+  <p:cSld>
+    <p:spTree>
+      <p:nvGrpSpPr>
+        <p:cNvPr id="1" name=""/>
+        <p:cNvGrpSpPr/>
+        <p:nvPr/>
+      </p:nvGrpSpPr>
+      <p:grpSpPr>
+        <a:xfrm>
+          <a:off x="0" y="0"/>
+          <a:ext cx="0" cy="0"/>
+          <a:chOff x="0" y="0"/>
+          <a:chExt cx="0" cy="0"/>
+        </a:xfrm>
+      </p:grpSpPr>
+      <p:sp>
+        <p:nvSpPr>
           <p:cNvPr id="2" name="Slide Image Placeholder 1"/>
           <p:cNvSpPr>
             <a:spLocks noGrp="1" noRot="1" noChangeAspect="1"/>
@@ -1477,6 +1531,33 @@
           <a:bodyPr/>
           <a:lstStyle/>
           <a:p>
+            <a:r>
+              <a:rPr lang="en-US" sz="1200" kern="1200" dirty="0" smtClean="0">
+                <a:solidFill>
+                  <a:schemeClr val="tx1"/>
+                </a:solidFill>
+                <a:effectLst/>
+                <a:latin typeface="+mn-lt"/>
+                <a:ea typeface="+mn-ea"/>
+                <a:cs typeface="+mn-cs"/>
+              </a:rPr>
+              <a:t>Jersey</a:t>
+            </a:r>
+          </a:p>
+          <a:p>
+            <a:r>
+              <a:rPr lang="en-US" sz="1200" u="sng" kern="1200" dirty="0" smtClean="0">
+                <a:solidFill>
+                  <a:schemeClr val="tx1"/>
+                </a:solidFill>
+                <a:effectLst/>
+                <a:latin typeface="+mn-lt"/>
+                <a:ea typeface="+mn-ea"/>
+                <a:cs typeface="+mn-cs"/>
+                <a:hlinkClick r:id="rId3"/>
+              </a:rPr>
+              <a:t>http://www.broadleafcommerce.com/technology-stack</a:t>
+            </a:r>
             <a:endParaRPr lang="en-US" sz="1200" kern="1200" dirty="0" smtClean="0">
               <a:solidFill>
                 <a:schemeClr val="tx1"/>
@@ -1488,6 +1569,120 @@
             </a:endParaRPr>
           </a:p>
           <a:p>
+            <a:endParaRPr lang="en-US" dirty="0"/>
+          </a:p>
+        </p:txBody>
+      </p:sp>
+      <p:sp>
+        <p:nvSpPr>
+          <p:cNvPr id="4" name="Slide Number Placeholder 3"/>
+          <p:cNvSpPr>
+            <a:spLocks noGrp="1"/>
+          </p:cNvSpPr>
+          <p:nvPr>
+            <p:ph type="sldNum" sz="quarter" idx="10"/>
+          </p:nvPr>
+        </p:nvSpPr>
+        <p:spPr/>
+        <p:txBody>
+          <a:bodyPr/>
+          <a:lstStyle/>
+          <a:p>
+            <a:fld id="{5F024B6D-3EBB-FB41-8535-18BD3BAD5859}" type="slidenum">
+              <a:rPr lang="en-US" smtClean="0"/>
+              <a:t>23</a:t>
+            </a:fld>
+            <a:endParaRPr lang="en-US"/>
+          </a:p>
+        </p:txBody>
+      </p:sp>
+    </p:spTree>
+    <p:extLst>
+      <p:ext uri="{BB962C8B-B14F-4D97-AF65-F5344CB8AC3E}">
+        <p14:creationId xmlns:p14="http://schemas.microsoft.com/office/powerpoint/2010/main" val="2862139164"/>
+      </p:ext>
+    </p:extLst>
+  </p:cSld>
+  <p:clrMapOvr>
+    <a:masterClrMapping/>
+  </p:clrMapOvr>
+</p:notes>
+</file>
+
+<file path=ppt/notesSlides/notesSlide7.xml><?xml version="1.0" encoding="utf-8"?>
+<p:notes xmlns:a="http://schemas.openxmlformats.org/drawingml/2006/main" xmlns:r="http://schemas.openxmlformats.org/officeDocument/2006/relationships" xmlns:p="http://schemas.openxmlformats.org/presentationml/2006/main">
+  <p:cSld>
+    <p:spTree>
+      <p:nvGrpSpPr>
+        <p:cNvPr id="1" name=""/>
+        <p:cNvGrpSpPr/>
+        <p:nvPr/>
+      </p:nvGrpSpPr>
+      <p:grpSpPr>
+        <a:xfrm>
+          <a:off x="0" y="0"/>
+          <a:ext cx="0" cy="0"/>
+          <a:chOff x="0" y="0"/>
+          <a:chExt cx="0" cy="0"/>
+        </a:xfrm>
+      </p:grpSpPr>
+      <p:sp>
+        <p:nvSpPr>
+          <p:cNvPr id="2" name="Slide Image Placeholder 1"/>
+          <p:cNvSpPr>
+            <a:spLocks noGrp="1" noRot="1" noChangeAspect="1"/>
+          </p:cNvSpPr>
+          <p:nvPr>
+            <p:ph type="sldImg"/>
+          </p:nvPr>
+        </p:nvSpPr>
+        <p:spPr/>
+      </p:sp>
+      <p:sp>
+        <p:nvSpPr>
+          <p:cNvPr id="3" name="Notes Placeholder 2"/>
+          <p:cNvSpPr>
+            <a:spLocks noGrp="1"/>
+          </p:cNvSpPr>
+          <p:nvPr>
+            <p:ph type="body" idx="1"/>
+          </p:nvPr>
+        </p:nvSpPr>
+        <p:spPr/>
+        <p:txBody>
+          <a:bodyPr/>
+          <a:lstStyle/>
+          <a:p>
+            <a:r>
+              <a:rPr lang="en-US" sz="1200" kern="1200" dirty="0" smtClean="0">
+                <a:solidFill>
+                  <a:schemeClr val="tx1"/>
+                </a:solidFill>
+                <a:latin typeface="+mn-lt"/>
+                <a:ea typeface="+mn-ea"/>
+                <a:cs typeface="+mn-cs"/>
+              </a:rPr>
+              <a:t>Code level </a:t>
+            </a:r>
+          </a:p>
+          <a:p>
+            <a:pPr marL="0" marR="0" indent="0" algn="l" defTabSz="914400" rtl="0" eaLnBrk="1" fontAlgn="auto" latinLnBrk="0" hangingPunct="1">
+              <a:lnSpc>
+                <a:spcPct val="100000"/>
+              </a:lnSpc>
+              <a:spcBef>
+                <a:spcPts val="0"/>
+              </a:spcBef>
+              <a:spcAft>
+                <a:spcPts val="0"/>
+              </a:spcAft>
+              <a:buClrTx/>
+              <a:buSzTx/>
+              <a:buFontTx/>
+              <a:buNone/>
+              <a:tabLst/>
+              <a:defRPr/>
+            </a:pPr>
             <a:r>
               <a:rPr lang="en-US" sz="1200" kern="1200" dirty="0" smtClean="0">
                 <a:solidFill>
@@ -1498,7 +1693,165 @@
                 <a:ea typeface="+mn-ea"/>
                 <a:cs typeface="+mn-cs"/>
               </a:rPr>
-              <a:t>Broadleaf requires a servlet container such as Apache Tomcat. Broadleaf has also been tested with Jetty, </a:t>
+              <a:t>Example1: </a:t>
+            </a:r>
+            <a:r>
+              <a:rPr lang="en-US" sz="1200" u="sng" kern="1200" dirty="0" smtClean="0">
+                <a:solidFill>
+                  <a:schemeClr val="tx1"/>
+                </a:solidFill>
+                <a:effectLst/>
+                <a:latin typeface="+mn-lt"/>
+                <a:ea typeface="+mn-ea"/>
+                <a:cs typeface="+mn-cs"/>
+                <a:hlinkClick r:id="rId3"/>
+              </a:rPr>
+              <a:t>http://www.broadleafcommerce.com/blog/why-broadleaf-continues-to-choose-spring</a:t>
+            </a:r>
+            <a:r>
+              <a:rPr lang="en-US" sz="1200" kern="1200" dirty="0" smtClean="0">
+                <a:solidFill>
+                  <a:schemeClr val="tx1"/>
+                </a:solidFill>
+                <a:effectLst/>
+                <a:latin typeface="+mn-lt"/>
+                <a:ea typeface="+mn-ea"/>
+                <a:cs typeface="+mn-cs"/>
+              </a:rPr>
+              <a:t> </a:t>
+            </a:r>
+          </a:p>
+          <a:p>
+            <a:endParaRPr lang="en-US" dirty="0" smtClean="0"/>
+          </a:p>
+          <a:p>
+            <a:r>
+              <a:rPr lang="en-US" dirty="0" err="1" smtClean="0"/>
+              <a:t>QoS</a:t>
+            </a:r>
+            <a:endParaRPr lang="en-US" dirty="0" smtClean="0"/>
+          </a:p>
+          <a:p>
+            <a:r>
+              <a:rPr lang="en-US" sz="1200" u="sng" kern="1200" dirty="0" smtClean="0">
+                <a:solidFill>
+                  <a:schemeClr val="tx1"/>
+                </a:solidFill>
+                <a:effectLst/>
+                <a:latin typeface="+mn-lt"/>
+                <a:ea typeface="+mn-ea"/>
+                <a:cs typeface="+mn-cs"/>
+                <a:hlinkClick r:id="rId4"/>
+              </a:rPr>
+              <a:t>http://www.broadleafcommerce.com/docs/core/current/broadleaf-concepts/additional-configuration/qos-configuration</a:t>
+            </a:r>
+            <a:r>
+              <a:rPr lang="en-US" sz="1200" kern="1200" dirty="0" smtClean="0">
+                <a:solidFill>
+                  <a:schemeClr val="tx1"/>
+                </a:solidFill>
+                <a:effectLst/>
+                <a:latin typeface="+mn-lt"/>
+                <a:ea typeface="+mn-ea"/>
+                <a:cs typeface="+mn-cs"/>
+              </a:rPr>
+              <a:t> </a:t>
+            </a:r>
+            <a:endParaRPr lang="en-US" dirty="0"/>
+          </a:p>
+        </p:txBody>
+      </p:sp>
+      <p:sp>
+        <p:nvSpPr>
+          <p:cNvPr id="4" name="Slide Number Placeholder 3"/>
+          <p:cNvSpPr>
+            <a:spLocks noGrp="1"/>
+          </p:cNvSpPr>
+          <p:nvPr>
+            <p:ph type="sldNum" sz="quarter" idx="10"/>
+          </p:nvPr>
+        </p:nvSpPr>
+        <p:spPr/>
+        <p:txBody>
+          <a:bodyPr/>
+          <a:lstStyle/>
+          <a:p>
+            <a:fld id="{5F024B6D-3EBB-FB41-8535-18BD3BAD5859}" type="slidenum">
+              <a:rPr lang="en-US" smtClean="0"/>
+              <a:t>24</a:t>
+            </a:fld>
+            <a:endParaRPr lang="en-US"/>
+          </a:p>
+        </p:txBody>
+      </p:sp>
+    </p:spTree>
+    <p:extLst>
+      <p:ext uri="{BB962C8B-B14F-4D97-AF65-F5344CB8AC3E}">
+        <p14:creationId xmlns:p14="http://schemas.microsoft.com/office/powerpoint/2010/main" val="1541572556"/>
+      </p:ext>
+    </p:extLst>
+  </p:cSld>
+  <p:clrMapOvr>
+    <a:masterClrMapping/>
+  </p:clrMapOvr>
+</p:notes>
+</file>
+
+<file path=ppt/notesSlides/notesSlide8.xml><?xml version="1.0" encoding="utf-8"?>
+<p:notes xmlns:a="http://schemas.openxmlformats.org/drawingml/2006/main" xmlns:r="http://schemas.openxmlformats.org/officeDocument/2006/relationships" xmlns:p="http://schemas.openxmlformats.org/presentationml/2006/main">
+  <p:cSld>
+    <p:spTree>
+      <p:nvGrpSpPr>
+        <p:cNvPr id="1" name=""/>
+        <p:cNvGrpSpPr/>
+        <p:nvPr/>
+      </p:nvGrpSpPr>
+      <p:grpSpPr>
+        <a:xfrm>
+          <a:off x="0" y="0"/>
+          <a:ext cx="0" cy="0"/>
+          <a:chOff x="0" y="0"/>
+          <a:chExt cx="0" cy="0"/>
+        </a:xfrm>
+      </p:grpSpPr>
+      <p:sp>
+        <p:nvSpPr>
+          <p:cNvPr id="2" name="Slide Image Placeholder 1"/>
+          <p:cNvSpPr>
+            <a:spLocks noGrp="1" noRot="1" noChangeAspect="1"/>
+          </p:cNvSpPr>
+          <p:nvPr>
+            <p:ph type="sldImg"/>
+          </p:nvPr>
+        </p:nvSpPr>
+        <p:spPr/>
+      </p:sp>
+      <p:sp>
+        <p:nvSpPr>
+          <p:cNvPr id="3" name="Notes Placeholder 2"/>
+          <p:cNvSpPr>
+            <a:spLocks noGrp="1"/>
+          </p:cNvSpPr>
+          <p:nvPr>
+            <p:ph type="body" idx="1"/>
+          </p:nvPr>
+        </p:nvSpPr>
+        <p:spPr/>
+        <p:txBody>
+          <a:bodyPr/>
+          <a:lstStyle/>
+          <a:p>
+            <a:r>
+              <a:rPr lang="en-US" sz="1200" kern="1200" dirty="0" smtClean="0">
+                <a:solidFill>
+                  <a:schemeClr val="tx1"/>
+                </a:solidFill>
+                <a:effectLst/>
+                <a:latin typeface="+mn-lt"/>
+                <a:ea typeface="+mn-ea"/>
+                <a:cs typeface="+mn-cs"/>
+              </a:rPr>
+              <a:t>Appropriateness </a:t>
             </a:r>
             <a:r>
               <a:rPr lang="en-US" sz="1200" kern="1200" dirty="0" err="1" smtClean="0">
@@ -1510,7 +1863,7 @@
                 <a:ea typeface="+mn-ea"/>
                 <a:cs typeface="+mn-cs"/>
               </a:rPr>
-              <a:t>JBoss</a:t>
+              <a:t>recognisability</a:t>
             </a:r>
             <a:r>
               <a:rPr lang="en-US" sz="1200" kern="1200" dirty="0" smtClean="0">
@@ -1522,7 +1875,34 @@
                 <a:ea typeface="+mn-ea"/>
                 <a:cs typeface="+mn-cs"/>
               </a:rPr>
-              <a:t> Application Server, Oracle WebLogic Application Server, and IBM WebSphere Application Server.</a:t>
+              <a:t> </a:t>
+            </a:r>
+            <a:r>
+              <a:rPr lang="en-US" sz="1200" b="1" kern="1200" dirty="0" smtClean="0">
+                <a:solidFill>
+                  <a:schemeClr val="tx1"/>
+                </a:solidFill>
+                <a:effectLst/>
+                <a:latin typeface="+mn-lt"/>
+                <a:ea typeface="+mn-ea"/>
+                <a:cs typeface="+mn-cs"/>
+              </a:rPr>
+              <a:t>(Users can recognize whether a product is appropriate for their needs)</a:t>
+            </a:r>
+          </a:p>
+          <a:p>
+            <a:pPr lvl="0"/>
+            <a:r>
+              <a:rPr lang="en-US" sz="1200" kern="1200" dirty="0" smtClean="0">
+                <a:solidFill>
+                  <a:schemeClr val="tx1"/>
+                </a:solidFill>
+                <a:effectLst/>
+                <a:latin typeface="+mn-lt"/>
+                <a:ea typeface="+mn-ea"/>
+                <a:cs typeface="+mn-cs"/>
+              </a:rPr>
+              <a:t>	Features List</a:t>
             </a:r>
             <a:r>
               <a:rPr lang="en-US" sz="1200" kern="1200" baseline="0" dirty="0" smtClean="0">
@@ -1547,7 +1927,44 @@
                 <a:cs typeface="+mn-cs"/>
                 <a:hlinkClick r:id="rId3"/>
               </a:rPr>
-              <a:t>http://www.broadleafcommerce.com/faq?recaptchaPublicKey=6Lct6_ESAAAAAA1rzWdQDmWx1WC8804UaOaBEj2t#q2</a:t>
+              <a:t>http://www.broadleafcommerce.com/features</a:t>
+            </a:r>
+            <a:endParaRPr lang="en-US" sz="1200" kern="1200" dirty="0" smtClean="0">
+              <a:solidFill>
+                <a:schemeClr val="tx1"/>
+              </a:solidFill>
+              <a:effectLst/>
+              <a:latin typeface="+mn-lt"/>
+              <a:ea typeface="+mn-ea"/>
+              <a:cs typeface="+mn-cs"/>
+            </a:endParaRPr>
+          </a:p>
+          <a:p>
+            <a:pPr lvl="0"/>
+            <a:r>
+              <a:rPr lang="en-US" sz="1200" kern="1200" dirty="0" smtClean="0">
+                <a:solidFill>
+                  <a:schemeClr val="tx1"/>
+                </a:solidFill>
+                <a:effectLst/>
+                <a:latin typeface="+mn-lt"/>
+                <a:ea typeface="+mn-ea"/>
+                <a:cs typeface="+mn-cs"/>
+              </a:rPr>
+              <a:t>	Demo site </a:t>
+            </a:r>
+            <a:r>
+              <a:rPr lang="en-US" sz="1200" u="sng" kern="1200" dirty="0" smtClean="0">
+                <a:solidFill>
+                  <a:schemeClr val="tx1"/>
+                </a:solidFill>
+                <a:effectLst/>
+                <a:latin typeface="+mn-lt"/>
+                <a:ea typeface="+mn-ea"/>
+                <a:cs typeface="+mn-cs"/>
+                <a:hlinkClick r:id="rId4"/>
+              </a:rPr>
+              <a:t>http://demo.broadleafcommerce.org/</a:t>
             </a:r>
             <a:r>
               <a:rPr lang="en-US" sz="1200" kern="1200" dirty="0" smtClean="0">
@@ -1563,6 +1980,207 @@
             </a:r>
           </a:p>
           <a:p>
+            <a:r>
+              <a:rPr lang="en-US" sz="1200" kern="1200" dirty="0" smtClean="0">
+                <a:solidFill>
+                  <a:schemeClr val="tx1"/>
+                </a:solidFill>
+                <a:effectLst/>
+                <a:latin typeface="+mn-lt"/>
+                <a:ea typeface="+mn-ea"/>
+                <a:cs typeface="+mn-cs"/>
+              </a:rPr>
+              <a:t>Learnability</a:t>
+            </a:r>
+          </a:p>
+          <a:p>
+            <a:pPr lvl="0"/>
+            <a:r>
+              <a:rPr lang="en-US" sz="1200" kern="1200" dirty="0" smtClean="0">
+                <a:solidFill>
+                  <a:schemeClr val="tx1"/>
+                </a:solidFill>
+                <a:effectLst/>
+                <a:latin typeface="+mn-lt"/>
+                <a:ea typeface="+mn-ea"/>
+                <a:cs typeface="+mn-cs"/>
+              </a:rPr>
+              <a:t>	Tuition documents</a:t>
+            </a:r>
+          </a:p>
+          <a:p>
+            <a:pPr lvl="0"/>
+            <a:r>
+              <a:rPr lang="en-US" sz="1200" kern="1200" dirty="0" smtClean="0">
+                <a:solidFill>
+                  <a:schemeClr val="tx1"/>
+                </a:solidFill>
+                <a:effectLst/>
+                <a:latin typeface="+mn-lt"/>
+                <a:ea typeface="+mn-ea"/>
+                <a:cs typeface="+mn-cs"/>
+              </a:rPr>
+              <a:t>	Demo site</a:t>
+            </a:r>
+          </a:p>
+          <a:p>
+            <a:r>
+              <a:rPr lang="en-US" sz="1200" kern="1200" dirty="0" smtClean="0">
+                <a:solidFill>
+                  <a:schemeClr val="tx1"/>
+                </a:solidFill>
+                <a:effectLst/>
+                <a:latin typeface="+mn-lt"/>
+                <a:ea typeface="+mn-ea"/>
+                <a:cs typeface="+mn-cs"/>
+              </a:rPr>
+              <a:t>Operability</a:t>
+            </a:r>
+          </a:p>
+          <a:p>
+            <a:pPr lvl="0"/>
+            <a:r>
+              <a:rPr lang="en-US" sz="1200" kern="1200" dirty="0" smtClean="0">
+                <a:solidFill>
+                  <a:schemeClr val="tx1"/>
+                </a:solidFill>
+                <a:effectLst/>
+                <a:latin typeface="+mn-lt"/>
+                <a:ea typeface="+mn-ea"/>
+                <a:cs typeface="+mn-cs"/>
+              </a:rPr>
+              <a:t> 	Provide admin console to control and operate all store business</a:t>
+            </a:r>
+          </a:p>
+          <a:p>
+            <a:r>
+              <a:rPr lang="en-US" sz="1200" kern="1200" dirty="0" smtClean="0">
+                <a:solidFill>
+                  <a:schemeClr val="tx1"/>
+                </a:solidFill>
+                <a:effectLst/>
+                <a:latin typeface="+mn-lt"/>
+                <a:ea typeface="+mn-ea"/>
+                <a:cs typeface="+mn-cs"/>
+              </a:rPr>
+              <a:t>	All front-end interface can be customized.(</a:t>
+            </a:r>
+            <a:r>
+              <a:rPr lang="en-US" sz="1200" kern="1200" dirty="0" err="1" smtClean="0">
+                <a:solidFill>
+                  <a:schemeClr val="tx1"/>
+                </a:solidFill>
+                <a:effectLst/>
+                <a:latin typeface="+mn-lt"/>
+                <a:ea typeface="+mn-ea"/>
+                <a:cs typeface="+mn-cs"/>
+              </a:rPr>
+              <a:t>cms</a:t>
+            </a:r>
+            <a:r>
+              <a:rPr lang="en-US" sz="1200" kern="1200" dirty="0" smtClean="0">
+                <a:solidFill>
+                  <a:schemeClr val="tx1"/>
+                </a:solidFill>
+                <a:effectLst/>
+                <a:latin typeface="+mn-lt"/>
+                <a:ea typeface="+mn-ea"/>
+                <a:cs typeface="+mn-cs"/>
+              </a:rPr>
+              <a:t>)</a:t>
+            </a:r>
+          </a:p>
+          <a:p>
+            <a:r>
+              <a:rPr lang="en-US" sz="1200" kern="1200" dirty="0" smtClean="0">
+                <a:solidFill>
+                  <a:schemeClr val="tx1"/>
+                </a:solidFill>
+                <a:effectLst/>
+                <a:latin typeface="+mn-lt"/>
+                <a:ea typeface="+mn-ea"/>
+                <a:cs typeface="+mn-cs"/>
+              </a:rPr>
+              <a:t> (</a:t>
+            </a:r>
+            <a:r>
+              <a:rPr lang="en-US" sz="1200" kern="1200" dirty="0" err="1" smtClean="0">
+                <a:solidFill>
+                  <a:schemeClr val="tx1"/>
+                </a:solidFill>
+                <a:effectLst/>
+                <a:latin typeface="+mn-lt"/>
+                <a:ea typeface="+mn-ea"/>
+                <a:cs typeface="+mn-cs"/>
+              </a:rPr>
+              <a:t>cms</a:t>
+            </a:r>
+            <a:r>
+              <a:rPr lang="en-US" sz="1200" kern="1200" dirty="0" smtClean="0">
+                <a:solidFill>
+                  <a:schemeClr val="tx1"/>
+                </a:solidFill>
+                <a:effectLst/>
+                <a:latin typeface="+mn-lt"/>
+                <a:ea typeface="+mn-ea"/>
+                <a:cs typeface="+mn-cs"/>
+              </a:rPr>
+              <a:t>)</a:t>
+            </a:r>
+          </a:p>
+          <a:p>
+            <a:r>
+              <a:rPr lang="en-US" sz="1200" b="1" u="none" kern="1200" dirty="0" smtClean="0">
+                <a:solidFill>
+                  <a:srgbClr val="FF0000"/>
+                </a:solidFill>
+                <a:effectLst/>
+                <a:latin typeface="+mn-lt"/>
+                <a:ea typeface="+mn-ea"/>
+                <a:cs typeface="+mn-cs"/>
+              </a:rPr>
+              <a:t>Broadleaf has a large suite of default functionality built in, so it's possible that you will only need to customize the UI and some configuration files.</a:t>
+            </a:r>
+          </a:p>
+          <a:p>
+            <a:endParaRPr lang="en-US" sz="1200" b="1" u="none" kern="1200" dirty="0" smtClean="0">
+              <a:solidFill>
+                <a:srgbClr val="FF0000"/>
+              </a:solidFill>
+              <a:effectLst/>
+              <a:latin typeface="+mn-lt"/>
+              <a:ea typeface="+mn-ea"/>
+              <a:cs typeface="+mn-cs"/>
+            </a:endParaRPr>
+          </a:p>
+          <a:p>
+            <a:r>
+              <a:rPr lang="en-US" sz="1200" b="1" u="none" kern="1200" dirty="0" smtClean="0">
+                <a:solidFill>
+                  <a:srgbClr val="FF0000"/>
+                </a:solidFill>
+                <a:effectLst/>
+                <a:latin typeface="+mn-lt"/>
+                <a:ea typeface="+mn-ea"/>
+                <a:cs typeface="+mn-cs"/>
+              </a:rPr>
+              <a:t>Broadleaf provides over 4000 Java classes that represent business services, data access objects, entities, and utilities. And also developer can extend entities and implement business services and data access interfaces to customize behavior. And related tuition documents are provided.</a:t>
+            </a:r>
+          </a:p>
+          <a:p>
+            <a:r>
+              <a:rPr lang="en-US" sz="1200" u="sng" kern="1200" dirty="0" smtClean="0">
+                <a:solidFill>
+                  <a:schemeClr val="tx1"/>
+                </a:solidFill>
+                <a:effectLst/>
+                <a:latin typeface="+mn-lt"/>
+                <a:ea typeface="+mn-ea"/>
+                <a:cs typeface="+mn-cs"/>
+                <a:hlinkClick r:id="rId5"/>
+              </a:rPr>
+              <a:t>http://www.broadleafcommerce.com/docs/core/current/tutorials/core-tutorials/extending-entities-tutorial</a:t>
+            </a:r>
             <a:endParaRPr lang="en-US" sz="1200" kern="1200" dirty="0" smtClean="0">
               <a:solidFill>
                 <a:schemeClr val="tx1"/>
@@ -1575,7 +2193,7 @@
           </a:p>
           <a:p>
             <a:r>
-              <a:rPr lang="en-US" sz="1200" kern="1200" dirty="0" smtClean="0">
+              <a:rPr lang="en-US" sz="1200" u="sng" kern="1200" dirty="0" smtClean="0">
                 <a:solidFill>
                   <a:schemeClr val="tx1"/>
                 </a:solidFill>
@@ -1583,9 +2201,158 @@
                 <a:latin typeface="+mn-lt"/>
                 <a:ea typeface="+mn-ea"/>
                 <a:cs typeface="+mn-cs"/>
+                <a:hlinkClick r:id="rId6"/>
               </a:rPr>
-              <a:t>You can use any relational database that Hibernate </a:t>
-            </a:r>
+              <a:t>http://www.broadleafcommerce.com/docs/core/current/tutorials/core-tutorials/extending-services-tutorial</a:t>
+            </a:r>
+            <a:endParaRPr lang="en-US" sz="1200" kern="1200" dirty="0" smtClean="0">
+              <a:solidFill>
+                <a:schemeClr val="tx1"/>
+              </a:solidFill>
+              <a:effectLst/>
+              <a:latin typeface="+mn-lt"/>
+              <a:ea typeface="+mn-ea"/>
+              <a:cs typeface="+mn-cs"/>
+            </a:endParaRPr>
+          </a:p>
+          <a:p>
+            <a:endParaRPr lang="en-US" dirty="0"/>
+          </a:p>
+        </p:txBody>
+      </p:sp>
+      <p:sp>
+        <p:nvSpPr>
+          <p:cNvPr id="4" name="Slide Number Placeholder 3"/>
+          <p:cNvSpPr>
+            <a:spLocks noGrp="1"/>
+          </p:cNvSpPr>
+          <p:nvPr>
+            <p:ph type="sldNum" sz="quarter" idx="10"/>
+          </p:nvPr>
+        </p:nvSpPr>
+        <p:spPr/>
+        <p:txBody>
+          <a:bodyPr/>
+          <a:lstStyle/>
+          <a:p>
+            <a:fld id="{5F024B6D-3EBB-FB41-8535-18BD3BAD5859}" type="slidenum">
+              <a:rPr lang="en-US" smtClean="0"/>
+              <a:t>25</a:t>
+            </a:fld>
+            <a:endParaRPr lang="en-US"/>
+          </a:p>
+        </p:txBody>
+      </p:sp>
+    </p:spTree>
+    <p:extLst>
+      <p:ext uri="{BB962C8B-B14F-4D97-AF65-F5344CB8AC3E}">
+        <p14:creationId xmlns:p14="http://schemas.microsoft.com/office/powerpoint/2010/main" val="3702149710"/>
+      </p:ext>
+    </p:extLst>
+  </p:cSld>
+  <p:clrMapOvr>
+    <a:masterClrMapping/>
+  </p:clrMapOvr>
+</p:notes>
+</file>
+
+<file path=ppt/notesSlides/notesSlide9.xml><?xml version="1.0" encoding="utf-8"?>
+<p:notes xmlns:a="http://schemas.openxmlformats.org/drawingml/2006/main" xmlns:r="http://schemas.openxmlformats.org/officeDocument/2006/relationships" xmlns:p="http://schemas.openxmlformats.org/presentationml/2006/main">
+  <p:cSld>
+    <p:spTree>
+      <p:nvGrpSpPr>
+        <p:cNvPr id="1" name=""/>
+        <p:cNvGrpSpPr/>
+        <p:nvPr/>
+      </p:nvGrpSpPr>
+      <p:grpSpPr>
+        <a:xfrm>
+          <a:off x="0" y="0"/>
+          <a:ext cx="0" cy="0"/>
+          <a:chOff x="0" y="0"/>
+          <a:chExt cx="0" cy="0"/>
+        </a:xfrm>
+      </p:grpSpPr>
+      <p:sp>
+        <p:nvSpPr>
+          <p:cNvPr id="2" name="Slide Image Placeholder 1"/>
+          <p:cNvSpPr>
+            <a:spLocks noGrp="1" noRot="1" noChangeAspect="1"/>
+          </p:cNvSpPr>
+          <p:nvPr>
+            <p:ph type="sldImg"/>
+          </p:nvPr>
+        </p:nvSpPr>
+        <p:spPr/>
+      </p:sp>
+      <p:sp>
+        <p:nvSpPr>
+          <p:cNvPr id="3" name="Notes Placeholder 2"/>
+          <p:cNvSpPr>
+            <a:spLocks noGrp="1"/>
+          </p:cNvSpPr>
+          <p:nvPr>
+            <p:ph type="body" idx="1"/>
+          </p:nvPr>
+        </p:nvSpPr>
+        <p:spPr/>
+        <p:txBody>
+          <a:bodyPr/>
+          <a:lstStyle/>
+          <a:p>
+            <a:endParaRPr lang="en-US" sz="1200" kern="1200" dirty="0" smtClean="0">
+              <a:solidFill>
+                <a:schemeClr val="tx1"/>
+              </a:solidFill>
+              <a:effectLst/>
+              <a:latin typeface="+mn-lt"/>
+              <a:ea typeface="+mn-ea"/>
+              <a:cs typeface="+mn-cs"/>
+            </a:endParaRPr>
+          </a:p>
+          <a:p>
+            <a:r>
+              <a:rPr lang="en-US" sz="1200" u="sng" kern="1200" dirty="0" smtClean="0">
+                <a:solidFill>
+                  <a:schemeClr val="tx1"/>
+                </a:solidFill>
+                <a:effectLst/>
+                <a:latin typeface="+mn-lt"/>
+                <a:ea typeface="+mn-ea"/>
+                <a:cs typeface="+mn-cs"/>
+                <a:hlinkClick r:id="rId3"/>
+              </a:rPr>
+              <a:t>http://www.broadleafcommerce.com/technology-stack</a:t>
+            </a:r>
+            <a:r>
+              <a:rPr lang="en-US" dirty="0" smtClean="0">
+                <a:effectLst/>
+              </a:rPr>
+              <a:t> </a:t>
+            </a:r>
+            <a:endParaRPr lang="en-US" dirty="0" smtClean="0"/>
+          </a:p>
+          <a:p>
+            <a:endParaRPr lang="en-US" dirty="0" smtClean="0"/>
+          </a:p>
+          <a:p>
+            <a:pPr marL="0" marR="0" indent="0" algn="l" defTabSz="914400" rtl="0" eaLnBrk="1" fontAlgn="auto" latinLnBrk="0" hangingPunct="1">
+              <a:lnSpc>
+                <a:spcPct val="100000"/>
+              </a:lnSpc>
+              <a:spcBef>
+                <a:spcPts val="0"/>
+              </a:spcBef>
+              <a:spcAft>
+                <a:spcPts val="0"/>
+              </a:spcAft>
+              <a:buClrTx/>
+              <a:buSzTx/>
+              <a:buFontTx/>
+              <a:buNone/>
+              <a:tabLst/>
+              <a:defRPr/>
+            </a:pPr>
             <a:r>
               <a:rPr lang="en-US" sz="1200" u="sng" kern="1200" dirty="0" smtClean="0">
                 <a:solidFill>
@@ -1597,58 +2364,7 @@
                 <a:cs typeface="+mn-cs"/>
                 <a:hlinkClick r:id="rId4"/>
               </a:rPr>
-              <a:t>supports</a:t>
-            </a:r>
-            <a:r>
-              <a:rPr lang="en-US" sz="1200" kern="1200" dirty="0" smtClean="0">
-                <a:solidFill>
-                  <a:schemeClr val="tx1"/>
-                </a:solidFill>
-                <a:effectLst/>
-                <a:latin typeface="+mn-lt"/>
-                <a:ea typeface="+mn-ea"/>
-                <a:cs typeface="+mn-cs"/>
-              </a:rPr>
-              <a:t>. But no </a:t>
-            </a:r>
-            <a:r>
-              <a:rPr lang="en-US" sz="1200" kern="1200" dirty="0" err="1" smtClean="0">
-                <a:solidFill>
-                  <a:schemeClr val="tx1"/>
-                </a:solidFill>
-                <a:effectLst/>
-                <a:latin typeface="+mn-lt"/>
-                <a:ea typeface="+mn-ea"/>
-                <a:cs typeface="+mn-cs"/>
-              </a:rPr>
-              <a:t>noSQL</a:t>
-            </a:r>
-            <a:r>
-              <a:rPr lang="en-US" sz="1200" kern="1200" dirty="0" smtClean="0">
-                <a:solidFill>
-                  <a:schemeClr val="tx1"/>
-                </a:solidFill>
-                <a:effectLst/>
-                <a:latin typeface="+mn-lt"/>
-                <a:ea typeface="+mn-ea"/>
-                <a:cs typeface="+mn-cs"/>
-              </a:rPr>
-              <a:t> data storage. We have done the majority of our testing with MySQL 5.1, Oracle 9i and 10g, and HSQLDB. </a:t>
-            </a:r>
-          </a:p>
-          <a:p>
-            <a:r>
-              <a:rPr lang="en-US" sz="1200" u="sng" kern="1200" dirty="0" smtClean="0">
-                <a:solidFill>
-                  <a:schemeClr val="tx1"/>
-                </a:solidFill>
-                <a:effectLst/>
-                <a:latin typeface="+mn-lt"/>
-                <a:ea typeface="+mn-ea"/>
-                <a:cs typeface="+mn-cs"/>
-                <a:hlinkClick r:id="rId5"/>
-              </a:rPr>
-              <a:t>http://www.broadleafcommerce.com/faq?recaptchaPublicKey=6Lct6_ESAAAAAA1rzWdQDmWx1WC8804UaOaBEj2t#q4</a:t>
+              <a:t>http://www.broadleafcommerce.com/faq?recaptchaPublicKey=6Lct6_ESAAAAAA1rzWdQDmWx1WC8804UaOaBEj2t#q9</a:t>
             </a:r>
             <a:r>
               <a:rPr lang="en-US" sz="1200" kern="1200" dirty="0" smtClean="0">
@@ -1664,153 +2380,6 @@
             </a:r>
           </a:p>
           <a:p>
-            <a:endParaRPr lang="en-US" sz="1200" kern="1200" smtClean="0">
-              <a:solidFill>
-                <a:schemeClr val="tx1"/>
-              </a:solidFill>
-              <a:effectLst/>
-              <a:latin typeface="+mn-lt"/>
-              <a:ea typeface="+mn-ea"/>
-              <a:cs typeface="+mn-cs"/>
-            </a:endParaRPr>
-          </a:p>
-          <a:p>
-            <a:r>
-              <a:rPr lang="en-US" sz="1200" kern="1200" smtClean="0">
-                <a:solidFill>
-                  <a:schemeClr val="tx1"/>
-                </a:solidFill>
-                <a:effectLst/>
-                <a:latin typeface="+mn-lt"/>
-                <a:ea typeface="+mn-ea"/>
-                <a:cs typeface="+mn-cs"/>
-              </a:rPr>
-              <a:t>We </a:t>
-            </a:r>
-            <a:r>
-              <a:rPr lang="en-US" sz="1200" kern="1200" dirty="0" smtClean="0">
-                <a:solidFill>
-                  <a:schemeClr val="tx1"/>
-                </a:solidFill>
-                <a:effectLst/>
-                <a:latin typeface="+mn-lt"/>
-                <a:ea typeface="+mn-ea"/>
-                <a:cs typeface="+mn-cs"/>
-              </a:rPr>
-              <a:t>have deployed Broadleaf Commerce to Amazon EC2, Rackspace Cloud, </a:t>
-            </a:r>
-            <a:r>
-              <a:rPr lang="en-US" sz="1200" kern="1200" dirty="0" err="1" smtClean="0">
-                <a:solidFill>
-                  <a:schemeClr val="tx1"/>
-                </a:solidFill>
-                <a:effectLst/>
-                <a:latin typeface="+mn-lt"/>
-                <a:ea typeface="+mn-ea"/>
-                <a:cs typeface="+mn-cs"/>
-              </a:rPr>
-              <a:t>CloudBees</a:t>
-            </a:r>
-            <a:r>
-              <a:rPr lang="en-US" sz="1200" kern="1200" dirty="0" smtClean="0">
-                <a:solidFill>
-                  <a:schemeClr val="tx1"/>
-                </a:solidFill>
-                <a:effectLst/>
-                <a:latin typeface="+mn-lt"/>
-                <a:ea typeface="+mn-ea"/>
-                <a:cs typeface="+mn-cs"/>
-              </a:rPr>
-              <a:t>, </a:t>
-            </a:r>
-            <a:r>
-              <a:rPr lang="en-US" sz="1200" kern="1200" dirty="0" err="1" smtClean="0">
-                <a:solidFill>
-                  <a:schemeClr val="tx1"/>
-                </a:solidFill>
-                <a:effectLst/>
-                <a:latin typeface="+mn-lt"/>
-                <a:ea typeface="+mn-ea"/>
-                <a:cs typeface="+mn-cs"/>
-              </a:rPr>
-              <a:t>CloudFoundry</a:t>
-            </a:r>
-            <a:r>
-              <a:rPr lang="en-US" sz="1200" kern="1200" dirty="0" smtClean="0">
-                <a:solidFill>
-                  <a:schemeClr val="tx1"/>
-                </a:solidFill>
-                <a:effectLst/>
-                <a:latin typeface="+mn-lt"/>
-                <a:ea typeface="+mn-ea"/>
-                <a:cs typeface="+mn-cs"/>
-              </a:rPr>
-              <a:t>, </a:t>
-            </a:r>
-            <a:r>
-              <a:rPr lang="en-US" sz="1200" kern="1200" dirty="0" err="1" smtClean="0">
-                <a:solidFill>
-                  <a:schemeClr val="tx1"/>
-                </a:solidFill>
-                <a:effectLst/>
-                <a:latin typeface="+mn-lt"/>
-                <a:ea typeface="+mn-ea"/>
-                <a:cs typeface="+mn-cs"/>
-              </a:rPr>
-              <a:t>Hiroku</a:t>
-            </a:r>
-            <a:r>
-              <a:rPr lang="en-US" sz="1200" kern="1200" dirty="0" smtClean="0">
-                <a:solidFill>
-                  <a:schemeClr val="tx1"/>
-                </a:solidFill>
-                <a:effectLst/>
-                <a:latin typeface="+mn-lt"/>
-                <a:ea typeface="+mn-ea"/>
-                <a:cs typeface="+mn-cs"/>
-              </a:rPr>
-              <a:t>, and Amazon Elastic Beanstalk. </a:t>
-            </a:r>
-          </a:p>
-          <a:p>
-            <a:r>
-              <a:rPr lang="en-US" sz="1200" u="sng" kern="1200" dirty="0" smtClean="0">
-                <a:solidFill>
-                  <a:schemeClr val="tx1"/>
-                </a:solidFill>
-                <a:effectLst/>
-                <a:latin typeface="+mn-lt"/>
-                <a:ea typeface="+mn-ea"/>
-                <a:cs typeface="+mn-cs"/>
-                <a:hlinkClick r:id="rId6"/>
-              </a:rPr>
-              <a:t>http://www.broadleafcommerce.com/faq?recaptchaPublicKey=6Lct6_ESAAAAAA1rzWdQDmWx1WC8804UaOaBEj2t#q5</a:t>
-            </a:r>
-            <a:r>
-              <a:rPr lang="en-US" dirty="0" smtClean="0">
-                <a:effectLst/>
-              </a:rPr>
-              <a:t> </a:t>
-            </a:r>
-          </a:p>
-          <a:p>
-            <a:endParaRPr lang="en-US" dirty="0" smtClean="0">
-              <a:effectLst/>
-            </a:endParaRPr>
-          </a:p>
-          <a:p>
-            <a:r>
-              <a:rPr lang="en-US" sz="1200" kern="1200" dirty="0" smtClean="0">
-                <a:solidFill>
-                  <a:schemeClr val="tx1"/>
-                </a:solidFill>
-                <a:effectLst/>
-                <a:latin typeface="+mn-lt"/>
-                <a:ea typeface="+mn-ea"/>
-                <a:cs typeface="+mn-cs"/>
-              </a:rPr>
-              <a:t>Integrate many frameworks which may cause risk to port application</a:t>
-            </a:r>
             <a:endParaRPr lang="en-US" dirty="0"/>
           </a:p>
         </p:txBody>
@@ -1832,7 +2401,7 @@
           <a:p>
             <a:fld id="{5F024B6D-3EBB-FB41-8535-18BD3BAD5859}" type="slidenum">
               <a:rPr lang="en-US" smtClean="0"/>
-              <a:t>13</a:t>
+              <a:t>26</a:t>
             </a:fld>
             <a:endParaRPr lang="en-US"/>
           </a:p>
@@ -1841,7 +2410,7 @@
     </p:spTree>
     <p:extLst>
       <p:ext uri="{BB962C8B-B14F-4D97-AF65-F5344CB8AC3E}">
-        <p14:creationId xmlns:p14="http://schemas.microsoft.com/office/powerpoint/2010/main" val="229304035"/>
+        <p14:creationId xmlns:p14="http://schemas.microsoft.com/office/powerpoint/2010/main" val="2697456696"/>
       </p:ext>
     </p:extLst>
   </p:cSld>
@@ -2037,7 +2606,7 @@
           <a:bodyPr/>
           <a:lstStyle/>
           <a:p>
-            <a:fld id="{CF6586C5-8919-451F-8639-1F650491FE5E}" type="datetime1">
+            <a:fld id="{39A5E444-ED66-477F-8F54-F7B40F8C8B9E}" type="datetime1">
               <a:rPr lang="en-IN" smtClean="0"/>
               <a:t>31-10-2015</a:t>
             </a:fld>
@@ -2369,7 +2938,7 @@
           <a:bodyPr/>
           <a:lstStyle/>
           <a:p>
-            <a:fld id="{B0DC8C32-EE13-4CAB-8A2D-A33A6D893C2F}" type="datetime1">
+            <a:fld id="{D318209E-4761-4CE6-BA60-7EB994B03730}" type="datetime1">
               <a:rPr lang="en-IN" smtClean="0"/>
               <a:t>31-10-2015</a:t>
             </a:fld>
@@ -2768,7 +3337,7 @@
           <a:bodyPr/>
           <a:lstStyle/>
           <a:p>
-            <a:fld id="{96876D5C-3B5C-447F-A4A9-95047CF1CC9F}" type="datetime1">
+            <a:fld id="{5C870E38-09DA-4469-BD49-1812608BABC8}" type="datetime1">
               <a:rPr lang="en-IN" smtClean="0"/>
               <a:t>31-10-2015</a:t>
             </a:fld>
@@ -3102,7 +3671,7 @@
           <a:bodyPr/>
           <a:lstStyle/>
           <a:p>
-            <a:fld id="{F08FD1CE-3B2D-49D2-B970-835EA8A4B6F3}" type="datetime1">
+            <a:fld id="{0A431D1E-51B5-4489-9561-A874D59881A8}" type="datetime1">
               <a:rPr lang="en-IN" smtClean="0"/>
               <a:t>31-10-2015</a:t>
             </a:fld>
@@ -3420,7 +3989,7 @@
           <a:bodyPr/>
           <a:lstStyle/>
           <a:p>
-            <a:fld id="{2245D8FB-AD61-4954-B529-6C0116A10316}" type="datetime1">
+            <a:fld id="{C35D6BE3-25B6-4600-B370-998E9EA1A826}" type="datetime1">
               <a:rPr lang="en-IN" smtClean="0"/>
               <a:t>31-10-2015</a:t>
             </a:fld>
@@ -3814,7 +4383,7 @@
           <a:bodyPr/>
           <a:lstStyle/>
           <a:p>
-            <a:fld id="{3B5EA7F9-CC3F-45F8-B5DC-21D59D3B577A}" type="datetime1">
+            <a:fld id="{8292827D-513D-46B8-A7CB-6C6F985BD9A0}" type="datetime1">
               <a:rPr lang="en-IN" smtClean="0"/>
               <a:t>31-10-2015</a:t>
             </a:fld>
@@ -4069,7 +4638,7 @@
           <a:bodyPr/>
           <a:lstStyle/>
           <a:p>
-            <a:fld id="{B8FC0405-0350-4ED9-B278-75B8A55919E9}" type="datetime1">
+            <a:fld id="{378527B6-4D92-45A6-B47B-4B3CB794CBBC}" type="datetime1">
               <a:rPr lang="en-IN" smtClean="0"/>
               <a:t>31-10-2015</a:t>
             </a:fld>
@@ -4329,7 +4898,7 @@
           <a:bodyPr/>
           <a:lstStyle/>
           <a:p>
-            <a:fld id="{34968703-1406-4597-AFE4-D7C7A8B4958D}" type="datetime1">
+            <a:fld id="{EA537376-105B-4FAF-B5BE-2ACA991C9F80}" type="datetime1">
               <a:rPr lang="en-IN" smtClean="0"/>
               <a:t>31-10-2015</a:t>
             </a:fld>
@@ -4589,7 +5158,7 @@
           <a:bodyPr/>
           <a:lstStyle/>
           <a:p>
-            <a:fld id="{18ACDB97-8B1C-4CD6-898B-BCA0081FDC7C}" type="datetime1">
+            <a:fld id="{C1FE9833-3D13-4086-B59D-E7369948E00B}" type="datetime1">
               <a:rPr lang="en-IN" smtClean="0"/>
               <a:t>31-10-2015</a:t>
             </a:fld>
@@ -4916,7 +5485,7 @@
           <a:bodyPr/>
           <a:lstStyle/>
           <a:p>
-            <a:fld id="{FD1BD953-8CBE-41E5-AD46-70916702A140}" type="datetime1">
+            <a:fld id="{79AC3C28-8CF6-44A9-A792-28F102D5EC43}" type="datetime1">
               <a:rPr lang="en-IN" smtClean="0"/>
               <a:t>31-10-2015</a:t>
             </a:fld>
@@ -5237,7 +5806,7 @@
           <a:bodyPr/>
           <a:lstStyle/>
           <a:p>
-            <a:fld id="{C67D87E8-8248-4B03-B769-051DF21FCEAC}" type="datetime1">
+            <a:fld id="{EBA84B1C-A351-4279-8582-A533F131EECD}" type="datetime1">
               <a:rPr lang="en-IN" smtClean="0"/>
               <a:t>31-10-2015</a:t>
             </a:fld>
@@ -5692,7 +6261,7 @@
           <a:bodyPr/>
           <a:lstStyle/>
           <a:p>
-            <a:fld id="{138D2012-3885-41FD-B7F6-0C139C223D87}" type="datetime1">
+            <a:fld id="{ADF1E55A-A19F-4D9C-88EA-DBADE0EE9A96}" type="datetime1">
               <a:rPr lang="en-IN" smtClean="0"/>
               <a:t>31-10-2015</a:t>
             </a:fld>
@@ -5900,7 +6469,7 @@
           <a:bodyPr/>
           <a:lstStyle/>
           <a:p>
-            <a:fld id="{C3F68B80-0AC9-43D7-A047-8E004717FF0C}" type="datetime1">
+            <a:fld id="{F38AA8E0-7CE6-4240-837A-7D40E78CEA90}" type="datetime1">
               <a:rPr lang="en-IN" smtClean="0"/>
               <a:t>31-10-2015</a:t>
             </a:fld>
@@ -6075,7 +6644,7 @@
           <a:bodyPr/>
           <a:lstStyle/>
           <a:p>
-            <a:fld id="{28E82983-205E-42A1-A550-004F1AD1431F}" type="datetime1">
+            <a:fld id="{7225658A-6D04-4D4C-B11D-B231DD360CE2}" type="datetime1">
               <a:rPr lang="en-IN" smtClean="0"/>
               <a:t>31-10-2015</a:t>
             </a:fld>
@@ -6406,7 +6975,7 @@
           <a:bodyPr/>
           <a:lstStyle/>
           <a:p>
-            <a:fld id="{5D2F7692-43F7-4494-8CB6-82A701FDB304}" type="datetime1">
+            <a:fld id="{53DF85FD-4FE1-4B1B-A61D-3637AFBB7EC8}" type="datetime1">
               <a:rPr lang="en-IN" smtClean="0"/>
               <a:t>31-10-2015</a:t>
             </a:fld>
@@ -6749,7 +7318,7 @@
           <a:bodyPr/>
           <a:lstStyle/>
           <a:p>
-            <a:fld id="{2B49B97A-3233-43CF-AE63-79BE03581033}" type="datetime1">
+            <a:fld id="{E070C051-92F3-44CD-AA7E-FD549D941414}" type="datetime1">
               <a:rPr lang="en-IN" smtClean="0"/>
               <a:t>31-10-2015</a:t>
             </a:fld>
@@ -8864,7 +9433,7 @@
             </a:lvl1pPr>
           </a:lstStyle>
           <a:p>
-            <a:fld id="{DC6AACE3-5F00-413F-96C4-EA50965D1929}" type="datetime1">
+            <a:fld id="{D1748D12-0855-4428-BFF4-05A1C85859C0}" type="datetime1">
               <a:rPr lang="en-IN" smtClean="0"/>
               <a:t>31-10-2015</a:t>
             </a:fld>
@@ -9545,6 +10114,2741 @@
       </p:grpSpPr>
       <p:sp>
         <p:nvSpPr>
+          <p:cNvPr id="2" name="标题 1"/>
+          <p:cNvSpPr>
+            <a:spLocks noGrp="1"/>
+          </p:cNvSpPr>
+          <p:nvPr>
+            <p:ph type="title"/>
+          </p:nvPr>
+        </p:nvSpPr>
+        <p:spPr/>
+        <p:txBody>
+          <a:bodyPr/>
+          <a:lstStyle/>
+          <a:p>
+            <a:r>
+              <a:rPr lang="en-US" altLang="zh-CN" dirty="0" smtClean="0"/>
+              <a:t>Design</a:t>
+            </a:r>
+            <a:endParaRPr lang="zh-CN" altLang="en-US" dirty="0"/>
+          </a:p>
+        </p:txBody>
+      </p:sp>
+      <p:sp>
+        <p:nvSpPr>
+          <p:cNvPr id="3" name="内容占位符 2"/>
+          <p:cNvSpPr>
+            <a:spLocks noGrp="1"/>
+          </p:cNvSpPr>
+          <p:nvPr>
+            <p:ph idx="1"/>
+          </p:nvPr>
+        </p:nvSpPr>
+        <p:spPr>
+          <a:xfrm>
+            <a:off x="457200" y="1428736"/>
+            <a:ext cx="8229600" cy="4697427"/>
+          </a:xfrm>
+        </p:spPr>
+        <p:txBody>
+          <a:bodyPr>
+            <a:normAutofit/>
+          </a:bodyPr>
+          <a:lstStyle/>
+          <a:p>
+            <a:r>
+              <a:rPr lang="en-US" altLang="zh-CN" dirty="0" smtClean="0"/>
+              <a:t>Follow Agile manifesto </a:t>
+            </a:r>
+          </a:p>
+          <a:p>
+            <a:pPr>
+              <a:buNone/>
+            </a:pPr>
+            <a:r>
+              <a:rPr lang="en-US" b="1" dirty="0" smtClean="0"/>
+              <a:t>	Working software</a:t>
+            </a:r>
+            <a:r>
+              <a:rPr lang="en-US" dirty="0" smtClean="0"/>
+              <a:t> over comprehensive </a:t>
+            </a:r>
+            <a:r>
+              <a:rPr lang="en-US" b="1" dirty="0" smtClean="0"/>
+              <a:t>documentation</a:t>
+            </a:r>
+          </a:p>
+          <a:p>
+            <a:pPr>
+              <a:buNone/>
+            </a:pPr>
+            <a:endParaRPr lang="en-US" altLang="zh-CN" b="1" dirty="0" smtClean="0"/>
+          </a:p>
+          <a:p>
+            <a:pPr>
+              <a:buNone/>
+            </a:pPr>
+            <a:r>
+              <a:rPr lang="en-US" altLang="zh-CN" dirty="0" smtClean="0"/>
+              <a:t>Only High-level design and architectural decision is documented, such as </a:t>
+            </a:r>
+          </a:p>
+          <a:p>
+            <a:pPr lvl="1"/>
+            <a:r>
+              <a:rPr lang="en-US" altLang="zh-CN" dirty="0" smtClean="0"/>
+              <a:t>Choosing the Spring Framework over EJB3</a:t>
+            </a:r>
+          </a:p>
+          <a:p>
+            <a:pPr lvl="1"/>
+            <a:r>
+              <a:rPr lang="en-US" altLang="zh-CN" dirty="0" smtClean="0"/>
+              <a:t>Using </a:t>
+            </a:r>
+            <a:r>
+              <a:rPr lang="en-US" altLang="zh-CN" dirty="0" err="1" smtClean="0"/>
+              <a:t>Solr</a:t>
+            </a:r>
+            <a:r>
+              <a:rPr lang="en-US" altLang="zh-CN" dirty="0" smtClean="0"/>
+              <a:t> to achieve catalog browsing and searching</a:t>
+            </a:r>
+            <a:endParaRPr lang="zh-CN" altLang="en-US" dirty="0"/>
+          </a:p>
+        </p:txBody>
+      </p:sp>
+      <p:sp>
+        <p:nvSpPr>
+          <p:cNvPr id="4" name="Slide Number Placeholder 3"/>
+          <p:cNvSpPr>
+            <a:spLocks noGrp="1"/>
+          </p:cNvSpPr>
+          <p:nvPr>
+            <p:ph type="sldNum" sz="quarter" idx="12"/>
+          </p:nvPr>
+        </p:nvSpPr>
+        <p:spPr/>
+        <p:txBody>
+          <a:bodyPr/>
+          <a:lstStyle/>
+          <a:p>
+            <a:fld id="{24A0F28C-20EE-4B55-A037-6774DF0EE367}" type="slidenum">
+              <a:rPr lang="en-IN" smtClean="0"/>
+              <a:t>10</a:t>
+            </a:fld>
+            <a:endParaRPr lang="en-IN"/>
+          </a:p>
+        </p:txBody>
+      </p:sp>
+    </p:spTree>
+    <p:extLst>
+      <p:ext uri="{BB962C8B-B14F-4D97-AF65-F5344CB8AC3E}">
+        <p14:creationId xmlns:p14="http://schemas.microsoft.com/office/powerpoint/2010/main" val="3503205906"/>
+      </p:ext>
+    </p:extLst>
+  </p:cSld>
+  <p:clrMapOvr>
+    <a:masterClrMapping/>
+  </p:clrMapOvr>
+</p:sld>
+</file>
+
+<file path=ppt/slides/slide11.xml><?xml version="1.0" encoding="utf-8"?>
+<p:sld xmlns:a="http://schemas.openxmlformats.org/drawingml/2006/main" xmlns:r="http://schemas.openxmlformats.org/officeDocument/2006/relationships" xmlns:p="http://schemas.openxmlformats.org/presentationml/2006/main">
+  <p:cSld>
+    <p:spTree>
+      <p:nvGrpSpPr>
+        <p:cNvPr id="1" name=""/>
+        <p:cNvGrpSpPr/>
+        <p:nvPr/>
+      </p:nvGrpSpPr>
+      <p:grpSpPr>
+        <a:xfrm>
+          <a:off x="0" y="0"/>
+          <a:ext cx="0" cy="0"/>
+          <a:chOff x="0" y="0"/>
+          <a:chExt cx="0" cy="0"/>
+        </a:xfrm>
+      </p:grpSpPr>
+      <p:sp>
+        <p:nvSpPr>
+          <p:cNvPr id="2" name="标题 1"/>
+          <p:cNvSpPr>
+            <a:spLocks noGrp="1"/>
+          </p:cNvSpPr>
+          <p:nvPr>
+            <p:ph type="title"/>
+          </p:nvPr>
+        </p:nvSpPr>
+        <p:spPr/>
+        <p:txBody>
+          <a:bodyPr/>
+          <a:lstStyle/>
+          <a:p>
+            <a:r>
+              <a:rPr lang="en-US" altLang="zh-CN" dirty="0" smtClean="0"/>
+              <a:t>Framework Modules (v4.0)</a:t>
+            </a:r>
+            <a:endParaRPr lang="zh-CN" altLang="en-US" dirty="0"/>
+          </a:p>
+        </p:txBody>
+      </p:sp>
+      <p:pic>
+        <p:nvPicPr>
+          <p:cNvPr id="8194" name="Picture 2"/>
+          <p:cNvPicPr>
+            <a:picLocks noChangeAspect="1" noChangeArrowheads="1"/>
+          </p:cNvPicPr>
+          <p:nvPr/>
+        </p:nvPicPr>
+        <p:blipFill>
+          <a:blip r:embed="rId3"/>
+          <a:srcRect/>
+          <a:stretch>
+            <a:fillRect/>
+          </a:stretch>
+        </p:blipFill>
+        <p:spPr bwMode="auto">
+          <a:xfrm>
+            <a:off x="500034" y="2071678"/>
+            <a:ext cx="7902980" cy="4357718"/>
+          </a:xfrm>
+          <a:prstGeom prst="rect">
+            <a:avLst/>
+          </a:prstGeom>
+          <a:noFill/>
+          <a:ln w="9525">
+            <a:noFill/>
+            <a:miter lim="800000"/>
+            <a:headEnd/>
+            <a:tailEnd/>
+          </a:ln>
+          <a:effectLst/>
+        </p:spPr>
+      </p:pic>
+      <p:sp>
+        <p:nvSpPr>
+          <p:cNvPr id="3" name="Slide Number Placeholder 2"/>
+          <p:cNvSpPr>
+            <a:spLocks noGrp="1"/>
+          </p:cNvSpPr>
+          <p:nvPr>
+            <p:ph type="sldNum" sz="quarter" idx="12"/>
+          </p:nvPr>
+        </p:nvSpPr>
+        <p:spPr/>
+        <p:txBody>
+          <a:bodyPr/>
+          <a:lstStyle/>
+          <a:p>
+            <a:fld id="{24A0F28C-20EE-4B55-A037-6774DF0EE367}" type="slidenum">
+              <a:rPr lang="en-IN" smtClean="0"/>
+              <a:t>11</a:t>
+            </a:fld>
+            <a:endParaRPr lang="en-IN"/>
+          </a:p>
+        </p:txBody>
+      </p:sp>
+    </p:spTree>
+    <p:extLst>
+      <p:ext uri="{BB962C8B-B14F-4D97-AF65-F5344CB8AC3E}">
+        <p14:creationId xmlns:p14="http://schemas.microsoft.com/office/powerpoint/2010/main" val="1212030670"/>
+      </p:ext>
+    </p:extLst>
+  </p:cSld>
+  <p:clrMapOvr>
+    <a:masterClrMapping/>
+  </p:clrMapOvr>
+</p:sld>
+</file>
+
+<file path=ppt/slides/slide12.xml><?xml version="1.0" encoding="utf-8"?>
+<p:sld xmlns:a="http://schemas.openxmlformats.org/drawingml/2006/main" xmlns:r="http://schemas.openxmlformats.org/officeDocument/2006/relationships" xmlns:p="http://schemas.openxmlformats.org/presentationml/2006/main">
+  <p:cSld>
+    <p:spTree>
+      <p:nvGrpSpPr>
+        <p:cNvPr id="1" name=""/>
+        <p:cNvGrpSpPr/>
+        <p:nvPr/>
+      </p:nvGrpSpPr>
+      <p:grpSpPr>
+        <a:xfrm>
+          <a:off x="0" y="0"/>
+          <a:ext cx="0" cy="0"/>
+          <a:chOff x="0" y="0"/>
+          <a:chExt cx="0" cy="0"/>
+        </a:xfrm>
+      </p:grpSpPr>
+      <p:sp>
+        <p:nvSpPr>
+          <p:cNvPr id="2" name="标题 1"/>
+          <p:cNvSpPr>
+            <a:spLocks noGrp="1"/>
+          </p:cNvSpPr>
+          <p:nvPr>
+            <p:ph type="title"/>
+          </p:nvPr>
+        </p:nvSpPr>
+        <p:spPr/>
+        <p:txBody>
+          <a:bodyPr/>
+          <a:lstStyle/>
+          <a:p>
+            <a:r>
+              <a:rPr lang="en-US" altLang="zh-CN" dirty="0" smtClean="0"/>
+              <a:t>Documentation</a:t>
+            </a:r>
+            <a:endParaRPr lang="zh-CN" altLang="en-US" dirty="0"/>
+          </a:p>
+        </p:txBody>
+      </p:sp>
+      <p:sp>
+        <p:nvSpPr>
+          <p:cNvPr id="3" name="内容占位符 2"/>
+          <p:cNvSpPr>
+            <a:spLocks noGrp="1"/>
+          </p:cNvSpPr>
+          <p:nvPr>
+            <p:ph idx="1"/>
+          </p:nvPr>
+        </p:nvSpPr>
+        <p:spPr>
+          <a:xfrm>
+            <a:off x="457200" y="1357298"/>
+            <a:ext cx="8229600" cy="4768865"/>
+          </a:xfrm>
+        </p:spPr>
+        <p:txBody>
+          <a:bodyPr>
+            <a:normAutofit/>
+          </a:bodyPr>
+          <a:lstStyle/>
+          <a:p>
+            <a:r>
+              <a:rPr lang="en-US" altLang="zh-CN" dirty="0" smtClean="0"/>
+              <a:t>For all the versions they still maintain</a:t>
+            </a:r>
+          </a:p>
+          <a:p>
+            <a:endParaRPr lang="en-US" altLang="zh-CN" dirty="0" smtClean="0"/>
+          </a:p>
+          <a:p>
+            <a:endParaRPr lang="en-US" altLang="zh-CN" dirty="0" smtClean="0"/>
+          </a:p>
+          <a:p>
+            <a:endParaRPr lang="en-US" altLang="zh-CN" dirty="0" smtClean="0"/>
+          </a:p>
+          <a:p>
+            <a:endParaRPr lang="en-US" altLang="zh-CN" dirty="0" smtClean="0"/>
+          </a:p>
+          <a:p>
+            <a:endParaRPr lang="en-US" altLang="zh-CN" dirty="0" smtClean="0"/>
+          </a:p>
+          <a:p>
+            <a:endParaRPr lang="en-US" altLang="zh-CN" dirty="0" smtClean="0"/>
+          </a:p>
+          <a:p>
+            <a:pPr>
+              <a:buNone/>
+            </a:pPr>
+            <a:endParaRPr lang="en-US" altLang="zh-CN" dirty="0" smtClean="0"/>
+          </a:p>
+          <a:p>
+            <a:pPr>
+              <a:buNone/>
+            </a:pPr>
+            <a:endParaRPr lang="en-US" altLang="zh-CN" dirty="0" smtClean="0"/>
+          </a:p>
+          <a:p>
+            <a:pPr>
+              <a:buNone/>
+            </a:pPr>
+            <a:endParaRPr lang="en-US" altLang="zh-CN" dirty="0" smtClean="0"/>
+          </a:p>
+        </p:txBody>
+      </p:sp>
+      <p:pic>
+        <p:nvPicPr>
+          <p:cNvPr id="6" name="Picture 2"/>
+          <p:cNvPicPr>
+            <a:picLocks noChangeAspect="1" noChangeArrowheads="1"/>
+          </p:cNvPicPr>
+          <p:nvPr/>
+        </p:nvPicPr>
+        <p:blipFill>
+          <a:blip r:embed="rId3"/>
+          <a:srcRect l="5729" t="7400" r="10069"/>
+          <a:stretch>
+            <a:fillRect/>
+          </a:stretch>
+        </p:blipFill>
+        <p:spPr bwMode="auto">
+          <a:xfrm>
+            <a:off x="1142976" y="1928802"/>
+            <a:ext cx="6929486" cy="4096079"/>
+          </a:xfrm>
+          <a:prstGeom prst="rect">
+            <a:avLst/>
+          </a:prstGeom>
+          <a:noFill/>
+          <a:ln w="9525">
+            <a:noFill/>
+            <a:miter lim="800000"/>
+            <a:headEnd/>
+            <a:tailEnd/>
+          </a:ln>
+          <a:effectLst/>
+        </p:spPr>
+      </p:pic>
+      <p:sp>
+        <p:nvSpPr>
+          <p:cNvPr id="4" name="Slide Number Placeholder 3"/>
+          <p:cNvSpPr>
+            <a:spLocks noGrp="1"/>
+          </p:cNvSpPr>
+          <p:nvPr>
+            <p:ph type="sldNum" sz="quarter" idx="12"/>
+          </p:nvPr>
+        </p:nvSpPr>
+        <p:spPr/>
+        <p:txBody>
+          <a:bodyPr/>
+          <a:lstStyle/>
+          <a:p>
+            <a:fld id="{24A0F28C-20EE-4B55-A037-6774DF0EE367}" type="slidenum">
+              <a:rPr lang="en-IN" smtClean="0"/>
+              <a:t>12</a:t>
+            </a:fld>
+            <a:endParaRPr lang="en-IN"/>
+          </a:p>
+        </p:txBody>
+      </p:sp>
+    </p:spTree>
+    <p:extLst>
+      <p:ext uri="{BB962C8B-B14F-4D97-AF65-F5344CB8AC3E}">
+        <p14:creationId xmlns:p14="http://schemas.microsoft.com/office/powerpoint/2010/main" val="3617770114"/>
+      </p:ext>
+    </p:extLst>
+  </p:cSld>
+  <p:clrMapOvr>
+    <a:masterClrMapping/>
+  </p:clrMapOvr>
+</p:sld>
+</file>
+
+<file path=ppt/slides/slide13.xml><?xml version="1.0" encoding="utf-8"?>
+<p:sld xmlns:a="http://schemas.openxmlformats.org/drawingml/2006/main" xmlns:r="http://schemas.openxmlformats.org/officeDocument/2006/relationships" xmlns:p="http://schemas.openxmlformats.org/presentationml/2006/main">
+  <p:cSld>
+    <p:spTree>
+      <p:nvGrpSpPr>
+        <p:cNvPr id="1" name=""/>
+        <p:cNvGrpSpPr/>
+        <p:nvPr/>
+      </p:nvGrpSpPr>
+      <p:grpSpPr>
+        <a:xfrm>
+          <a:off x="0" y="0"/>
+          <a:ext cx="0" cy="0"/>
+          <a:chOff x="0" y="0"/>
+          <a:chExt cx="0" cy="0"/>
+        </a:xfrm>
+      </p:grpSpPr>
+      <p:sp>
+        <p:nvSpPr>
+          <p:cNvPr id="2" name="标题 1"/>
+          <p:cNvSpPr>
+            <a:spLocks noGrp="1"/>
+          </p:cNvSpPr>
+          <p:nvPr>
+            <p:ph type="title"/>
+          </p:nvPr>
+        </p:nvSpPr>
+        <p:spPr/>
+        <p:txBody>
+          <a:bodyPr/>
+          <a:lstStyle/>
+          <a:p>
+            <a:r>
+              <a:rPr lang="en-US" altLang="zh-CN" dirty="0" smtClean="0"/>
+              <a:t>Testing</a:t>
+            </a:r>
+            <a:endParaRPr lang="zh-CN" altLang="en-US" dirty="0"/>
+          </a:p>
+        </p:txBody>
+      </p:sp>
+      <p:sp>
+        <p:nvSpPr>
+          <p:cNvPr id="3" name="内容占位符 2"/>
+          <p:cNvSpPr>
+            <a:spLocks noGrp="1"/>
+          </p:cNvSpPr>
+          <p:nvPr>
+            <p:ph idx="1"/>
+          </p:nvPr>
+        </p:nvSpPr>
+        <p:spPr/>
+        <p:txBody>
+          <a:bodyPr/>
+          <a:lstStyle/>
+          <a:p>
+            <a:r>
+              <a:rPr lang="en-US" altLang="zh-CN" dirty="0" smtClean="0"/>
+              <a:t>Unit Test for class with Business Logic</a:t>
+            </a:r>
+          </a:p>
+          <a:p>
+            <a:endParaRPr lang="en-US" altLang="zh-CN" dirty="0" smtClean="0"/>
+          </a:p>
+          <a:p>
+            <a:endParaRPr lang="en-US" altLang="zh-CN" dirty="0" smtClean="0"/>
+          </a:p>
+          <a:p>
+            <a:endParaRPr lang="en-US" altLang="zh-CN" dirty="0" smtClean="0"/>
+          </a:p>
+          <a:p>
+            <a:endParaRPr lang="en-US" altLang="zh-CN" dirty="0" smtClean="0"/>
+          </a:p>
+          <a:p>
+            <a:endParaRPr lang="en-US" altLang="zh-CN" dirty="0" smtClean="0"/>
+          </a:p>
+          <a:p>
+            <a:r>
+              <a:rPr lang="en-US" altLang="zh-CN" dirty="0" smtClean="0"/>
+              <a:t>Integration </a:t>
+            </a:r>
+            <a:r>
+              <a:rPr lang="en-US" altLang="zh-CN" dirty="0" smtClean="0"/>
+              <a:t>Test</a:t>
+            </a:r>
+          </a:p>
+          <a:p>
+            <a:pPr lvl="1"/>
+            <a:r>
+              <a:rPr lang="en-US" altLang="zh-CN" dirty="0" smtClean="0"/>
+              <a:t>Use Spock/Groovy to perform integration tests</a:t>
+            </a:r>
+          </a:p>
+        </p:txBody>
+      </p:sp>
+      <p:pic>
+        <p:nvPicPr>
+          <p:cNvPr id="6" name="Picture 2"/>
+          <p:cNvPicPr>
+            <a:picLocks noChangeAspect="1" noChangeArrowheads="1"/>
+          </p:cNvPicPr>
+          <p:nvPr/>
+        </p:nvPicPr>
+        <p:blipFill>
+          <a:blip r:embed="rId2"/>
+          <a:srcRect t="30494" r="75694" b="43666"/>
+          <a:stretch>
+            <a:fillRect/>
+          </a:stretch>
+        </p:blipFill>
+        <p:spPr bwMode="auto">
+          <a:xfrm>
+            <a:off x="684110" y="2582206"/>
+            <a:ext cx="3250430" cy="1857388"/>
+          </a:xfrm>
+          <a:prstGeom prst="rect">
+            <a:avLst/>
+          </a:prstGeom>
+          <a:noFill/>
+          <a:ln w="9525">
+            <a:noFill/>
+            <a:miter lim="800000"/>
+            <a:headEnd/>
+            <a:tailEnd/>
+          </a:ln>
+          <a:effectLst/>
+        </p:spPr>
+      </p:pic>
+      <p:grpSp>
+        <p:nvGrpSpPr>
+          <p:cNvPr id="9" name="组合 8"/>
+          <p:cNvGrpSpPr/>
+          <p:nvPr/>
+        </p:nvGrpSpPr>
+        <p:grpSpPr>
+          <a:xfrm>
+            <a:off x="4032089" y="2582206"/>
+            <a:ext cx="5000660" cy="1857388"/>
+            <a:chOff x="3929058" y="2285992"/>
+            <a:chExt cx="5000660" cy="1857388"/>
+          </a:xfrm>
+        </p:grpSpPr>
+        <p:pic>
+          <p:nvPicPr>
+            <p:cNvPr id="7171" name="Picture 3"/>
+            <p:cNvPicPr>
+              <a:picLocks noChangeAspect="1" noChangeArrowheads="1"/>
+            </p:cNvPicPr>
+            <p:nvPr/>
+          </p:nvPicPr>
+          <p:blipFill>
+            <a:blip r:embed="rId3"/>
+            <a:srcRect t="27253" r="58984" b="47674"/>
+            <a:stretch>
+              <a:fillRect/>
+            </a:stretch>
+          </p:blipFill>
+          <p:spPr bwMode="auto">
+            <a:xfrm>
+              <a:off x="3929058" y="2285992"/>
+              <a:ext cx="5000660" cy="1857388"/>
+            </a:xfrm>
+            <a:prstGeom prst="rect">
+              <a:avLst/>
+            </a:prstGeom>
+            <a:noFill/>
+            <a:ln w="9525">
+              <a:noFill/>
+              <a:miter lim="800000"/>
+              <a:headEnd/>
+              <a:tailEnd/>
+            </a:ln>
+            <a:effectLst/>
+          </p:spPr>
+        </p:pic>
+        <p:sp>
+          <p:nvSpPr>
+            <p:cNvPr id="8" name="矩形 7"/>
+            <p:cNvSpPr/>
+            <p:nvPr/>
+          </p:nvSpPr>
+          <p:spPr>
+            <a:xfrm>
+              <a:off x="4500562" y="2571744"/>
+              <a:ext cx="2571768" cy="285752"/>
+            </a:xfrm>
+            <a:prstGeom prst="rect">
+              <a:avLst/>
+            </a:prstGeom>
+            <a:noFill/>
+            <a:ln>
+              <a:solidFill>
+                <a:srgbClr val="FFFF00"/>
+              </a:solidFill>
+            </a:ln>
+          </p:spPr>
+          <p:style>
+            <a:lnRef idx="2">
+              <a:schemeClr val="accent1">
+                <a:shade val="50000"/>
+              </a:schemeClr>
+            </a:lnRef>
+            <a:fillRef idx="1">
+              <a:schemeClr val="accent1"/>
+            </a:fillRef>
+            <a:effectRef idx="0">
+              <a:schemeClr val="accent1"/>
+            </a:effectRef>
+            <a:fontRef idx="minor">
+              <a:schemeClr val="lt1"/>
+            </a:fontRef>
+          </p:style>
+          <p:txBody>
+            <a:bodyPr rtlCol="0" anchor="ctr"/>
+            <a:lstStyle/>
+            <a:p>
+              <a:pPr algn="ctr"/>
+              <a:endParaRPr lang="zh-CN" altLang="en-US"/>
+            </a:p>
+          </p:txBody>
+        </p:sp>
+      </p:grpSp>
+      <p:sp>
+        <p:nvSpPr>
+          <p:cNvPr id="4" name="Slide Number Placeholder 3"/>
+          <p:cNvSpPr>
+            <a:spLocks noGrp="1"/>
+          </p:cNvSpPr>
+          <p:nvPr>
+            <p:ph type="sldNum" sz="quarter" idx="12"/>
+          </p:nvPr>
+        </p:nvSpPr>
+        <p:spPr/>
+        <p:txBody>
+          <a:bodyPr/>
+          <a:lstStyle/>
+          <a:p>
+            <a:fld id="{24A0F28C-20EE-4B55-A037-6774DF0EE367}" type="slidenum">
+              <a:rPr lang="en-IN" smtClean="0"/>
+              <a:t>13</a:t>
+            </a:fld>
+            <a:endParaRPr lang="en-IN"/>
+          </a:p>
+        </p:txBody>
+      </p:sp>
+    </p:spTree>
+    <p:extLst>
+      <p:ext uri="{BB962C8B-B14F-4D97-AF65-F5344CB8AC3E}">
+        <p14:creationId xmlns:p14="http://schemas.microsoft.com/office/powerpoint/2010/main" val="995418327"/>
+      </p:ext>
+    </p:extLst>
+  </p:cSld>
+  <p:clrMapOvr>
+    <a:masterClrMapping/>
+  </p:clrMapOvr>
+</p:sld>
+</file>
+
+<file path=ppt/slides/slide14.xml><?xml version="1.0" encoding="utf-8"?>
+<p:sld xmlns:a="http://schemas.openxmlformats.org/drawingml/2006/main" xmlns:r="http://schemas.openxmlformats.org/officeDocument/2006/relationships" xmlns:p="http://schemas.openxmlformats.org/presentationml/2006/main">
+  <p:cSld>
+    <p:spTree>
+      <p:nvGrpSpPr>
+        <p:cNvPr id="1" name=""/>
+        <p:cNvGrpSpPr/>
+        <p:nvPr/>
+      </p:nvGrpSpPr>
+      <p:grpSpPr>
+        <a:xfrm>
+          <a:off x="0" y="0"/>
+          <a:ext cx="0" cy="0"/>
+          <a:chOff x="0" y="0"/>
+          <a:chExt cx="0" cy="0"/>
+        </a:xfrm>
+      </p:grpSpPr>
+      <p:sp>
+        <p:nvSpPr>
+          <p:cNvPr id="2" name="标题 1"/>
+          <p:cNvSpPr>
+            <a:spLocks noGrp="1"/>
+          </p:cNvSpPr>
+          <p:nvPr>
+            <p:ph type="title"/>
+          </p:nvPr>
+        </p:nvSpPr>
+        <p:spPr/>
+        <p:txBody>
+          <a:bodyPr/>
+          <a:lstStyle/>
+          <a:p>
+            <a:r>
+              <a:rPr lang="en-US" altLang="zh-CN" dirty="0" smtClean="0"/>
+              <a:t>Defect Management</a:t>
+            </a:r>
+            <a:endParaRPr lang="zh-CN" altLang="en-US" dirty="0"/>
+          </a:p>
+        </p:txBody>
+      </p:sp>
+      <p:sp>
+        <p:nvSpPr>
+          <p:cNvPr id="3" name="内容占位符 2"/>
+          <p:cNvSpPr>
+            <a:spLocks noGrp="1"/>
+          </p:cNvSpPr>
+          <p:nvPr>
+            <p:ph idx="1"/>
+          </p:nvPr>
+        </p:nvSpPr>
+        <p:spPr>
+          <a:xfrm>
+            <a:off x="457200" y="1285860"/>
+            <a:ext cx="8229600" cy="4840303"/>
+          </a:xfrm>
+        </p:spPr>
+        <p:txBody>
+          <a:bodyPr>
+            <a:normAutofit/>
+          </a:bodyPr>
+          <a:lstStyle/>
+          <a:p>
+            <a:pPr>
+              <a:buNone/>
+            </a:pPr>
+            <a:r>
+              <a:rPr lang="en-US" altLang="zh-CN" dirty="0" smtClean="0"/>
+              <a:t>Reporting</a:t>
+            </a:r>
+          </a:p>
+          <a:p>
+            <a:pPr lvl="1"/>
+            <a:r>
+              <a:rPr lang="en-US" altLang="zh-CN" dirty="0" smtClean="0"/>
+              <a:t>Forum (</a:t>
+            </a:r>
+            <a:r>
+              <a:rPr lang="en-US" dirty="0" smtClean="0"/>
+              <a:t>http://forum.broadleafcommerce.com/)</a:t>
+            </a:r>
+            <a:endParaRPr lang="en-US" altLang="zh-CN" dirty="0" smtClean="0"/>
+          </a:p>
+          <a:p>
+            <a:pPr lvl="1"/>
+            <a:r>
+              <a:rPr lang="en-US" altLang="zh-CN" dirty="0" err="1" smtClean="0"/>
+              <a:t>GitHub</a:t>
+            </a:r>
+            <a:r>
+              <a:rPr lang="en-US" altLang="zh-CN" dirty="0" smtClean="0"/>
+              <a:t> Issue tracker</a:t>
+            </a:r>
+          </a:p>
+          <a:p>
+            <a:pPr lvl="1"/>
+            <a:endParaRPr lang="en-US" altLang="zh-CN" dirty="0" smtClean="0"/>
+          </a:p>
+          <a:p>
+            <a:pPr lvl="1">
+              <a:buNone/>
+            </a:pPr>
+            <a:r>
+              <a:rPr lang="en-US" altLang="zh-CN" dirty="0" smtClean="0"/>
+              <a:t>Information Required to report an issue</a:t>
+            </a:r>
+          </a:p>
+          <a:p>
+            <a:pPr lvl="2"/>
+            <a:r>
+              <a:rPr lang="en-US" dirty="0" smtClean="0"/>
+              <a:t>Broadleaf </a:t>
+            </a:r>
+            <a:r>
+              <a:rPr lang="en-US" b="1" dirty="0" smtClean="0"/>
+              <a:t>version</a:t>
+            </a:r>
+            <a:r>
+              <a:rPr lang="en-US" dirty="0" smtClean="0"/>
+              <a:t> you are using</a:t>
+            </a:r>
+            <a:endParaRPr lang="zh-CN" altLang="en-US" dirty="0" smtClean="0"/>
+          </a:p>
+          <a:p>
+            <a:pPr lvl="2"/>
+            <a:r>
+              <a:rPr lang="en-US" dirty="0" smtClean="0"/>
+              <a:t>Steps to </a:t>
+            </a:r>
+            <a:r>
+              <a:rPr lang="en-US" b="1" dirty="0" smtClean="0"/>
+              <a:t>reproduce</a:t>
+            </a:r>
+            <a:endParaRPr lang="zh-CN" altLang="en-US" b="1" dirty="0" smtClean="0"/>
+          </a:p>
+          <a:p>
+            <a:pPr lvl="2"/>
+            <a:r>
+              <a:rPr lang="en-US" dirty="0" smtClean="0"/>
+              <a:t>Any </a:t>
+            </a:r>
+            <a:r>
+              <a:rPr lang="en-US" b="1" dirty="0" smtClean="0"/>
+              <a:t>stack traces</a:t>
+            </a:r>
+            <a:r>
+              <a:rPr lang="en-US" dirty="0" smtClean="0"/>
+              <a:t> that you receive (if applicable)</a:t>
+            </a:r>
+            <a:endParaRPr lang="zh-CN" altLang="en-US" dirty="0" smtClean="0"/>
+          </a:p>
+          <a:p>
+            <a:pPr lvl="2"/>
+            <a:r>
+              <a:rPr lang="en-US" dirty="0" smtClean="0"/>
+              <a:t>Any additional information that allows us to help you faster</a:t>
+            </a:r>
+            <a:endParaRPr lang="zh-CN" altLang="en-US" dirty="0" smtClean="0"/>
+          </a:p>
+          <a:p>
+            <a:pPr lvl="2"/>
+            <a:r>
+              <a:rPr lang="en-US" dirty="0" smtClean="0"/>
+              <a:t>Any potential fixes you might have already tested</a:t>
+            </a:r>
+            <a:endParaRPr lang="zh-CN" altLang="en-US" dirty="0" smtClean="0"/>
+          </a:p>
+          <a:p>
+            <a:pPr>
+              <a:buNone/>
+            </a:pPr>
+            <a:endParaRPr lang="en-US" altLang="zh-CN" dirty="0" smtClean="0"/>
+          </a:p>
+          <a:p>
+            <a:pPr>
+              <a:buNone/>
+            </a:pPr>
+            <a:endParaRPr lang="en-US" altLang="zh-CN" dirty="0" smtClean="0"/>
+          </a:p>
+          <a:p>
+            <a:pPr>
+              <a:buNone/>
+            </a:pPr>
+            <a:endParaRPr lang="en-US" altLang="zh-CN" dirty="0" smtClean="0"/>
+          </a:p>
+          <a:p>
+            <a:pPr>
+              <a:buNone/>
+            </a:pPr>
+            <a:endParaRPr lang="en-US" altLang="zh-CN" dirty="0" smtClean="0"/>
+          </a:p>
+        </p:txBody>
+      </p:sp>
+      <p:sp>
+        <p:nvSpPr>
+          <p:cNvPr id="4" name="Slide Number Placeholder 3"/>
+          <p:cNvSpPr>
+            <a:spLocks noGrp="1"/>
+          </p:cNvSpPr>
+          <p:nvPr>
+            <p:ph type="sldNum" sz="quarter" idx="12"/>
+          </p:nvPr>
+        </p:nvSpPr>
+        <p:spPr/>
+        <p:txBody>
+          <a:bodyPr/>
+          <a:lstStyle/>
+          <a:p>
+            <a:fld id="{24A0F28C-20EE-4B55-A037-6774DF0EE367}" type="slidenum">
+              <a:rPr lang="en-IN" smtClean="0"/>
+              <a:t>14</a:t>
+            </a:fld>
+            <a:endParaRPr lang="en-IN"/>
+          </a:p>
+        </p:txBody>
+      </p:sp>
+    </p:spTree>
+    <p:extLst>
+      <p:ext uri="{BB962C8B-B14F-4D97-AF65-F5344CB8AC3E}">
+        <p14:creationId xmlns:p14="http://schemas.microsoft.com/office/powerpoint/2010/main" val="1403533957"/>
+      </p:ext>
+    </p:extLst>
+  </p:cSld>
+  <p:clrMapOvr>
+    <a:masterClrMapping/>
+  </p:clrMapOvr>
+</p:sld>
+</file>
+
+<file path=ppt/slides/slide15.xml><?xml version="1.0" encoding="utf-8"?>
+<p:sld xmlns:a="http://schemas.openxmlformats.org/drawingml/2006/main" xmlns:r="http://schemas.openxmlformats.org/officeDocument/2006/relationships" xmlns:p="http://schemas.openxmlformats.org/presentationml/2006/main">
+  <p:cSld>
+    <p:spTree>
+      <p:nvGrpSpPr>
+        <p:cNvPr id="1" name=""/>
+        <p:cNvGrpSpPr/>
+        <p:nvPr/>
+      </p:nvGrpSpPr>
+      <p:grpSpPr>
+        <a:xfrm>
+          <a:off x="0" y="0"/>
+          <a:ext cx="0" cy="0"/>
+          <a:chOff x="0" y="0"/>
+          <a:chExt cx="0" cy="0"/>
+        </a:xfrm>
+      </p:grpSpPr>
+      <p:sp>
+        <p:nvSpPr>
+          <p:cNvPr id="2" name="标题 1"/>
+          <p:cNvSpPr>
+            <a:spLocks noGrp="1"/>
+          </p:cNvSpPr>
+          <p:nvPr>
+            <p:ph type="title"/>
+          </p:nvPr>
+        </p:nvSpPr>
+        <p:spPr/>
+        <p:txBody>
+          <a:bodyPr/>
+          <a:lstStyle/>
+          <a:p>
+            <a:r>
+              <a:rPr lang="en-US" altLang="zh-CN" dirty="0" smtClean="0"/>
+              <a:t>Repair and release</a:t>
+            </a:r>
+            <a:endParaRPr lang="zh-CN" altLang="en-US" dirty="0"/>
+          </a:p>
+        </p:txBody>
+      </p:sp>
+      <p:sp>
+        <p:nvSpPr>
+          <p:cNvPr id="3" name="内容占位符 2"/>
+          <p:cNvSpPr>
+            <a:spLocks noGrp="1"/>
+          </p:cNvSpPr>
+          <p:nvPr>
+            <p:ph idx="1"/>
+          </p:nvPr>
+        </p:nvSpPr>
+        <p:spPr>
+          <a:xfrm>
+            <a:off x="457200" y="1285860"/>
+            <a:ext cx="8229600" cy="4840303"/>
+          </a:xfrm>
+        </p:spPr>
+        <p:txBody>
+          <a:bodyPr/>
+          <a:lstStyle/>
+          <a:p>
+            <a:r>
+              <a:rPr lang="en-US" altLang="zh-CN" dirty="0" smtClean="0"/>
+              <a:t>Repair and release Process</a:t>
+            </a:r>
+          </a:p>
+          <a:p>
+            <a:pPr lvl="1"/>
+            <a:r>
+              <a:rPr lang="en-US" altLang="zh-CN" dirty="0" smtClean="0"/>
+              <a:t>Step1 – Analyze the issue</a:t>
+            </a:r>
+            <a:endParaRPr lang="zh-CN" altLang="en-US" dirty="0"/>
+          </a:p>
+        </p:txBody>
+      </p:sp>
+      <p:pic>
+        <p:nvPicPr>
+          <p:cNvPr id="6" name="Picture 2"/>
+          <p:cNvPicPr>
+            <a:picLocks noChangeAspect="1" noChangeArrowheads="1"/>
+          </p:cNvPicPr>
+          <p:nvPr/>
+        </p:nvPicPr>
+        <p:blipFill>
+          <a:blip r:embed="rId2"/>
+          <a:srcRect l="10417" t="8075" r="15798"/>
+          <a:stretch>
+            <a:fillRect/>
+          </a:stretch>
+        </p:blipFill>
+        <p:spPr bwMode="auto">
+          <a:xfrm>
+            <a:off x="642909" y="2357430"/>
+            <a:ext cx="6400853" cy="4286280"/>
+          </a:xfrm>
+          <a:prstGeom prst="rect">
+            <a:avLst/>
+          </a:prstGeom>
+          <a:solidFill>
+            <a:srgbClr val="FFFFFF">
+              <a:shade val="85000"/>
+            </a:srgbClr>
+          </a:solidFill>
+          <a:ln w="88900" cap="sq">
+            <a:solidFill>
+              <a:srgbClr val="FFFFFF"/>
+            </a:solidFill>
+            <a:miter lim="800000"/>
+          </a:ln>
+          <a:effectLst>
+            <a:outerShdw blurRad="55000" dist="18000" dir="5400000" algn="tl" rotWithShape="0">
+              <a:srgbClr val="000000">
+                <a:alpha val="40000"/>
+              </a:srgbClr>
+            </a:outerShdw>
+          </a:effectLst>
+          <a:scene3d>
+            <a:camera prst="orthographicFront"/>
+            <a:lightRig rig="twoPt" dir="t">
+              <a:rot lat="0" lon="0" rev="7200000"/>
+            </a:lightRig>
+          </a:scene3d>
+          <a:sp3d>
+            <a:bevelT w="25400" h="19050"/>
+            <a:contourClr>
+              <a:srgbClr val="FFFFFF"/>
+            </a:contourClr>
+          </a:sp3d>
+        </p:spPr>
+      </p:pic>
+      <p:sp>
+        <p:nvSpPr>
+          <p:cNvPr id="7" name="矩形 6"/>
+          <p:cNvSpPr/>
+          <p:nvPr/>
+        </p:nvSpPr>
+        <p:spPr>
+          <a:xfrm>
+            <a:off x="1142976" y="3643314"/>
+            <a:ext cx="3643338" cy="357190"/>
+          </a:xfrm>
+          <a:prstGeom prst="rect">
+            <a:avLst/>
+          </a:prstGeom>
+          <a:noFill/>
+        </p:spPr>
+        <p:style>
+          <a:lnRef idx="2">
+            <a:schemeClr val="accent2"/>
+          </a:lnRef>
+          <a:fillRef idx="1">
+            <a:schemeClr val="lt1"/>
+          </a:fillRef>
+          <a:effectRef idx="0">
+            <a:schemeClr val="accent2"/>
+          </a:effectRef>
+          <a:fontRef idx="minor">
+            <a:schemeClr val="dk1"/>
+          </a:fontRef>
+        </p:style>
+        <p:txBody>
+          <a:bodyPr rtlCol="0" anchor="ctr"/>
+          <a:lstStyle/>
+          <a:p>
+            <a:pPr algn="ctr"/>
+            <a:endParaRPr lang="zh-CN" altLang="en-US"/>
+          </a:p>
+        </p:txBody>
+      </p:sp>
+      <p:sp>
+        <p:nvSpPr>
+          <p:cNvPr id="8" name="圆角矩形标注 7"/>
+          <p:cNvSpPr/>
+          <p:nvPr/>
+        </p:nvSpPr>
+        <p:spPr>
+          <a:xfrm>
+            <a:off x="5357818" y="1500174"/>
+            <a:ext cx="2071702" cy="1071570"/>
+          </a:xfrm>
+          <a:prstGeom prst="wedgeRoundRectCallout">
+            <a:avLst>
+              <a:gd name="adj1" fmla="val -81635"/>
+              <a:gd name="adj2" fmla="val 139125"/>
+              <a:gd name="adj3" fmla="val 16667"/>
+            </a:avLst>
+          </a:prstGeom>
+        </p:spPr>
+        <p:style>
+          <a:lnRef idx="1">
+            <a:schemeClr val="accent5"/>
+          </a:lnRef>
+          <a:fillRef idx="2">
+            <a:schemeClr val="accent5"/>
+          </a:fillRef>
+          <a:effectRef idx="1">
+            <a:schemeClr val="accent5"/>
+          </a:effectRef>
+          <a:fontRef idx="minor">
+            <a:schemeClr val="dk1"/>
+          </a:fontRef>
+        </p:style>
+        <p:txBody>
+          <a:bodyPr rtlCol="0" anchor="ctr"/>
+          <a:lstStyle/>
+          <a:p>
+            <a:pPr marL="0" lvl="1" algn="ctr"/>
+            <a:r>
+              <a:rPr lang="en-US" altLang="zh-CN" dirty="0" smtClean="0"/>
+              <a:t>classify and label the issue </a:t>
+            </a:r>
+          </a:p>
+        </p:txBody>
+      </p:sp>
+      <p:sp>
+        <p:nvSpPr>
+          <p:cNvPr id="4" name="Slide Number Placeholder 3"/>
+          <p:cNvSpPr>
+            <a:spLocks noGrp="1"/>
+          </p:cNvSpPr>
+          <p:nvPr>
+            <p:ph type="sldNum" sz="quarter" idx="12"/>
+          </p:nvPr>
+        </p:nvSpPr>
+        <p:spPr/>
+        <p:txBody>
+          <a:bodyPr/>
+          <a:lstStyle/>
+          <a:p>
+            <a:fld id="{24A0F28C-20EE-4B55-A037-6774DF0EE367}" type="slidenum">
+              <a:rPr lang="en-IN" smtClean="0"/>
+              <a:t>15</a:t>
+            </a:fld>
+            <a:endParaRPr lang="en-IN"/>
+          </a:p>
+        </p:txBody>
+      </p:sp>
+    </p:spTree>
+    <p:extLst>
+      <p:ext uri="{BB962C8B-B14F-4D97-AF65-F5344CB8AC3E}">
+        <p14:creationId xmlns:p14="http://schemas.microsoft.com/office/powerpoint/2010/main" val="824701789"/>
+      </p:ext>
+    </p:extLst>
+  </p:cSld>
+  <p:clrMapOvr>
+    <a:masterClrMapping/>
+  </p:clrMapOvr>
+  <p:timing>
+    <p:tnLst>
+      <p:par>
+        <p:cTn id="1" dur="indefinite" restart="never" nodeType="tmRoot"/>
+      </p:par>
+    </p:tnLst>
+  </p:timing>
+</p:sld>
+</file>
+
+<file path=ppt/slides/slide16.xml><?xml version="1.0" encoding="utf-8"?>
+<p:sld xmlns:a="http://schemas.openxmlformats.org/drawingml/2006/main" xmlns:r="http://schemas.openxmlformats.org/officeDocument/2006/relationships" xmlns:p="http://schemas.openxmlformats.org/presentationml/2006/main">
+  <p:cSld>
+    <p:spTree>
+      <p:nvGrpSpPr>
+        <p:cNvPr id="1" name=""/>
+        <p:cNvGrpSpPr/>
+        <p:nvPr/>
+      </p:nvGrpSpPr>
+      <p:grpSpPr>
+        <a:xfrm>
+          <a:off x="0" y="0"/>
+          <a:ext cx="0" cy="0"/>
+          <a:chOff x="0" y="0"/>
+          <a:chExt cx="0" cy="0"/>
+        </a:xfrm>
+      </p:grpSpPr>
+      <p:sp>
+        <p:nvSpPr>
+          <p:cNvPr id="2" name="标题 1"/>
+          <p:cNvSpPr>
+            <a:spLocks noGrp="1"/>
+          </p:cNvSpPr>
+          <p:nvPr>
+            <p:ph type="title"/>
+          </p:nvPr>
+        </p:nvSpPr>
+        <p:spPr/>
+        <p:txBody>
+          <a:bodyPr/>
+          <a:lstStyle/>
+          <a:p>
+            <a:r>
+              <a:rPr lang="en-US" altLang="zh-CN" dirty="0" smtClean="0"/>
+              <a:t>Category Labels</a:t>
+            </a:r>
+            <a:endParaRPr lang="zh-CN" altLang="en-US" dirty="0"/>
+          </a:p>
+        </p:txBody>
+      </p:sp>
+      <p:sp>
+        <p:nvSpPr>
+          <p:cNvPr id="3" name="内容占位符 2"/>
+          <p:cNvSpPr>
+            <a:spLocks noGrp="1"/>
+          </p:cNvSpPr>
+          <p:nvPr>
+            <p:ph idx="1"/>
+          </p:nvPr>
+        </p:nvSpPr>
+        <p:spPr/>
+        <p:txBody>
+          <a:bodyPr>
+            <a:normAutofit/>
+          </a:bodyPr>
+          <a:lstStyle/>
+          <a:p>
+            <a:pPr lvl="0"/>
+            <a:r>
+              <a:rPr lang="en-US" dirty="0" smtClean="0"/>
+              <a:t>Severity-(critical/major/minor)</a:t>
+            </a:r>
+            <a:endParaRPr lang="zh-CN" altLang="en-US" dirty="0" smtClean="0"/>
+          </a:p>
+          <a:p>
+            <a:pPr lvl="0"/>
+            <a:r>
+              <a:rPr lang="en-US" dirty="0" smtClean="0"/>
+              <a:t>Module-(admin/</a:t>
+            </a:r>
+            <a:r>
+              <a:rPr lang="en-US" dirty="0" err="1" smtClean="0"/>
+              <a:t>cms</a:t>
+            </a:r>
+            <a:r>
+              <a:rPr lang="en-US" dirty="0" smtClean="0"/>
+              <a:t>/core/rest/tests) </a:t>
+            </a:r>
+            <a:endParaRPr lang="zh-CN" altLang="en-US" dirty="0" smtClean="0"/>
+          </a:p>
+          <a:p>
+            <a:pPr lvl="0"/>
+            <a:r>
+              <a:rPr lang="en-US" dirty="0" smtClean="0"/>
+              <a:t>Type-(bug/enhancement/feature).</a:t>
+            </a:r>
+            <a:endParaRPr lang="zh-CN" altLang="en-US" dirty="0" smtClean="0"/>
+          </a:p>
+          <a:p>
+            <a:pPr lvl="0"/>
+            <a:r>
+              <a:rPr lang="en-US" dirty="0" smtClean="0"/>
+              <a:t>Difficulty-(hard/medium/easy)</a:t>
+            </a:r>
+          </a:p>
+          <a:p>
+            <a:pPr lvl="0"/>
+            <a:r>
+              <a:rPr lang="en-US" dirty="0" smtClean="0"/>
+              <a:t>Affects </a:t>
+            </a:r>
+          </a:p>
+          <a:p>
+            <a:pPr lvl="0"/>
+            <a:r>
+              <a:rPr lang="en-US" altLang="zh-CN" dirty="0" smtClean="0"/>
+              <a:t>Target to Release</a:t>
+            </a:r>
+            <a:endParaRPr lang="zh-CN" altLang="en-US" dirty="0" smtClean="0"/>
+          </a:p>
+          <a:p>
+            <a:endParaRPr lang="zh-CN" altLang="en-US" dirty="0"/>
+          </a:p>
+        </p:txBody>
+      </p:sp>
+      <p:pic>
+        <p:nvPicPr>
+          <p:cNvPr id="6" name="Picture 2"/>
+          <p:cNvPicPr>
+            <a:picLocks noChangeAspect="1" noChangeArrowheads="1"/>
+          </p:cNvPicPr>
+          <p:nvPr/>
+        </p:nvPicPr>
+        <p:blipFill>
+          <a:blip r:embed="rId2"/>
+          <a:srcRect l="10937" t="9690" r="69965"/>
+          <a:stretch>
+            <a:fillRect/>
+          </a:stretch>
+        </p:blipFill>
+        <p:spPr bwMode="auto">
+          <a:xfrm>
+            <a:off x="7000892" y="1643050"/>
+            <a:ext cx="1571636" cy="3994782"/>
+          </a:xfrm>
+          <a:prstGeom prst="rect">
+            <a:avLst/>
+          </a:prstGeom>
+          <a:noFill/>
+          <a:ln w="9525">
+            <a:noFill/>
+            <a:miter lim="800000"/>
+            <a:headEnd/>
+            <a:tailEnd/>
+          </a:ln>
+          <a:effectLst/>
+        </p:spPr>
+      </p:pic>
+      <p:sp>
+        <p:nvSpPr>
+          <p:cNvPr id="4" name="Slide Number Placeholder 3"/>
+          <p:cNvSpPr>
+            <a:spLocks noGrp="1"/>
+          </p:cNvSpPr>
+          <p:nvPr>
+            <p:ph type="sldNum" sz="quarter" idx="12"/>
+          </p:nvPr>
+        </p:nvSpPr>
+        <p:spPr/>
+        <p:txBody>
+          <a:bodyPr/>
+          <a:lstStyle/>
+          <a:p>
+            <a:fld id="{24A0F28C-20EE-4B55-A037-6774DF0EE367}" type="slidenum">
+              <a:rPr lang="en-IN" smtClean="0"/>
+              <a:t>16</a:t>
+            </a:fld>
+            <a:endParaRPr lang="en-IN"/>
+          </a:p>
+        </p:txBody>
+      </p:sp>
+    </p:spTree>
+    <p:extLst>
+      <p:ext uri="{BB962C8B-B14F-4D97-AF65-F5344CB8AC3E}">
+        <p14:creationId xmlns:p14="http://schemas.microsoft.com/office/powerpoint/2010/main" val="3836988683"/>
+      </p:ext>
+    </p:extLst>
+  </p:cSld>
+  <p:clrMapOvr>
+    <a:masterClrMapping/>
+  </p:clrMapOvr>
+  <p:timing>
+    <p:tnLst>
+      <p:par>
+        <p:cTn id="1" dur="indefinite" restart="never" nodeType="tmRoot"/>
+      </p:par>
+    </p:tnLst>
+  </p:timing>
+</p:sld>
+</file>
+
+<file path=ppt/slides/slide17.xml><?xml version="1.0" encoding="utf-8"?>
+<p:sld xmlns:a="http://schemas.openxmlformats.org/drawingml/2006/main" xmlns:r="http://schemas.openxmlformats.org/officeDocument/2006/relationships" xmlns:p="http://schemas.openxmlformats.org/presentationml/2006/main">
+  <p:cSld>
+    <p:spTree>
+      <p:nvGrpSpPr>
+        <p:cNvPr id="1" name=""/>
+        <p:cNvGrpSpPr/>
+        <p:nvPr/>
+      </p:nvGrpSpPr>
+      <p:grpSpPr>
+        <a:xfrm>
+          <a:off x="0" y="0"/>
+          <a:ext cx="0" cy="0"/>
+          <a:chOff x="0" y="0"/>
+          <a:chExt cx="0" cy="0"/>
+        </a:xfrm>
+      </p:grpSpPr>
+      <p:sp>
+        <p:nvSpPr>
+          <p:cNvPr id="2" name="标题 1"/>
+          <p:cNvSpPr>
+            <a:spLocks noGrp="1"/>
+          </p:cNvSpPr>
+          <p:nvPr>
+            <p:ph type="title"/>
+          </p:nvPr>
+        </p:nvSpPr>
+        <p:spPr/>
+        <p:txBody>
+          <a:bodyPr/>
+          <a:lstStyle/>
+          <a:p>
+            <a:r>
+              <a:rPr lang="en-US" altLang="zh-CN" dirty="0" smtClean="0"/>
+              <a:t>Repair and release Process</a:t>
+            </a:r>
+            <a:endParaRPr lang="zh-CN" altLang="en-US" dirty="0"/>
+          </a:p>
+        </p:txBody>
+      </p:sp>
+      <p:sp>
+        <p:nvSpPr>
+          <p:cNvPr id="3" name="内容占位符 2"/>
+          <p:cNvSpPr>
+            <a:spLocks noGrp="1"/>
+          </p:cNvSpPr>
+          <p:nvPr>
+            <p:ph idx="1"/>
+          </p:nvPr>
+        </p:nvSpPr>
+        <p:spPr>
+          <a:xfrm>
+            <a:off x="500034" y="1214422"/>
+            <a:ext cx="8229600" cy="4625989"/>
+          </a:xfrm>
+        </p:spPr>
+        <p:txBody>
+          <a:bodyPr/>
+          <a:lstStyle/>
+          <a:p>
+            <a:r>
+              <a:rPr lang="en-US" altLang="zh-CN" dirty="0" smtClean="0"/>
+              <a:t>Step2 - </a:t>
+            </a:r>
+            <a:r>
+              <a:rPr lang="en-US" dirty="0" smtClean="0"/>
+              <a:t>select issues for next Broadleaf sprint / patch release</a:t>
+            </a:r>
+            <a:endParaRPr lang="zh-CN" altLang="en-US" dirty="0"/>
+          </a:p>
+        </p:txBody>
+      </p:sp>
+      <p:pic>
+        <p:nvPicPr>
+          <p:cNvPr id="4099" name="Picture 3"/>
+          <p:cNvPicPr>
+            <a:picLocks noChangeAspect="1" noChangeArrowheads="1"/>
+          </p:cNvPicPr>
+          <p:nvPr/>
+        </p:nvPicPr>
+        <p:blipFill>
+          <a:blip r:embed="rId2"/>
+          <a:srcRect l="11133" t="21486" r="17382"/>
+          <a:stretch>
+            <a:fillRect/>
+          </a:stretch>
+        </p:blipFill>
+        <p:spPr bwMode="auto">
+          <a:xfrm>
+            <a:off x="928662" y="2285992"/>
+            <a:ext cx="6171481" cy="3643338"/>
+          </a:xfrm>
+          <a:prstGeom prst="rect">
+            <a:avLst/>
+          </a:prstGeom>
+          <a:solidFill>
+            <a:srgbClr val="FFFFFF">
+              <a:shade val="85000"/>
+            </a:srgbClr>
+          </a:solidFill>
+          <a:ln w="88900" cap="sq">
+            <a:solidFill>
+              <a:srgbClr val="FFFFFF"/>
+            </a:solidFill>
+            <a:miter lim="800000"/>
+          </a:ln>
+          <a:effectLst>
+            <a:outerShdw blurRad="55000" dist="18000" dir="5400000" algn="tl" rotWithShape="0">
+              <a:srgbClr val="000000">
+                <a:alpha val="40000"/>
+              </a:srgbClr>
+            </a:outerShdw>
+          </a:effectLst>
+          <a:scene3d>
+            <a:camera prst="orthographicFront"/>
+            <a:lightRig rig="twoPt" dir="t">
+              <a:rot lat="0" lon="0" rev="7200000"/>
+            </a:lightRig>
+          </a:scene3d>
+          <a:sp3d>
+            <a:bevelT w="25400" h="19050"/>
+            <a:contourClr>
+              <a:srgbClr val="FFFFFF"/>
+            </a:contourClr>
+          </a:sp3d>
+        </p:spPr>
+      </p:pic>
+      <p:sp>
+        <p:nvSpPr>
+          <p:cNvPr id="4" name="Slide Number Placeholder 3"/>
+          <p:cNvSpPr>
+            <a:spLocks noGrp="1"/>
+          </p:cNvSpPr>
+          <p:nvPr>
+            <p:ph type="sldNum" sz="quarter" idx="12"/>
+          </p:nvPr>
+        </p:nvSpPr>
+        <p:spPr/>
+        <p:txBody>
+          <a:bodyPr/>
+          <a:lstStyle/>
+          <a:p>
+            <a:fld id="{24A0F28C-20EE-4B55-A037-6774DF0EE367}" type="slidenum">
+              <a:rPr lang="en-IN" smtClean="0"/>
+              <a:t>17</a:t>
+            </a:fld>
+            <a:endParaRPr lang="en-IN"/>
+          </a:p>
+        </p:txBody>
+      </p:sp>
+    </p:spTree>
+    <p:extLst>
+      <p:ext uri="{BB962C8B-B14F-4D97-AF65-F5344CB8AC3E}">
+        <p14:creationId xmlns:p14="http://schemas.microsoft.com/office/powerpoint/2010/main" val="3024872617"/>
+      </p:ext>
+    </p:extLst>
+  </p:cSld>
+  <p:clrMapOvr>
+    <a:masterClrMapping/>
+  </p:clrMapOvr>
+  <p:timing>
+    <p:tnLst>
+      <p:par>
+        <p:cTn id="1" dur="indefinite" restart="never" nodeType="tmRoot"/>
+      </p:par>
+    </p:tnLst>
+  </p:timing>
+</p:sld>
+</file>
+
+<file path=ppt/slides/slide18.xml><?xml version="1.0" encoding="utf-8"?>
+<p:sld xmlns:a="http://schemas.openxmlformats.org/drawingml/2006/main" xmlns:r="http://schemas.openxmlformats.org/officeDocument/2006/relationships" xmlns:p="http://schemas.openxmlformats.org/presentationml/2006/main">
+  <p:cSld>
+    <p:spTree>
+      <p:nvGrpSpPr>
+        <p:cNvPr id="1" name=""/>
+        <p:cNvGrpSpPr/>
+        <p:nvPr/>
+      </p:nvGrpSpPr>
+      <p:grpSpPr>
+        <a:xfrm>
+          <a:off x="0" y="0"/>
+          <a:ext cx="0" cy="0"/>
+          <a:chOff x="0" y="0"/>
+          <a:chExt cx="0" cy="0"/>
+        </a:xfrm>
+      </p:grpSpPr>
+      <p:pic>
+        <p:nvPicPr>
+          <p:cNvPr id="6" name="Picture 2"/>
+          <p:cNvPicPr>
+            <a:picLocks noChangeAspect="1" noChangeArrowheads="1"/>
+          </p:cNvPicPr>
+          <p:nvPr/>
+        </p:nvPicPr>
+        <p:blipFill>
+          <a:blip r:embed="rId2"/>
+          <a:srcRect l="10417" t="8075" r="15798"/>
+          <a:stretch>
+            <a:fillRect/>
+          </a:stretch>
+        </p:blipFill>
+        <p:spPr bwMode="auto">
+          <a:xfrm>
+            <a:off x="642909" y="2357430"/>
+            <a:ext cx="6400853" cy="4286280"/>
+          </a:xfrm>
+          <a:prstGeom prst="rect">
+            <a:avLst/>
+          </a:prstGeom>
+          <a:solidFill>
+            <a:srgbClr val="FFFFFF">
+              <a:shade val="85000"/>
+            </a:srgbClr>
+          </a:solidFill>
+          <a:ln w="88900" cap="sq">
+            <a:solidFill>
+              <a:srgbClr val="FFFFFF"/>
+            </a:solidFill>
+            <a:miter lim="800000"/>
+          </a:ln>
+          <a:effectLst>
+            <a:outerShdw blurRad="55000" dist="18000" dir="5400000" algn="tl" rotWithShape="0">
+              <a:srgbClr val="000000">
+                <a:alpha val="40000"/>
+              </a:srgbClr>
+            </a:outerShdw>
+          </a:effectLst>
+          <a:scene3d>
+            <a:camera prst="orthographicFront"/>
+            <a:lightRig rig="twoPt" dir="t">
+              <a:rot lat="0" lon="0" rev="7200000"/>
+            </a:lightRig>
+          </a:scene3d>
+          <a:sp3d>
+            <a:bevelT w="25400" h="19050"/>
+            <a:contourClr>
+              <a:srgbClr val="FFFFFF"/>
+            </a:contourClr>
+          </a:sp3d>
+        </p:spPr>
+      </p:pic>
+      <p:sp>
+        <p:nvSpPr>
+          <p:cNvPr id="2" name="标题 1"/>
+          <p:cNvSpPr>
+            <a:spLocks noGrp="1"/>
+          </p:cNvSpPr>
+          <p:nvPr>
+            <p:ph type="title"/>
+          </p:nvPr>
+        </p:nvSpPr>
+        <p:spPr/>
+        <p:txBody>
+          <a:bodyPr/>
+          <a:lstStyle/>
+          <a:p>
+            <a:r>
+              <a:rPr lang="en-US" altLang="zh-CN" dirty="0" smtClean="0"/>
+              <a:t>Repair and release Process</a:t>
+            </a:r>
+            <a:endParaRPr lang="zh-CN" altLang="en-US" dirty="0"/>
+          </a:p>
+        </p:txBody>
+      </p:sp>
+      <p:sp>
+        <p:nvSpPr>
+          <p:cNvPr id="3" name="内容占位符 2"/>
+          <p:cNvSpPr>
+            <a:spLocks noGrp="1"/>
+          </p:cNvSpPr>
+          <p:nvPr>
+            <p:ph idx="1"/>
+          </p:nvPr>
+        </p:nvSpPr>
+        <p:spPr>
+          <a:xfrm>
+            <a:off x="428596" y="1428736"/>
+            <a:ext cx="8229600" cy="4525963"/>
+          </a:xfrm>
+        </p:spPr>
+        <p:txBody>
+          <a:bodyPr/>
+          <a:lstStyle/>
+          <a:p>
+            <a:r>
+              <a:rPr lang="en-US" dirty="0" smtClean="0"/>
+              <a:t>Step3 - assign a milestone indicating the release that targets for the issue</a:t>
+            </a:r>
+            <a:endParaRPr lang="zh-CN" altLang="en-US" dirty="0"/>
+          </a:p>
+        </p:txBody>
+      </p:sp>
+      <p:sp>
+        <p:nvSpPr>
+          <p:cNvPr id="4" name="矩形 3"/>
+          <p:cNvSpPr/>
+          <p:nvPr/>
+        </p:nvSpPr>
+        <p:spPr>
+          <a:xfrm>
+            <a:off x="1071538" y="4429132"/>
+            <a:ext cx="3643338" cy="357190"/>
+          </a:xfrm>
+          <a:prstGeom prst="rect">
+            <a:avLst/>
+          </a:prstGeom>
+          <a:noFill/>
+        </p:spPr>
+        <p:style>
+          <a:lnRef idx="2">
+            <a:schemeClr val="accent2"/>
+          </a:lnRef>
+          <a:fillRef idx="1">
+            <a:schemeClr val="lt1"/>
+          </a:fillRef>
+          <a:effectRef idx="0">
+            <a:schemeClr val="accent2"/>
+          </a:effectRef>
+          <a:fontRef idx="minor">
+            <a:schemeClr val="dk1"/>
+          </a:fontRef>
+        </p:style>
+        <p:txBody>
+          <a:bodyPr rtlCol="0" anchor="ctr"/>
+          <a:lstStyle/>
+          <a:p>
+            <a:pPr algn="ctr"/>
+            <a:endParaRPr lang="zh-CN" altLang="en-US"/>
+          </a:p>
+        </p:txBody>
+      </p:sp>
+      <p:sp>
+        <p:nvSpPr>
+          <p:cNvPr id="5" name="圆角矩形标注 4"/>
+          <p:cNvSpPr/>
+          <p:nvPr/>
+        </p:nvSpPr>
+        <p:spPr>
+          <a:xfrm>
+            <a:off x="5500694" y="2571744"/>
+            <a:ext cx="2071702" cy="1071570"/>
+          </a:xfrm>
+          <a:prstGeom prst="wedgeRoundRectCallout">
+            <a:avLst>
+              <a:gd name="adj1" fmla="val -81635"/>
+              <a:gd name="adj2" fmla="val 139125"/>
+              <a:gd name="adj3" fmla="val 16667"/>
+            </a:avLst>
+          </a:prstGeom>
+        </p:spPr>
+        <p:style>
+          <a:lnRef idx="1">
+            <a:schemeClr val="accent5"/>
+          </a:lnRef>
+          <a:fillRef idx="2">
+            <a:schemeClr val="accent5"/>
+          </a:fillRef>
+          <a:effectRef idx="1">
+            <a:schemeClr val="accent5"/>
+          </a:effectRef>
+          <a:fontRef idx="minor">
+            <a:schemeClr val="dk1"/>
+          </a:fontRef>
+        </p:style>
+        <p:txBody>
+          <a:bodyPr rtlCol="0" anchor="ctr"/>
+          <a:lstStyle/>
+          <a:p>
+            <a:pPr marL="0" lvl="1" algn="ctr"/>
+            <a:r>
+              <a:rPr lang="en-US" altLang="zh-CN" dirty="0" smtClean="0"/>
+              <a:t>Assign milestone </a:t>
+            </a:r>
+          </a:p>
+        </p:txBody>
+      </p:sp>
+      <p:sp>
+        <p:nvSpPr>
+          <p:cNvPr id="7" name="Slide Number Placeholder 6"/>
+          <p:cNvSpPr>
+            <a:spLocks noGrp="1"/>
+          </p:cNvSpPr>
+          <p:nvPr>
+            <p:ph type="sldNum" sz="quarter" idx="12"/>
+          </p:nvPr>
+        </p:nvSpPr>
+        <p:spPr/>
+        <p:txBody>
+          <a:bodyPr/>
+          <a:lstStyle/>
+          <a:p>
+            <a:fld id="{24A0F28C-20EE-4B55-A037-6774DF0EE367}" type="slidenum">
+              <a:rPr lang="en-IN" smtClean="0"/>
+              <a:t>18</a:t>
+            </a:fld>
+            <a:endParaRPr lang="en-IN"/>
+          </a:p>
+        </p:txBody>
+      </p:sp>
+    </p:spTree>
+    <p:extLst>
+      <p:ext uri="{BB962C8B-B14F-4D97-AF65-F5344CB8AC3E}">
+        <p14:creationId xmlns:p14="http://schemas.microsoft.com/office/powerpoint/2010/main" val="3686599435"/>
+      </p:ext>
+    </p:extLst>
+  </p:cSld>
+  <p:clrMapOvr>
+    <a:masterClrMapping/>
+  </p:clrMapOvr>
+</p:sld>
+</file>
+
+<file path=ppt/slides/slide19.xml><?xml version="1.0" encoding="utf-8"?>
+<p:sld xmlns:a="http://schemas.openxmlformats.org/drawingml/2006/main" xmlns:r="http://schemas.openxmlformats.org/officeDocument/2006/relationships" xmlns:p="http://schemas.openxmlformats.org/presentationml/2006/main">
+  <p:cSld>
+    <p:spTree>
+      <p:nvGrpSpPr>
+        <p:cNvPr id="1" name=""/>
+        <p:cNvGrpSpPr/>
+        <p:nvPr/>
+      </p:nvGrpSpPr>
+      <p:grpSpPr>
+        <a:xfrm>
+          <a:off x="0" y="0"/>
+          <a:ext cx="0" cy="0"/>
+          <a:chOff x="0" y="0"/>
+          <a:chExt cx="0" cy="0"/>
+        </a:xfrm>
+      </p:grpSpPr>
+      <p:sp>
+        <p:nvSpPr>
+          <p:cNvPr id="2" name="标题 1"/>
+          <p:cNvSpPr>
+            <a:spLocks noGrp="1"/>
+          </p:cNvSpPr>
+          <p:nvPr>
+            <p:ph type="title"/>
+          </p:nvPr>
+        </p:nvSpPr>
+        <p:spPr/>
+        <p:txBody>
+          <a:bodyPr/>
+          <a:lstStyle/>
+          <a:p>
+            <a:r>
+              <a:rPr lang="en-US" altLang="zh-CN" dirty="0" smtClean="0"/>
+              <a:t>Repair and release Process</a:t>
+            </a:r>
+            <a:endParaRPr lang="zh-CN" altLang="en-US" dirty="0"/>
+          </a:p>
+        </p:txBody>
+      </p:sp>
+      <p:sp>
+        <p:nvSpPr>
+          <p:cNvPr id="3" name="内容占位符 2"/>
+          <p:cNvSpPr>
+            <a:spLocks noGrp="1"/>
+          </p:cNvSpPr>
+          <p:nvPr>
+            <p:ph idx="1"/>
+          </p:nvPr>
+        </p:nvSpPr>
+        <p:spPr>
+          <a:xfrm>
+            <a:off x="500034" y="1285860"/>
+            <a:ext cx="8229600" cy="4525963"/>
+          </a:xfrm>
+        </p:spPr>
+        <p:txBody>
+          <a:bodyPr/>
+          <a:lstStyle/>
+          <a:p>
+            <a:r>
+              <a:rPr lang="en-US" altLang="zh-CN" dirty="0" smtClean="0"/>
+              <a:t>Step4 - </a:t>
+            </a:r>
+            <a:r>
+              <a:rPr lang="en-US" dirty="0" smtClean="0"/>
+              <a:t>mark the issue as closed generally once the developer has committed the fix</a:t>
+            </a:r>
+            <a:endParaRPr lang="zh-CN" altLang="en-US" dirty="0"/>
+          </a:p>
+        </p:txBody>
+      </p:sp>
+      <p:pic>
+        <p:nvPicPr>
+          <p:cNvPr id="4" name="Picture 2"/>
+          <p:cNvPicPr>
+            <a:picLocks noChangeAspect="1" noChangeArrowheads="1"/>
+          </p:cNvPicPr>
+          <p:nvPr/>
+        </p:nvPicPr>
+        <p:blipFill>
+          <a:blip r:embed="rId2"/>
+          <a:srcRect l="10417" t="8075" r="15798"/>
+          <a:stretch>
+            <a:fillRect/>
+          </a:stretch>
+        </p:blipFill>
+        <p:spPr bwMode="auto">
+          <a:xfrm>
+            <a:off x="642909" y="2357430"/>
+            <a:ext cx="6400853" cy="4286280"/>
+          </a:xfrm>
+          <a:prstGeom prst="rect">
+            <a:avLst/>
+          </a:prstGeom>
+          <a:solidFill>
+            <a:srgbClr val="FFFFFF">
+              <a:shade val="85000"/>
+            </a:srgbClr>
+          </a:solidFill>
+          <a:ln w="88900" cap="sq">
+            <a:solidFill>
+              <a:srgbClr val="FFFFFF"/>
+            </a:solidFill>
+            <a:miter lim="800000"/>
+          </a:ln>
+          <a:effectLst>
+            <a:outerShdw blurRad="55000" dist="18000" dir="5400000" algn="tl" rotWithShape="0">
+              <a:srgbClr val="000000">
+                <a:alpha val="40000"/>
+              </a:srgbClr>
+            </a:outerShdw>
+          </a:effectLst>
+          <a:scene3d>
+            <a:camera prst="orthographicFront"/>
+            <a:lightRig rig="twoPt" dir="t">
+              <a:rot lat="0" lon="0" rev="7200000"/>
+            </a:lightRig>
+          </a:scene3d>
+          <a:sp3d>
+            <a:bevelT w="25400" h="19050"/>
+            <a:contourClr>
+              <a:srgbClr val="FFFFFF"/>
+            </a:contourClr>
+          </a:sp3d>
+        </p:spPr>
+      </p:pic>
+      <p:sp>
+        <p:nvSpPr>
+          <p:cNvPr id="5" name="矩形 4"/>
+          <p:cNvSpPr/>
+          <p:nvPr/>
+        </p:nvSpPr>
+        <p:spPr>
+          <a:xfrm>
+            <a:off x="928662" y="5500702"/>
+            <a:ext cx="4286280" cy="1000132"/>
+          </a:xfrm>
+          <a:prstGeom prst="rect">
+            <a:avLst/>
+          </a:prstGeom>
+          <a:noFill/>
+        </p:spPr>
+        <p:style>
+          <a:lnRef idx="2">
+            <a:schemeClr val="accent2"/>
+          </a:lnRef>
+          <a:fillRef idx="1">
+            <a:schemeClr val="lt1"/>
+          </a:fillRef>
+          <a:effectRef idx="0">
+            <a:schemeClr val="accent2"/>
+          </a:effectRef>
+          <a:fontRef idx="minor">
+            <a:schemeClr val="dk1"/>
+          </a:fontRef>
+        </p:style>
+        <p:txBody>
+          <a:bodyPr rtlCol="0" anchor="ctr"/>
+          <a:lstStyle/>
+          <a:p>
+            <a:pPr algn="ctr"/>
+            <a:endParaRPr lang="zh-CN" altLang="en-US"/>
+          </a:p>
+        </p:txBody>
+      </p:sp>
+      <p:sp>
+        <p:nvSpPr>
+          <p:cNvPr id="6" name="圆角矩形标注 5"/>
+          <p:cNvSpPr/>
+          <p:nvPr/>
+        </p:nvSpPr>
+        <p:spPr>
+          <a:xfrm>
+            <a:off x="5857884" y="3714752"/>
+            <a:ext cx="2071702" cy="1071570"/>
+          </a:xfrm>
+          <a:prstGeom prst="wedgeRoundRectCallout">
+            <a:avLst>
+              <a:gd name="adj1" fmla="val -81635"/>
+              <a:gd name="adj2" fmla="val 139125"/>
+              <a:gd name="adj3" fmla="val 16667"/>
+            </a:avLst>
+          </a:prstGeom>
+        </p:spPr>
+        <p:style>
+          <a:lnRef idx="1">
+            <a:schemeClr val="accent5"/>
+          </a:lnRef>
+          <a:fillRef idx="2">
+            <a:schemeClr val="accent5"/>
+          </a:fillRef>
+          <a:effectRef idx="1">
+            <a:schemeClr val="accent5"/>
+          </a:effectRef>
+          <a:fontRef idx="minor">
+            <a:schemeClr val="dk1"/>
+          </a:fontRef>
+        </p:style>
+        <p:txBody>
+          <a:bodyPr rtlCol="0" anchor="ctr"/>
+          <a:lstStyle/>
+          <a:p>
+            <a:pPr marL="0" lvl="1" algn="ctr"/>
+            <a:r>
+              <a:rPr lang="en-US" altLang="zh-CN" dirty="0" smtClean="0"/>
+              <a:t>Fix and close</a:t>
+            </a:r>
+          </a:p>
+        </p:txBody>
+      </p:sp>
+      <p:sp>
+        <p:nvSpPr>
+          <p:cNvPr id="7" name="Slide Number Placeholder 6"/>
+          <p:cNvSpPr>
+            <a:spLocks noGrp="1"/>
+          </p:cNvSpPr>
+          <p:nvPr>
+            <p:ph type="sldNum" sz="quarter" idx="12"/>
+          </p:nvPr>
+        </p:nvSpPr>
+        <p:spPr/>
+        <p:txBody>
+          <a:bodyPr/>
+          <a:lstStyle/>
+          <a:p>
+            <a:fld id="{24A0F28C-20EE-4B55-A037-6774DF0EE367}" type="slidenum">
+              <a:rPr lang="en-IN" smtClean="0"/>
+              <a:t>19</a:t>
+            </a:fld>
+            <a:endParaRPr lang="en-IN"/>
+          </a:p>
+        </p:txBody>
+      </p:sp>
+    </p:spTree>
+    <p:extLst>
+      <p:ext uri="{BB962C8B-B14F-4D97-AF65-F5344CB8AC3E}">
+        <p14:creationId xmlns:p14="http://schemas.microsoft.com/office/powerpoint/2010/main" val="3328592189"/>
+      </p:ext>
+    </p:extLst>
+  </p:cSld>
+  <p:clrMapOvr>
+    <a:masterClrMapping/>
+  </p:clrMapOvr>
+</p:sld>
+</file>
+
+<file path=ppt/slides/slide2.xml><?xml version="1.0" encoding="utf-8"?>
+<p:sld xmlns:a="http://schemas.openxmlformats.org/drawingml/2006/main" xmlns:r="http://schemas.openxmlformats.org/officeDocument/2006/relationships" xmlns:p="http://schemas.openxmlformats.org/presentationml/2006/main">
+  <p:cSld>
+    <p:spTree>
+      <p:nvGrpSpPr>
+        <p:cNvPr id="1" name=""/>
+        <p:cNvGrpSpPr/>
+        <p:nvPr/>
+      </p:nvGrpSpPr>
+      <p:grpSpPr>
+        <a:xfrm>
+          <a:off x="0" y="0"/>
+          <a:ext cx="0" cy="0"/>
+          <a:chOff x="0" y="0"/>
+          <a:chExt cx="0" cy="0"/>
+        </a:xfrm>
+      </p:grpSpPr>
+      <p:sp>
+        <p:nvSpPr>
+          <p:cNvPr id="2" name="Title 1"/>
+          <p:cNvSpPr>
+            <a:spLocks noGrp="1"/>
+          </p:cNvSpPr>
+          <p:nvPr>
+            <p:ph type="title"/>
+          </p:nvPr>
+        </p:nvSpPr>
+        <p:spPr/>
+        <p:txBody>
+          <a:bodyPr/>
+          <a:lstStyle/>
+          <a:p>
+            <a:r>
+              <a:rPr lang="en-IN" dirty="0" smtClean="0"/>
+              <a:t>Agenda</a:t>
+            </a:r>
+            <a:endParaRPr lang="en-IN" dirty="0"/>
+          </a:p>
+        </p:txBody>
+      </p:sp>
+      <p:sp>
+        <p:nvSpPr>
+          <p:cNvPr id="3" name="Content Placeholder 2"/>
+          <p:cNvSpPr>
+            <a:spLocks noGrp="1"/>
+          </p:cNvSpPr>
+          <p:nvPr>
+            <p:ph idx="1"/>
+          </p:nvPr>
+        </p:nvSpPr>
+        <p:spPr/>
+        <p:txBody>
+          <a:bodyPr/>
+          <a:lstStyle/>
+          <a:p>
+            <a:r>
+              <a:rPr lang="en-IN" dirty="0" smtClean="0"/>
+              <a:t>Project Description</a:t>
+            </a:r>
+          </a:p>
+          <a:p>
+            <a:r>
+              <a:rPr lang="en-IN" dirty="0" smtClean="0"/>
+              <a:t>Product History</a:t>
+            </a:r>
+          </a:p>
+          <a:p>
+            <a:r>
+              <a:rPr lang="en-IN" dirty="0" smtClean="0"/>
+              <a:t>Product structure</a:t>
+            </a:r>
+          </a:p>
+          <a:p>
+            <a:r>
+              <a:rPr lang="en-IN" dirty="0" smtClean="0"/>
+              <a:t>Defect Management</a:t>
+            </a:r>
+          </a:p>
+          <a:p>
+            <a:r>
+              <a:rPr lang="en-IN" dirty="0" smtClean="0"/>
+              <a:t>Appraisal of the Product and Management</a:t>
+            </a:r>
+            <a:endParaRPr lang="en-IN" dirty="0"/>
+          </a:p>
+        </p:txBody>
+      </p:sp>
+      <p:sp>
+        <p:nvSpPr>
+          <p:cNvPr id="4" name="Slide Number Placeholder 3"/>
+          <p:cNvSpPr>
+            <a:spLocks noGrp="1"/>
+          </p:cNvSpPr>
+          <p:nvPr>
+            <p:ph type="sldNum" sz="quarter" idx="12"/>
+          </p:nvPr>
+        </p:nvSpPr>
+        <p:spPr/>
+        <p:txBody>
+          <a:bodyPr/>
+          <a:lstStyle/>
+          <a:p>
+            <a:fld id="{24A0F28C-20EE-4B55-A037-6774DF0EE367}" type="slidenum">
+              <a:rPr lang="en-IN" smtClean="0"/>
+              <a:t>2</a:t>
+            </a:fld>
+            <a:endParaRPr lang="en-IN"/>
+          </a:p>
+        </p:txBody>
+      </p:sp>
+    </p:spTree>
+    <p:extLst>
+      <p:ext uri="{BB962C8B-B14F-4D97-AF65-F5344CB8AC3E}">
+        <p14:creationId xmlns:p14="http://schemas.microsoft.com/office/powerpoint/2010/main" val="676312445"/>
+      </p:ext>
+    </p:extLst>
+  </p:cSld>
+  <p:clrMapOvr>
+    <a:masterClrMapping/>
+  </p:clrMapOvr>
+  <p:timing>
+    <p:tnLst>
+      <p:par>
+        <p:cTn id="1" dur="indefinite" restart="never" nodeType="tmRoot"/>
+      </p:par>
+    </p:tnLst>
+  </p:timing>
+</p:sld>
+</file>
+
+<file path=ppt/slides/slide20.xml><?xml version="1.0" encoding="utf-8"?>
+<p:sld xmlns:a="http://schemas.openxmlformats.org/drawingml/2006/main" xmlns:r="http://schemas.openxmlformats.org/officeDocument/2006/relationships" xmlns:p="http://schemas.openxmlformats.org/presentationml/2006/main">
+  <p:cSld>
+    <p:spTree>
+      <p:nvGrpSpPr>
+        <p:cNvPr id="1" name=""/>
+        <p:cNvGrpSpPr/>
+        <p:nvPr/>
+      </p:nvGrpSpPr>
+      <p:grpSpPr>
+        <a:xfrm>
+          <a:off x="0" y="0"/>
+          <a:ext cx="0" cy="0"/>
+          <a:chOff x="0" y="0"/>
+          <a:chExt cx="0" cy="0"/>
+        </a:xfrm>
+      </p:grpSpPr>
+      <p:sp>
+        <p:nvSpPr>
+          <p:cNvPr id="2" name="标题 1"/>
+          <p:cNvSpPr>
+            <a:spLocks noGrp="1"/>
+          </p:cNvSpPr>
+          <p:nvPr>
+            <p:ph type="title"/>
+          </p:nvPr>
+        </p:nvSpPr>
+        <p:spPr/>
+        <p:txBody>
+          <a:bodyPr/>
+          <a:lstStyle/>
+          <a:p>
+            <a:r>
+              <a:rPr lang="en-US" altLang="zh-CN" dirty="0" smtClean="0"/>
+              <a:t>Repair and release Process</a:t>
+            </a:r>
+            <a:endParaRPr lang="zh-CN" altLang="en-US" dirty="0"/>
+          </a:p>
+        </p:txBody>
+      </p:sp>
+      <p:sp>
+        <p:nvSpPr>
+          <p:cNvPr id="3" name="内容占位符 2"/>
+          <p:cNvSpPr>
+            <a:spLocks noGrp="1"/>
+          </p:cNvSpPr>
+          <p:nvPr>
+            <p:ph idx="1"/>
+          </p:nvPr>
+        </p:nvSpPr>
+        <p:spPr/>
+        <p:txBody>
+          <a:bodyPr/>
+          <a:lstStyle/>
+          <a:p>
+            <a:r>
+              <a:rPr lang="en-US" altLang="zh-CN" dirty="0" smtClean="0"/>
+              <a:t>Step5 - </a:t>
+            </a:r>
+            <a:r>
+              <a:rPr lang="en-US" dirty="0" smtClean="0"/>
+              <a:t>We release the patch (or new major version) of the software</a:t>
+            </a:r>
+            <a:endParaRPr lang="zh-CN" altLang="en-US" dirty="0" smtClean="0"/>
+          </a:p>
+          <a:p>
+            <a:endParaRPr lang="zh-CN" altLang="en-US" dirty="0"/>
+          </a:p>
+        </p:txBody>
+      </p:sp>
+      <p:sp>
+        <p:nvSpPr>
+          <p:cNvPr id="4" name="Slide Number Placeholder 3"/>
+          <p:cNvSpPr>
+            <a:spLocks noGrp="1"/>
+          </p:cNvSpPr>
+          <p:nvPr>
+            <p:ph type="sldNum" sz="quarter" idx="12"/>
+          </p:nvPr>
+        </p:nvSpPr>
+        <p:spPr/>
+        <p:txBody>
+          <a:bodyPr/>
+          <a:lstStyle/>
+          <a:p>
+            <a:fld id="{24A0F28C-20EE-4B55-A037-6774DF0EE367}" type="slidenum">
+              <a:rPr lang="en-IN" smtClean="0"/>
+              <a:t>20</a:t>
+            </a:fld>
+            <a:endParaRPr lang="en-IN"/>
+          </a:p>
+        </p:txBody>
+      </p:sp>
+    </p:spTree>
+    <p:extLst>
+      <p:ext uri="{BB962C8B-B14F-4D97-AF65-F5344CB8AC3E}">
+        <p14:creationId xmlns:p14="http://schemas.microsoft.com/office/powerpoint/2010/main" val="1982122514"/>
+      </p:ext>
+    </p:extLst>
+  </p:cSld>
+  <p:clrMapOvr>
+    <a:masterClrMapping/>
+  </p:clrMapOvr>
+</p:sld>
+</file>
+
+<file path=ppt/slides/slide21.xml><?xml version="1.0" encoding="utf-8"?>
+<p:sld xmlns:a="http://schemas.openxmlformats.org/drawingml/2006/main" xmlns:r="http://schemas.openxmlformats.org/officeDocument/2006/relationships" xmlns:p="http://schemas.openxmlformats.org/presentationml/2006/main">
+  <p:cSld>
+    <p:spTree>
+      <p:nvGrpSpPr>
+        <p:cNvPr id="1" name=""/>
+        <p:cNvGrpSpPr/>
+        <p:nvPr/>
+      </p:nvGrpSpPr>
+      <p:grpSpPr>
+        <a:xfrm>
+          <a:off x="0" y="0"/>
+          <a:ext cx="0" cy="0"/>
+          <a:chOff x="0" y="0"/>
+          <a:chExt cx="0" cy="0"/>
+        </a:xfrm>
+      </p:grpSpPr>
+      <p:sp>
+        <p:nvSpPr>
+          <p:cNvPr id="2" name="标题 1"/>
+          <p:cNvSpPr>
+            <a:spLocks noGrp="1"/>
+          </p:cNvSpPr>
+          <p:nvPr>
+            <p:ph type="title"/>
+          </p:nvPr>
+        </p:nvSpPr>
+        <p:spPr/>
+        <p:txBody>
+          <a:bodyPr/>
+          <a:lstStyle/>
+          <a:p>
+            <a:r>
+              <a:rPr lang="en-US" altLang="zh-CN" dirty="0" smtClean="0"/>
+              <a:t>Or Fix it yourself </a:t>
+            </a:r>
+            <a:endParaRPr lang="zh-CN" altLang="en-US" dirty="0"/>
+          </a:p>
+        </p:txBody>
+      </p:sp>
+      <p:sp>
+        <p:nvSpPr>
+          <p:cNvPr id="3" name="内容占位符 2"/>
+          <p:cNvSpPr>
+            <a:spLocks noGrp="1"/>
+          </p:cNvSpPr>
+          <p:nvPr>
+            <p:ph idx="1"/>
+          </p:nvPr>
+        </p:nvSpPr>
+        <p:spPr>
+          <a:xfrm>
+            <a:off x="457200" y="1357298"/>
+            <a:ext cx="8229600" cy="4768865"/>
+          </a:xfrm>
+        </p:spPr>
+        <p:txBody>
+          <a:bodyPr>
+            <a:normAutofit/>
+          </a:bodyPr>
+          <a:lstStyle/>
+          <a:p>
+            <a:pPr>
+              <a:buNone/>
+            </a:pPr>
+            <a:r>
+              <a:rPr lang="en-US" dirty="0" smtClean="0"/>
+              <a:t>Issues may not guarantee to be fixed on a specific timeline as expected</a:t>
+            </a:r>
+          </a:p>
+          <a:p>
+            <a:pPr>
+              <a:buNone/>
+            </a:pPr>
+            <a:endParaRPr lang="en-US" dirty="0" smtClean="0"/>
+          </a:p>
+          <a:p>
+            <a:pPr>
+              <a:buNone/>
+            </a:pPr>
+            <a:r>
+              <a:rPr lang="en-US" dirty="0" smtClean="0"/>
+              <a:t>fix the issue then send a pull request</a:t>
+            </a:r>
+          </a:p>
+          <a:p>
+            <a:pPr>
+              <a:buNone/>
+            </a:pPr>
+            <a:endParaRPr lang="en-US" dirty="0" smtClean="0"/>
+          </a:p>
+          <a:p>
+            <a:pPr>
+              <a:buNone/>
+            </a:pPr>
+            <a:r>
+              <a:rPr lang="en-US" dirty="0" smtClean="0"/>
+              <a:t>It requires</a:t>
+            </a:r>
+          </a:p>
+          <a:p>
+            <a:r>
+              <a:rPr lang="en-US" dirty="0" smtClean="0"/>
+              <a:t>Understand the branch strategy </a:t>
+            </a:r>
+          </a:p>
+          <a:p>
+            <a:r>
+              <a:rPr lang="en-US" dirty="0" smtClean="0"/>
+              <a:t>Follow code style</a:t>
+            </a:r>
+          </a:p>
+          <a:p>
+            <a:r>
+              <a:rPr lang="en-US" dirty="0" smtClean="0"/>
+              <a:t>Change must pass all tests</a:t>
+            </a:r>
+            <a:endParaRPr lang="zh-CN" altLang="en-US" dirty="0" smtClean="0"/>
+          </a:p>
+          <a:p>
+            <a:endParaRPr lang="zh-CN" altLang="en-US" dirty="0"/>
+          </a:p>
+        </p:txBody>
+      </p:sp>
+      <p:sp>
+        <p:nvSpPr>
+          <p:cNvPr id="4" name="Slide Number Placeholder 3"/>
+          <p:cNvSpPr>
+            <a:spLocks noGrp="1"/>
+          </p:cNvSpPr>
+          <p:nvPr>
+            <p:ph type="sldNum" sz="quarter" idx="12"/>
+          </p:nvPr>
+        </p:nvSpPr>
+        <p:spPr/>
+        <p:txBody>
+          <a:bodyPr/>
+          <a:lstStyle/>
+          <a:p>
+            <a:fld id="{24A0F28C-20EE-4B55-A037-6774DF0EE367}" type="slidenum">
+              <a:rPr lang="en-IN" smtClean="0"/>
+              <a:t>21</a:t>
+            </a:fld>
+            <a:endParaRPr lang="en-IN"/>
+          </a:p>
+        </p:txBody>
+      </p:sp>
+    </p:spTree>
+    <p:extLst>
+      <p:ext uri="{BB962C8B-B14F-4D97-AF65-F5344CB8AC3E}">
+        <p14:creationId xmlns:p14="http://schemas.microsoft.com/office/powerpoint/2010/main" val="2895263554"/>
+      </p:ext>
+    </p:extLst>
+  </p:cSld>
+  <p:clrMapOvr>
+    <a:masterClrMapping/>
+  </p:clrMapOvr>
+</p:sld>
+</file>
+
+<file path=ppt/slides/slide22.xml><?xml version="1.0" encoding="utf-8"?>
+<p:sld xmlns:a="http://schemas.openxmlformats.org/drawingml/2006/main" xmlns:r="http://schemas.openxmlformats.org/officeDocument/2006/relationships" xmlns:p="http://schemas.openxmlformats.org/presentationml/2006/main">
+  <p:cSld>
+    <p:spTree>
+      <p:nvGrpSpPr>
+        <p:cNvPr id="1" name=""/>
+        <p:cNvGrpSpPr/>
+        <p:nvPr/>
+      </p:nvGrpSpPr>
+      <p:grpSpPr>
+        <a:xfrm>
+          <a:off x="0" y="0"/>
+          <a:ext cx="0" cy="0"/>
+          <a:chOff x="0" y="0"/>
+          <a:chExt cx="0" cy="0"/>
+        </a:xfrm>
+      </p:grpSpPr>
+      <p:pic>
+        <p:nvPicPr>
+          <p:cNvPr id="5122" name="Picture 2"/>
+          <p:cNvPicPr>
+            <a:picLocks noChangeAspect="1" noChangeArrowheads="1"/>
+          </p:cNvPicPr>
+          <p:nvPr/>
+        </p:nvPicPr>
+        <p:blipFill>
+          <a:blip r:embed="rId2"/>
+          <a:srcRect l="10547" t="9665" r="16211" b="16206"/>
+          <a:stretch>
+            <a:fillRect/>
+          </a:stretch>
+        </p:blipFill>
+        <p:spPr bwMode="auto">
+          <a:xfrm>
+            <a:off x="500034" y="214290"/>
+            <a:ext cx="8010511" cy="4357718"/>
+          </a:xfrm>
+          <a:prstGeom prst="rect">
+            <a:avLst/>
+          </a:prstGeom>
+          <a:noFill/>
+          <a:ln w="9525">
+            <a:noFill/>
+            <a:miter lim="800000"/>
+            <a:headEnd/>
+            <a:tailEnd/>
+          </a:ln>
+          <a:effectLst/>
+        </p:spPr>
+      </p:pic>
+      <p:pic>
+        <p:nvPicPr>
+          <p:cNvPr id="5123" name="Picture 3"/>
+          <p:cNvPicPr>
+            <a:picLocks noChangeAspect="1" noChangeArrowheads="1"/>
+          </p:cNvPicPr>
+          <p:nvPr/>
+        </p:nvPicPr>
+        <p:blipFill>
+          <a:blip r:embed="rId3"/>
+          <a:srcRect l="9570" t="23837" r="31836" b="42369"/>
+          <a:stretch>
+            <a:fillRect/>
+          </a:stretch>
+        </p:blipFill>
+        <p:spPr bwMode="auto">
+          <a:xfrm>
+            <a:off x="500034" y="4500570"/>
+            <a:ext cx="7143800" cy="2214578"/>
+          </a:xfrm>
+          <a:prstGeom prst="rect">
+            <a:avLst/>
+          </a:prstGeom>
+          <a:noFill/>
+          <a:ln w="9525">
+            <a:noFill/>
+            <a:miter lim="800000"/>
+            <a:headEnd/>
+            <a:tailEnd/>
+          </a:ln>
+          <a:effectLst/>
+        </p:spPr>
+      </p:pic>
+      <p:sp>
+        <p:nvSpPr>
+          <p:cNvPr id="2" name="Slide Number Placeholder 1"/>
+          <p:cNvSpPr>
+            <a:spLocks noGrp="1"/>
+          </p:cNvSpPr>
+          <p:nvPr>
+            <p:ph type="sldNum" sz="quarter" idx="12"/>
+          </p:nvPr>
+        </p:nvSpPr>
+        <p:spPr/>
+        <p:txBody>
+          <a:bodyPr/>
+          <a:lstStyle/>
+          <a:p>
+            <a:fld id="{24A0F28C-20EE-4B55-A037-6774DF0EE367}" type="slidenum">
+              <a:rPr lang="en-IN" smtClean="0"/>
+              <a:t>22</a:t>
+            </a:fld>
+            <a:endParaRPr lang="en-IN"/>
+          </a:p>
+        </p:txBody>
+      </p:sp>
+    </p:spTree>
+    <p:extLst>
+      <p:ext uri="{BB962C8B-B14F-4D97-AF65-F5344CB8AC3E}">
+        <p14:creationId xmlns:p14="http://schemas.microsoft.com/office/powerpoint/2010/main" val="3752690445"/>
+      </p:ext>
+    </p:extLst>
+  </p:cSld>
+  <p:clrMapOvr>
+    <a:masterClrMapping/>
+  </p:clrMapOvr>
+</p:sld>
+</file>
+
+<file path=ppt/slides/slide23.xml><?xml version="1.0" encoding="utf-8"?>
+<p:sld xmlns:a="http://schemas.openxmlformats.org/drawingml/2006/main" xmlns:r="http://schemas.openxmlformats.org/officeDocument/2006/relationships" xmlns:p="http://schemas.openxmlformats.org/presentationml/2006/main">
+  <p:cSld>
+    <p:spTree>
+      <p:nvGrpSpPr>
+        <p:cNvPr id="1" name=""/>
+        <p:cNvGrpSpPr/>
+        <p:nvPr/>
+      </p:nvGrpSpPr>
+      <p:grpSpPr>
+        <a:xfrm>
+          <a:off x="0" y="0"/>
+          <a:ext cx="0" cy="0"/>
+          <a:chOff x="0" y="0"/>
+          <a:chExt cx="0" cy="0"/>
+        </a:xfrm>
+      </p:grpSpPr>
+      <p:sp>
+        <p:nvSpPr>
+          <p:cNvPr id="2" name="Title 1"/>
+          <p:cNvSpPr>
+            <a:spLocks noGrp="1"/>
+          </p:cNvSpPr>
+          <p:nvPr>
+            <p:ph type="title"/>
+          </p:nvPr>
+        </p:nvSpPr>
+        <p:spPr>
+          <a:xfrm>
+            <a:off x="1416676" y="624110"/>
+            <a:ext cx="7366715" cy="1509490"/>
+          </a:xfrm>
+        </p:spPr>
+        <p:txBody>
+          <a:bodyPr>
+            <a:normAutofit fontScale="90000"/>
+          </a:bodyPr>
+          <a:lstStyle/>
+          <a:p>
+            <a:r>
+              <a:rPr lang="en-IN" b="1" dirty="0"/>
+              <a:t>Appraisal of the Product and </a:t>
+            </a:r>
+            <a:r>
+              <a:rPr lang="en-IN" b="1" dirty="0" smtClean="0"/>
+              <a:t>Management</a:t>
+            </a:r>
+            <a:br>
+              <a:rPr lang="en-IN" b="1" dirty="0" smtClean="0"/>
+            </a:br>
+            <a:r>
+              <a:rPr lang="en-US" dirty="0" smtClean="0"/>
+              <a:t/>
+            </a:r>
+            <a:br>
+              <a:rPr lang="en-US" dirty="0" smtClean="0"/>
+            </a:br>
+            <a:r>
+              <a:rPr lang="en-US" dirty="0" smtClean="0"/>
+              <a:t>Standards </a:t>
+            </a:r>
+            <a:r>
+              <a:rPr lang="en-US" dirty="0" smtClean="0"/>
+              <a:t>Compliance</a:t>
+            </a:r>
+            <a:endParaRPr lang="en-US" dirty="0"/>
+          </a:p>
+        </p:txBody>
+      </p:sp>
+      <p:sp>
+        <p:nvSpPr>
+          <p:cNvPr id="3" name="Content Placeholder 2"/>
+          <p:cNvSpPr>
+            <a:spLocks noGrp="1"/>
+          </p:cNvSpPr>
+          <p:nvPr>
+            <p:ph idx="1"/>
+          </p:nvPr>
+        </p:nvSpPr>
+        <p:spPr>
+          <a:xfrm>
+            <a:off x="1981052" y="3080378"/>
+            <a:ext cx="6591985" cy="3777622"/>
+          </a:xfrm>
+        </p:spPr>
+        <p:txBody>
+          <a:bodyPr/>
+          <a:lstStyle/>
+          <a:p>
+            <a:r>
+              <a:rPr lang="en-US" dirty="0" smtClean="0"/>
+              <a:t>W3C</a:t>
+            </a:r>
+          </a:p>
+          <a:p>
+            <a:r>
+              <a:rPr lang="en-US" dirty="0" smtClean="0"/>
+              <a:t>HTTP, SMTP</a:t>
+            </a:r>
+          </a:p>
+          <a:p>
+            <a:r>
+              <a:rPr lang="en-US" dirty="0" smtClean="0"/>
+              <a:t>SOAP, </a:t>
+            </a:r>
+            <a:r>
+              <a:rPr lang="en-US" dirty="0" err="1" smtClean="0"/>
+              <a:t>RESTful</a:t>
+            </a:r>
+            <a:r>
+              <a:rPr lang="en-US" dirty="0" smtClean="0"/>
+              <a:t> (Jersey)</a:t>
+            </a:r>
+          </a:p>
+          <a:p>
+            <a:r>
+              <a:rPr lang="en-US" dirty="0" smtClean="0"/>
+              <a:t>MVC (Spring MVC), ORM (Hibernate)</a:t>
+            </a:r>
+          </a:p>
+          <a:p>
+            <a:r>
+              <a:rPr lang="en-US" dirty="0" smtClean="0"/>
+              <a:t>Issue Tracking Strategy</a:t>
+            </a:r>
+          </a:p>
+          <a:p>
+            <a:r>
+              <a:rPr lang="en-US" dirty="0" smtClean="0"/>
+              <a:t>Pull Request &amp; Branching Strategy</a:t>
+            </a:r>
+          </a:p>
+          <a:p>
+            <a:r>
+              <a:rPr lang="en-US" dirty="0" smtClean="0"/>
+              <a:t>Code Style</a:t>
+            </a:r>
+            <a:endParaRPr lang="en-US" dirty="0"/>
+          </a:p>
+        </p:txBody>
+      </p:sp>
+      <p:sp>
+        <p:nvSpPr>
+          <p:cNvPr id="4" name="Slide Number Placeholder 3"/>
+          <p:cNvSpPr>
+            <a:spLocks noGrp="1"/>
+          </p:cNvSpPr>
+          <p:nvPr>
+            <p:ph type="sldNum" sz="quarter" idx="12"/>
+          </p:nvPr>
+        </p:nvSpPr>
+        <p:spPr/>
+        <p:txBody>
+          <a:bodyPr/>
+          <a:lstStyle/>
+          <a:p>
+            <a:fld id="{24A0F28C-20EE-4B55-A037-6774DF0EE367}" type="slidenum">
+              <a:rPr lang="en-IN" smtClean="0"/>
+              <a:t>23</a:t>
+            </a:fld>
+            <a:endParaRPr lang="en-IN"/>
+          </a:p>
+        </p:txBody>
+      </p:sp>
+    </p:spTree>
+    <p:extLst>
+      <p:ext uri="{BB962C8B-B14F-4D97-AF65-F5344CB8AC3E}">
+        <p14:creationId xmlns:p14="http://schemas.microsoft.com/office/powerpoint/2010/main" val="1049730470"/>
+      </p:ext>
+    </p:extLst>
+  </p:cSld>
+  <p:clrMapOvr>
+    <a:masterClrMapping/>
+  </p:clrMapOvr>
+  <p:timing>
+    <p:tnLst>
+      <p:par>
+        <p:cTn id="1" dur="indefinite" restart="never" nodeType="tmRoot"/>
+      </p:par>
+    </p:tnLst>
+  </p:timing>
+</p:sld>
+</file>
+
+<file path=ppt/slides/slide24.xml><?xml version="1.0" encoding="utf-8"?>
+<p:sld xmlns:a="http://schemas.openxmlformats.org/drawingml/2006/main" xmlns:r="http://schemas.openxmlformats.org/officeDocument/2006/relationships" xmlns:p="http://schemas.openxmlformats.org/presentationml/2006/main">
+  <p:cSld>
+    <p:spTree>
+      <p:nvGrpSpPr>
+        <p:cNvPr id="1" name=""/>
+        <p:cNvGrpSpPr/>
+        <p:nvPr/>
+      </p:nvGrpSpPr>
+      <p:grpSpPr>
+        <a:xfrm>
+          <a:off x="0" y="0"/>
+          <a:ext cx="0" cy="0"/>
+          <a:chOff x="0" y="0"/>
+          <a:chExt cx="0" cy="0"/>
+        </a:xfrm>
+      </p:grpSpPr>
+      <p:sp>
+        <p:nvSpPr>
           <p:cNvPr id="2" name="Title 1"/>
           <p:cNvSpPr>
             <a:spLocks noGrp="1"/>
@@ -9684,7 +12988,7 @@
           <a:p>
             <a:fld id="{24A0F28C-20EE-4B55-A037-6774DF0EE367}" type="slidenum">
               <a:rPr lang="en-IN" smtClean="0"/>
-              <a:t>10</a:t>
+              <a:t>24</a:t>
             </a:fld>
             <a:endParaRPr lang="en-IN"/>
           </a:p>
@@ -9710,7 +13014,7 @@
 </p:sld>
 </file>
 
-<file path=ppt/slides/slide11.xml><?xml version="1.0" encoding="utf-8"?>
+<file path=ppt/slides/slide25.xml><?xml version="1.0" encoding="utf-8"?>
 <p:sld xmlns:a="http://schemas.openxmlformats.org/drawingml/2006/main" xmlns:r="http://schemas.openxmlformats.org/officeDocument/2006/relationships" xmlns:p="http://schemas.openxmlformats.org/presentationml/2006/main">
   <p:cSld>
     <p:spTree>
@@ -9927,7 +13231,7 @@
           <a:p>
             <a:fld id="{24A0F28C-20EE-4B55-A037-6774DF0EE367}" type="slidenum">
               <a:rPr lang="en-IN" smtClean="0"/>
-              <a:t>11</a:t>
+              <a:t>25</a:t>
             </a:fld>
             <a:endParaRPr lang="en-IN"/>
           </a:p>
@@ -9953,7 +13257,7 @@
 </p:sld>
 </file>
 
-<file path=ppt/slides/slide12.xml><?xml version="1.0" encoding="utf-8"?>
+<file path=ppt/slides/slide26.xml><?xml version="1.0" encoding="utf-8"?>
 <p:sld xmlns:a="http://schemas.openxmlformats.org/drawingml/2006/main" xmlns:r="http://schemas.openxmlformats.org/officeDocument/2006/relationships" xmlns:p="http://schemas.openxmlformats.org/presentationml/2006/main">
   <p:cSld>
     <p:spTree>
@@ -10077,7 +13381,7 @@
           <a:p>
             <a:fld id="{24A0F28C-20EE-4B55-A037-6774DF0EE367}" type="slidenum">
               <a:rPr lang="en-IN" smtClean="0"/>
-              <a:t>12</a:t>
+              <a:t>26</a:t>
             </a:fld>
             <a:endParaRPr lang="en-IN"/>
           </a:p>
@@ -10103,7 +13407,7 @@
 </p:sld>
 </file>
 
-<file path=ppt/slides/slide13.xml><?xml version="1.0" encoding="utf-8"?>
+<file path=ppt/slides/slide27.xml><?xml version="1.0" encoding="utf-8"?>
 <p:sld xmlns:a="http://schemas.openxmlformats.org/drawingml/2006/main" xmlns:r="http://schemas.openxmlformats.org/officeDocument/2006/relationships" xmlns:p="http://schemas.openxmlformats.org/presentationml/2006/main">
   <p:cSld>
     <p:spTree>
@@ -10349,7 +13653,7 @@
           <a:p>
             <a:fld id="{24A0F28C-20EE-4B55-A037-6774DF0EE367}" type="slidenum">
               <a:rPr lang="en-IN" smtClean="0"/>
-              <a:t>13</a:t>
+              <a:t>27</a:t>
             </a:fld>
             <a:endParaRPr lang="en-IN"/>
           </a:p>
@@ -10375,7 +13679,7 @@
 </p:sld>
 </file>
 
-<file path=ppt/slides/slide14.xml><?xml version="1.0" encoding="utf-8"?>
+<file path=ppt/slides/slide28.xml><?xml version="1.0" encoding="utf-8"?>
 <p:sld xmlns:a="http://schemas.openxmlformats.org/drawingml/2006/main" xmlns:r="http://schemas.openxmlformats.org/officeDocument/2006/relationships" xmlns:p="http://schemas.openxmlformats.org/presentationml/2006/main">
   <p:cSld>
     <p:spTree>
@@ -10523,7 +13827,7 @@
           <a:p>
             <a:fld id="{24A0F28C-20EE-4B55-A037-6774DF0EE367}" type="slidenum">
               <a:rPr lang="en-IN" smtClean="0"/>
-              <a:t>14</a:t>
+              <a:t>28</a:t>
             </a:fld>
             <a:endParaRPr lang="en-IN"/>
           </a:p>
@@ -10549,7 +13853,7 @@
 </p:sld>
 </file>
 
-<file path=ppt/slides/slide2.xml><?xml version="1.0" encoding="utf-8"?>
+<file path=ppt/slides/slide29.xml><?xml version="1.0" encoding="utf-8"?>
 <p:sld xmlns:a="http://schemas.openxmlformats.org/drawingml/2006/main" xmlns:r="http://schemas.openxmlformats.org/officeDocument/2006/relationships" xmlns:p="http://schemas.openxmlformats.org/presentationml/2006/main">
   <p:cSld>
     <p:spTree>
@@ -10582,21 +13886,21 @@
           <a:lstStyle/>
           <a:p>
             <a:r>
-              <a:rPr lang="en-IN" dirty="0" smtClean="0"/>
-              <a:t>Agenda</a:t>
-            </a:r>
-            <a:endParaRPr lang="en-IN" dirty="0"/>
-          </a:p>
-        </p:txBody>
-      </p:sp>
-      <p:sp>
-        <p:nvSpPr>
-          <p:cNvPr id="3" name="Content Placeholder 2"/>
-          <p:cNvSpPr>
-            <a:spLocks noGrp="1"/>
-          </p:cNvSpPr>
-          <p:nvPr>
-            <p:ph idx="1"/>
+              <a:rPr lang="en-IN" smtClean="0"/>
+              <a:t>Thank you</a:t>
+            </a:r>
+            <a:endParaRPr lang="en-IN"/>
+          </a:p>
+        </p:txBody>
+      </p:sp>
+      <p:sp>
+        <p:nvSpPr>
+          <p:cNvPr id="3" name="Text Placeholder 2"/>
+          <p:cNvSpPr>
+            <a:spLocks noGrp="1"/>
+          </p:cNvSpPr>
+          <p:nvPr>
+            <p:ph type="body" idx="1"/>
           </p:nvPr>
         </p:nvSpPr>
         <p:spPr/>
@@ -10604,35 +13908,7 @@
           <a:bodyPr/>
           <a:lstStyle/>
           <a:p>
-            <a:r>
-              <a:rPr lang="en-IN" dirty="0" smtClean="0"/>
-              <a:t>Project Description</a:t>
-            </a:r>
-          </a:p>
-          <a:p>
-            <a:r>
-              <a:rPr lang="en-IN" dirty="0" smtClean="0"/>
-              <a:t>Product History</a:t>
-            </a:r>
-          </a:p>
-          <a:p>
-            <a:r>
-              <a:rPr lang="en-IN" dirty="0" smtClean="0"/>
-              <a:t>Product structure</a:t>
-            </a:r>
-          </a:p>
-          <a:p>
-            <a:r>
-              <a:rPr lang="en-IN" dirty="0" smtClean="0"/>
-              <a:t>Defect Management</a:t>
-            </a:r>
-          </a:p>
-          <a:p>
-            <a:r>
-              <a:rPr lang="en-IN" dirty="0" smtClean="0"/>
-              <a:t>Appraisal of the Product and Management</a:t>
-            </a:r>
-            <a:endParaRPr lang="en-IN" dirty="0"/>
+            <a:endParaRPr lang="en-IN"/>
           </a:p>
         </p:txBody>
       </p:sp>
@@ -10653,7 +13929,7 @@
           <a:p>
             <a:fld id="{24A0F28C-20EE-4B55-A037-6774DF0EE367}" type="slidenum">
               <a:rPr lang="en-IN" smtClean="0"/>
-              <a:t>2</a:t>
+              <a:t>29</a:t>
             </a:fld>
             <a:endParaRPr lang="en-IN"/>
           </a:p>
@@ -10662,7 +13938,7 @@
     </p:spTree>
     <p:extLst>
       <p:ext uri="{BB962C8B-B14F-4D97-AF65-F5344CB8AC3E}">
-        <p14:creationId xmlns:p14="http://schemas.microsoft.com/office/powerpoint/2010/main" val="676312445"/>
+        <p14:creationId xmlns:p14="http://schemas.microsoft.com/office/powerpoint/2010/main" val="3086470553"/>
       </p:ext>
     </p:extLst>
   </p:cSld>
@@ -11787,8 +15063,8 @@
         </p:blipFill>
         <p:spPr>
           <a:xfrm>
-            <a:off x="3419341" y="1939075"/>
-            <a:ext cx="3470480" cy="3791822"/>
+            <a:off x="1945201" y="1264555"/>
+            <a:ext cx="4944620" cy="5402457"/>
           </a:xfrm>
           <a:prstGeom prst="rect">
             <a:avLst/>
@@ -12023,7 +15299,7 @@
       </p:grpSpPr>
       <p:sp>
         <p:nvSpPr>
-          <p:cNvPr id="2" name="Title 1"/>
+          <p:cNvPr id="2" name="标题 1"/>
           <p:cNvSpPr>
             <a:spLocks noGrp="1"/>
           </p:cNvSpPr>
@@ -12033,121 +15309,60 @@
         </p:nvSpPr>
         <p:spPr>
           <a:xfrm>
-            <a:off x="1416676" y="624110"/>
-            <a:ext cx="7366715" cy="1509490"/>
+            <a:off x="740535" y="120092"/>
+            <a:ext cx="8229600" cy="796908"/>
           </a:xfrm>
         </p:spPr>
         <p:txBody>
-          <a:bodyPr>
-            <a:normAutofit fontScale="90000"/>
-          </a:bodyPr>
-          <a:lstStyle/>
-          <a:p>
-            <a:r>
-              <a:rPr lang="en-IN" b="1" dirty="0"/>
-              <a:t>Appraisal of the Product and </a:t>
-            </a:r>
-            <a:r>
-              <a:rPr lang="en-IN" b="1" dirty="0" smtClean="0"/>
-              <a:t>Management</a:t>
-            </a:r>
-            <a:br>
-              <a:rPr lang="en-IN" b="1" dirty="0" smtClean="0"/>
-            </a:br>
-            <a:r>
-              <a:rPr lang="en-US" dirty="0" smtClean="0"/>
-              <a:t/>
-            </a:r>
-            <a:br>
-              <a:rPr lang="en-US" dirty="0" smtClean="0"/>
-            </a:br>
-            <a:r>
-              <a:rPr lang="en-US" dirty="0" smtClean="0"/>
-              <a:t>Standards </a:t>
-            </a:r>
-            <a:r>
-              <a:rPr lang="en-US" dirty="0" smtClean="0"/>
-              <a:t>Compliance</a:t>
-            </a:r>
-            <a:endParaRPr lang="en-US" dirty="0"/>
-          </a:p>
-        </p:txBody>
-      </p:sp>
-      <p:sp>
-        <p:nvSpPr>
-          <p:cNvPr id="3" name="Content Placeholder 2"/>
-          <p:cNvSpPr>
-            <a:spLocks noGrp="1"/>
-          </p:cNvSpPr>
+          <a:bodyPr/>
+          <a:lstStyle/>
+          <a:p>
+            <a:r>
+              <a:rPr lang="en-US" altLang="zh-CN" dirty="0" smtClean="0"/>
+              <a:t>Architecture (v4.0)</a:t>
+            </a:r>
+            <a:endParaRPr lang="zh-CN" altLang="en-US" dirty="0"/>
+          </a:p>
+        </p:txBody>
+      </p:sp>
+      <p:pic>
+        <p:nvPicPr>
+          <p:cNvPr id="1026" name="Picture 2"/>
+          <p:cNvPicPr>
+            <a:picLocks noGrp="1" noChangeAspect="1" noChangeArrowheads="1"/>
+          </p:cNvPicPr>
           <p:nvPr>
             <p:ph idx="1"/>
           </p:nvPr>
-        </p:nvSpPr>
-        <p:spPr>
+        </p:nvPicPr>
+        <p:blipFill>
+          <a:blip r:embed="rId2"/>
+          <a:srcRect/>
+          <a:stretch>
+            <a:fillRect/>
+          </a:stretch>
+        </p:blipFill>
+        <p:spPr bwMode="auto">
           <a:xfrm>
-            <a:off x="1981052" y="3080378"/>
-            <a:ext cx="6591985" cy="3777622"/>
+            <a:off x="1213984" y="1188681"/>
+            <a:ext cx="7282701" cy="5357812"/>
           </a:xfrm>
+          <a:prstGeom prst="rect">
+            <a:avLst/>
+          </a:prstGeom>
+          <a:noFill/>
+          <a:ln w="9525">
+            <a:noFill/>
+            <a:miter lim="800000"/>
+            <a:headEnd/>
+            <a:tailEnd/>
+          </a:ln>
+          <a:effectLst/>
         </p:spPr>
-        <p:txBody>
-          <a:bodyPr/>
-          <a:lstStyle/>
-          <a:p>
-            <a:r>
-              <a:rPr lang="en-US" dirty="0" smtClean="0"/>
-              <a:t>W3C</a:t>
-            </a:r>
-          </a:p>
-          <a:p>
-            <a:r>
-              <a:rPr lang="en-US" dirty="0" smtClean="0"/>
-              <a:t>HTTP, SMTP</a:t>
-            </a:r>
-          </a:p>
-          <a:p>
-            <a:r>
-              <a:rPr lang="en-US" dirty="0" smtClean="0"/>
-              <a:t>SOAP, </a:t>
-            </a:r>
-            <a:r>
-              <a:rPr lang="en-US" dirty="0" err="1" smtClean="0"/>
-              <a:t>RESTful</a:t>
-            </a:r>
-            <a:r>
-              <a:rPr lang="en-US" dirty="0" smtClean="0"/>
-              <a:t> (Jersey)</a:t>
-            </a:r>
-          </a:p>
-          <a:p>
-            <a:r>
-              <a:rPr lang="en-US" dirty="0" smtClean="0"/>
-              <a:t>MVC (Spring MVC), ORM (Hibernate)</a:t>
-            </a:r>
-          </a:p>
-          <a:p>
-            <a:r>
-              <a:rPr lang="en-US" dirty="0" smtClean="0"/>
-              <a:t>Issue Tracking Strategy</a:t>
-            </a:r>
-          </a:p>
-          <a:p>
-            <a:r>
-              <a:rPr lang="en-US" dirty="0" smtClean="0"/>
-              <a:t>Pull Request &amp; Branching Strategy</a:t>
-            </a:r>
-          </a:p>
-          <a:p>
-            <a:r>
-              <a:rPr lang="en-US" dirty="0" smtClean="0"/>
-              <a:t>Code Style</a:t>
-            </a:r>
-            <a:endParaRPr lang="en-US" dirty="0"/>
-          </a:p>
-        </p:txBody>
-      </p:sp>
-      <p:sp>
-        <p:nvSpPr>
-          <p:cNvPr id="4" name="Slide Number Placeholder 3"/>
+      </p:pic>
+      <p:sp>
+        <p:nvSpPr>
+          <p:cNvPr id="3" name="Slide Number Placeholder 2"/>
           <p:cNvSpPr>
             <a:spLocks noGrp="1"/>
           </p:cNvSpPr>
@@ -12171,7 +15386,7 @@
     </p:spTree>
     <p:extLst>
       <p:ext uri="{BB962C8B-B14F-4D97-AF65-F5344CB8AC3E}">
-        <p14:creationId xmlns:p14="http://schemas.microsoft.com/office/powerpoint/2010/main" val="1049730470"/>
+        <p14:creationId xmlns:p14="http://schemas.microsoft.com/office/powerpoint/2010/main" val="1008790154"/>
       </p:ext>
     </p:extLst>
   </p:cSld>
